--- a/thesis.pptx
+++ b/thesis.pptx
@@ -1,12 +1,25 @@
 
 <file path=ppt/presentation.xml><?xml version="1.0" encoding="utf-8"?>
-<p:presentation xmlns:a="http://schemas.openxmlformats.org/drawingml/2006/main" xmlns:r="http://schemas.openxmlformats.org/officeDocument/2006/relationships" xmlns:p="http://schemas.openxmlformats.org/presentationml/2006/main" saveSubsetFonts="1" autoCompressPictures="0">
+<p:presentation xmlns:a="http://schemas.openxmlformats.org/drawingml/2006/main" xmlns:r="http://schemas.openxmlformats.org/officeDocument/2006/relationships" xmlns:p="http://schemas.openxmlformats.org/presentationml/2006/main" firstSlideNum="0" showSpecialPlsOnTitleSld="0" saveSubsetFonts="1" autoCompressPictures="0">
   <p:sldMasterIdLst>
-    <p:sldMasterId id="2147483648" r:id="rId1"/>
+    <p:sldMasterId id="2147483780" r:id="rId1"/>
   </p:sldMasterIdLst>
+  <p:notesMasterIdLst>
+    <p:notesMasterId r:id="rId11"/>
+  </p:notesMasterIdLst>
+  <p:handoutMasterIdLst>
+    <p:handoutMasterId r:id="rId12"/>
+  </p:handoutMasterIdLst>
   <p:sldIdLst>
     <p:sldId id="256" r:id="rId2"/>
-    <p:sldId id="257" r:id="rId3"/>
+    <p:sldId id="258" r:id="rId3"/>
+    <p:sldId id="257" r:id="rId4"/>
+    <p:sldId id="259" r:id="rId5"/>
+    <p:sldId id="260" r:id="rId6"/>
+    <p:sldId id="261" r:id="rId7"/>
+    <p:sldId id="262" r:id="rId8"/>
+    <p:sldId id="263" r:id="rId9"/>
+    <p:sldId id="264" r:id="rId10"/>
   </p:sldIdLst>
   <p:sldSz cx="12192000" cy="6858000"/>
   <p:notesSz cx="6858000" cy="9144000"/>
@@ -105,11 +118,1297 @@
       </a:defRPr>
     </a:lvl9pPr>
   </p:defaultTextStyle>
+  <p:extLst>
+    <p:ext uri="{EFAFB233-063F-42B5-8137-9DF3F51BA10A}">
+      <p15:sldGuideLst xmlns:p15="http://schemas.microsoft.com/office/powerpoint/2012/main"/>
+    </p:ext>
+  </p:extLst>
 </p:presentation>
 </file>
 
+<file path=ppt/handoutMasters/handoutMaster1.xml><?xml version="1.0" encoding="utf-8"?>
+<p:handoutMaster xmlns:a="http://schemas.openxmlformats.org/drawingml/2006/main" xmlns:r="http://schemas.openxmlformats.org/officeDocument/2006/relationships" xmlns:p="http://schemas.openxmlformats.org/presentationml/2006/main">
+  <p:cSld>
+    <p:bg>
+      <p:bgRef idx="1001">
+        <a:schemeClr val="bg1"/>
+      </p:bgRef>
+    </p:bg>
+    <p:spTree>
+      <p:nvGrpSpPr>
+        <p:cNvPr id="1" name=""/>
+        <p:cNvGrpSpPr/>
+        <p:nvPr/>
+      </p:nvGrpSpPr>
+      <p:grpSpPr>
+        <a:xfrm>
+          <a:off x="0" y="0"/>
+          <a:ext cx="0" cy="0"/>
+          <a:chOff x="0" y="0"/>
+          <a:chExt cx="0" cy="0"/>
+        </a:xfrm>
+      </p:grpSpPr>
+      <p:sp>
+        <p:nvSpPr>
+          <p:cNvPr id="2" name="Espace réservé de l’en-tête 1"/>
+          <p:cNvSpPr>
+            <a:spLocks noGrp="1"/>
+          </p:cNvSpPr>
+          <p:nvPr>
+            <p:ph type="hdr" sz="quarter"/>
+          </p:nvPr>
+        </p:nvSpPr>
+        <p:spPr>
+          <a:xfrm>
+            <a:off x="0" y="0"/>
+            <a:ext cx="2971800" cy="458788"/>
+          </a:xfrm>
+          <a:prstGeom prst="rect">
+            <a:avLst/>
+          </a:prstGeom>
+        </p:spPr>
+        <p:txBody>
+          <a:bodyPr vert="horz" lIns="91440" tIns="45720" rIns="91440" bIns="45720" rtlCol="0"/>
+          <a:lstStyle>
+            <a:lvl1pPr algn="l">
+              <a:defRPr sz="1200"/>
+            </a:lvl1pPr>
+          </a:lstStyle>
+          <a:p>
+            <a:r>
+              <a:rPr lang="en-GB" smtClean="0"/>
+              <a:t>be</a:t>
+            </a:r>
+            <a:endParaRPr lang="en-GB"/>
+          </a:p>
+        </p:txBody>
+      </p:sp>
+      <p:sp>
+        <p:nvSpPr>
+          <p:cNvPr id="3" name="Espace réservé de la date 2"/>
+          <p:cNvSpPr>
+            <a:spLocks noGrp="1"/>
+          </p:cNvSpPr>
+          <p:nvPr>
+            <p:ph type="dt" sz="quarter" idx="1"/>
+          </p:nvPr>
+        </p:nvSpPr>
+        <p:spPr>
+          <a:xfrm>
+            <a:off x="3884613" y="0"/>
+            <a:ext cx="2971800" cy="458788"/>
+          </a:xfrm>
+          <a:prstGeom prst="rect">
+            <a:avLst/>
+          </a:prstGeom>
+        </p:spPr>
+        <p:txBody>
+          <a:bodyPr vert="horz" lIns="91440" tIns="45720" rIns="91440" bIns="45720" rtlCol="0"/>
+          <a:lstStyle>
+            <a:lvl1pPr algn="r">
+              <a:defRPr sz="1200"/>
+            </a:lvl1pPr>
+          </a:lstStyle>
+          <a:p>
+            <a:fld id="{5A26D769-2D5F-BF4D-A80F-4E1F4B9F3442}" type="datetimeFigureOut">
+              <a:rPr lang="en-GB" smtClean="0"/>
+              <a:t>29/08/2017</a:t>
+            </a:fld>
+            <a:endParaRPr lang="en-GB"/>
+          </a:p>
+        </p:txBody>
+      </p:sp>
+      <p:sp>
+        <p:nvSpPr>
+          <p:cNvPr id="4" name="Espace réservé du pied de page 3"/>
+          <p:cNvSpPr>
+            <a:spLocks noGrp="1"/>
+          </p:cNvSpPr>
+          <p:nvPr>
+            <p:ph type="ftr" sz="quarter" idx="2"/>
+          </p:nvPr>
+        </p:nvSpPr>
+        <p:spPr>
+          <a:xfrm>
+            <a:off x="0" y="8685213"/>
+            <a:ext cx="2971800" cy="458787"/>
+          </a:xfrm>
+          <a:prstGeom prst="rect">
+            <a:avLst/>
+          </a:prstGeom>
+        </p:spPr>
+        <p:txBody>
+          <a:bodyPr vert="horz" lIns="91440" tIns="45720" rIns="91440" bIns="45720" rtlCol="0" anchor="b"/>
+          <a:lstStyle>
+            <a:lvl1pPr algn="l">
+              <a:defRPr sz="1200"/>
+            </a:lvl1pPr>
+          </a:lstStyle>
+          <a:p>
+            <a:endParaRPr lang="en-GB"/>
+          </a:p>
+        </p:txBody>
+      </p:sp>
+      <p:sp>
+        <p:nvSpPr>
+          <p:cNvPr id="5" name="Espace réservé du numéro de diapositive 4"/>
+          <p:cNvSpPr>
+            <a:spLocks noGrp="1"/>
+          </p:cNvSpPr>
+          <p:nvPr>
+            <p:ph type="sldNum" sz="quarter" idx="3"/>
+          </p:nvPr>
+        </p:nvSpPr>
+        <p:spPr>
+          <a:xfrm>
+            <a:off x="3884613" y="8685213"/>
+            <a:ext cx="2971800" cy="458787"/>
+          </a:xfrm>
+          <a:prstGeom prst="rect">
+            <a:avLst/>
+          </a:prstGeom>
+        </p:spPr>
+        <p:txBody>
+          <a:bodyPr vert="horz" lIns="91440" tIns="45720" rIns="91440" bIns="45720" rtlCol="0" anchor="b"/>
+          <a:lstStyle>
+            <a:lvl1pPr algn="r">
+              <a:defRPr sz="1200"/>
+            </a:lvl1pPr>
+          </a:lstStyle>
+          <a:p>
+            <a:fld id="{20D88733-15C2-2147-887E-329F9565BAE5}" type="slidenum">
+              <a:rPr lang="en-GB" smtClean="0"/>
+              <a:t>‹#›</a:t>
+            </a:fld>
+            <a:endParaRPr lang="en-GB"/>
+          </a:p>
+        </p:txBody>
+      </p:sp>
+    </p:spTree>
+    <p:extLst>
+      <p:ext uri="{BB962C8B-B14F-4D97-AF65-F5344CB8AC3E}">
+        <p14:creationId xmlns:p14="http://schemas.microsoft.com/office/powerpoint/2010/main" val="674646029"/>
+      </p:ext>
+    </p:extLst>
+  </p:cSld>
+  <p:clrMap bg1="lt1" tx1="dk1" bg2="lt2" tx2="dk2" accent1="accent1" accent2="accent2" accent3="accent3" accent4="accent4" accent5="accent5" accent6="accent6" hlink="hlink" folHlink="folHlink"/>
+  <p:hf hdr="0" ftr="0" dt="0"/>
+</p:handoutMaster>
+</file>
+
+<file path=ppt/notesMasters/notesMaster1.xml><?xml version="1.0" encoding="utf-8"?>
+<p:notesMaster xmlns:a="http://schemas.openxmlformats.org/drawingml/2006/main" xmlns:r="http://schemas.openxmlformats.org/officeDocument/2006/relationships" xmlns:p="http://schemas.openxmlformats.org/presentationml/2006/main">
+  <p:cSld>
+    <p:bg>
+      <p:bgRef idx="1001">
+        <a:schemeClr val="bg1"/>
+      </p:bgRef>
+    </p:bg>
+    <p:spTree>
+      <p:nvGrpSpPr>
+        <p:cNvPr id="1" name=""/>
+        <p:cNvGrpSpPr/>
+        <p:nvPr/>
+      </p:nvGrpSpPr>
+      <p:grpSpPr>
+        <a:xfrm>
+          <a:off x="0" y="0"/>
+          <a:ext cx="0" cy="0"/>
+          <a:chOff x="0" y="0"/>
+          <a:chExt cx="0" cy="0"/>
+        </a:xfrm>
+      </p:grpSpPr>
+      <p:sp>
+        <p:nvSpPr>
+          <p:cNvPr id="2" name="Espace réservé de l’en-tête 1"/>
+          <p:cNvSpPr>
+            <a:spLocks noGrp="1"/>
+          </p:cNvSpPr>
+          <p:nvPr>
+            <p:ph type="hdr" sz="quarter"/>
+          </p:nvPr>
+        </p:nvSpPr>
+        <p:spPr>
+          <a:xfrm>
+            <a:off x="0" y="0"/>
+            <a:ext cx="2971800" cy="458788"/>
+          </a:xfrm>
+          <a:prstGeom prst="rect">
+            <a:avLst/>
+          </a:prstGeom>
+        </p:spPr>
+        <p:txBody>
+          <a:bodyPr vert="horz" lIns="91440" tIns="45720" rIns="91440" bIns="45720" rtlCol="0"/>
+          <a:lstStyle>
+            <a:lvl1pPr algn="l">
+              <a:defRPr sz="1200"/>
+            </a:lvl1pPr>
+          </a:lstStyle>
+          <a:p>
+            <a:r>
+              <a:rPr lang="en-GB" smtClean="0"/>
+              <a:t>be</a:t>
+            </a:r>
+            <a:endParaRPr lang="en-GB"/>
+          </a:p>
+        </p:txBody>
+      </p:sp>
+      <p:sp>
+        <p:nvSpPr>
+          <p:cNvPr id="3" name="Espace réservé de la date 2"/>
+          <p:cNvSpPr>
+            <a:spLocks noGrp="1"/>
+          </p:cNvSpPr>
+          <p:nvPr>
+            <p:ph type="dt" idx="1"/>
+          </p:nvPr>
+        </p:nvSpPr>
+        <p:spPr>
+          <a:xfrm>
+            <a:off x="3884613" y="0"/>
+            <a:ext cx="2971800" cy="458788"/>
+          </a:xfrm>
+          <a:prstGeom prst="rect">
+            <a:avLst/>
+          </a:prstGeom>
+        </p:spPr>
+        <p:txBody>
+          <a:bodyPr vert="horz" lIns="91440" tIns="45720" rIns="91440" bIns="45720" rtlCol="0"/>
+          <a:lstStyle>
+            <a:lvl1pPr algn="r">
+              <a:defRPr sz="1200"/>
+            </a:lvl1pPr>
+          </a:lstStyle>
+          <a:p>
+            <a:fld id="{F1951E44-92C1-9846-9EF4-1D5B4F67798B}" type="datetimeFigureOut">
+              <a:rPr lang="en-GB" smtClean="0"/>
+              <a:t>29/08/2017</a:t>
+            </a:fld>
+            <a:endParaRPr lang="en-GB"/>
+          </a:p>
+        </p:txBody>
+      </p:sp>
+      <p:sp>
+        <p:nvSpPr>
+          <p:cNvPr id="4" name="Espace réservé de l’image des diapositives 3"/>
+          <p:cNvSpPr>
+            <a:spLocks noGrp="1" noRot="1" noChangeAspect="1"/>
+          </p:cNvSpPr>
+          <p:nvPr>
+            <p:ph type="sldImg" idx="2"/>
+          </p:nvPr>
+        </p:nvSpPr>
+        <p:spPr>
+          <a:xfrm>
+            <a:off x="685800" y="1143000"/>
+            <a:ext cx="5486400" cy="3086100"/>
+          </a:xfrm>
+          <a:prstGeom prst="rect">
+            <a:avLst/>
+          </a:prstGeom>
+          <a:noFill/>
+          <a:ln w="12700">
+            <a:solidFill>
+              <a:prstClr val="black"/>
+            </a:solidFill>
+          </a:ln>
+        </p:spPr>
+        <p:txBody>
+          <a:bodyPr vert="horz" lIns="91440" tIns="45720" rIns="91440" bIns="45720" rtlCol="0" anchor="ctr"/>
+          <a:lstStyle/>
+          <a:p>
+            <a:endParaRPr lang="en-GB"/>
+          </a:p>
+        </p:txBody>
+      </p:sp>
+      <p:sp>
+        <p:nvSpPr>
+          <p:cNvPr id="5" name="Espace réservé des commentaires 4"/>
+          <p:cNvSpPr>
+            <a:spLocks noGrp="1"/>
+          </p:cNvSpPr>
+          <p:nvPr>
+            <p:ph type="body" sz="quarter" idx="3"/>
+          </p:nvPr>
+        </p:nvSpPr>
+        <p:spPr>
+          <a:xfrm>
+            <a:off x="685800" y="4400550"/>
+            <a:ext cx="5486400" cy="3600450"/>
+          </a:xfrm>
+          <a:prstGeom prst="rect">
+            <a:avLst/>
+          </a:prstGeom>
+        </p:spPr>
+        <p:txBody>
+          <a:bodyPr vert="horz" lIns="91440" tIns="45720" rIns="91440" bIns="45720" rtlCol="0"/>
+          <a:lstStyle/>
+          <a:p>
+            <a:pPr lvl="0"/>
+            <a:r>
+              <a:rPr lang="fr-FR" smtClean="0"/>
+              <a:t>Cliquez pour modifier les styles du texte du masque</a:t>
+            </a:r>
+          </a:p>
+          <a:p>
+            <a:pPr lvl="1"/>
+            <a:r>
+              <a:rPr lang="fr-FR" smtClean="0"/>
+              <a:t>Deuxième niveau</a:t>
+            </a:r>
+          </a:p>
+          <a:p>
+            <a:pPr lvl="2"/>
+            <a:r>
+              <a:rPr lang="fr-FR" smtClean="0"/>
+              <a:t>Troisième niveau</a:t>
+            </a:r>
+          </a:p>
+          <a:p>
+            <a:pPr lvl="3"/>
+            <a:r>
+              <a:rPr lang="fr-FR" smtClean="0"/>
+              <a:t>Quatrième niveau</a:t>
+            </a:r>
+          </a:p>
+          <a:p>
+            <a:pPr lvl="4"/>
+            <a:r>
+              <a:rPr lang="fr-FR" smtClean="0"/>
+              <a:t>Cinquième niveau</a:t>
+            </a:r>
+            <a:endParaRPr lang="en-GB"/>
+          </a:p>
+        </p:txBody>
+      </p:sp>
+      <p:sp>
+        <p:nvSpPr>
+          <p:cNvPr id="6" name="Espace réservé du pied de page 5"/>
+          <p:cNvSpPr>
+            <a:spLocks noGrp="1"/>
+          </p:cNvSpPr>
+          <p:nvPr>
+            <p:ph type="ftr" sz="quarter" idx="4"/>
+          </p:nvPr>
+        </p:nvSpPr>
+        <p:spPr>
+          <a:xfrm>
+            <a:off x="0" y="8685213"/>
+            <a:ext cx="2971800" cy="458787"/>
+          </a:xfrm>
+          <a:prstGeom prst="rect">
+            <a:avLst/>
+          </a:prstGeom>
+        </p:spPr>
+        <p:txBody>
+          <a:bodyPr vert="horz" lIns="91440" tIns="45720" rIns="91440" bIns="45720" rtlCol="0" anchor="b"/>
+          <a:lstStyle>
+            <a:lvl1pPr algn="l">
+              <a:defRPr sz="1200"/>
+            </a:lvl1pPr>
+          </a:lstStyle>
+          <a:p>
+            <a:endParaRPr lang="en-GB"/>
+          </a:p>
+        </p:txBody>
+      </p:sp>
+      <p:sp>
+        <p:nvSpPr>
+          <p:cNvPr id="7" name="Espace réservé du numéro de diapositive 6"/>
+          <p:cNvSpPr>
+            <a:spLocks noGrp="1"/>
+          </p:cNvSpPr>
+          <p:nvPr>
+            <p:ph type="sldNum" sz="quarter" idx="5"/>
+          </p:nvPr>
+        </p:nvSpPr>
+        <p:spPr>
+          <a:xfrm>
+            <a:off x="3884613" y="8685213"/>
+            <a:ext cx="2971800" cy="458787"/>
+          </a:xfrm>
+          <a:prstGeom prst="rect">
+            <a:avLst/>
+          </a:prstGeom>
+        </p:spPr>
+        <p:txBody>
+          <a:bodyPr vert="horz" lIns="91440" tIns="45720" rIns="91440" bIns="45720" rtlCol="0" anchor="b"/>
+          <a:lstStyle>
+            <a:lvl1pPr algn="r">
+              <a:defRPr sz="1200"/>
+            </a:lvl1pPr>
+          </a:lstStyle>
+          <a:p>
+            <a:fld id="{D1D94985-559E-6C43-85DE-38F360D9BCEB}" type="slidenum">
+              <a:rPr lang="en-GB" smtClean="0"/>
+              <a:t>‹#›</a:t>
+            </a:fld>
+            <a:endParaRPr lang="en-GB"/>
+          </a:p>
+        </p:txBody>
+      </p:sp>
+    </p:spTree>
+    <p:extLst>
+      <p:ext uri="{BB962C8B-B14F-4D97-AF65-F5344CB8AC3E}">
+        <p14:creationId xmlns:p14="http://schemas.microsoft.com/office/powerpoint/2010/main" val="640590092"/>
+      </p:ext>
+    </p:extLst>
+  </p:cSld>
+  <p:clrMap bg1="lt1" tx1="dk1" bg2="lt2" tx2="dk2" accent1="accent1" accent2="accent2" accent3="accent3" accent4="accent4" accent5="accent5" accent6="accent6" hlink="hlink" folHlink="folHlink"/>
+  <p:hf hdr="0" ftr="0" dt="0"/>
+  <p:notesStyle>
+    <a:lvl1pPr marL="0" algn="l" defTabSz="914400" rtl="0" eaLnBrk="1" latinLnBrk="0" hangingPunct="1">
+      <a:defRPr sz="1200" kern="1200">
+        <a:solidFill>
+          <a:schemeClr val="tx1"/>
+        </a:solidFill>
+        <a:latin typeface="+mn-lt"/>
+        <a:ea typeface="+mn-ea"/>
+        <a:cs typeface="+mn-cs"/>
+      </a:defRPr>
+    </a:lvl1pPr>
+    <a:lvl2pPr marL="457200" algn="l" defTabSz="914400" rtl="0" eaLnBrk="1" latinLnBrk="0" hangingPunct="1">
+      <a:defRPr sz="1200" kern="1200">
+        <a:solidFill>
+          <a:schemeClr val="tx1"/>
+        </a:solidFill>
+        <a:latin typeface="+mn-lt"/>
+        <a:ea typeface="+mn-ea"/>
+        <a:cs typeface="+mn-cs"/>
+      </a:defRPr>
+    </a:lvl2pPr>
+    <a:lvl3pPr marL="914400" algn="l" defTabSz="914400" rtl="0" eaLnBrk="1" latinLnBrk="0" hangingPunct="1">
+      <a:defRPr sz="1200" kern="1200">
+        <a:solidFill>
+          <a:schemeClr val="tx1"/>
+        </a:solidFill>
+        <a:latin typeface="+mn-lt"/>
+        <a:ea typeface="+mn-ea"/>
+        <a:cs typeface="+mn-cs"/>
+      </a:defRPr>
+    </a:lvl3pPr>
+    <a:lvl4pPr marL="1371600" algn="l" defTabSz="914400" rtl="0" eaLnBrk="1" latinLnBrk="0" hangingPunct="1">
+      <a:defRPr sz="1200" kern="1200">
+        <a:solidFill>
+          <a:schemeClr val="tx1"/>
+        </a:solidFill>
+        <a:latin typeface="+mn-lt"/>
+        <a:ea typeface="+mn-ea"/>
+        <a:cs typeface="+mn-cs"/>
+      </a:defRPr>
+    </a:lvl4pPr>
+    <a:lvl5pPr marL="1828800" algn="l" defTabSz="914400" rtl="0" eaLnBrk="1" latinLnBrk="0" hangingPunct="1">
+      <a:defRPr sz="1200" kern="1200">
+        <a:solidFill>
+          <a:schemeClr val="tx1"/>
+        </a:solidFill>
+        <a:latin typeface="+mn-lt"/>
+        <a:ea typeface="+mn-ea"/>
+        <a:cs typeface="+mn-cs"/>
+      </a:defRPr>
+    </a:lvl5pPr>
+    <a:lvl6pPr marL="2286000" algn="l" defTabSz="914400" rtl="0" eaLnBrk="1" latinLnBrk="0" hangingPunct="1">
+      <a:defRPr sz="1200" kern="1200">
+        <a:solidFill>
+          <a:schemeClr val="tx1"/>
+        </a:solidFill>
+        <a:latin typeface="+mn-lt"/>
+        <a:ea typeface="+mn-ea"/>
+        <a:cs typeface="+mn-cs"/>
+      </a:defRPr>
+    </a:lvl6pPr>
+    <a:lvl7pPr marL="2743200" algn="l" defTabSz="914400" rtl="0" eaLnBrk="1" latinLnBrk="0" hangingPunct="1">
+      <a:defRPr sz="1200" kern="1200">
+        <a:solidFill>
+          <a:schemeClr val="tx1"/>
+        </a:solidFill>
+        <a:latin typeface="+mn-lt"/>
+        <a:ea typeface="+mn-ea"/>
+        <a:cs typeface="+mn-cs"/>
+      </a:defRPr>
+    </a:lvl7pPr>
+    <a:lvl8pPr marL="3200400" algn="l" defTabSz="914400" rtl="0" eaLnBrk="1" latinLnBrk="0" hangingPunct="1">
+      <a:defRPr sz="1200" kern="1200">
+        <a:solidFill>
+          <a:schemeClr val="tx1"/>
+        </a:solidFill>
+        <a:latin typeface="+mn-lt"/>
+        <a:ea typeface="+mn-ea"/>
+        <a:cs typeface="+mn-cs"/>
+      </a:defRPr>
+    </a:lvl8pPr>
+    <a:lvl9pPr marL="3657600" algn="l" defTabSz="914400" rtl="0" eaLnBrk="1" latinLnBrk="0" hangingPunct="1">
+      <a:defRPr sz="1200" kern="1200">
+        <a:solidFill>
+          <a:schemeClr val="tx1"/>
+        </a:solidFill>
+        <a:latin typeface="+mn-lt"/>
+        <a:ea typeface="+mn-ea"/>
+        <a:cs typeface="+mn-cs"/>
+      </a:defRPr>
+    </a:lvl9pPr>
+  </p:notesStyle>
+</p:notesMaster>
+</file>
+
+<file path=ppt/notesSlides/notesSlide1.xml><?xml version="1.0" encoding="utf-8"?>
+<p:notes xmlns:a="http://schemas.openxmlformats.org/drawingml/2006/main" xmlns:r="http://schemas.openxmlformats.org/officeDocument/2006/relationships" xmlns:p="http://schemas.openxmlformats.org/presentationml/2006/main">
+  <p:cSld>
+    <p:spTree>
+      <p:nvGrpSpPr>
+        <p:cNvPr id="1" name=""/>
+        <p:cNvGrpSpPr/>
+        <p:nvPr/>
+      </p:nvGrpSpPr>
+      <p:grpSpPr>
+        <a:xfrm>
+          <a:off x="0" y="0"/>
+          <a:ext cx="0" cy="0"/>
+          <a:chOff x="0" y="0"/>
+          <a:chExt cx="0" cy="0"/>
+        </a:xfrm>
+      </p:grpSpPr>
+      <p:sp>
+        <p:nvSpPr>
+          <p:cNvPr id="2" name="Espace réservé de l’image des diapositives 1"/>
+          <p:cNvSpPr>
+            <a:spLocks noGrp="1" noRot="1" noChangeAspect="1"/>
+          </p:cNvSpPr>
+          <p:nvPr>
+            <p:ph type="sldImg"/>
+          </p:nvPr>
+        </p:nvSpPr>
+        <p:spPr/>
+      </p:sp>
+      <p:sp>
+        <p:nvSpPr>
+          <p:cNvPr id="3" name="Espace réservé des commentaires 2"/>
+          <p:cNvSpPr>
+            <a:spLocks noGrp="1"/>
+          </p:cNvSpPr>
+          <p:nvPr>
+            <p:ph type="body" idx="1"/>
+          </p:nvPr>
+        </p:nvSpPr>
+        <p:spPr/>
+        <p:txBody>
+          <a:bodyPr/>
+          <a:lstStyle/>
+          <a:p>
+            <a:endParaRPr lang="en-GB"/>
+          </a:p>
+        </p:txBody>
+      </p:sp>
+      <p:sp>
+        <p:nvSpPr>
+          <p:cNvPr id="4" name="Espace réservé du numéro de diapositive 3"/>
+          <p:cNvSpPr>
+            <a:spLocks noGrp="1"/>
+          </p:cNvSpPr>
+          <p:nvPr>
+            <p:ph type="sldNum" sz="quarter" idx="10"/>
+          </p:nvPr>
+        </p:nvSpPr>
+        <p:spPr/>
+        <p:txBody>
+          <a:bodyPr/>
+          <a:lstStyle/>
+          <a:p>
+            <a:fld id="{D1D94985-559E-6C43-85DE-38F360D9BCEB}" type="slidenum">
+              <a:rPr lang="en-GB" smtClean="0"/>
+              <a:t>0</a:t>
+            </a:fld>
+            <a:endParaRPr lang="en-GB"/>
+          </a:p>
+        </p:txBody>
+      </p:sp>
+    </p:spTree>
+    <p:extLst>
+      <p:ext uri="{BB962C8B-B14F-4D97-AF65-F5344CB8AC3E}">
+        <p14:creationId xmlns:p14="http://schemas.microsoft.com/office/powerpoint/2010/main" val="1062153833"/>
+      </p:ext>
+    </p:extLst>
+  </p:cSld>
+  <p:clrMapOvr>
+    <a:masterClrMapping/>
+  </p:clrMapOvr>
+</p:notes>
+</file>
+
+<file path=ppt/notesSlides/notesSlide2.xml><?xml version="1.0" encoding="utf-8"?>
+<p:notes xmlns:a="http://schemas.openxmlformats.org/drawingml/2006/main" xmlns:r="http://schemas.openxmlformats.org/officeDocument/2006/relationships" xmlns:p="http://schemas.openxmlformats.org/presentationml/2006/main">
+  <p:cSld>
+    <p:spTree>
+      <p:nvGrpSpPr>
+        <p:cNvPr id="1" name=""/>
+        <p:cNvGrpSpPr/>
+        <p:nvPr/>
+      </p:nvGrpSpPr>
+      <p:grpSpPr>
+        <a:xfrm>
+          <a:off x="0" y="0"/>
+          <a:ext cx="0" cy="0"/>
+          <a:chOff x="0" y="0"/>
+          <a:chExt cx="0" cy="0"/>
+        </a:xfrm>
+      </p:grpSpPr>
+      <p:sp>
+        <p:nvSpPr>
+          <p:cNvPr id="2" name="Espace réservé de l’image des diapositives 1"/>
+          <p:cNvSpPr>
+            <a:spLocks noGrp="1" noRot="1" noChangeAspect="1"/>
+          </p:cNvSpPr>
+          <p:nvPr>
+            <p:ph type="sldImg"/>
+          </p:nvPr>
+        </p:nvSpPr>
+        <p:spPr/>
+      </p:sp>
+      <p:sp>
+        <p:nvSpPr>
+          <p:cNvPr id="3" name="Espace réservé des commentaires 2"/>
+          <p:cNvSpPr>
+            <a:spLocks noGrp="1"/>
+          </p:cNvSpPr>
+          <p:nvPr>
+            <p:ph type="body" idx="1"/>
+          </p:nvPr>
+        </p:nvSpPr>
+        <p:spPr/>
+        <p:txBody>
+          <a:bodyPr/>
+          <a:lstStyle/>
+          <a:p>
+            <a:endParaRPr lang="en-GB"/>
+          </a:p>
+        </p:txBody>
+      </p:sp>
+      <p:sp>
+        <p:nvSpPr>
+          <p:cNvPr id="4" name="Espace réservé du numéro de diapositive 3"/>
+          <p:cNvSpPr>
+            <a:spLocks noGrp="1"/>
+          </p:cNvSpPr>
+          <p:nvPr>
+            <p:ph type="sldNum" sz="quarter" idx="10"/>
+          </p:nvPr>
+        </p:nvSpPr>
+        <p:spPr/>
+        <p:txBody>
+          <a:bodyPr/>
+          <a:lstStyle/>
+          <a:p>
+            <a:fld id="{D1D94985-559E-6C43-85DE-38F360D9BCEB}" type="slidenum">
+              <a:rPr lang="en-GB" smtClean="0"/>
+              <a:t>1</a:t>
+            </a:fld>
+            <a:endParaRPr lang="en-GB"/>
+          </a:p>
+        </p:txBody>
+      </p:sp>
+    </p:spTree>
+    <p:extLst>
+      <p:ext uri="{BB962C8B-B14F-4D97-AF65-F5344CB8AC3E}">
+        <p14:creationId xmlns:p14="http://schemas.microsoft.com/office/powerpoint/2010/main" val="2134812830"/>
+      </p:ext>
+    </p:extLst>
+  </p:cSld>
+  <p:clrMapOvr>
+    <a:masterClrMapping/>
+  </p:clrMapOvr>
+</p:notes>
+</file>
+
+<file path=ppt/notesSlides/notesSlide3.xml><?xml version="1.0" encoding="utf-8"?>
+<p:notes xmlns:a="http://schemas.openxmlformats.org/drawingml/2006/main" xmlns:r="http://schemas.openxmlformats.org/officeDocument/2006/relationships" xmlns:p="http://schemas.openxmlformats.org/presentationml/2006/main">
+  <p:cSld>
+    <p:spTree>
+      <p:nvGrpSpPr>
+        <p:cNvPr id="1" name=""/>
+        <p:cNvGrpSpPr/>
+        <p:nvPr/>
+      </p:nvGrpSpPr>
+      <p:grpSpPr>
+        <a:xfrm>
+          <a:off x="0" y="0"/>
+          <a:ext cx="0" cy="0"/>
+          <a:chOff x="0" y="0"/>
+          <a:chExt cx="0" cy="0"/>
+        </a:xfrm>
+      </p:grpSpPr>
+      <p:sp>
+        <p:nvSpPr>
+          <p:cNvPr id="2" name="Espace réservé de l’image des diapositives 1"/>
+          <p:cNvSpPr>
+            <a:spLocks noGrp="1" noRot="1" noChangeAspect="1"/>
+          </p:cNvSpPr>
+          <p:nvPr>
+            <p:ph type="sldImg"/>
+          </p:nvPr>
+        </p:nvSpPr>
+        <p:spPr/>
+      </p:sp>
+      <p:sp>
+        <p:nvSpPr>
+          <p:cNvPr id="3" name="Espace réservé des commentaires 2"/>
+          <p:cNvSpPr>
+            <a:spLocks noGrp="1"/>
+          </p:cNvSpPr>
+          <p:nvPr>
+            <p:ph type="body" idx="1"/>
+          </p:nvPr>
+        </p:nvSpPr>
+        <p:spPr/>
+        <p:txBody>
+          <a:bodyPr/>
+          <a:lstStyle/>
+          <a:p>
+            <a:endParaRPr lang="en-GB"/>
+          </a:p>
+        </p:txBody>
+      </p:sp>
+      <p:sp>
+        <p:nvSpPr>
+          <p:cNvPr id="4" name="Espace réservé du numéro de diapositive 3"/>
+          <p:cNvSpPr>
+            <a:spLocks noGrp="1"/>
+          </p:cNvSpPr>
+          <p:nvPr>
+            <p:ph type="sldNum" sz="quarter" idx="10"/>
+          </p:nvPr>
+        </p:nvSpPr>
+        <p:spPr/>
+        <p:txBody>
+          <a:bodyPr/>
+          <a:lstStyle/>
+          <a:p>
+            <a:fld id="{D1D94985-559E-6C43-85DE-38F360D9BCEB}" type="slidenum">
+              <a:rPr lang="en-GB" smtClean="0"/>
+              <a:t>2</a:t>
+            </a:fld>
+            <a:endParaRPr lang="en-GB"/>
+          </a:p>
+        </p:txBody>
+      </p:sp>
+    </p:spTree>
+    <p:extLst>
+      <p:ext uri="{BB962C8B-B14F-4D97-AF65-F5344CB8AC3E}">
+        <p14:creationId xmlns:p14="http://schemas.microsoft.com/office/powerpoint/2010/main" val="1349580349"/>
+      </p:ext>
+    </p:extLst>
+  </p:cSld>
+  <p:clrMapOvr>
+    <a:masterClrMapping/>
+  </p:clrMapOvr>
+</p:notes>
+</file>
+
+<file path=ppt/notesSlides/notesSlide4.xml><?xml version="1.0" encoding="utf-8"?>
+<p:notes xmlns:a="http://schemas.openxmlformats.org/drawingml/2006/main" xmlns:r="http://schemas.openxmlformats.org/officeDocument/2006/relationships" xmlns:p="http://schemas.openxmlformats.org/presentationml/2006/main">
+  <p:cSld>
+    <p:spTree>
+      <p:nvGrpSpPr>
+        <p:cNvPr id="1" name=""/>
+        <p:cNvGrpSpPr/>
+        <p:nvPr/>
+      </p:nvGrpSpPr>
+      <p:grpSpPr>
+        <a:xfrm>
+          <a:off x="0" y="0"/>
+          <a:ext cx="0" cy="0"/>
+          <a:chOff x="0" y="0"/>
+          <a:chExt cx="0" cy="0"/>
+        </a:xfrm>
+      </p:grpSpPr>
+      <p:sp>
+        <p:nvSpPr>
+          <p:cNvPr id="2" name="Espace réservé de l’image des diapositives 1"/>
+          <p:cNvSpPr>
+            <a:spLocks noGrp="1" noRot="1" noChangeAspect="1"/>
+          </p:cNvSpPr>
+          <p:nvPr>
+            <p:ph type="sldImg"/>
+          </p:nvPr>
+        </p:nvSpPr>
+        <p:spPr/>
+      </p:sp>
+      <p:sp>
+        <p:nvSpPr>
+          <p:cNvPr id="3" name="Espace réservé des commentaires 2"/>
+          <p:cNvSpPr>
+            <a:spLocks noGrp="1"/>
+          </p:cNvSpPr>
+          <p:nvPr>
+            <p:ph type="body" idx="1"/>
+          </p:nvPr>
+        </p:nvSpPr>
+        <p:spPr/>
+        <p:txBody>
+          <a:bodyPr/>
+          <a:lstStyle/>
+          <a:p>
+            <a:endParaRPr lang="en-GB"/>
+          </a:p>
+        </p:txBody>
+      </p:sp>
+      <p:sp>
+        <p:nvSpPr>
+          <p:cNvPr id="4" name="Espace réservé du numéro de diapositive 3"/>
+          <p:cNvSpPr>
+            <a:spLocks noGrp="1"/>
+          </p:cNvSpPr>
+          <p:nvPr>
+            <p:ph type="sldNum" sz="quarter" idx="10"/>
+          </p:nvPr>
+        </p:nvSpPr>
+        <p:spPr/>
+        <p:txBody>
+          <a:bodyPr/>
+          <a:lstStyle/>
+          <a:p>
+            <a:fld id="{D1D94985-559E-6C43-85DE-38F360D9BCEB}" type="slidenum">
+              <a:rPr lang="en-GB" smtClean="0"/>
+              <a:t>3</a:t>
+            </a:fld>
+            <a:endParaRPr lang="en-GB"/>
+          </a:p>
+        </p:txBody>
+      </p:sp>
+    </p:spTree>
+    <p:extLst>
+      <p:ext uri="{BB962C8B-B14F-4D97-AF65-F5344CB8AC3E}">
+        <p14:creationId xmlns:p14="http://schemas.microsoft.com/office/powerpoint/2010/main" val="1627477291"/>
+      </p:ext>
+    </p:extLst>
+  </p:cSld>
+  <p:clrMapOvr>
+    <a:masterClrMapping/>
+  </p:clrMapOvr>
+</p:notes>
+</file>
+
+<file path=ppt/notesSlides/notesSlide5.xml><?xml version="1.0" encoding="utf-8"?>
+<p:notes xmlns:a="http://schemas.openxmlformats.org/drawingml/2006/main" xmlns:r="http://schemas.openxmlformats.org/officeDocument/2006/relationships" xmlns:p="http://schemas.openxmlformats.org/presentationml/2006/main">
+  <p:cSld>
+    <p:spTree>
+      <p:nvGrpSpPr>
+        <p:cNvPr id="1" name=""/>
+        <p:cNvGrpSpPr/>
+        <p:nvPr/>
+      </p:nvGrpSpPr>
+      <p:grpSpPr>
+        <a:xfrm>
+          <a:off x="0" y="0"/>
+          <a:ext cx="0" cy="0"/>
+          <a:chOff x="0" y="0"/>
+          <a:chExt cx="0" cy="0"/>
+        </a:xfrm>
+      </p:grpSpPr>
+      <p:sp>
+        <p:nvSpPr>
+          <p:cNvPr id="2" name="Espace réservé de l’image des diapositives 1"/>
+          <p:cNvSpPr>
+            <a:spLocks noGrp="1" noRot="1" noChangeAspect="1"/>
+          </p:cNvSpPr>
+          <p:nvPr>
+            <p:ph type="sldImg"/>
+          </p:nvPr>
+        </p:nvSpPr>
+        <p:spPr/>
+      </p:sp>
+      <p:sp>
+        <p:nvSpPr>
+          <p:cNvPr id="3" name="Espace réservé des commentaires 2"/>
+          <p:cNvSpPr>
+            <a:spLocks noGrp="1"/>
+          </p:cNvSpPr>
+          <p:nvPr>
+            <p:ph type="body" idx="1"/>
+          </p:nvPr>
+        </p:nvSpPr>
+        <p:spPr/>
+        <p:txBody>
+          <a:bodyPr/>
+          <a:lstStyle/>
+          <a:p>
+            <a:endParaRPr lang="en-GB"/>
+          </a:p>
+        </p:txBody>
+      </p:sp>
+      <p:sp>
+        <p:nvSpPr>
+          <p:cNvPr id="4" name="Espace réservé du numéro de diapositive 3"/>
+          <p:cNvSpPr>
+            <a:spLocks noGrp="1"/>
+          </p:cNvSpPr>
+          <p:nvPr>
+            <p:ph type="sldNum" sz="quarter" idx="10"/>
+          </p:nvPr>
+        </p:nvSpPr>
+        <p:spPr/>
+        <p:txBody>
+          <a:bodyPr/>
+          <a:lstStyle/>
+          <a:p>
+            <a:fld id="{D1D94985-559E-6C43-85DE-38F360D9BCEB}" type="slidenum">
+              <a:rPr lang="en-GB" smtClean="0"/>
+              <a:t>4</a:t>
+            </a:fld>
+            <a:endParaRPr lang="en-GB"/>
+          </a:p>
+        </p:txBody>
+      </p:sp>
+    </p:spTree>
+    <p:extLst>
+      <p:ext uri="{BB962C8B-B14F-4D97-AF65-F5344CB8AC3E}">
+        <p14:creationId xmlns:p14="http://schemas.microsoft.com/office/powerpoint/2010/main" val="239169798"/>
+      </p:ext>
+    </p:extLst>
+  </p:cSld>
+  <p:clrMapOvr>
+    <a:masterClrMapping/>
+  </p:clrMapOvr>
+</p:notes>
+</file>
+
+<file path=ppt/notesSlides/notesSlide6.xml><?xml version="1.0" encoding="utf-8"?>
+<p:notes xmlns:a="http://schemas.openxmlformats.org/drawingml/2006/main" xmlns:r="http://schemas.openxmlformats.org/officeDocument/2006/relationships" xmlns:p="http://schemas.openxmlformats.org/presentationml/2006/main">
+  <p:cSld>
+    <p:spTree>
+      <p:nvGrpSpPr>
+        <p:cNvPr id="1" name=""/>
+        <p:cNvGrpSpPr/>
+        <p:nvPr/>
+      </p:nvGrpSpPr>
+      <p:grpSpPr>
+        <a:xfrm>
+          <a:off x="0" y="0"/>
+          <a:ext cx="0" cy="0"/>
+          <a:chOff x="0" y="0"/>
+          <a:chExt cx="0" cy="0"/>
+        </a:xfrm>
+      </p:grpSpPr>
+      <p:sp>
+        <p:nvSpPr>
+          <p:cNvPr id="2" name="Espace réservé de l’image des diapositives 1"/>
+          <p:cNvSpPr>
+            <a:spLocks noGrp="1" noRot="1" noChangeAspect="1"/>
+          </p:cNvSpPr>
+          <p:nvPr>
+            <p:ph type="sldImg"/>
+          </p:nvPr>
+        </p:nvSpPr>
+        <p:spPr/>
+      </p:sp>
+      <p:sp>
+        <p:nvSpPr>
+          <p:cNvPr id="3" name="Espace réservé des commentaires 2"/>
+          <p:cNvSpPr>
+            <a:spLocks noGrp="1"/>
+          </p:cNvSpPr>
+          <p:nvPr>
+            <p:ph type="body" idx="1"/>
+          </p:nvPr>
+        </p:nvSpPr>
+        <p:spPr/>
+        <p:txBody>
+          <a:bodyPr/>
+          <a:lstStyle/>
+          <a:p>
+            <a:endParaRPr lang="en-GB"/>
+          </a:p>
+        </p:txBody>
+      </p:sp>
+      <p:sp>
+        <p:nvSpPr>
+          <p:cNvPr id="4" name="Espace réservé du numéro de diapositive 3"/>
+          <p:cNvSpPr>
+            <a:spLocks noGrp="1"/>
+          </p:cNvSpPr>
+          <p:nvPr>
+            <p:ph type="sldNum" sz="quarter" idx="10"/>
+          </p:nvPr>
+        </p:nvSpPr>
+        <p:spPr/>
+        <p:txBody>
+          <a:bodyPr/>
+          <a:lstStyle/>
+          <a:p>
+            <a:fld id="{D1D94985-559E-6C43-85DE-38F360D9BCEB}" type="slidenum">
+              <a:rPr lang="en-GB" smtClean="0"/>
+              <a:t>5</a:t>
+            </a:fld>
+            <a:endParaRPr lang="en-GB"/>
+          </a:p>
+        </p:txBody>
+      </p:sp>
+    </p:spTree>
+    <p:extLst>
+      <p:ext uri="{BB962C8B-B14F-4D97-AF65-F5344CB8AC3E}">
+        <p14:creationId xmlns:p14="http://schemas.microsoft.com/office/powerpoint/2010/main" val="471518400"/>
+      </p:ext>
+    </p:extLst>
+  </p:cSld>
+  <p:clrMapOvr>
+    <a:masterClrMapping/>
+  </p:clrMapOvr>
+</p:notes>
+</file>
+
+<file path=ppt/notesSlides/notesSlide7.xml><?xml version="1.0" encoding="utf-8"?>
+<p:notes xmlns:a="http://schemas.openxmlformats.org/drawingml/2006/main" xmlns:r="http://schemas.openxmlformats.org/officeDocument/2006/relationships" xmlns:p="http://schemas.openxmlformats.org/presentationml/2006/main">
+  <p:cSld>
+    <p:spTree>
+      <p:nvGrpSpPr>
+        <p:cNvPr id="1" name=""/>
+        <p:cNvGrpSpPr/>
+        <p:nvPr/>
+      </p:nvGrpSpPr>
+      <p:grpSpPr>
+        <a:xfrm>
+          <a:off x="0" y="0"/>
+          <a:ext cx="0" cy="0"/>
+          <a:chOff x="0" y="0"/>
+          <a:chExt cx="0" cy="0"/>
+        </a:xfrm>
+      </p:grpSpPr>
+      <p:sp>
+        <p:nvSpPr>
+          <p:cNvPr id="2" name="Espace réservé de l’image des diapositives 1"/>
+          <p:cNvSpPr>
+            <a:spLocks noGrp="1" noRot="1" noChangeAspect="1"/>
+          </p:cNvSpPr>
+          <p:nvPr>
+            <p:ph type="sldImg"/>
+          </p:nvPr>
+        </p:nvSpPr>
+        <p:spPr/>
+      </p:sp>
+      <p:sp>
+        <p:nvSpPr>
+          <p:cNvPr id="3" name="Espace réservé des commentaires 2"/>
+          <p:cNvSpPr>
+            <a:spLocks noGrp="1"/>
+          </p:cNvSpPr>
+          <p:nvPr>
+            <p:ph type="body" idx="1"/>
+          </p:nvPr>
+        </p:nvSpPr>
+        <p:spPr/>
+        <p:txBody>
+          <a:bodyPr/>
+          <a:lstStyle/>
+          <a:p>
+            <a:endParaRPr lang="en-GB"/>
+          </a:p>
+        </p:txBody>
+      </p:sp>
+      <p:sp>
+        <p:nvSpPr>
+          <p:cNvPr id="4" name="Espace réservé du numéro de diapositive 3"/>
+          <p:cNvSpPr>
+            <a:spLocks noGrp="1"/>
+          </p:cNvSpPr>
+          <p:nvPr>
+            <p:ph type="sldNum" sz="quarter" idx="10"/>
+          </p:nvPr>
+        </p:nvSpPr>
+        <p:spPr/>
+        <p:txBody>
+          <a:bodyPr/>
+          <a:lstStyle/>
+          <a:p>
+            <a:fld id="{D1D94985-559E-6C43-85DE-38F360D9BCEB}" type="slidenum">
+              <a:rPr lang="en-GB" smtClean="0"/>
+              <a:t>6</a:t>
+            </a:fld>
+            <a:endParaRPr lang="en-GB"/>
+          </a:p>
+        </p:txBody>
+      </p:sp>
+    </p:spTree>
+    <p:extLst>
+      <p:ext uri="{BB962C8B-B14F-4D97-AF65-F5344CB8AC3E}">
+        <p14:creationId xmlns:p14="http://schemas.microsoft.com/office/powerpoint/2010/main" val="869311511"/>
+      </p:ext>
+    </p:extLst>
+  </p:cSld>
+  <p:clrMapOvr>
+    <a:masterClrMapping/>
+  </p:clrMapOvr>
+</p:notes>
+</file>
+
+<file path=ppt/notesSlides/notesSlide8.xml><?xml version="1.0" encoding="utf-8"?>
+<p:notes xmlns:a="http://schemas.openxmlformats.org/drawingml/2006/main" xmlns:r="http://schemas.openxmlformats.org/officeDocument/2006/relationships" xmlns:p="http://schemas.openxmlformats.org/presentationml/2006/main">
+  <p:cSld>
+    <p:spTree>
+      <p:nvGrpSpPr>
+        <p:cNvPr id="1" name=""/>
+        <p:cNvGrpSpPr/>
+        <p:nvPr/>
+      </p:nvGrpSpPr>
+      <p:grpSpPr>
+        <a:xfrm>
+          <a:off x="0" y="0"/>
+          <a:ext cx="0" cy="0"/>
+          <a:chOff x="0" y="0"/>
+          <a:chExt cx="0" cy="0"/>
+        </a:xfrm>
+      </p:grpSpPr>
+      <p:sp>
+        <p:nvSpPr>
+          <p:cNvPr id="2" name="Espace réservé de l’image des diapositives 1"/>
+          <p:cNvSpPr>
+            <a:spLocks noGrp="1" noRot="1" noChangeAspect="1"/>
+          </p:cNvSpPr>
+          <p:nvPr>
+            <p:ph type="sldImg"/>
+          </p:nvPr>
+        </p:nvSpPr>
+        <p:spPr/>
+      </p:sp>
+      <p:sp>
+        <p:nvSpPr>
+          <p:cNvPr id="3" name="Espace réservé des commentaires 2"/>
+          <p:cNvSpPr>
+            <a:spLocks noGrp="1"/>
+          </p:cNvSpPr>
+          <p:nvPr>
+            <p:ph type="body" idx="1"/>
+          </p:nvPr>
+        </p:nvSpPr>
+        <p:spPr/>
+        <p:txBody>
+          <a:bodyPr/>
+          <a:lstStyle/>
+          <a:p>
+            <a:endParaRPr lang="en-GB"/>
+          </a:p>
+        </p:txBody>
+      </p:sp>
+      <p:sp>
+        <p:nvSpPr>
+          <p:cNvPr id="4" name="Espace réservé du numéro de diapositive 3"/>
+          <p:cNvSpPr>
+            <a:spLocks noGrp="1"/>
+          </p:cNvSpPr>
+          <p:nvPr>
+            <p:ph type="sldNum" sz="quarter" idx="10"/>
+          </p:nvPr>
+        </p:nvSpPr>
+        <p:spPr/>
+        <p:txBody>
+          <a:bodyPr/>
+          <a:lstStyle/>
+          <a:p>
+            <a:fld id="{D1D94985-559E-6C43-85DE-38F360D9BCEB}" type="slidenum">
+              <a:rPr lang="en-GB" smtClean="0"/>
+              <a:t>7</a:t>
+            </a:fld>
+            <a:endParaRPr lang="en-GB"/>
+          </a:p>
+        </p:txBody>
+      </p:sp>
+    </p:spTree>
+    <p:extLst>
+      <p:ext uri="{BB962C8B-B14F-4D97-AF65-F5344CB8AC3E}">
+        <p14:creationId xmlns:p14="http://schemas.microsoft.com/office/powerpoint/2010/main" val="782400728"/>
+      </p:ext>
+    </p:extLst>
+  </p:cSld>
+  <p:clrMapOvr>
+    <a:masterClrMapping/>
+  </p:clrMapOvr>
+</p:notes>
+</file>
+
+<file path=ppt/notesSlides/notesSlide9.xml><?xml version="1.0" encoding="utf-8"?>
+<p:notes xmlns:a="http://schemas.openxmlformats.org/drawingml/2006/main" xmlns:r="http://schemas.openxmlformats.org/officeDocument/2006/relationships" xmlns:p="http://schemas.openxmlformats.org/presentationml/2006/main">
+  <p:cSld>
+    <p:spTree>
+      <p:nvGrpSpPr>
+        <p:cNvPr id="1" name=""/>
+        <p:cNvGrpSpPr/>
+        <p:nvPr/>
+      </p:nvGrpSpPr>
+      <p:grpSpPr>
+        <a:xfrm>
+          <a:off x="0" y="0"/>
+          <a:ext cx="0" cy="0"/>
+          <a:chOff x="0" y="0"/>
+          <a:chExt cx="0" cy="0"/>
+        </a:xfrm>
+      </p:grpSpPr>
+      <p:sp>
+        <p:nvSpPr>
+          <p:cNvPr id="2" name="Espace réservé de l’image des diapositives 1"/>
+          <p:cNvSpPr>
+            <a:spLocks noGrp="1" noRot="1" noChangeAspect="1"/>
+          </p:cNvSpPr>
+          <p:nvPr>
+            <p:ph type="sldImg"/>
+          </p:nvPr>
+        </p:nvSpPr>
+        <p:spPr/>
+      </p:sp>
+      <p:sp>
+        <p:nvSpPr>
+          <p:cNvPr id="3" name="Espace réservé des commentaires 2"/>
+          <p:cNvSpPr>
+            <a:spLocks noGrp="1"/>
+          </p:cNvSpPr>
+          <p:nvPr>
+            <p:ph type="body" idx="1"/>
+          </p:nvPr>
+        </p:nvSpPr>
+        <p:spPr/>
+        <p:txBody>
+          <a:bodyPr/>
+          <a:lstStyle/>
+          <a:p>
+            <a:endParaRPr lang="en-GB"/>
+          </a:p>
+        </p:txBody>
+      </p:sp>
+      <p:sp>
+        <p:nvSpPr>
+          <p:cNvPr id="4" name="Espace réservé du numéro de diapositive 3"/>
+          <p:cNvSpPr>
+            <a:spLocks noGrp="1"/>
+          </p:cNvSpPr>
+          <p:nvPr>
+            <p:ph type="sldNum" sz="quarter" idx="10"/>
+          </p:nvPr>
+        </p:nvSpPr>
+        <p:spPr/>
+        <p:txBody>
+          <a:bodyPr/>
+          <a:lstStyle/>
+          <a:p>
+            <a:fld id="{D1D94985-559E-6C43-85DE-38F360D9BCEB}" type="slidenum">
+              <a:rPr lang="en-GB" smtClean="0"/>
+              <a:t>8</a:t>
+            </a:fld>
+            <a:endParaRPr lang="en-GB"/>
+          </a:p>
+        </p:txBody>
+      </p:sp>
+    </p:spTree>
+    <p:extLst>
+      <p:ext uri="{BB962C8B-B14F-4D97-AF65-F5344CB8AC3E}">
+        <p14:creationId xmlns:p14="http://schemas.microsoft.com/office/powerpoint/2010/main" val="435344405"/>
+      </p:ext>
+    </p:extLst>
+  </p:cSld>
+  <p:clrMapOvr>
+    <a:masterClrMapping/>
+  </p:clrMapOvr>
+</p:notes>
+</file>
+
 <file path=ppt/slideLayouts/slideLayout1.xml><?xml version="1.0" encoding="utf-8"?>
-<p:sldLayout xmlns:a="http://schemas.openxmlformats.org/drawingml/2006/main" xmlns:r="http://schemas.openxmlformats.org/officeDocument/2006/relationships" xmlns:p="http://schemas.openxmlformats.org/presentationml/2006/main" type="title" preserve="1">
+<p:sldLayout xmlns:a="http://schemas.openxmlformats.org/drawingml/2006/main" xmlns:r="http://schemas.openxmlformats.org/officeDocument/2006/relationships" xmlns:p="http://schemas.openxmlformats.org/presentationml/2006/main" showMasterSp="0" type="title" preserve="1">
   <p:cSld name="Diapositive de titre">
     <p:spTree>
       <p:nvGrpSpPr>
@@ -127,25 +1426,113 @@
       </p:grpSpPr>
       <p:sp>
         <p:nvSpPr>
-          <p:cNvPr id="2" name="Titre 1"/>
-          <p:cNvSpPr>
-            <a:spLocks noGrp="1"/>
-          </p:cNvSpPr>
-          <p:nvPr>
-            <p:ph type="ctrTitle"/>
-          </p:nvPr>
+          <p:cNvPr id="7" name="Rectangle 6"/>
+          <p:cNvSpPr/>
+          <p:nvPr/>
         </p:nvSpPr>
         <p:spPr>
           <a:xfrm>
-            <a:off x="1524000" y="1122363"/>
-            <a:ext cx="9144000" cy="2387600"/>
+            <a:off x="3175" y="6400800"/>
+            <a:ext cx="12188825" cy="457200"/>
+          </a:xfrm>
+          <a:prstGeom prst="rect">
+            <a:avLst/>
+          </a:prstGeom>
+          <a:solidFill>
+            <a:schemeClr val="accent2"/>
+          </a:solidFill>
+          <a:ln>
+            <a:noFill/>
+          </a:ln>
+        </p:spPr>
+        <p:style>
+          <a:lnRef idx="2">
+            <a:schemeClr val="accent1">
+              <a:shade val="50000"/>
+            </a:schemeClr>
+          </a:lnRef>
+          <a:fillRef idx="1">
+            <a:schemeClr val="accent1"/>
+          </a:fillRef>
+          <a:effectRef idx="0">
+            <a:schemeClr val="accent1"/>
+          </a:effectRef>
+          <a:fontRef idx="minor">
+            <a:schemeClr val="lt1"/>
+          </a:fontRef>
+        </p:style>
+      </p:sp>
+      <p:sp>
+        <p:nvSpPr>
+          <p:cNvPr id="8" name="Rectangle 7"/>
+          <p:cNvSpPr/>
+          <p:nvPr/>
+        </p:nvSpPr>
+        <p:spPr>
+          <a:xfrm>
+            <a:off x="15" y="6334316"/>
+            <a:ext cx="12188825" cy="64008"/>
+          </a:xfrm>
+          <a:prstGeom prst="rect">
+            <a:avLst/>
+          </a:prstGeom>
+          <a:solidFill>
+            <a:schemeClr val="accent1"/>
+          </a:solidFill>
+          <a:ln>
+            <a:noFill/>
+          </a:ln>
+        </p:spPr>
+        <p:style>
+          <a:lnRef idx="2">
+            <a:schemeClr val="accent1">
+              <a:shade val="50000"/>
+            </a:schemeClr>
+          </a:lnRef>
+          <a:fillRef idx="1">
+            <a:schemeClr val="accent1"/>
+          </a:fillRef>
+          <a:effectRef idx="0">
+            <a:schemeClr val="accent1"/>
+          </a:effectRef>
+          <a:fontRef idx="minor">
+            <a:schemeClr val="lt1"/>
+          </a:fontRef>
+        </p:style>
+      </p:sp>
+      <p:sp>
+        <p:nvSpPr>
+          <p:cNvPr id="2" name="Title 1"/>
+          <p:cNvSpPr>
+            <a:spLocks noGrp="1"/>
+          </p:cNvSpPr>
+          <p:nvPr>
+            <p:ph type="ctrTitle"/>
+          </p:nvPr>
+        </p:nvSpPr>
+        <p:spPr>
+          <a:xfrm>
+            <a:off x="1097280" y="758952"/>
+            <a:ext cx="10058400" cy="3566160"/>
           </a:xfrm>
         </p:spPr>
         <p:txBody>
-          <a:bodyPr anchor="b"/>
+          <a:bodyPr anchor="b">
+            <a:normAutofit/>
+          </a:bodyPr>
           <a:lstStyle>
-            <a:lvl1pPr algn="ctr">
-              <a:defRPr sz="6000"/>
+            <a:lvl1pPr algn="l">
+              <a:lnSpc>
+                <a:spcPct val="85000"/>
+              </a:lnSpc>
+              <a:defRPr sz="8000" spc="-50" baseline="0">
+                <a:solidFill>
+                  <a:schemeClr val="tx1">
+                    <a:lumMod val="85000"/>
+                    <a:lumOff val="15000"/>
+                  </a:schemeClr>
+                </a:solidFill>
+              </a:defRPr>
             </a:lvl1pPr>
           </a:lstStyle>
           <a:p>
@@ -153,13 +1540,13 @@
               <a:rPr lang="fr-FR" smtClean="0"/>
               <a:t>Cliquez et modifiez le titre</a:t>
             </a:r>
-            <a:endParaRPr lang="en-GB"/>
-          </a:p>
-        </p:txBody>
-      </p:sp>
-      <p:sp>
-        <p:nvSpPr>
-          <p:cNvPr id="3" name="Sous-titre 2"/>
+            <a:endParaRPr lang="en-US" dirty="0"/>
+          </a:p>
+        </p:txBody>
+      </p:sp>
+      <p:sp>
+        <p:nvSpPr>
+          <p:cNvPr id="3" name="Subtitle 2"/>
           <p:cNvSpPr>
             <a:spLocks noGrp="1"/>
           </p:cNvSpPr>
@@ -169,48 +1556,55 @@
         </p:nvSpPr>
         <p:spPr>
           <a:xfrm>
-            <a:off x="1524000" y="3602038"/>
-            <a:ext cx="9144000" cy="1655762"/>
+            <a:off x="1100051" y="4455620"/>
+            <a:ext cx="10058400" cy="1143000"/>
           </a:xfrm>
         </p:spPr>
         <p:txBody>
-          <a:bodyPr/>
+          <a:bodyPr lIns="91440" rIns="91440">
+            <a:normAutofit/>
+          </a:bodyPr>
           <a:lstStyle>
-            <a:lvl1pPr marL="0" indent="0" algn="ctr">
+            <a:lvl1pPr marL="0" indent="0" algn="l">
               <a:buNone/>
-              <a:defRPr sz="2400"/>
+              <a:defRPr sz="2400" cap="all" spc="200" baseline="0">
+                <a:solidFill>
+                  <a:schemeClr val="tx2"/>
+                </a:solidFill>
+                <a:latin typeface="+mj-lt"/>
+              </a:defRPr>
             </a:lvl1pPr>
             <a:lvl2pPr marL="457200" indent="0" algn="ctr">
               <a:buNone/>
-              <a:defRPr sz="2000"/>
+              <a:defRPr sz="2400"/>
             </a:lvl2pPr>
             <a:lvl3pPr marL="914400" indent="0" algn="ctr">
               <a:buNone/>
-              <a:defRPr sz="1800"/>
+              <a:defRPr sz="2400"/>
             </a:lvl3pPr>
             <a:lvl4pPr marL="1371600" indent="0" algn="ctr">
               <a:buNone/>
-              <a:defRPr sz="1600"/>
+              <a:defRPr sz="2000"/>
             </a:lvl4pPr>
             <a:lvl5pPr marL="1828800" indent="0" algn="ctr">
               <a:buNone/>
-              <a:defRPr sz="1600"/>
+              <a:defRPr sz="2000"/>
             </a:lvl5pPr>
             <a:lvl6pPr marL="2286000" indent="0" algn="ctr">
               <a:buNone/>
-              <a:defRPr sz="1600"/>
+              <a:defRPr sz="2000"/>
             </a:lvl6pPr>
             <a:lvl7pPr marL="2743200" indent="0" algn="ctr">
               <a:buNone/>
-              <a:defRPr sz="1600"/>
+              <a:defRPr sz="2000"/>
             </a:lvl7pPr>
             <a:lvl8pPr marL="3200400" indent="0" algn="ctr">
               <a:buNone/>
-              <a:defRPr sz="1600"/>
+              <a:defRPr sz="2000"/>
             </a:lvl8pPr>
             <a:lvl9pPr marL="3657600" indent="0" algn="ctr">
               <a:buNone/>
-              <a:defRPr sz="1600"/>
+              <a:defRPr sz="2000"/>
             </a:lvl9pPr>
           </a:lstStyle>
           <a:p>
@@ -218,13 +1612,13 @@
               <a:rPr lang="fr-FR" smtClean="0"/>
               <a:t>Cliquez pour modifier le style des sous-titres du masque</a:t>
             </a:r>
-            <a:endParaRPr lang="en-GB"/>
-          </a:p>
-        </p:txBody>
-      </p:sp>
-      <p:sp>
-        <p:nvSpPr>
-          <p:cNvPr id="4" name="Espace réservé de la date 3"/>
+            <a:endParaRPr lang="en-US" dirty="0"/>
+          </a:p>
+        </p:txBody>
+      </p:sp>
+      <p:sp>
+        <p:nvSpPr>
+          <p:cNvPr id="4" name="Date Placeholder 3"/>
           <p:cNvSpPr>
             <a:spLocks noGrp="1"/>
           </p:cNvSpPr>
@@ -237,9 +1631,9 @@
           <a:bodyPr/>
           <a:lstStyle/>
           <a:p>
-            <a:fld id="{2B39C1E1-38FA-C34B-A4F0-68938FEDC020}" type="datetimeFigureOut">
-              <a:rPr lang="en-GB" smtClean="0"/>
-              <a:t>28/08/2017</a:t>
+            <a:fld id="{A27B244A-FE6D-944E-AC83-8DB6F52B8BD5}" type="datetime1">
+              <a:rPr lang="fr-BE" smtClean="0"/>
+              <a:t>29/08/17</a:t>
             </a:fld>
             <a:endParaRPr lang="en-GB"/>
           </a:p>
@@ -247,7 +1641,7 @@
       </p:sp>
       <p:sp>
         <p:nvSpPr>
-          <p:cNvPr id="5" name="Espace réservé du pied de page 4"/>
+          <p:cNvPr id="5" name="Footer Placeholder 4"/>
           <p:cNvSpPr>
             <a:spLocks noGrp="1"/>
           </p:cNvSpPr>
@@ -266,7 +1660,7 @@
       </p:sp>
       <p:sp>
         <p:nvSpPr>
-          <p:cNvPr id="6" name="Espace réservé du numéro de diapositive 5"/>
+          <p:cNvPr id="6" name="Slide Number Placeholder 5"/>
           <p:cNvSpPr>
             <a:spLocks noGrp="1"/>
           </p:cNvSpPr>
@@ -287,12 +1681,45 @@
           </a:p>
         </p:txBody>
       </p:sp>
+      <p:cxnSp>
+        <p:nvCxnSpPr>
+          <p:cNvPr id="9" name="Straight Connector 8"/>
+          <p:cNvCxnSpPr/>
+          <p:nvPr/>
+        </p:nvCxnSpPr>
+        <p:spPr>
+          <a:xfrm>
+            <a:off x="1207658" y="4343400"/>
+            <a:ext cx="9875520" cy="0"/>
+          </a:xfrm>
+          <a:prstGeom prst="line">
+            <a:avLst/>
+          </a:prstGeom>
+          <a:ln w="6350">
+            <a:solidFill>
+              <a:schemeClr val="tx1">
+                <a:lumMod val="50000"/>
+                <a:lumOff val="50000"/>
+              </a:schemeClr>
+            </a:solidFill>
+          </a:ln>
+        </p:spPr>
+        <p:style>
+          <a:lnRef idx="1">
+            <a:schemeClr val="accent1"/>
+          </a:lnRef>
+          <a:fillRef idx="0">
+            <a:schemeClr val="accent1"/>
+          </a:fillRef>
+          <a:effectRef idx="0">
+            <a:schemeClr val="accent1"/>
+          </a:effectRef>
+          <a:fontRef idx="minor">
+            <a:schemeClr val="tx1"/>
+          </a:fontRef>
+        </p:style>
+      </p:cxnSp>
     </p:spTree>
-    <p:extLst>
-      <p:ext uri="{BB962C8B-B14F-4D97-AF65-F5344CB8AC3E}">
-        <p14:creationId xmlns:p14="http://schemas.microsoft.com/office/powerpoint/2010/main" val="1402615878"/>
-      </p:ext>
-    </p:extLst>
   </p:cSld>
   <p:clrMapOvr>
     <a:masterClrMapping/>
@@ -319,7 +1746,7 @@
       </p:grpSpPr>
       <p:sp>
         <p:nvSpPr>
-          <p:cNvPr id="2" name="Titre 1"/>
+          <p:cNvPr id="2" name="Title 1"/>
           <p:cNvSpPr>
             <a:spLocks noGrp="1"/>
           </p:cNvSpPr>
@@ -336,13 +1763,13 @@
               <a:rPr lang="fr-FR" smtClean="0"/>
               <a:t>Cliquez et modifiez le titre</a:t>
             </a:r>
-            <a:endParaRPr lang="en-GB"/>
-          </a:p>
-        </p:txBody>
-      </p:sp>
-      <p:sp>
-        <p:nvSpPr>
-          <p:cNvPr id="3" name="Espace réservé du texte vertical 2"/>
+            <a:endParaRPr lang="en-US" dirty="0"/>
+          </a:p>
+        </p:txBody>
+      </p:sp>
+      <p:sp>
+        <p:nvSpPr>
+          <p:cNvPr id="3" name="Vertical Text Placeholder 2"/>
           <p:cNvSpPr>
             <a:spLocks noGrp="1"/>
           </p:cNvSpPr>
@@ -352,7 +1779,7 @@
         </p:nvSpPr>
         <p:spPr/>
         <p:txBody>
-          <a:bodyPr vert="eaVert"/>
+          <a:bodyPr vert="eaVert" lIns="45720" tIns="0" rIns="45720" bIns="0"/>
           <a:lstStyle/>
           <a:p>
             <a:pPr lvl="0"/>
@@ -388,13 +1815,13 @@
               <a:rPr lang="fr-FR" smtClean="0"/>
               <a:t>Cinquième niveau</a:t>
             </a:r>
-            <a:endParaRPr lang="en-GB"/>
-          </a:p>
-        </p:txBody>
-      </p:sp>
-      <p:sp>
-        <p:nvSpPr>
-          <p:cNvPr id="4" name="Espace réservé de la date 3"/>
+            <a:endParaRPr lang="en-US" dirty="0"/>
+          </a:p>
+        </p:txBody>
+      </p:sp>
+      <p:sp>
+        <p:nvSpPr>
+          <p:cNvPr id="4" name="Date Placeholder 3"/>
           <p:cNvSpPr>
             <a:spLocks noGrp="1"/>
           </p:cNvSpPr>
@@ -407,9 +1834,9 @@
           <a:bodyPr/>
           <a:lstStyle/>
           <a:p>
-            <a:fld id="{2B39C1E1-38FA-C34B-A4F0-68938FEDC020}" type="datetimeFigureOut">
-              <a:rPr lang="en-GB" smtClean="0"/>
-              <a:t>28/08/2017</a:t>
+            <a:fld id="{07B740B5-01EC-FA48-B596-150C03104001}" type="datetime1">
+              <a:rPr lang="fr-BE" smtClean="0"/>
+              <a:t>29/08/17</a:t>
             </a:fld>
             <a:endParaRPr lang="en-GB"/>
           </a:p>
@@ -417,7 +1844,7 @@
       </p:sp>
       <p:sp>
         <p:nvSpPr>
-          <p:cNvPr id="5" name="Espace réservé du pied de page 4"/>
+          <p:cNvPr id="5" name="Footer Placeholder 4"/>
           <p:cNvSpPr>
             <a:spLocks noGrp="1"/>
           </p:cNvSpPr>
@@ -436,7 +1863,7 @@
       </p:sp>
       <p:sp>
         <p:nvSpPr>
-          <p:cNvPr id="6" name="Espace réservé du numéro de diapositive 5"/>
+          <p:cNvPr id="6" name="Slide Number Placeholder 5"/>
           <p:cNvSpPr>
             <a:spLocks noGrp="1"/>
           </p:cNvSpPr>
@@ -458,11 +1885,6 @@
         </p:txBody>
       </p:sp>
     </p:spTree>
-    <p:extLst>
-      <p:ext uri="{BB962C8B-B14F-4D97-AF65-F5344CB8AC3E}">
-        <p14:creationId xmlns:p14="http://schemas.microsoft.com/office/powerpoint/2010/main" val="1491994566"/>
-      </p:ext>
-    </p:extLst>
   </p:cSld>
   <p:clrMapOvr>
     <a:masterClrMapping/>
@@ -471,7 +1893,7 @@
 </file>
 
 <file path=ppt/slideLayouts/slideLayout11.xml><?xml version="1.0" encoding="utf-8"?>
-<p:sldLayout xmlns:a="http://schemas.openxmlformats.org/drawingml/2006/main" xmlns:r="http://schemas.openxmlformats.org/officeDocument/2006/relationships" xmlns:p="http://schemas.openxmlformats.org/presentationml/2006/main" type="vertTitleAndTx" preserve="1">
+<p:sldLayout xmlns:a="http://schemas.openxmlformats.org/drawingml/2006/main" xmlns:r="http://schemas.openxmlformats.org/officeDocument/2006/relationships" xmlns:p="http://schemas.openxmlformats.org/presentationml/2006/main" showMasterSp="0" type="vertTitleAndTx" preserve="1">
   <p:cSld name="Titre vertical et texte">
     <p:spTree>
       <p:nvGrpSpPr>
@@ -489,18 +1911,94 @@
       </p:grpSpPr>
       <p:sp>
         <p:nvSpPr>
-          <p:cNvPr id="2" name="Titre vertical 1"/>
-          <p:cNvSpPr>
-            <a:spLocks noGrp="1"/>
-          </p:cNvSpPr>
-          <p:nvPr>
-            <p:ph type="title" orient="vert"/>
-          </p:nvPr>
+          <p:cNvPr id="7" name="Rectangle 6"/>
+          <p:cNvSpPr/>
+          <p:nvPr/>
         </p:nvSpPr>
         <p:spPr>
           <a:xfrm>
-            <a:off x="8724900" y="365125"/>
-            <a:ext cx="2628900" cy="5811838"/>
+            <a:off x="3175" y="6400800"/>
+            <a:ext cx="12188825" cy="457200"/>
+          </a:xfrm>
+          <a:prstGeom prst="rect">
+            <a:avLst/>
+          </a:prstGeom>
+          <a:solidFill>
+            <a:schemeClr val="accent2"/>
+          </a:solidFill>
+          <a:ln>
+            <a:noFill/>
+          </a:ln>
+        </p:spPr>
+        <p:style>
+          <a:lnRef idx="2">
+            <a:schemeClr val="accent1">
+              <a:shade val="50000"/>
+            </a:schemeClr>
+          </a:lnRef>
+          <a:fillRef idx="1">
+            <a:schemeClr val="accent1"/>
+          </a:fillRef>
+          <a:effectRef idx="0">
+            <a:schemeClr val="accent1"/>
+          </a:effectRef>
+          <a:fontRef idx="minor">
+            <a:schemeClr val="lt1"/>
+          </a:fontRef>
+        </p:style>
+      </p:sp>
+      <p:sp>
+        <p:nvSpPr>
+          <p:cNvPr id="8" name="Rectangle 7"/>
+          <p:cNvSpPr/>
+          <p:nvPr/>
+        </p:nvSpPr>
+        <p:spPr>
+          <a:xfrm>
+            <a:off x="15" y="6334316"/>
+            <a:ext cx="12188825" cy="64008"/>
+          </a:xfrm>
+          <a:prstGeom prst="rect">
+            <a:avLst/>
+          </a:prstGeom>
+          <a:solidFill>
+            <a:schemeClr val="accent1"/>
+          </a:solidFill>
+          <a:ln>
+            <a:noFill/>
+          </a:ln>
+        </p:spPr>
+        <p:style>
+          <a:lnRef idx="2">
+            <a:schemeClr val="accent1">
+              <a:shade val="50000"/>
+            </a:schemeClr>
+          </a:lnRef>
+          <a:fillRef idx="1">
+            <a:schemeClr val="accent1"/>
+          </a:fillRef>
+          <a:effectRef idx="0">
+            <a:schemeClr val="accent1"/>
+          </a:effectRef>
+          <a:fontRef idx="minor">
+            <a:schemeClr val="lt1"/>
+          </a:fontRef>
+        </p:style>
+      </p:sp>
+      <p:sp>
+        <p:nvSpPr>
+          <p:cNvPr id="2" name="Vertical Title 1"/>
+          <p:cNvSpPr>
+            <a:spLocks noGrp="1"/>
+          </p:cNvSpPr>
+          <p:nvPr>
+            <p:ph type="title" orient="vert"/>
+          </p:nvPr>
+        </p:nvSpPr>
+        <p:spPr>
+          <a:xfrm>
+            <a:off x="8724900" y="414778"/>
+            <a:ext cx="2628900" cy="5757421"/>
           </a:xfrm>
         </p:spPr>
         <p:txBody>
@@ -511,13 +2009,13 @@
               <a:rPr lang="fr-FR" smtClean="0"/>
               <a:t>Cliquez et modifiez le titre</a:t>
             </a:r>
-            <a:endParaRPr lang="en-GB"/>
-          </a:p>
-        </p:txBody>
-      </p:sp>
-      <p:sp>
-        <p:nvSpPr>
-          <p:cNvPr id="3" name="Espace réservé du texte vertical 2"/>
+            <a:endParaRPr lang="en-US" dirty="0"/>
+          </a:p>
+        </p:txBody>
+      </p:sp>
+      <p:sp>
+        <p:nvSpPr>
+          <p:cNvPr id="3" name="Vertical Text Placeholder 2"/>
           <p:cNvSpPr>
             <a:spLocks noGrp="1"/>
           </p:cNvSpPr>
@@ -527,12 +2025,12 @@
         </p:nvSpPr>
         <p:spPr>
           <a:xfrm>
-            <a:off x="838200" y="365125"/>
-            <a:ext cx="7734300" cy="5811838"/>
+            <a:off x="838200" y="414778"/>
+            <a:ext cx="7734300" cy="5757422"/>
           </a:xfrm>
         </p:spPr>
         <p:txBody>
-          <a:bodyPr vert="eaVert"/>
+          <a:bodyPr vert="eaVert" lIns="45720" tIns="0" rIns="45720" bIns="0"/>
           <a:lstStyle/>
           <a:p>
             <a:pPr lvl="0"/>
@@ -568,13 +2066,13 @@
               <a:rPr lang="fr-FR" smtClean="0"/>
               <a:t>Cinquième niveau</a:t>
             </a:r>
-            <a:endParaRPr lang="en-GB"/>
-          </a:p>
-        </p:txBody>
-      </p:sp>
-      <p:sp>
-        <p:nvSpPr>
-          <p:cNvPr id="4" name="Espace réservé de la date 3"/>
+            <a:endParaRPr lang="en-US" dirty="0"/>
+          </a:p>
+        </p:txBody>
+      </p:sp>
+      <p:sp>
+        <p:nvSpPr>
+          <p:cNvPr id="4" name="Date Placeholder 3"/>
           <p:cNvSpPr>
             <a:spLocks noGrp="1"/>
           </p:cNvSpPr>
@@ -587,9 +2085,9 @@
           <a:bodyPr/>
           <a:lstStyle/>
           <a:p>
-            <a:fld id="{2B39C1E1-38FA-C34B-A4F0-68938FEDC020}" type="datetimeFigureOut">
-              <a:rPr lang="en-GB" smtClean="0"/>
-              <a:t>28/08/2017</a:t>
+            <a:fld id="{6135C55C-7FEB-1843-BD0C-118D25394895}" type="datetime1">
+              <a:rPr lang="fr-BE" smtClean="0"/>
+              <a:t>29/08/17</a:t>
             </a:fld>
             <a:endParaRPr lang="en-GB"/>
           </a:p>
@@ -597,7 +2095,7 @@
       </p:sp>
       <p:sp>
         <p:nvSpPr>
-          <p:cNvPr id="5" name="Espace réservé du pied de page 4"/>
+          <p:cNvPr id="5" name="Footer Placeholder 4"/>
           <p:cNvSpPr>
             <a:spLocks noGrp="1"/>
           </p:cNvSpPr>
@@ -616,7 +2114,7 @@
       </p:sp>
       <p:sp>
         <p:nvSpPr>
-          <p:cNvPr id="6" name="Espace réservé du numéro de diapositive 5"/>
+          <p:cNvPr id="6" name="Slide Number Placeholder 5"/>
           <p:cNvSpPr>
             <a:spLocks noGrp="1"/>
           </p:cNvSpPr>
@@ -638,11 +2136,6 @@
         </p:txBody>
       </p:sp>
     </p:spTree>
-    <p:extLst>
-      <p:ext uri="{BB962C8B-B14F-4D97-AF65-F5344CB8AC3E}">
-        <p14:creationId xmlns:p14="http://schemas.microsoft.com/office/powerpoint/2010/main" val="1933608390"/>
-      </p:ext>
-    </p:extLst>
   </p:cSld>
   <p:clrMapOvr>
     <a:masterClrMapping/>
@@ -669,7 +2162,7 @@
       </p:grpSpPr>
       <p:sp>
         <p:nvSpPr>
-          <p:cNvPr id="2" name="Titre 1"/>
+          <p:cNvPr id="2" name="Title 1"/>
           <p:cNvSpPr>
             <a:spLocks noGrp="1"/>
           </p:cNvSpPr>
@@ -680,19 +2173,23 @@
         <p:spPr/>
         <p:txBody>
           <a:bodyPr/>
-          <a:lstStyle/>
+          <a:lstStyle>
+            <a:lvl1pPr marL="0">
+              <a:defRPr/>
+            </a:lvl1pPr>
+          </a:lstStyle>
           <a:p>
             <a:r>
               <a:rPr lang="fr-FR" smtClean="0"/>
               <a:t>Cliquez et modifiez le titre</a:t>
             </a:r>
-            <a:endParaRPr lang="en-GB"/>
-          </a:p>
-        </p:txBody>
-      </p:sp>
-      <p:sp>
-        <p:nvSpPr>
-          <p:cNvPr id="3" name="Espace réservé du contenu 2"/>
+            <a:endParaRPr lang="en-US" dirty="0"/>
+          </a:p>
+        </p:txBody>
+      </p:sp>
+      <p:sp>
+        <p:nvSpPr>
+          <p:cNvPr id="3" name="Content Placeholder 2"/>
           <p:cNvSpPr>
             <a:spLocks noGrp="1"/>
           </p:cNvSpPr>
@@ -738,13 +2235,13 @@
               <a:rPr lang="fr-FR" smtClean="0"/>
               <a:t>Cinquième niveau</a:t>
             </a:r>
-            <a:endParaRPr lang="en-GB"/>
-          </a:p>
-        </p:txBody>
-      </p:sp>
-      <p:sp>
-        <p:nvSpPr>
-          <p:cNvPr id="4" name="Espace réservé de la date 3"/>
+            <a:endParaRPr lang="en-US" dirty="0"/>
+          </a:p>
+        </p:txBody>
+      </p:sp>
+      <p:sp>
+        <p:nvSpPr>
+          <p:cNvPr id="4" name="Date Placeholder 3"/>
           <p:cNvSpPr>
             <a:spLocks noGrp="1"/>
           </p:cNvSpPr>
@@ -757,9 +2254,9 @@
           <a:bodyPr/>
           <a:lstStyle/>
           <a:p>
-            <a:fld id="{2B39C1E1-38FA-C34B-A4F0-68938FEDC020}" type="datetimeFigureOut">
-              <a:rPr lang="en-GB" smtClean="0"/>
-              <a:t>28/08/2017</a:t>
+            <a:fld id="{4E0634D8-F601-0345-AC5E-19A355F58BD8}" type="datetime1">
+              <a:rPr lang="fr-BE" smtClean="0"/>
+              <a:t>29/08/17</a:t>
             </a:fld>
             <a:endParaRPr lang="en-GB"/>
           </a:p>
@@ -767,7 +2264,7 @@
       </p:sp>
       <p:sp>
         <p:nvSpPr>
-          <p:cNvPr id="5" name="Espace réservé du pied de page 4"/>
+          <p:cNvPr id="5" name="Footer Placeholder 4"/>
           <p:cNvSpPr>
             <a:spLocks noGrp="1"/>
           </p:cNvSpPr>
@@ -786,7 +2283,7 @@
       </p:sp>
       <p:sp>
         <p:nvSpPr>
-          <p:cNvPr id="6" name="Espace réservé du numéro de diapositive 5"/>
+          <p:cNvPr id="6" name="Slide Number Placeholder 5"/>
           <p:cNvSpPr>
             <a:spLocks noGrp="1"/>
           </p:cNvSpPr>
@@ -808,11 +2305,6 @@
         </p:txBody>
       </p:sp>
     </p:spTree>
-    <p:extLst>
-      <p:ext uri="{BB962C8B-B14F-4D97-AF65-F5344CB8AC3E}">
-        <p14:creationId xmlns:p14="http://schemas.microsoft.com/office/powerpoint/2010/main" val="837068427"/>
-      </p:ext>
-    </p:extLst>
   </p:cSld>
   <p:clrMapOvr>
     <a:masterClrMapping/>
@@ -821,8 +2313,16 @@
 </file>
 
 <file path=ppt/slideLayouts/slideLayout3.xml><?xml version="1.0" encoding="utf-8"?>
-<p:sldLayout xmlns:a="http://schemas.openxmlformats.org/drawingml/2006/main" xmlns:r="http://schemas.openxmlformats.org/officeDocument/2006/relationships" xmlns:p="http://schemas.openxmlformats.org/presentationml/2006/main" type="secHead" preserve="1">
+<p:sldLayout xmlns:a="http://schemas.openxmlformats.org/drawingml/2006/main" xmlns:r="http://schemas.openxmlformats.org/officeDocument/2006/relationships" xmlns:p="http://schemas.openxmlformats.org/presentationml/2006/main" showMasterSp="0" type="secHead" preserve="1">
   <p:cSld name="En-tête de section">
+    <p:bg>
+      <p:bgPr>
+        <a:solidFill>
+          <a:schemeClr val="bg1"/>
+        </a:solidFill>
+        <a:effectLst/>
+      </p:bgPr>
+    </p:bg>
     <p:spTree>
       <p:nvGrpSpPr>
         <p:cNvPr id="1" name=""/>
@@ -839,68 +2339,157 @@
       </p:grpSpPr>
       <p:sp>
         <p:nvSpPr>
-          <p:cNvPr id="2" name="Titre 1"/>
-          <p:cNvSpPr>
-            <a:spLocks noGrp="1"/>
-          </p:cNvSpPr>
-          <p:nvPr>
-            <p:ph type="title"/>
-          </p:nvPr>
+          <p:cNvPr id="7" name="Rectangle 6"/>
+          <p:cNvSpPr/>
+          <p:nvPr/>
         </p:nvSpPr>
         <p:spPr>
           <a:xfrm>
-            <a:off x="831850" y="1709738"/>
-            <a:ext cx="10515600" cy="2852737"/>
+            <a:off x="3175" y="6400800"/>
+            <a:ext cx="12188825" cy="457200"/>
+          </a:xfrm>
+          <a:prstGeom prst="rect">
+            <a:avLst/>
+          </a:prstGeom>
+          <a:solidFill>
+            <a:schemeClr val="accent2"/>
+          </a:solidFill>
+          <a:ln>
+            <a:noFill/>
+          </a:ln>
+        </p:spPr>
+        <p:style>
+          <a:lnRef idx="2">
+            <a:schemeClr val="accent1">
+              <a:shade val="50000"/>
+            </a:schemeClr>
+          </a:lnRef>
+          <a:fillRef idx="1">
+            <a:schemeClr val="accent1"/>
+          </a:fillRef>
+          <a:effectRef idx="0">
+            <a:schemeClr val="accent1"/>
+          </a:effectRef>
+          <a:fontRef idx="minor">
+            <a:schemeClr val="lt1"/>
+          </a:fontRef>
+        </p:style>
+      </p:sp>
+      <p:sp>
+        <p:nvSpPr>
+          <p:cNvPr id="8" name="Rectangle 7"/>
+          <p:cNvSpPr/>
+          <p:nvPr/>
+        </p:nvSpPr>
+        <p:spPr>
+          <a:xfrm>
+            <a:off x="15" y="6334316"/>
+            <a:ext cx="12188825" cy="64008"/>
+          </a:xfrm>
+          <a:prstGeom prst="rect">
+            <a:avLst/>
+          </a:prstGeom>
+          <a:solidFill>
+            <a:schemeClr val="accent1"/>
+          </a:solidFill>
+          <a:ln>
+            <a:noFill/>
+          </a:ln>
+        </p:spPr>
+        <p:style>
+          <a:lnRef idx="2">
+            <a:schemeClr val="accent1">
+              <a:shade val="50000"/>
+            </a:schemeClr>
+          </a:lnRef>
+          <a:fillRef idx="1">
+            <a:schemeClr val="accent1"/>
+          </a:fillRef>
+          <a:effectRef idx="0">
+            <a:schemeClr val="accent1"/>
+          </a:effectRef>
+          <a:fontRef idx="minor">
+            <a:schemeClr val="lt1"/>
+          </a:fontRef>
+        </p:style>
+      </p:sp>
+      <p:sp>
+        <p:nvSpPr>
+          <p:cNvPr id="2" name="Title 1"/>
+          <p:cNvSpPr>
+            <a:spLocks noGrp="1"/>
+          </p:cNvSpPr>
+          <p:nvPr>
+            <p:ph type="title"/>
+          </p:nvPr>
+        </p:nvSpPr>
+        <p:spPr>
+          <a:xfrm>
+            <a:off x="1097280" y="758952"/>
+            <a:ext cx="10058400" cy="3566160"/>
           </a:xfrm>
         </p:spPr>
         <p:txBody>
-          <a:bodyPr anchor="b"/>
+          <a:bodyPr anchor="b" anchorCtr="0">
+            <a:normAutofit/>
+          </a:bodyPr>
           <a:lstStyle>
             <a:lvl1pPr>
-              <a:defRPr sz="6000"/>
-            </a:lvl1pPr>
-          </a:lstStyle>
-          <a:p>
-            <a:r>
-              <a:rPr lang="fr-FR" smtClean="0"/>
-              <a:t>Cliquez et modifiez le titre</a:t>
-            </a:r>
-            <a:endParaRPr lang="en-GB"/>
-          </a:p>
-        </p:txBody>
-      </p:sp>
-      <p:sp>
-        <p:nvSpPr>
-          <p:cNvPr id="3" name="Espace réservé du texte 2"/>
-          <p:cNvSpPr>
-            <a:spLocks noGrp="1"/>
-          </p:cNvSpPr>
-          <p:nvPr>
-            <p:ph type="body" idx="1"/>
-          </p:nvPr>
-        </p:nvSpPr>
-        <p:spPr>
-          <a:xfrm>
-            <a:off x="831850" y="4589463"/>
-            <a:ext cx="10515600" cy="1500187"/>
-          </a:xfrm>
-        </p:spPr>
-        <p:txBody>
-          <a:bodyPr/>
-          <a:lstStyle>
-            <a:lvl1pPr marL="0" indent="0">
-              <a:buNone/>
-              <a:defRPr sz="2400">
+              <a:lnSpc>
+                <a:spcPct val="85000"/>
+              </a:lnSpc>
+              <a:defRPr sz="8000" b="0">
                 <a:solidFill>
                   <a:schemeClr val="tx1">
-                    <a:tint val="75000"/>
+                    <a:lumMod val="85000"/>
+                    <a:lumOff val="15000"/>
                   </a:schemeClr>
                 </a:solidFill>
               </a:defRPr>
             </a:lvl1pPr>
+          </a:lstStyle>
+          <a:p>
+            <a:r>
+              <a:rPr lang="fr-FR" smtClean="0"/>
+              <a:t>Cliquez et modifiez le titre</a:t>
+            </a:r>
+            <a:endParaRPr lang="en-US" dirty="0"/>
+          </a:p>
+        </p:txBody>
+      </p:sp>
+      <p:sp>
+        <p:nvSpPr>
+          <p:cNvPr id="3" name="Text Placeholder 2"/>
+          <p:cNvSpPr>
+            <a:spLocks noGrp="1"/>
+          </p:cNvSpPr>
+          <p:nvPr>
+            <p:ph type="body" idx="1"/>
+          </p:nvPr>
+        </p:nvSpPr>
+        <p:spPr>
+          <a:xfrm>
+            <a:off x="1097280" y="4453128"/>
+            <a:ext cx="10058400" cy="1143000"/>
+          </a:xfrm>
+        </p:spPr>
+        <p:txBody>
+          <a:bodyPr lIns="91440" rIns="91440" anchor="t" anchorCtr="0">
+            <a:normAutofit/>
+          </a:bodyPr>
+          <a:lstStyle>
+            <a:lvl1pPr marL="0" indent="0">
+              <a:buNone/>
+              <a:defRPr sz="2400" cap="all" spc="200" baseline="0">
+                <a:solidFill>
+                  <a:schemeClr val="tx2"/>
+                </a:solidFill>
+                <a:latin typeface="+mj-lt"/>
+              </a:defRPr>
+            </a:lvl1pPr>
             <a:lvl2pPr marL="457200" indent="0">
               <a:buNone/>
-              <a:defRPr sz="2000">
+              <a:defRPr sz="1800">
                 <a:solidFill>
                   <a:schemeClr val="tx1">
                     <a:tint val="75000"/>
@@ -910,7 +2499,7 @@
             </a:lvl2pPr>
             <a:lvl3pPr marL="914400" indent="0">
               <a:buNone/>
-              <a:defRPr sz="1800">
+              <a:defRPr sz="1600">
                 <a:solidFill>
                   <a:schemeClr val="tx1">
                     <a:tint val="75000"/>
@@ -920,7 +2509,7 @@
             </a:lvl3pPr>
             <a:lvl4pPr marL="1371600" indent="0">
               <a:buNone/>
-              <a:defRPr sz="1600">
+              <a:defRPr sz="1400">
                 <a:solidFill>
                   <a:schemeClr val="tx1">
                     <a:tint val="75000"/>
@@ -930,7 +2519,7 @@
             </a:lvl4pPr>
             <a:lvl5pPr marL="1828800" indent="0">
               <a:buNone/>
-              <a:defRPr sz="1600">
+              <a:defRPr sz="1400">
                 <a:solidFill>
                   <a:schemeClr val="tx1">
                     <a:tint val="75000"/>
@@ -940,7 +2529,7 @@
             </a:lvl5pPr>
             <a:lvl6pPr marL="2286000" indent="0">
               <a:buNone/>
-              <a:defRPr sz="1600">
+              <a:defRPr sz="1400">
                 <a:solidFill>
                   <a:schemeClr val="tx1">
                     <a:tint val="75000"/>
@@ -950,7 +2539,7 @@
             </a:lvl6pPr>
             <a:lvl7pPr marL="2743200" indent="0">
               <a:buNone/>
-              <a:defRPr sz="1600">
+              <a:defRPr sz="1400">
                 <a:solidFill>
                   <a:schemeClr val="tx1">
                     <a:tint val="75000"/>
@@ -960,7 +2549,7 @@
             </a:lvl7pPr>
             <a:lvl8pPr marL="3200400" indent="0">
               <a:buNone/>
-              <a:defRPr sz="1600">
+              <a:defRPr sz="1400">
                 <a:solidFill>
                   <a:schemeClr val="tx1">
                     <a:tint val="75000"/>
@@ -970,7 +2559,7 @@
             </a:lvl8pPr>
             <a:lvl9pPr marL="3657600" indent="0">
               <a:buNone/>
-              <a:defRPr sz="1600">
+              <a:defRPr sz="1400">
                 <a:solidFill>
                   <a:schemeClr val="tx1">
                     <a:tint val="75000"/>
@@ -990,7 +2579,7 @@
       </p:sp>
       <p:sp>
         <p:nvSpPr>
-          <p:cNvPr id="4" name="Espace réservé de la date 3"/>
+          <p:cNvPr id="4" name="Date Placeholder 3"/>
           <p:cNvSpPr>
             <a:spLocks noGrp="1"/>
           </p:cNvSpPr>
@@ -1003,9 +2592,9 @@
           <a:bodyPr/>
           <a:lstStyle/>
           <a:p>
-            <a:fld id="{2B39C1E1-38FA-C34B-A4F0-68938FEDC020}" type="datetimeFigureOut">
-              <a:rPr lang="en-GB" smtClean="0"/>
-              <a:t>28/08/2017</a:t>
+            <a:fld id="{B5D3174E-31EF-0E42-9252-EFEBB6D4D4DB}" type="datetime1">
+              <a:rPr lang="fr-BE" smtClean="0"/>
+              <a:t>29/08/17</a:t>
             </a:fld>
             <a:endParaRPr lang="en-GB"/>
           </a:p>
@@ -1013,7 +2602,7 @@
       </p:sp>
       <p:sp>
         <p:nvSpPr>
-          <p:cNvPr id="5" name="Espace réservé du pied de page 4"/>
+          <p:cNvPr id="5" name="Footer Placeholder 4"/>
           <p:cNvSpPr>
             <a:spLocks noGrp="1"/>
           </p:cNvSpPr>
@@ -1032,7 +2621,7 @@
       </p:sp>
       <p:sp>
         <p:nvSpPr>
-          <p:cNvPr id="6" name="Espace réservé du numéro de diapositive 5"/>
+          <p:cNvPr id="6" name="Slide Number Placeholder 5"/>
           <p:cNvSpPr>
             <a:spLocks noGrp="1"/>
           </p:cNvSpPr>
@@ -1053,12 +2642,45 @@
           </a:p>
         </p:txBody>
       </p:sp>
+      <p:cxnSp>
+        <p:nvCxnSpPr>
+          <p:cNvPr id="9" name="Straight Connector 8"/>
+          <p:cNvCxnSpPr/>
+          <p:nvPr/>
+        </p:nvCxnSpPr>
+        <p:spPr>
+          <a:xfrm>
+            <a:off x="1207658" y="4343400"/>
+            <a:ext cx="9875520" cy="0"/>
+          </a:xfrm>
+          <a:prstGeom prst="line">
+            <a:avLst/>
+          </a:prstGeom>
+          <a:ln w="6350">
+            <a:solidFill>
+              <a:schemeClr val="tx1">
+                <a:lumMod val="50000"/>
+                <a:lumOff val="50000"/>
+              </a:schemeClr>
+            </a:solidFill>
+          </a:ln>
+        </p:spPr>
+        <p:style>
+          <a:lnRef idx="1">
+            <a:schemeClr val="accent1"/>
+          </a:lnRef>
+          <a:fillRef idx="0">
+            <a:schemeClr val="accent1"/>
+          </a:fillRef>
+          <a:effectRef idx="0">
+            <a:schemeClr val="accent1"/>
+          </a:effectRef>
+          <a:fontRef idx="minor">
+            <a:schemeClr val="tx1"/>
+          </a:fontRef>
+        </p:style>
+      </p:cxnSp>
     </p:spTree>
-    <p:extLst>
-      <p:ext uri="{BB962C8B-B14F-4D97-AF65-F5344CB8AC3E}">
-        <p14:creationId xmlns:p14="http://schemas.microsoft.com/office/powerpoint/2010/main" val="443681092"/>
-      </p:ext>
-    </p:extLst>
   </p:cSld>
   <p:clrMapOvr>
     <a:masterClrMapping/>
@@ -1085,7 +2707,7 @@
       </p:grpSpPr>
       <p:sp>
         <p:nvSpPr>
-          <p:cNvPr id="2" name="Titre 1"/>
+          <p:cNvPr id="8" name="Title 7"/>
           <p:cNvSpPr>
             <a:spLocks noGrp="1"/>
           </p:cNvSpPr>
@@ -1093,7 +2715,12 @@
             <p:ph type="title"/>
           </p:nvPr>
         </p:nvSpPr>
-        <p:spPr/>
+        <p:spPr>
+          <a:xfrm>
+            <a:off x="1097280" y="286603"/>
+            <a:ext cx="10058400" cy="1450757"/>
+          </a:xfrm>
+        </p:spPr>
         <p:txBody>
           <a:bodyPr/>
           <a:lstStyle/>
@@ -1102,13 +2729,13 @@
               <a:rPr lang="fr-FR" smtClean="0"/>
               <a:t>Cliquez et modifiez le titre</a:t>
             </a:r>
-            <a:endParaRPr lang="en-GB"/>
-          </a:p>
-        </p:txBody>
-      </p:sp>
-      <p:sp>
-        <p:nvSpPr>
-          <p:cNvPr id="3" name="Espace réservé du contenu 2"/>
+            <a:endParaRPr lang="en-US" dirty="0"/>
+          </a:p>
+        </p:txBody>
+      </p:sp>
+      <p:sp>
+        <p:nvSpPr>
+          <p:cNvPr id="3" name="Content Placeholder 2"/>
           <p:cNvSpPr>
             <a:spLocks noGrp="1"/>
           </p:cNvSpPr>
@@ -1118,8 +2745,8 @@
         </p:nvSpPr>
         <p:spPr>
           <a:xfrm>
-            <a:off x="838200" y="1825625"/>
-            <a:ext cx="5181600" cy="4351338"/>
+            <a:off x="1097279" y="1845734"/>
+            <a:ext cx="4937760" cy="4023360"/>
           </a:xfrm>
         </p:spPr>
         <p:txBody>
@@ -1159,13 +2786,13 @@
               <a:rPr lang="fr-FR" smtClean="0"/>
               <a:t>Cinquième niveau</a:t>
             </a:r>
-            <a:endParaRPr lang="en-GB"/>
-          </a:p>
-        </p:txBody>
-      </p:sp>
-      <p:sp>
-        <p:nvSpPr>
-          <p:cNvPr id="4" name="Espace réservé du contenu 3"/>
+            <a:endParaRPr lang="en-US" dirty="0"/>
+          </a:p>
+        </p:txBody>
+      </p:sp>
+      <p:sp>
+        <p:nvSpPr>
+          <p:cNvPr id="4" name="Content Placeholder 3"/>
           <p:cNvSpPr>
             <a:spLocks noGrp="1"/>
           </p:cNvSpPr>
@@ -1175,8 +2802,8 @@
         </p:nvSpPr>
         <p:spPr>
           <a:xfrm>
-            <a:off x="6172200" y="1825625"/>
-            <a:ext cx="5181600" cy="4351338"/>
+            <a:off x="6217920" y="1845735"/>
+            <a:ext cx="4937760" cy="4023360"/>
           </a:xfrm>
         </p:spPr>
         <p:txBody>
@@ -1216,13 +2843,13 @@
               <a:rPr lang="fr-FR" smtClean="0"/>
               <a:t>Cinquième niveau</a:t>
             </a:r>
-            <a:endParaRPr lang="en-GB"/>
-          </a:p>
-        </p:txBody>
-      </p:sp>
-      <p:sp>
-        <p:nvSpPr>
-          <p:cNvPr id="5" name="Espace réservé de la date 4"/>
+            <a:endParaRPr lang="en-US" dirty="0"/>
+          </a:p>
+        </p:txBody>
+      </p:sp>
+      <p:sp>
+        <p:nvSpPr>
+          <p:cNvPr id="5" name="Date Placeholder 4"/>
           <p:cNvSpPr>
             <a:spLocks noGrp="1"/>
           </p:cNvSpPr>
@@ -1235,9 +2862,9 @@
           <a:bodyPr/>
           <a:lstStyle/>
           <a:p>
-            <a:fld id="{2B39C1E1-38FA-C34B-A4F0-68938FEDC020}" type="datetimeFigureOut">
-              <a:rPr lang="en-GB" smtClean="0"/>
-              <a:t>28/08/2017</a:t>
+            <a:fld id="{468C30DD-E0EB-C146-94EC-E7EB78972DFE}" type="datetime1">
+              <a:rPr lang="fr-BE" smtClean="0"/>
+              <a:t>29/08/17</a:t>
             </a:fld>
             <a:endParaRPr lang="en-GB"/>
           </a:p>
@@ -1245,7 +2872,7 @@
       </p:sp>
       <p:sp>
         <p:nvSpPr>
-          <p:cNvPr id="6" name="Espace réservé du pied de page 5"/>
+          <p:cNvPr id="6" name="Footer Placeholder 5"/>
           <p:cNvSpPr>
             <a:spLocks noGrp="1"/>
           </p:cNvSpPr>
@@ -1264,7 +2891,7 @@
       </p:sp>
       <p:sp>
         <p:nvSpPr>
-          <p:cNvPr id="7" name="Espace réservé du numéro de diapositive 6"/>
+          <p:cNvPr id="7" name="Slide Number Placeholder 6"/>
           <p:cNvSpPr>
             <a:spLocks noGrp="1"/>
           </p:cNvSpPr>
@@ -1286,11 +2913,6 @@
         </p:txBody>
       </p:sp>
     </p:spTree>
-    <p:extLst>
-      <p:ext uri="{BB962C8B-B14F-4D97-AF65-F5344CB8AC3E}">
-        <p14:creationId xmlns:p14="http://schemas.microsoft.com/office/powerpoint/2010/main" val="884890860"/>
-      </p:ext>
-    </p:extLst>
   </p:cSld>
   <p:clrMapOvr>
     <a:masterClrMapping/>
@@ -1317,7 +2939,7 @@
       </p:grpSpPr>
       <p:sp>
         <p:nvSpPr>
-          <p:cNvPr id="2" name="Titre 1"/>
+          <p:cNvPr id="10" name="Title 9"/>
           <p:cNvSpPr>
             <a:spLocks noGrp="1"/>
           </p:cNvSpPr>
@@ -1327,8 +2949,8 @@
         </p:nvSpPr>
         <p:spPr>
           <a:xfrm>
-            <a:off x="839788" y="365125"/>
-            <a:ext cx="10515600" cy="1325563"/>
+            <a:off x="1097280" y="286603"/>
+            <a:ext cx="10058400" cy="1450757"/>
           </a:xfrm>
         </p:spPr>
         <p:txBody>
@@ -1339,13 +2961,13 @@
               <a:rPr lang="fr-FR" smtClean="0"/>
               <a:t>Cliquez et modifiez le titre</a:t>
             </a:r>
-            <a:endParaRPr lang="en-GB"/>
-          </a:p>
-        </p:txBody>
-      </p:sp>
-      <p:sp>
-        <p:nvSpPr>
-          <p:cNvPr id="3" name="Espace réservé du texte 2"/>
+            <a:endParaRPr lang="en-US" dirty="0"/>
+          </a:p>
+        </p:txBody>
+      </p:sp>
+      <p:sp>
+        <p:nvSpPr>
+          <p:cNvPr id="3" name="Text Placeholder 2"/>
           <p:cNvSpPr>
             <a:spLocks noGrp="1"/>
           </p:cNvSpPr>
@@ -1355,16 +2977,22 @@
         </p:nvSpPr>
         <p:spPr>
           <a:xfrm>
-            <a:off x="839788" y="1681163"/>
-            <a:ext cx="5157787" cy="823912"/>
+            <a:off x="1097280" y="1846052"/>
+            <a:ext cx="4937760" cy="736282"/>
           </a:xfrm>
         </p:spPr>
         <p:txBody>
-          <a:bodyPr anchor="b"/>
+          <a:bodyPr lIns="91440" rIns="91440" anchor="ctr">
+            <a:normAutofit/>
+          </a:bodyPr>
           <a:lstStyle>
             <a:lvl1pPr marL="0" indent="0">
               <a:buNone/>
-              <a:defRPr sz="2400" b="1"/>
+              <a:defRPr sz="2000" b="0" cap="all" baseline="0">
+                <a:solidFill>
+                  <a:schemeClr val="tx2"/>
+                </a:solidFill>
+              </a:defRPr>
             </a:lvl1pPr>
             <a:lvl2pPr marL="457200" indent="0">
               <a:buNone/>
@@ -1410,7 +3038,7 @@
       </p:sp>
       <p:sp>
         <p:nvSpPr>
-          <p:cNvPr id="4" name="Espace réservé du contenu 3"/>
+          <p:cNvPr id="4" name="Content Placeholder 3"/>
           <p:cNvSpPr>
             <a:spLocks noGrp="1"/>
           </p:cNvSpPr>
@@ -1420,8 +3048,8 @@
         </p:nvSpPr>
         <p:spPr>
           <a:xfrm>
-            <a:off x="839788" y="2505075"/>
-            <a:ext cx="5157787" cy="3684588"/>
+            <a:off x="1097280" y="2582334"/>
+            <a:ext cx="4937760" cy="3378200"/>
           </a:xfrm>
         </p:spPr>
         <p:txBody>
@@ -1461,13 +3089,13 @@
               <a:rPr lang="fr-FR" smtClean="0"/>
               <a:t>Cinquième niveau</a:t>
             </a:r>
-            <a:endParaRPr lang="en-GB"/>
-          </a:p>
-        </p:txBody>
-      </p:sp>
-      <p:sp>
-        <p:nvSpPr>
-          <p:cNvPr id="5" name="Espace réservé du texte 4"/>
+            <a:endParaRPr lang="en-US" dirty="0"/>
+          </a:p>
+        </p:txBody>
+      </p:sp>
+      <p:sp>
+        <p:nvSpPr>
+          <p:cNvPr id="5" name="Text Placeholder 4"/>
           <p:cNvSpPr>
             <a:spLocks noGrp="1"/>
           </p:cNvSpPr>
@@ -1477,16 +3105,22 @@
         </p:nvSpPr>
         <p:spPr>
           <a:xfrm>
-            <a:off x="6172200" y="1681163"/>
-            <a:ext cx="5183188" cy="823912"/>
+            <a:off x="6217920" y="1846052"/>
+            <a:ext cx="4937760" cy="736282"/>
           </a:xfrm>
         </p:spPr>
         <p:txBody>
-          <a:bodyPr anchor="b"/>
+          <a:bodyPr lIns="91440" rIns="91440" anchor="ctr">
+            <a:normAutofit/>
+          </a:bodyPr>
           <a:lstStyle>
             <a:lvl1pPr marL="0" indent="0">
               <a:buNone/>
-              <a:defRPr sz="2400" b="1"/>
+              <a:defRPr sz="2000" b="0" cap="all" baseline="0">
+                <a:solidFill>
+                  <a:schemeClr val="tx2"/>
+                </a:solidFill>
+              </a:defRPr>
             </a:lvl1pPr>
             <a:lvl2pPr marL="457200" indent="0">
               <a:buNone/>
@@ -1532,7 +3166,7 @@
       </p:sp>
       <p:sp>
         <p:nvSpPr>
-          <p:cNvPr id="6" name="Espace réservé du contenu 5"/>
+          <p:cNvPr id="6" name="Content Placeholder 5"/>
           <p:cNvSpPr>
             <a:spLocks noGrp="1"/>
           </p:cNvSpPr>
@@ -1542,8 +3176,8 @@
         </p:nvSpPr>
         <p:spPr>
           <a:xfrm>
-            <a:off x="6172200" y="2505075"/>
-            <a:ext cx="5183188" cy="3684588"/>
+            <a:off x="6217920" y="2582334"/>
+            <a:ext cx="4937760" cy="3378200"/>
           </a:xfrm>
         </p:spPr>
         <p:txBody>
@@ -1583,13 +3217,13 @@
               <a:rPr lang="fr-FR" smtClean="0"/>
               <a:t>Cinquième niveau</a:t>
             </a:r>
-            <a:endParaRPr lang="en-GB"/>
-          </a:p>
-        </p:txBody>
-      </p:sp>
-      <p:sp>
-        <p:nvSpPr>
-          <p:cNvPr id="7" name="Espace réservé de la date 6"/>
+            <a:endParaRPr lang="en-US" dirty="0"/>
+          </a:p>
+        </p:txBody>
+      </p:sp>
+      <p:sp>
+        <p:nvSpPr>
+          <p:cNvPr id="7" name="Date Placeholder 6"/>
           <p:cNvSpPr>
             <a:spLocks noGrp="1"/>
           </p:cNvSpPr>
@@ -1602,9 +3236,9 @@
           <a:bodyPr/>
           <a:lstStyle/>
           <a:p>
-            <a:fld id="{2B39C1E1-38FA-C34B-A4F0-68938FEDC020}" type="datetimeFigureOut">
-              <a:rPr lang="en-GB" smtClean="0"/>
-              <a:t>28/08/2017</a:t>
+            <a:fld id="{3318A585-6EB7-8F4C-8153-71E3A7775E17}" type="datetime1">
+              <a:rPr lang="fr-BE" smtClean="0"/>
+              <a:t>29/08/17</a:t>
             </a:fld>
             <a:endParaRPr lang="en-GB"/>
           </a:p>
@@ -1612,7 +3246,7 @@
       </p:sp>
       <p:sp>
         <p:nvSpPr>
-          <p:cNvPr id="8" name="Espace réservé du pied de page 7"/>
+          <p:cNvPr id="8" name="Footer Placeholder 7"/>
           <p:cNvSpPr>
             <a:spLocks noGrp="1"/>
           </p:cNvSpPr>
@@ -1631,7 +3265,7 @@
       </p:sp>
       <p:sp>
         <p:nvSpPr>
-          <p:cNvPr id="9" name="Espace réservé du numéro de diapositive 8"/>
+          <p:cNvPr id="9" name="Slide Number Placeholder 8"/>
           <p:cNvSpPr>
             <a:spLocks noGrp="1"/>
           </p:cNvSpPr>
@@ -1653,11 +3287,6 @@
         </p:txBody>
       </p:sp>
     </p:spTree>
-    <p:extLst>
-      <p:ext uri="{BB962C8B-B14F-4D97-AF65-F5344CB8AC3E}">
-        <p14:creationId xmlns:p14="http://schemas.microsoft.com/office/powerpoint/2010/main" val="1036428545"/>
-      </p:ext>
-    </p:extLst>
   </p:cSld>
   <p:clrMapOvr>
     <a:masterClrMapping/>
@@ -1684,7 +3313,7 @@
       </p:grpSpPr>
       <p:sp>
         <p:nvSpPr>
-          <p:cNvPr id="2" name="Titre 1"/>
+          <p:cNvPr id="2" name="Title 1"/>
           <p:cNvSpPr>
             <a:spLocks noGrp="1"/>
           </p:cNvSpPr>
@@ -1701,13 +3330,13 @@
               <a:rPr lang="fr-FR" smtClean="0"/>
               <a:t>Cliquez et modifiez le titre</a:t>
             </a:r>
-            <a:endParaRPr lang="en-GB"/>
-          </a:p>
-        </p:txBody>
-      </p:sp>
-      <p:sp>
-        <p:nvSpPr>
-          <p:cNvPr id="3" name="Espace réservé de la date 2"/>
+            <a:endParaRPr lang="en-US" dirty="0"/>
+          </a:p>
+        </p:txBody>
+      </p:sp>
+      <p:sp>
+        <p:nvSpPr>
+          <p:cNvPr id="3" name="Date Placeholder 2"/>
           <p:cNvSpPr>
             <a:spLocks noGrp="1"/>
           </p:cNvSpPr>
@@ -1720,9 +3349,9 @@
           <a:bodyPr/>
           <a:lstStyle/>
           <a:p>
-            <a:fld id="{2B39C1E1-38FA-C34B-A4F0-68938FEDC020}" type="datetimeFigureOut">
-              <a:rPr lang="en-GB" smtClean="0"/>
-              <a:t>28/08/2017</a:t>
+            <a:fld id="{2B66AD89-165C-A641-A9B1-0EF36C99E99F}" type="datetime1">
+              <a:rPr lang="fr-BE" smtClean="0"/>
+              <a:t>29/08/17</a:t>
             </a:fld>
             <a:endParaRPr lang="en-GB"/>
           </a:p>
@@ -1730,7 +3359,7 @@
       </p:sp>
       <p:sp>
         <p:nvSpPr>
-          <p:cNvPr id="4" name="Espace réservé du pied de page 3"/>
+          <p:cNvPr id="4" name="Footer Placeholder 3"/>
           <p:cNvSpPr>
             <a:spLocks noGrp="1"/>
           </p:cNvSpPr>
@@ -1749,7 +3378,7 @@
       </p:sp>
       <p:sp>
         <p:nvSpPr>
-          <p:cNvPr id="5" name="Espace réservé du numéro de diapositive 4"/>
+          <p:cNvPr id="5" name="Slide Number Placeholder 4"/>
           <p:cNvSpPr>
             <a:spLocks noGrp="1"/>
           </p:cNvSpPr>
@@ -1771,11 +3400,6 @@
         </p:txBody>
       </p:sp>
     </p:spTree>
-    <p:extLst>
-      <p:ext uri="{BB962C8B-B14F-4D97-AF65-F5344CB8AC3E}">
-        <p14:creationId xmlns:p14="http://schemas.microsoft.com/office/powerpoint/2010/main" val="1014694998"/>
-      </p:ext>
-    </p:extLst>
   </p:cSld>
   <p:clrMapOvr>
     <a:masterClrMapping/>
@@ -1784,7 +3408,7 @@
 </file>
 
 <file path=ppt/slideLayouts/slideLayout7.xml><?xml version="1.0" encoding="utf-8"?>
-<p:sldLayout xmlns:a="http://schemas.openxmlformats.org/drawingml/2006/main" xmlns:r="http://schemas.openxmlformats.org/officeDocument/2006/relationships" xmlns:p="http://schemas.openxmlformats.org/presentationml/2006/main" type="blank" preserve="1">
+<p:sldLayout xmlns:a="http://schemas.openxmlformats.org/drawingml/2006/main" xmlns:r="http://schemas.openxmlformats.org/officeDocument/2006/relationships" xmlns:p="http://schemas.openxmlformats.org/presentationml/2006/main" showMasterSp="0" type="blank" preserve="1">
   <p:cSld name="Vide">
     <p:spTree>
       <p:nvGrpSpPr>
@@ -1802,7 +3426,83 @@
       </p:grpSpPr>
       <p:sp>
         <p:nvSpPr>
-          <p:cNvPr id="2" name="Espace réservé de la date 1"/>
+          <p:cNvPr id="5" name="Rectangle 4"/>
+          <p:cNvSpPr/>
+          <p:nvPr/>
+        </p:nvSpPr>
+        <p:spPr>
+          <a:xfrm>
+            <a:off x="3175" y="6400800"/>
+            <a:ext cx="12188825" cy="457200"/>
+          </a:xfrm>
+          <a:prstGeom prst="rect">
+            <a:avLst/>
+          </a:prstGeom>
+          <a:solidFill>
+            <a:schemeClr val="accent2"/>
+          </a:solidFill>
+          <a:ln>
+            <a:noFill/>
+          </a:ln>
+        </p:spPr>
+        <p:style>
+          <a:lnRef idx="2">
+            <a:schemeClr val="accent1">
+              <a:shade val="50000"/>
+            </a:schemeClr>
+          </a:lnRef>
+          <a:fillRef idx="1">
+            <a:schemeClr val="accent1"/>
+          </a:fillRef>
+          <a:effectRef idx="0">
+            <a:schemeClr val="accent1"/>
+          </a:effectRef>
+          <a:fontRef idx="minor">
+            <a:schemeClr val="lt1"/>
+          </a:fontRef>
+        </p:style>
+      </p:sp>
+      <p:sp>
+        <p:nvSpPr>
+          <p:cNvPr id="6" name="Rectangle 5"/>
+          <p:cNvSpPr/>
+          <p:nvPr/>
+        </p:nvSpPr>
+        <p:spPr>
+          <a:xfrm>
+            <a:off x="15" y="6334316"/>
+            <a:ext cx="12188825" cy="64008"/>
+          </a:xfrm>
+          <a:prstGeom prst="rect">
+            <a:avLst/>
+          </a:prstGeom>
+          <a:solidFill>
+            <a:schemeClr val="accent1"/>
+          </a:solidFill>
+          <a:ln>
+            <a:noFill/>
+          </a:ln>
+        </p:spPr>
+        <p:style>
+          <a:lnRef idx="2">
+            <a:schemeClr val="accent1">
+              <a:shade val="50000"/>
+            </a:schemeClr>
+          </a:lnRef>
+          <a:fillRef idx="1">
+            <a:schemeClr val="accent1"/>
+          </a:fillRef>
+          <a:effectRef idx="0">
+            <a:schemeClr val="accent1"/>
+          </a:effectRef>
+          <a:fontRef idx="minor">
+            <a:schemeClr val="lt1"/>
+          </a:fontRef>
+        </p:style>
+      </p:sp>
+      <p:sp>
+        <p:nvSpPr>
+          <p:cNvPr id="7" name="Date Placeholder 6"/>
           <p:cNvSpPr>
             <a:spLocks noGrp="1"/>
           </p:cNvSpPr>
@@ -1815,9 +3515,9 @@
           <a:bodyPr/>
           <a:lstStyle/>
           <a:p>
-            <a:fld id="{2B39C1E1-38FA-C34B-A4F0-68938FEDC020}" type="datetimeFigureOut">
-              <a:rPr lang="en-GB" smtClean="0"/>
-              <a:t>28/08/2017</a:t>
+            <a:fld id="{D62EFCCB-E28A-B149-A6CE-071A84905B57}" type="datetime1">
+              <a:rPr lang="fr-BE" smtClean="0"/>
+              <a:t>29/08/17</a:t>
             </a:fld>
             <a:endParaRPr lang="en-GB"/>
           </a:p>
@@ -1825,7 +3525,7 @@
       </p:sp>
       <p:sp>
         <p:nvSpPr>
-          <p:cNvPr id="3" name="Espace réservé du pied de page 2"/>
+          <p:cNvPr id="8" name="Footer Placeholder 7"/>
           <p:cNvSpPr>
             <a:spLocks noGrp="1"/>
           </p:cNvSpPr>
@@ -1836,15 +3536,23 @@
         <p:spPr/>
         <p:txBody>
           <a:bodyPr/>
-          <a:lstStyle/>
-          <a:p>
-            <a:endParaRPr lang="en-GB"/>
-          </a:p>
-        </p:txBody>
-      </p:sp>
-      <p:sp>
-        <p:nvSpPr>
-          <p:cNvPr id="4" name="Espace réservé du numéro de diapositive 3"/>
+          <a:lstStyle>
+            <a:lvl1pPr>
+              <a:defRPr>
+                <a:solidFill>
+                  <a:srgbClr val="FFFFFF"/>
+                </a:solidFill>
+              </a:defRPr>
+            </a:lvl1pPr>
+          </a:lstStyle>
+          <a:p>
+            <a:endParaRPr lang="en-GB"/>
+          </a:p>
+        </p:txBody>
+      </p:sp>
+      <p:sp>
+        <p:nvSpPr>
+          <p:cNvPr id="9" name="Slide Number Placeholder 8"/>
           <p:cNvSpPr>
             <a:spLocks noGrp="1"/>
           </p:cNvSpPr>
@@ -1866,11 +3574,6 @@
         </p:txBody>
       </p:sp>
     </p:spTree>
-    <p:extLst>
-      <p:ext uri="{BB962C8B-B14F-4D97-AF65-F5344CB8AC3E}">
-        <p14:creationId xmlns:p14="http://schemas.microsoft.com/office/powerpoint/2010/main" val="811190559"/>
-      </p:ext>
-    </p:extLst>
   </p:cSld>
   <p:clrMapOvr>
     <a:masterClrMapping/>
@@ -1879,7 +3582,7 @@
 </file>
 
 <file path=ppt/slideLayouts/slideLayout8.xml><?xml version="1.0" encoding="utf-8"?>
-<p:sldLayout xmlns:a="http://schemas.openxmlformats.org/drawingml/2006/main" xmlns:r="http://schemas.openxmlformats.org/officeDocument/2006/relationships" xmlns:p="http://schemas.openxmlformats.org/presentationml/2006/main" type="objTx" preserve="1">
+<p:sldLayout xmlns:a="http://schemas.openxmlformats.org/drawingml/2006/main" xmlns:r="http://schemas.openxmlformats.org/officeDocument/2006/relationships" xmlns:p="http://schemas.openxmlformats.org/presentationml/2006/main" showMasterSp="0" type="objTx" preserve="1">
   <p:cSld name="Contenu avec légende">
     <p:spTree>
       <p:nvGrpSpPr>
@@ -1897,25 +3600,107 @@
       </p:grpSpPr>
       <p:sp>
         <p:nvSpPr>
-          <p:cNvPr id="2" name="Titre 1"/>
-          <p:cNvSpPr>
-            <a:spLocks noGrp="1"/>
-          </p:cNvSpPr>
-          <p:nvPr>
-            <p:ph type="title"/>
-          </p:nvPr>
+          <p:cNvPr id="8" name="Rectangle 7"/>
+          <p:cNvSpPr/>
+          <p:nvPr/>
         </p:nvSpPr>
         <p:spPr>
           <a:xfrm>
-            <a:off x="839788" y="457200"/>
-            <a:ext cx="3932237" cy="1600200"/>
+            <a:off x="16" y="0"/>
+            <a:ext cx="4050791" cy="6858000"/>
+          </a:xfrm>
+          <a:prstGeom prst="rect">
+            <a:avLst/>
+          </a:prstGeom>
+          <a:solidFill>
+            <a:schemeClr val="accent2"/>
+          </a:solidFill>
+          <a:ln>
+            <a:noFill/>
+          </a:ln>
+        </p:spPr>
+        <p:style>
+          <a:lnRef idx="2">
+            <a:schemeClr val="accent1">
+              <a:shade val="50000"/>
+            </a:schemeClr>
+          </a:lnRef>
+          <a:fillRef idx="1">
+            <a:schemeClr val="accent1"/>
+          </a:fillRef>
+          <a:effectRef idx="0">
+            <a:schemeClr val="accent1"/>
+          </a:effectRef>
+          <a:fontRef idx="minor">
+            <a:schemeClr val="lt1"/>
+          </a:fontRef>
+        </p:style>
+      </p:sp>
+      <p:sp>
+        <p:nvSpPr>
+          <p:cNvPr id="9" name="Rectangle 8"/>
+          <p:cNvSpPr/>
+          <p:nvPr/>
+        </p:nvSpPr>
+        <p:spPr>
+          <a:xfrm>
+            <a:off x="4040071" y="0"/>
+            <a:ext cx="64008" cy="6858000"/>
+          </a:xfrm>
+          <a:prstGeom prst="rect">
+            <a:avLst/>
+          </a:prstGeom>
+          <a:solidFill>
+            <a:schemeClr val="accent1"/>
+          </a:solidFill>
+          <a:ln>
+            <a:noFill/>
+          </a:ln>
+        </p:spPr>
+        <p:style>
+          <a:lnRef idx="2">
+            <a:schemeClr val="accent1">
+              <a:shade val="50000"/>
+            </a:schemeClr>
+          </a:lnRef>
+          <a:fillRef idx="1">
+            <a:schemeClr val="accent1"/>
+          </a:fillRef>
+          <a:effectRef idx="0">
+            <a:schemeClr val="accent1"/>
+          </a:effectRef>
+          <a:fontRef idx="minor">
+            <a:schemeClr val="lt1"/>
+          </a:fontRef>
+        </p:style>
+      </p:sp>
+      <p:sp>
+        <p:nvSpPr>
+          <p:cNvPr id="2" name="Title 1"/>
+          <p:cNvSpPr>
+            <a:spLocks noGrp="1"/>
+          </p:cNvSpPr>
+          <p:nvPr>
+            <p:ph type="title"/>
+          </p:nvPr>
+        </p:nvSpPr>
+        <p:spPr>
+          <a:xfrm>
+            <a:off x="457200" y="594359"/>
+            <a:ext cx="3200400" cy="2286000"/>
           </a:xfrm>
         </p:spPr>
         <p:txBody>
-          <a:bodyPr anchor="b"/>
+          <a:bodyPr anchor="b">
+            <a:normAutofit/>
+          </a:bodyPr>
           <a:lstStyle>
             <a:lvl1pPr>
-              <a:defRPr sz="3200"/>
+              <a:defRPr sz="3600" b="0">
+                <a:solidFill>
+                  <a:srgbClr val="FFFFFF"/>
+                </a:solidFill>
+              </a:defRPr>
             </a:lvl1pPr>
           </a:lstStyle>
           <a:p>
@@ -1923,13 +3708,13 @@
               <a:rPr lang="fr-FR" smtClean="0"/>
               <a:t>Cliquez et modifiez le titre</a:t>
             </a:r>
-            <a:endParaRPr lang="en-GB"/>
-          </a:p>
-        </p:txBody>
-      </p:sp>
-      <p:sp>
-        <p:nvSpPr>
-          <p:cNvPr id="3" name="Espace réservé du contenu 2"/>
+            <a:endParaRPr lang="en-US" dirty="0"/>
+          </a:p>
+        </p:txBody>
+      </p:sp>
+      <p:sp>
+        <p:nvSpPr>
+          <p:cNvPr id="3" name="Content Placeholder 2"/>
           <p:cNvSpPr>
             <a:spLocks noGrp="1"/>
           </p:cNvSpPr>
@@ -1939,41 +3724,13 @@
         </p:nvSpPr>
         <p:spPr>
           <a:xfrm>
-            <a:off x="5183188" y="987425"/>
-            <a:ext cx="6172200" cy="4873625"/>
+            <a:off x="4800600" y="731520"/>
+            <a:ext cx="6492240" cy="5257800"/>
           </a:xfrm>
         </p:spPr>
         <p:txBody>
           <a:bodyPr/>
-          <a:lstStyle>
-            <a:lvl1pPr>
-              <a:defRPr sz="3200"/>
-            </a:lvl1pPr>
-            <a:lvl2pPr>
-              <a:defRPr sz="2800"/>
-            </a:lvl2pPr>
-            <a:lvl3pPr>
-              <a:defRPr sz="2400"/>
-            </a:lvl3pPr>
-            <a:lvl4pPr>
-              <a:defRPr sz="2000"/>
-            </a:lvl4pPr>
-            <a:lvl5pPr>
-              <a:defRPr sz="2000"/>
-            </a:lvl5pPr>
-            <a:lvl6pPr>
-              <a:defRPr sz="2000"/>
-            </a:lvl6pPr>
-            <a:lvl7pPr>
-              <a:defRPr sz="2000"/>
-            </a:lvl7pPr>
-            <a:lvl8pPr>
-              <a:defRPr sz="2000"/>
-            </a:lvl8pPr>
-            <a:lvl9pPr>
-              <a:defRPr sz="2000"/>
-            </a:lvl9pPr>
-          </a:lstStyle>
+          <a:lstStyle/>
           <a:p>
             <a:pPr lvl="0"/>
             <a:r>
@@ -2008,13 +3765,13 @@
               <a:rPr lang="fr-FR" smtClean="0"/>
               <a:t>Cinquième niveau</a:t>
             </a:r>
-            <a:endParaRPr lang="en-GB"/>
-          </a:p>
-        </p:txBody>
-      </p:sp>
-      <p:sp>
-        <p:nvSpPr>
-          <p:cNvPr id="4" name="Espace réservé du texte 3"/>
+            <a:endParaRPr lang="en-US" dirty="0"/>
+          </a:p>
+        </p:txBody>
+      </p:sp>
+      <p:sp>
+        <p:nvSpPr>
+          <p:cNvPr id="4" name="Text Placeholder 3"/>
           <p:cNvSpPr>
             <a:spLocks noGrp="1"/>
           </p:cNvSpPr>
@@ -2024,48 +3781,54 @@
         </p:nvSpPr>
         <p:spPr>
           <a:xfrm>
-            <a:off x="839788" y="2057400"/>
-            <a:ext cx="3932237" cy="3811588"/>
+            <a:off x="457200" y="2926080"/>
+            <a:ext cx="3200400" cy="3379124"/>
           </a:xfrm>
         </p:spPr>
         <p:txBody>
-          <a:bodyPr/>
+          <a:bodyPr lIns="91440" rIns="91440">
+            <a:normAutofit/>
+          </a:bodyPr>
           <a:lstStyle>
             <a:lvl1pPr marL="0" indent="0">
               <a:buNone/>
-              <a:defRPr sz="1600"/>
+              <a:defRPr sz="1500">
+                <a:solidFill>
+                  <a:srgbClr val="FFFFFF"/>
+                </a:solidFill>
+              </a:defRPr>
             </a:lvl1pPr>
             <a:lvl2pPr marL="457200" indent="0">
               <a:buNone/>
-              <a:defRPr sz="1400"/>
+              <a:defRPr sz="1200"/>
             </a:lvl2pPr>
             <a:lvl3pPr marL="914400" indent="0">
               <a:buNone/>
-              <a:defRPr sz="1200"/>
+              <a:defRPr sz="1000"/>
             </a:lvl3pPr>
             <a:lvl4pPr marL="1371600" indent="0">
               <a:buNone/>
-              <a:defRPr sz="1000"/>
+              <a:defRPr sz="900"/>
             </a:lvl4pPr>
             <a:lvl5pPr marL="1828800" indent="0">
               <a:buNone/>
-              <a:defRPr sz="1000"/>
+              <a:defRPr sz="900"/>
             </a:lvl5pPr>
             <a:lvl6pPr marL="2286000" indent="0">
               <a:buNone/>
-              <a:defRPr sz="1000"/>
+              <a:defRPr sz="900"/>
             </a:lvl6pPr>
             <a:lvl7pPr marL="2743200" indent="0">
               <a:buNone/>
-              <a:defRPr sz="1000"/>
+              <a:defRPr sz="900"/>
             </a:lvl7pPr>
             <a:lvl8pPr marL="3200400" indent="0">
               <a:buNone/>
-              <a:defRPr sz="1000"/>
+              <a:defRPr sz="900"/>
             </a:lvl8pPr>
             <a:lvl9pPr marL="3657600" indent="0">
               <a:buNone/>
-              <a:defRPr sz="1000"/>
+              <a:defRPr sz="900"/>
             </a:lvl9pPr>
           </a:lstStyle>
           <a:p>
@@ -2079,7 +3842,7 @@
       </p:sp>
       <p:sp>
         <p:nvSpPr>
-          <p:cNvPr id="5" name="Espace réservé de la date 4"/>
+          <p:cNvPr id="5" name="Date Placeholder 4"/>
           <p:cNvSpPr>
             <a:spLocks noGrp="1"/>
           </p:cNvSpPr>
@@ -2087,14 +3850,23 @@
             <p:ph type="dt" sz="half" idx="10"/>
           </p:nvPr>
         </p:nvSpPr>
-        <p:spPr/>
-        <p:txBody>
-          <a:bodyPr/>
-          <a:lstStyle/>
-          <a:p>
-            <a:fld id="{2B39C1E1-38FA-C34B-A4F0-68938FEDC020}" type="datetimeFigureOut">
-              <a:rPr lang="en-GB" smtClean="0"/>
-              <a:t>28/08/2017</a:t>
+        <p:spPr>
+          <a:xfrm>
+            <a:off x="465512" y="6459785"/>
+            <a:ext cx="2618510" cy="365125"/>
+          </a:xfrm>
+        </p:spPr>
+        <p:txBody>
+          <a:bodyPr/>
+          <a:lstStyle>
+            <a:lvl1pPr algn="l">
+              <a:defRPr/>
+            </a:lvl1pPr>
+          </a:lstStyle>
+          <a:p>
+            <a:fld id="{2F7EDE04-171C-5341-978C-73DB2A1D43C3}" type="datetime1">
+              <a:rPr lang="fr-BE" smtClean="0"/>
+              <a:t>29/08/17</a:t>
             </a:fld>
             <a:endParaRPr lang="en-GB"/>
           </a:p>
@@ -2102,7 +3874,7 @@
       </p:sp>
       <p:sp>
         <p:nvSpPr>
-          <p:cNvPr id="6" name="Espace réservé du pied de page 5"/>
+          <p:cNvPr id="6" name="Footer Placeholder 5"/>
           <p:cNvSpPr>
             <a:spLocks noGrp="1"/>
           </p:cNvSpPr>
@@ -2110,18 +3882,31 @@
             <p:ph type="ftr" sz="quarter" idx="11"/>
           </p:nvPr>
         </p:nvSpPr>
-        <p:spPr/>
-        <p:txBody>
-          <a:bodyPr/>
-          <a:lstStyle/>
-          <a:p>
-            <a:endParaRPr lang="en-GB"/>
-          </a:p>
-        </p:txBody>
-      </p:sp>
-      <p:sp>
-        <p:nvSpPr>
-          <p:cNvPr id="7" name="Espace réservé du numéro de diapositive 6"/>
+        <p:spPr>
+          <a:xfrm>
+            <a:off x="4800600" y="6459785"/>
+            <a:ext cx="4648200" cy="365125"/>
+          </a:xfrm>
+        </p:spPr>
+        <p:txBody>
+          <a:bodyPr/>
+          <a:lstStyle>
+            <a:lvl1pPr algn="l">
+              <a:defRPr>
+                <a:solidFill>
+                  <a:schemeClr val="tx2"/>
+                </a:solidFill>
+              </a:defRPr>
+            </a:lvl1pPr>
+          </a:lstStyle>
+          <a:p>
+            <a:endParaRPr lang="en-GB"/>
+          </a:p>
+        </p:txBody>
+      </p:sp>
+      <p:sp>
+        <p:nvSpPr>
+          <p:cNvPr id="7" name="Slide Number Placeholder 6"/>
           <p:cNvSpPr>
             <a:spLocks noGrp="1"/>
           </p:cNvSpPr>
@@ -2132,7 +3917,15 @@
         <p:spPr/>
         <p:txBody>
           <a:bodyPr/>
-          <a:lstStyle/>
+          <a:lstStyle>
+            <a:lvl1pPr>
+              <a:defRPr>
+                <a:solidFill>
+                  <a:schemeClr val="tx2"/>
+                </a:solidFill>
+              </a:defRPr>
+            </a:lvl1pPr>
+          </a:lstStyle>
           <a:p>
             <a:fld id="{E9347C92-BBEE-224D-BE6C-518EEC8431DA}" type="slidenum">
               <a:rPr lang="en-GB" smtClean="0"/>
@@ -2143,11 +3936,6 @@
         </p:txBody>
       </p:sp>
     </p:spTree>
-    <p:extLst>
-      <p:ext uri="{BB962C8B-B14F-4D97-AF65-F5344CB8AC3E}">
-        <p14:creationId xmlns:p14="http://schemas.microsoft.com/office/powerpoint/2010/main" val="1453533957"/>
-      </p:ext>
-    </p:extLst>
   </p:cSld>
   <p:clrMapOvr>
     <a:masterClrMapping/>
@@ -2156,7 +3944,7 @@
 </file>
 
 <file path=ppt/slideLayouts/slideLayout9.xml><?xml version="1.0" encoding="utf-8"?>
-<p:sldLayout xmlns:a="http://schemas.openxmlformats.org/drawingml/2006/main" xmlns:r="http://schemas.openxmlformats.org/officeDocument/2006/relationships" xmlns:p="http://schemas.openxmlformats.org/presentationml/2006/main" type="picTx" preserve="1">
+<p:sldLayout xmlns:a="http://schemas.openxmlformats.org/drawingml/2006/main" xmlns:r="http://schemas.openxmlformats.org/officeDocument/2006/relationships" xmlns:p="http://schemas.openxmlformats.org/presentationml/2006/main" showMasterSp="0" type="picTx" preserve="1">
   <p:cSld name="Image avec légende">
     <p:spTree>
       <p:nvGrpSpPr>
@@ -2174,25 +3962,107 @@
       </p:grpSpPr>
       <p:sp>
         <p:nvSpPr>
-          <p:cNvPr id="2" name="Titre 1"/>
-          <p:cNvSpPr>
-            <a:spLocks noGrp="1"/>
-          </p:cNvSpPr>
-          <p:nvPr>
-            <p:ph type="title"/>
-          </p:nvPr>
+          <p:cNvPr id="8" name="Rectangle 7"/>
+          <p:cNvSpPr/>
+          <p:nvPr/>
         </p:nvSpPr>
         <p:spPr>
           <a:xfrm>
-            <a:off x="839788" y="457200"/>
-            <a:ext cx="3932237" cy="1600200"/>
+            <a:off x="0" y="4953000"/>
+            <a:ext cx="12188825" cy="1905000"/>
+          </a:xfrm>
+          <a:prstGeom prst="rect">
+            <a:avLst/>
+          </a:prstGeom>
+          <a:solidFill>
+            <a:schemeClr val="accent2"/>
+          </a:solidFill>
+          <a:ln>
+            <a:noFill/>
+          </a:ln>
+        </p:spPr>
+        <p:style>
+          <a:lnRef idx="2">
+            <a:schemeClr val="accent1">
+              <a:shade val="50000"/>
+            </a:schemeClr>
+          </a:lnRef>
+          <a:fillRef idx="1">
+            <a:schemeClr val="accent1"/>
+          </a:fillRef>
+          <a:effectRef idx="0">
+            <a:schemeClr val="accent1"/>
+          </a:effectRef>
+          <a:fontRef idx="minor">
+            <a:schemeClr val="lt1"/>
+          </a:fontRef>
+        </p:style>
+      </p:sp>
+      <p:sp>
+        <p:nvSpPr>
+          <p:cNvPr id="9" name="Rectangle 8"/>
+          <p:cNvSpPr/>
+          <p:nvPr/>
+        </p:nvSpPr>
+        <p:spPr>
+          <a:xfrm>
+            <a:off x="15" y="4915076"/>
+            <a:ext cx="12188825" cy="64008"/>
+          </a:xfrm>
+          <a:prstGeom prst="rect">
+            <a:avLst/>
+          </a:prstGeom>
+          <a:solidFill>
+            <a:schemeClr val="accent1"/>
+          </a:solidFill>
+          <a:ln>
+            <a:noFill/>
+          </a:ln>
+        </p:spPr>
+        <p:style>
+          <a:lnRef idx="2">
+            <a:schemeClr val="accent1">
+              <a:shade val="50000"/>
+            </a:schemeClr>
+          </a:lnRef>
+          <a:fillRef idx="1">
+            <a:schemeClr val="accent1"/>
+          </a:fillRef>
+          <a:effectRef idx="0">
+            <a:schemeClr val="accent1"/>
+          </a:effectRef>
+          <a:fontRef idx="minor">
+            <a:schemeClr val="lt1"/>
+          </a:fontRef>
+        </p:style>
+      </p:sp>
+      <p:sp>
+        <p:nvSpPr>
+          <p:cNvPr id="2" name="Title 1"/>
+          <p:cNvSpPr>
+            <a:spLocks noGrp="1"/>
+          </p:cNvSpPr>
+          <p:nvPr>
+            <p:ph type="title"/>
+          </p:nvPr>
+        </p:nvSpPr>
+        <p:spPr>
+          <a:xfrm>
+            <a:off x="1097280" y="5074920"/>
+            <a:ext cx="10113264" cy="822960"/>
           </a:xfrm>
         </p:spPr>
         <p:txBody>
-          <a:bodyPr anchor="b"/>
+          <a:bodyPr lIns="91440" tIns="0" rIns="91440" bIns="0" anchor="b">
+            <a:noAutofit/>
+          </a:bodyPr>
           <a:lstStyle>
             <a:lvl1pPr>
-              <a:defRPr sz="3200"/>
+              <a:defRPr sz="3600" b="0">
+                <a:solidFill>
+                  <a:srgbClr val="FFFFFF"/>
+                </a:solidFill>
+              </a:defRPr>
             </a:lvl1pPr>
           </a:lstStyle>
           <a:p>
@@ -2200,15 +4070,15 @@
               <a:rPr lang="fr-FR" smtClean="0"/>
               <a:t>Cliquez et modifiez le titre</a:t>
             </a:r>
-            <a:endParaRPr lang="en-GB"/>
-          </a:p>
-        </p:txBody>
-      </p:sp>
-      <p:sp>
-        <p:nvSpPr>
-          <p:cNvPr id="3" name="Espace réservé pour une image  2"/>
-          <p:cNvSpPr>
-            <a:spLocks noGrp="1"/>
+            <a:endParaRPr lang="en-US" dirty="0"/>
+          </a:p>
+        </p:txBody>
+      </p:sp>
+      <p:sp>
+        <p:nvSpPr>
+          <p:cNvPr id="3" name="Picture Placeholder 2"/>
+          <p:cNvSpPr>
+            <a:spLocks noGrp="1" noChangeAspect="1"/>
           </p:cNvSpPr>
           <p:nvPr>
             <p:ph type="pic" idx="1"/>
@@ -2216,16 +4086,23 @@
         </p:nvSpPr>
         <p:spPr>
           <a:xfrm>
-            <a:off x="5183188" y="987425"/>
-            <a:ext cx="6172200" cy="4873625"/>
+            <a:off x="15" y="0"/>
+            <a:ext cx="12191985" cy="4915076"/>
           </a:xfrm>
+          <a:solidFill>
+            <a:schemeClr val="accent2"/>
+          </a:solidFill>
         </p:spPr>
         <p:txBody>
-          <a:bodyPr/>
+          <a:bodyPr lIns="457200" tIns="457200" anchor="t"/>
           <a:lstStyle>
             <a:lvl1pPr marL="0" indent="0">
               <a:buNone/>
-              <a:defRPr sz="3200"/>
+              <a:defRPr sz="3200">
+                <a:solidFill>
+                  <a:schemeClr val="bg1"/>
+                </a:solidFill>
+              </a:defRPr>
             </a:lvl1pPr>
             <a:lvl2pPr marL="457200" indent="0">
               <a:buNone/>
@@ -2261,13 +4138,17 @@
             </a:lvl9pPr>
           </a:lstStyle>
           <a:p>
-            <a:endParaRPr lang="en-GB"/>
-          </a:p>
-        </p:txBody>
-      </p:sp>
-      <p:sp>
-        <p:nvSpPr>
-          <p:cNvPr id="4" name="Espace réservé du texte 3"/>
+            <a:r>
+              <a:rPr lang="fr-FR" smtClean="0"/>
+              <a:t>Faire glisser l'image vers l'espace réservé ou cliquer sur l'icône pour l'ajouter</a:t>
+            </a:r>
+            <a:endParaRPr lang="en-US" dirty="0"/>
+          </a:p>
+        </p:txBody>
+      </p:sp>
+      <p:sp>
+        <p:nvSpPr>
+          <p:cNvPr id="4" name="Text Placeholder 3"/>
           <p:cNvSpPr>
             <a:spLocks noGrp="1"/>
           </p:cNvSpPr>
@@ -2277,48 +4158,60 @@
         </p:nvSpPr>
         <p:spPr>
           <a:xfrm>
-            <a:off x="839788" y="2057400"/>
-            <a:ext cx="3932237" cy="3811588"/>
+            <a:off x="1097280" y="5907023"/>
+            <a:ext cx="10113264" cy="594360"/>
           </a:xfrm>
         </p:spPr>
         <p:txBody>
-          <a:bodyPr/>
+          <a:bodyPr lIns="91440" tIns="0" rIns="91440" bIns="0">
+            <a:normAutofit/>
+          </a:bodyPr>
           <a:lstStyle>
             <a:lvl1pPr marL="0" indent="0">
+              <a:spcBef>
+                <a:spcPts val="0"/>
+              </a:spcBef>
+              <a:spcAft>
+                <a:spcPts val="600"/>
+              </a:spcAft>
               <a:buNone/>
-              <a:defRPr sz="1600"/>
+              <a:defRPr sz="1500">
+                <a:solidFill>
+                  <a:srgbClr val="FFFFFF"/>
+                </a:solidFill>
+              </a:defRPr>
             </a:lvl1pPr>
             <a:lvl2pPr marL="457200" indent="0">
               <a:buNone/>
-              <a:defRPr sz="1400"/>
+              <a:defRPr sz="1200"/>
             </a:lvl2pPr>
             <a:lvl3pPr marL="914400" indent="0">
               <a:buNone/>
-              <a:defRPr sz="1200"/>
+              <a:defRPr sz="1000"/>
             </a:lvl3pPr>
             <a:lvl4pPr marL="1371600" indent="0">
               <a:buNone/>
-              <a:defRPr sz="1000"/>
+              <a:defRPr sz="900"/>
             </a:lvl4pPr>
             <a:lvl5pPr marL="1828800" indent="0">
               <a:buNone/>
-              <a:defRPr sz="1000"/>
+              <a:defRPr sz="900"/>
             </a:lvl5pPr>
             <a:lvl6pPr marL="2286000" indent="0">
               <a:buNone/>
-              <a:defRPr sz="1000"/>
+              <a:defRPr sz="900"/>
             </a:lvl6pPr>
             <a:lvl7pPr marL="2743200" indent="0">
               <a:buNone/>
-              <a:defRPr sz="1000"/>
+              <a:defRPr sz="900"/>
             </a:lvl7pPr>
             <a:lvl8pPr marL="3200400" indent="0">
               <a:buNone/>
-              <a:defRPr sz="1000"/>
+              <a:defRPr sz="900"/>
             </a:lvl8pPr>
             <a:lvl9pPr marL="3657600" indent="0">
               <a:buNone/>
-              <a:defRPr sz="1000"/>
+              <a:defRPr sz="900"/>
             </a:lvl9pPr>
           </a:lstStyle>
           <a:p>
@@ -2332,7 +4225,7 @@
       </p:sp>
       <p:sp>
         <p:nvSpPr>
-          <p:cNvPr id="5" name="Espace réservé de la date 4"/>
+          <p:cNvPr id="5" name="Date Placeholder 4"/>
           <p:cNvSpPr>
             <a:spLocks noGrp="1"/>
           </p:cNvSpPr>
@@ -2345,9 +4238,9 @@
           <a:bodyPr/>
           <a:lstStyle/>
           <a:p>
-            <a:fld id="{2B39C1E1-38FA-C34B-A4F0-68938FEDC020}" type="datetimeFigureOut">
-              <a:rPr lang="en-GB" smtClean="0"/>
-              <a:t>28/08/2017</a:t>
+            <a:fld id="{142F3B68-8300-3B41-8651-2FFDB29C720F}" type="datetime1">
+              <a:rPr lang="fr-BE" smtClean="0"/>
+              <a:t>29/08/17</a:t>
             </a:fld>
             <a:endParaRPr lang="en-GB"/>
           </a:p>
@@ -2355,7 +4248,7 @@
       </p:sp>
       <p:sp>
         <p:nvSpPr>
-          <p:cNvPr id="6" name="Espace réservé du pied de page 5"/>
+          <p:cNvPr id="6" name="Footer Placeholder 5"/>
           <p:cNvSpPr>
             <a:spLocks noGrp="1"/>
           </p:cNvSpPr>
@@ -2374,7 +4267,7 @@
       </p:sp>
       <p:sp>
         <p:nvSpPr>
-          <p:cNvPr id="7" name="Espace réservé du numéro de diapositive 6"/>
+          <p:cNvPr id="7" name="Slide Number Placeholder 6"/>
           <p:cNvSpPr>
             <a:spLocks noGrp="1"/>
           </p:cNvSpPr>
@@ -2396,11 +4289,6 @@
         </p:txBody>
       </p:sp>
     </p:spTree>
-    <p:extLst>
-      <p:ext uri="{BB962C8B-B14F-4D97-AF65-F5344CB8AC3E}">
-        <p14:creationId xmlns:p14="http://schemas.microsoft.com/office/powerpoint/2010/main" val="1918730674"/>
-      </p:ext>
-    </p:extLst>
   </p:cSld>
   <p:clrMapOvr>
     <a:masterClrMapping/>
@@ -2432,25 +4320,101 @@
       </p:grpSpPr>
       <p:sp>
         <p:nvSpPr>
-          <p:cNvPr id="2" name="Espace réservé du titre 1"/>
-          <p:cNvSpPr>
-            <a:spLocks noGrp="1"/>
-          </p:cNvSpPr>
-          <p:nvPr>
-            <p:ph type="title"/>
-          </p:nvPr>
+          <p:cNvPr id="7" name="Rectangle 6"/>
+          <p:cNvSpPr/>
+          <p:nvPr/>
         </p:nvSpPr>
         <p:spPr>
           <a:xfrm>
-            <a:off x="838200" y="365125"/>
-            <a:ext cx="10515600" cy="1325563"/>
+            <a:off x="1" y="6400800"/>
+            <a:ext cx="12192000" cy="457200"/>
+          </a:xfrm>
+          <a:prstGeom prst="rect">
+            <a:avLst/>
+          </a:prstGeom>
+          <a:solidFill>
+            <a:schemeClr val="accent2"/>
+          </a:solidFill>
+          <a:ln>
+            <a:noFill/>
+          </a:ln>
+        </p:spPr>
+        <p:style>
+          <a:lnRef idx="2">
+            <a:schemeClr val="accent1">
+              <a:shade val="50000"/>
+            </a:schemeClr>
+          </a:lnRef>
+          <a:fillRef idx="1">
+            <a:schemeClr val="accent1"/>
+          </a:fillRef>
+          <a:effectRef idx="0">
+            <a:schemeClr val="accent1"/>
+          </a:effectRef>
+          <a:fontRef idx="minor">
+            <a:schemeClr val="lt1"/>
+          </a:fontRef>
+        </p:style>
+      </p:sp>
+      <p:sp>
+        <p:nvSpPr>
+          <p:cNvPr id="9" name="Rectangle 8"/>
+          <p:cNvSpPr/>
+          <p:nvPr/>
+        </p:nvSpPr>
+        <p:spPr>
+          <a:xfrm>
+            <a:off x="0" y="6334316"/>
+            <a:ext cx="12192001" cy="65998"/>
+          </a:xfrm>
+          <a:prstGeom prst="rect">
+            <a:avLst/>
+          </a:prstGeom>
+          <a:solidFill>
+            <a:schemeClr val="accent1"/>
+          </a:solidFill>
+          <a:ln>
+            <a:noFill/>
+          </a:ln>
+        </p:spPr>
+        <p:style>
+          <a:lnRef idx="2">
+            <a:schemeClr val="accent1">
+              <a:shade val="50000"/>
+            </a:schemeClr>
+          </a:lnRef>
+          <a:fillRef idx="1">
+            <a:schemeClr val="accent1"/>
+          </a:fillRef>
+          <a:effectRef idx="0">
+            <a:schemeClr val="accent1"/>
+          </a:effectRef>
+          <a:fontRef idx="minor">
+            <a:schemeClr val="lt1"/>
+          </a:fontRef>
+        </p:style>
+      </p:sp>
+      <p:sp>
+        <p:nvSpPr>
+          <p:cNvPr id="2" name="Title Placeholder 1"/>
+          <p:cNvSpPr>
+            <a:spLocks noGrp="1"/>
+          </p:cNvSpPr>
+          <p:nvPr>
+            <p:ph type="title"/>
+          </p:nvPr>
+        </p:nvSpPr>
+        <p:spPr>
+          <a:xfrm>
+            <a:off x="1097280" y="286603"/>
+            <a:ext cx="10058400" cy="1450757"/>
           </a:xfrm>
           <a:prstGeom prst="rect">
             <a:avLst/>
           </a:prstGeom>
         </p:spPr>
         <p:txBody>
-          <a:bodyPr vert="horz" lIns="91440" tIns="45720" rIns="91440" bIns="45720" rtlCol="0" anchor="ctr">
+          <a:bodyPr vert="horz" lIns="91440" tIns="45720" rIns="91440" bIns="45720" rtlCol="0" anchor="b">
             <a:normAutofit/>
           </a:bodyPr>
           <a:lstStyle/>
@@ -2459,13 +4423,13 @@
               <a:rPr lang="fr-FR" smtClean="0"/>
               <a:t>Cliquez et modifiez le titre</a:t>
             </a:r>
-            <a:endParaRPr lang="en-GB"/>
-          </a:p>
-        </p:txBody>
-      </p:sp>
-      <p:sp>
-        <p:nvSpPr>
-          <p:cNvPr id="3" name="Espace réservé du texte 2"/>
+            <a:endParaRPr lang="en-US" dirty="0"/>
+          </a:p>
+        </p:txBody>
+      </p:sp>
+      <p:sp>
+        <p:nvSpPr>
+          <p:cNvPr id="3" name="Text Placeholder 2"/>
           <p:cNvSpPr>
             <a:spLocks noGrp="1"/>
           </p:cNvSpPr>
@@ -2475,15 +4439,15 @@
         </p:nvSpPr>
         <p:spPr>
           <a:xfrm>
-            <a:off x="838200" y="1825625"/>
-            <a:ext cx="10515600" cy="4351338"/>
+            <a:off x="1097280" y="1845734"/>
+            <a:ext cx="10058400" cy="4023360"/>
           </a:xfrm>
           <a:prstGeom prst="rect">
             <a:avLst/>
           </a:prstGeom>
         </p:spPr>
         <p:txBody>
-          <a:bodyPr vert="horz" lIns="91440" tIns="45720" rIns="91440" bIns="45720" rtlCol="0">
+          <a:bodyPr vert="horz" lIns="0" tIns="45720" rIns="0" bIns="45720" rtlCol="0">
             <a:normAutofit/>
           </a:bodyPr>
           <a:lstStyle/>
@@ -2521,13 +4485,13 @@
               <a:rPr lang="fr-FR" smtClean="0"/>
               <a:t>Cinquième niveau</a:t>
             </a:r>
-            <a:endParaRPr lang="en-GB"/>
-          </a:p>
-        </p:txBody>
-      </p:sp>
-      <p:sp>
-        <p:nvSpPr>
-          <p:cNvPr id="4" name="Espace réservé de la date 3"/>
+            <a:endParaRPr lang="en-US" dirty="0"/>
+          </a:p>
+        </p:txBody>
+      </p:sp>
+      <p:sp>
+        <p:nvSpPr>
+          <p:cNvPr id="4" name="Date Placeholder 3"/>
           <p:cNvSpPr>
             <a:spLocks noGrp="1"/>
           </p:cNvSpPr>
@@ -2537,8 +4501,8 @@
         </p:nvSpPr>
         <p:spPr>
           <a:xfrm>
-            <a:off x="838200" y="6356350"/>
-            <a:ext cx="2743200" cy="365125"/>
+            <a:off x="1097280" y="6459785"/>
+            <a:ext cx="2472271" cy="365125"/>
           </a:xfrm>
           <a:prstGeom prst="rect">
             <a:avLst/>
@@ -2548,19 +4512,17 @@
           <a:bodyPr vert="horz" lIns="91440" tIns="45720" rIns="91440" bIns="45720" rtlCol="0" anchor="ctr"/>
           <a:lstStyle>
             <a:lvl1pPr algn="l">
-              <a:defRPr sz="1200">
+              <a:defRPr sz="900">
                 <a:solidFill>
-                  <a:schemeClr val="tx1">
-                    <a:tint val="75000"/>
-                  </a:schemeClr>
+                  <a:srgbClr val="FFFFFF"/>
                 </a:solidFill>
               </a:defRPr>
             </a:lvl1pPr>
           </a:lstStyle>
           <a:p>
-            <a:fld id="{2B39C1E1-38FA-C34B-A4F0-68938FEDC020}" type="datetimeFigureOut">
-              <a:rPr lang="en-GB" smtClean="0"/>
-              <a:t>28/08/2017</a:t>
+            <a:fld id="{CA2B5EEC-5F23-A94A-9560-3B1B5C7AF378}" type="datetime1">
+              <a:rPr lang="fr-BE" smtClean="0"/>
+              <a:t>29/08/17</a:t>
             </a:fld>
             <a:endParaRPr lang="en-GB"/>
           </a:p>
@@ -2568,7 +4530,7 @@
       </p:sp>
       <p:sp>
         <p:nvSpPr>
-          <p:cNvPr id="5" name="Espace réservé du pied de page 4"/>
+          <p:cNvPr id="5" name="Footer Placeholder 4"/>
           <p:cNvSpPr>
             <a:spLocks noGrp="1"/>
           </p:cNvSpPr>
@@ -2578,8 +4540,8 @@
         </p:nvSpPr>
         <p:spPr>
           <a:xfrm>
-            <a:off x="4038600" y="6356350"/>
-            <a:ext cx="4114800" cy="365125"/>
+            <a:off x="3686185" y="6459785"/>
+            <a:ext cx="4822804" cy="365125"/>
           </a:xfrm>
           <a:prstGeom prst="rect">
             <a:avLst/>
@@ -2589,11 +4551,9 @@
           <a:bodyPr vert="horz" lIns="91440" tIns="45720" rIns="91440" bIns="45720" rtlCol="0" anchor="ctr"/>
           <a:lstStyle>
             <a:lvl1pPr algn="ctr">
-              <a:defRPr sz="1200">
+              <a:defRPr sz="900" cap="all" baseline="0">
                 <a:solidFill>
-                  <a:schemeClr val="tx1">
-                    <a:tint val="75000"/>
-                  </a:schemeClr>
+                  <a:srgbClr val="FFFFFF"/>
                 </a:solidFill>
               </a:defRPr>
             </a:lvl1pPr>
@@ -2605,7 +4565,7 @@
       </p:sp>
       <p:sp>
         <p:nvSpPr>
-          <p:cNvPr id="6" name="Espace réservé du numéro de diapositive 5"/>
+          <p:cNvPr id="6" name="Slide Number Placeholder 5"/>
           <p:cNvSpPr>
             <a:spLocks noGrp="1"/>
           </p:cNvSpPr>
@@ -2615,8 +4575,8 @@
         </p:nvSpPr>
         <p:spPr>
           <a:xfrm>
-            <a:off x="8610600" y="6356350"/>
-            <a:ext cx="2743200" cy="365125"/>
+            <a:off x="9900458" y="6459785"/>
+            <a:ext cx="1312025" cy="365125"/>
           </a:xfrm>
           <a:prstGeom prst="rect">
             <a:avLst/>
@@ -2626,11 +4586,9 @@
           <a:bodyPr vert="horz" lIns="91440" tIns="45720" rIns="91440" bIns="45720" rtlCol="0" anchor="ctr"/>
           <a:lstStyle>
             <a:lvl1pPr algn="r">
-              <a:defRPr sz="1200">
+              <a:defRPr sz="1050">
                 <a:solidFill>
-                  <a:schemeClr val="tx1">
-                    <a:tint val="75000"/>
-                  </a:schemeClr>
+                  <a:srgbClr val="FFFFFF"/>
                 </a:solidFill>
               </a:defRPr>
             </a:lvl1pPr>
@@ -2644,40 +4602,82 @@
           </a:p>
         </p:txBody>
       </p:sp>
+      <p:cxnSp>
+        <p:nvCxnSpPr>
+          <p:cNvPr id="10" name="Straight Connector 9"/>
+          <p:cNvCxnSpPr/>
+          <p:nvPr/>
+        </p:nvCxnSpPr>
+        <p:spPr>
+          <a:xfrm>
+            <a:off x="1193532" y="1737845"/>
+            <a:ext cx="9966960" cy="0"/>
+          </a:xfrm>
+          <a:prstGeom prst="line">
+            <a:avLst/>
+          </a:prstGeom>
+          <a:ln w="6350">
+            <a:solidFill>
+              <a:schemeClr val="tx1">
+                <a:lumMod val="50000"/>
+                <a:lumOff val="50000"/>
+              </a:schemeClr>
+            </a:solidFill>
+          </a:ln>
+        </p:spPr>
+        <p:style>
+          <a:lnRef idx="1">
+            <a:schemeClr val="accent1"/>
+          </a:lnRef>
+          <a:fillRef idx="0">
+            <a:schemeClr val="accent1"/>
+          </a:fillRef>
+          <a:effectRef idx="0">
+            <a:schemeClr val="accent1"/>
+          </a:effectRef>
+          <a:fontRef idx="minor">
+            <a:schemeClr val="tx1"/>
+          </a:fontRef>
+        </p:style>
+      </p:cxnSp>
     </p:spTree>
     <p:extLst>
       <p:ext uri="{BB962C8B-B14F-4D97-AF65-F5344CB8AC3E}">
-        <p14:creationId xmlns:p14="http://schemas.microsoft.com/office/powerpoint/2010/main" val="1617308451"/>
+        <p14:creationId xmlns:p14="http://schemas.microsoft.com/office/powerpoint/2010/main" val="1853994989"/>
       </p:ext>
     </p:extLst>
   </p:cSld>
   <p:clrMap bg1="lt1" tx1="dk1" bg2="lt2" tx2="dk2" accent1="accent1" accent2="accent2" accent3="accent3" accent4="accent4" accent5="accent5" accent6="accent6" hlink="hlink" folHlink="folHlink"/>
   <p:sldLayoutIdLst>
-    <p:sldLayoutId id="2147483649" r:id="rId1"/>
-    <p:sldLayoutId id="2147483650" r:id="rId2"/>
-    <p:sldLayoutId id="2147483651" r:id="rId3"/>
-    <p:sldLayoutId id="2147483652" r:id="rId4"/>
-    <p:sldLayoutId id="2147483653" r:id="rId5"/>
-    <p:sldLayoutId id="2147483654" r:id="rId6"/>
-    <p:sldLayoutId id="2147483655" r:id="rId7"/>
-    <p:sldLayoutId id="2147483656" r:id="rId8"/>
-    <p:sldLayoutId id="2147483657" r:id="rId9"/>
-    <p:sldLayoutId id="2147483658" r:id="rId10"/>
-    <p:sldLayoutId id="2147483659" r:id="rId11"/>
+    <p:sldLayoutId id="2147483781" r:id="rId1"/>
+    <p:sldLayoutId id="2147483782" r:id="rId2"/>
+    <p:sldLayoutId id="2147483783" r:id="rId3"/>
+    <p:sldLayoutId id="2147483784" r:id="rId4"/>
+    <p:sldLayoutId id="2147483785" r:id="rId5"/>
+    <p:sldLayoutId id="2147483786" r:id="rId6"/>
+    <p:sldLayoutId id="2147483787" r:id="rId7"/>
+    <p:sldLayoutId id="2147483788" r:id="rId8"/>
+    <p:sldLayoutId id="2147483789" r:id="rId9"/>
+    <p:sldLayoutId id="2147483790" r:id="rId10"/>
+    <p:sldLayoutId id="2147483791" r:id="rId11"/>
   </p:sldLayoutIdLst>
+  <p:hf hdr="0" ftr="0" dt="0"/>
   <p:txStyles>
     <p:titleStyle>
       <a:lvl1pPr algn="l" defTabSz="914400" rtl="0" eaLnBrk="1" latinLnBrk="0" hangingPunct="1">
         <a:lnSpc>
-          <a:spcPct val="90000"/>
+          <a:spcPct val="85000"/>
         </a:lnSpc>
         <a:spcBef>
           <a:spcPct val="0"/>
         </a:spcBef>
         <a:buNone/>
-        <a:defRPr sz="4400" kern="1200">
+        <a:defRPr sz="4800" kern="1200" spc="-50" baseline="0">
           <a:solidFill>
-            <a:schemeClr val="tx1"/>
+            <a:schemeClr val="tx1">
+              <a:lumMod val="75000"/>
+              <a:lumOff val="25000"/>
+            </a:schemeClr>
           </a:solidFill>
           <a:latin typeface="+mj-lt"/>
           <a:ea typeface="+mj-ea"/>
@@ -2686,162 +4686,244 @@
       </a:lvl1pPr>
     </p:titleStyle>
     <p:bodyStyle>
-      <a:lvl1pPr marL="228600" indent="-228600" algn="l" defTabSz="914400" rtl="0" eaLnBrk="1" latinLnBrk="0" hangingPunct="1">
+      <a:lvl1pPr marL="91440" indent="-91440" algn="l" defTabSz="914400" rtl="0" eaLnBrk="1" latinLnBrk="0" hangingPunct="1">
         <a:lnSpc>
           <a:spcPct val="90000"/>
         </a:lnSpc>
         <a:spcBef>
-          <a:spcPts val="1000"/>
+          <a:spcPts val="1200"/>
         </a:spcBef>
-        <a:buFont typeface="Arial"/>
-        <a:buChar char="•"/>
-        <a:defRPr sz="2800" kern="1200">
+        <a:spcAft>
+          <a:spcPts val="200"/>
+        </a:spcAft>
+        <a:buClr>
+          <a:schemeClr val="accent1"/>
+        </a:buClr>
+        <a:buSzPct val="100000"/>
+        <a:buFont typeface="Calibri" panose="020F0502020204030204" pitchFamily="34" charset="0"/>
+        <a:buChar char=" "/>
+        <a:defRPr sz="2000" kern="1200">
           <a:solidFill>
-            <a:schemeClr val="tx1"/>
+            <a:schemeClr val="tx1">
+              <a:lumMod val="75000"/>
+              <a:lumOff val="25000"/>
+            </a:schemeClr>
           </a:solidFill>
           <a:latin typeface="+mn-lt"/>
           <a:ea typeface="+mn-ea"/>
           <a:cs typeface="+mn-cs"/>
         </a:defRPr>
       </a:lvl1pPr>
-      <a:lvl2pPr marL="685800" indent="-228600" algn="l" defTabSz="914400" rtl="0" eaLnBrk="1" latinLnBrk="0" hangingPunct="1">
+      <a:lvl2pPr marL="384048" indent="-182880" algn="l" defTabSz="914400" rtl="0" eaLnBrk="1" latinLnBrk="0" hangingPunct="1">
         <a:lnSpc>
           <a:spcPct val="90000"/>
         </a:lnSpc>
         <a:spcBef>
-          <a:spcPts val="500"/>
+          <a:spcPts val="200"/>
         </a:spcBef>
-        <a:buFont typeface="Arial"/>
-        <a:buChar char="•"/>
-        <a:defRPr sz="2400" kern="1200">
+        <a:spcAft>
+          <a:spcPts val="400"/>
+        </a:spcAft>
+        <a:buClr>
+          <a:schemeClr val="accent1"/>
+        </a:buClr>
+        <a:buFont typeface="Calibri" pitchFamily="34" charset="0"/>
+        <a:buChar char="◦"/>
+        <a:defRPr sz="1800" kern="1200">
           <a:solidFill>
-            <a:schemeClr val="tx1"/>
+            <a:schemeClr val="tx1">
+              <a:lumMod val="75000"/>
+              <a:lumOff val="25000"/>
+            </a:schemeClr>
           </a:solidFill>
           <a:latin typeface="+mn-lt"/>
           <a:ea typeface="+mn-ea"/>
           <a:cs typeface="+mn-cs"/>
         </a:defRPr>
       </a:lvl2pPr>
-      <a:lvl3pPr marL="1143000" indent="-228600" algn="l" defTabSz="914400" rtl="0" eaLnBrk="1" latinLnBrk="0" hangingPunct="1">
+      <a:lvl3pPr marL="566928" indent="-182880" algn="l" defTabSz="914400" rtl="0" eaLnBrk="1" latinLnBrk="0" hangingPunct="1">
         <a:lnSpc>
           <a:spcPct val="90000"/>
         </a:lnSpc>
         <a:spcBef>
-          <a:spcPts val="500"/>
+          <a:spcPts val="200"/>
         </a:spcBef>
-        <a:buFont typeface="Arial"/>
-        <a:buChar char="•"/>
-        <a:defRPr sz="2000" kern="1200">
+        <a:spcAft>
+          <a:spcPts val="400"/>
+        </a:spcAft>
+        <a:buClr>
+          <a:schemeClr val="accent1"/>
+        </a:buClr>
+        <a:buFont typeface="Calibri" pitchFamily="34" charset="0"/>
+        <a:buChar char="◦"/>
+        <a:defRPr sz="1400" kern="1200">
           <a:solidFill>
-            <a:schemeClr val="tx1"/>
+            <a:schemeClr val="tx1">
+              <a:lumMod val="75000"/>
+              <a:lumOff val="25000"/>
+            </a:schemeClr>
           </a:solidFill>
           <a:latin typeface="+mn-lt"/>
           <a:ea typeface="+mn-ea"/>
           <a:cs typeface="+mn-cs"/>
         </a:defRPr>
       </a:lvl3pPr>
-      <a:lvl4pPr marL="1600200" indent="-228600" algn="l" defTabSz="914400" rtl="0" eaLnBrk="1" latinLnBrk="0" hangingPunct="1">
+      <a:lvl4pPr marL="749808" indent="-182880" algn="l" defTabSz="914400" rtl="0" eaLnBrk="1" latinLnBrk="0" hangingPunct="1">
         <a:lnSpc>
           <a:spcPct val="90000"/>
         </a:lnSpc>
         <a:spcBef>
-          <a:spcPts val="500"/>
+          <a:spcPts val="200"/>
         </a:spcBef>
-        <a:buFont typeface="Arial"/>
-        <a:buChar char="•"/>
-        <a:defRPr sz="1800" kern="1200">
+        <a:spcAft>
+          <a:spcPts val="400"/>
+        </a:spcAft>
+        <a:buClr>
+          <a:schemeClr val="accent1"/>
+        </a:buClr>
+        <a:buFont typeface="Calibri" pitchFamily="34" charset="0"/>
+        <a:buChar char="◦"/>
+        <a:defRPr sz="1400" kern="1200">
           <a:solidFill>
-            <a:schemeClr val="tx1"/>
+            <a:schemeClr val="tx1">
+              <a:lumMod val="75000"/>
+              <a:lumOff val="25000"/>
+            </a:schemeClr>
           </a:solidFill>
           <a:latin typeface="+mn-lt"/>
           <a:ea typeface="+mn-ea"/>
           <a:cs typeface="+mn-cs"/>
         </a:defRPr>
       </a:lvl4pPr>
-      <a:lvl5pPr marL="2057400" indent="-228600" algn="l" defTabSz="914400" rtl="0" eaLnBrk="1" latinLnBrk="0" hangingPunct="1">
+      <a:lvl5pPr marL="932688" indent="-182880" algn="l" defTabSz="914400" rtl="0" eaLnBrk="1" latinLnBrk="0" hangingPunct="1">
         <a:lnSpc>
           <a:spcPct val="90000"/>
         </a:lnSpc>
         <a:spcBef>
-          <a:spcPts val="500"/>
+          <a:spcPts val="200"/>
         </a:spcBef>
-        <a:buFont typeface="Arial"/>
-        <a:buChar char="•"/>
-        <a:defRPr sz="1800" kern="1200">
+        <a:spcAft>
+          <a:spcPts val="400"/>
+        </a:spcAft>
+        <a:buClr>
+          <a:schemeClr val="accent1"/>
+        </a:buClr>
+        <a:buFont typeface="Calibri" pitchFamily="34" charset="0"/>
+        <a:buChar char="◦"/>
+        <a:defRPr sz="1400" kern="1200">
           <a:solidFill>
-            <a:schemeClr val="tx1"/>
+            <a:schemeClr val="tx1">
+              <a:lumMod val="75000"/>
+              <a:lumOff val="25000"/>
+            </a:schemeClr>
           </a:solidFill>
           <a:latin typeface="+mn-lt"/>
           <a:ea typeface="+mn-ea"/>
           <a:cs typeface="+mn-cs"/>
         </a:defRPr>
       </a:lvl5pPr>
-      <a:lvl6pPr marL="2514600" indent="-228600" algn="l" defTabSz="914400" rtl="0" eaLnBrk="1" latinLnBrk="0" hangingPunct="1">
+      <a:lvl6pPr marL="1100000" indent="-228600" algn="l" defTabSz="914400" rtl="0" eaLnBrk="1" latinLnBrk="0" hangingPunct="1">
         <a:lnSpc>
           <a:spcPct val="90000"/>
         </a:lnSpc>
         <a:spcBef>
-          <a:spcPts val="500"/>
+          <a:spcPts val="200"/>
         </a:spcBef>
-        <a:buFont typeface="Arial"/>
-        <a:buChar char="•"/>
-        <a:defRPr sz="1800" kern="1200">
+        <a:spcAft>
+          <a:spcPts val="400"/>
+        </a:spcAft>
+        <a:buClr>
+          <a:schemeClr val="accent1"/>
+        </a:buClr>
+        <a:buFont typeface="Calibri" pitchFamily="34" charset="0"/>
+        <a:buChar char="◦"/>
+        <a:defRPr sz="1400" kern="1200">
           <a:solidFill>
-            <a:schemeClr val="tx1"/>
+            <a:schemeClr val="tx1">
+              <a:lumMod val="75000"/>
+              <a:lumOff val="25000"/>
+            </a:schemeClr>
           </a:solidFill>
           <a:latin typeface="+mn-lt"/>
           <a:ea typeface="+mn-ea"/>
           <a:cs typeface="+mn-cs"/>
         </a:defRPr>
       </a:lvl6pPr>
-      <a:lvl7pPr marL="2971800" indent="-228600" algn="l" defTabSz="914400" rtl="0" eaLnBrk="1" latinLnBrk="0" hangingPunct="1">
+      <a:lvl7pPr marL="1300000" indent="-228600" algn="l" defTabSz="914400" rtl="0" eaLnBrk="1" latinLnBrk="0" hangingPunct="1">
         <a:lnSpc>
           <a:spcPct val="90000"/>
         </a:lnSpc>
         <a:spcBef>
-          <a:spcPts val="500"/>
+          <a:spcPts val="200"/>
         </a:spcBef>
-        <a:buFont typeface="Arial"/>
-        <a:buChar char="•"/>
-        <a:defRPr sz="1800" kern="1200">
+        <a:spcAft>
+          <a:spcPts val="400"/>
+        </a:spcAft>
+        <a:buClr>
+          <a:schemeClr val="accent1"/>
+        </a:buClr>
+        <a:buFont typeface="Calibri" pitchFamily="34" charset="0"/>
+        <a:buChar char="◦"/>
+        <a:defRPr sz="1400" kern="1200">
           <a:solidFill>
-            <a:schemeClr val="tx1"/>
+            <a:schemeClr val="tx1">
+              <a:lumMod val="75000"/>
+              <a:lumOff val="25000"/>
+            </a:schemeClr>
           </a:solidFill>
           <a:latin typeface="+mn-lt"/>
           <a:ea typeface="+mn-ea"/>
           <a:cs typeface="+mn-cs"/>
         </a:defRPr>
       </a:lvl7pPr>
-      <a:lvl8pPr marL="3429000" indent="-228600" algn="l" defTabSz="914400" rtl="0" eaLnBrk="1" latinLnBrk="0" hangingPunct="1">
+      <a:lvl8pPr marL="1500000" indent="-228600" algn="l" defTabSz="914400" rtl="0" eaLnBrk="1" latinLnBrk="0" hangingPunct="1">
         <a:lnSpc>
           <a:spcPct val="90000"/>
         </a:lnSpc>
         <a:spcBef>
-          <a:spcPts val="500"/>
+          <a:spcPts val="200"/>
         </a:spcBef>
-        <a:buFont typeface="Arial"/>
-        <a:buChar char="•"/>
-        <a:defRPr sz="1800" kern="1200">
+        <a:spcAft>
+          <a:spcPts val="400"/>
+        </a:spcAft>
+        <a:buClr>
+          <a:schemeClr val="accent1"/>
+        </a:buClr>
+        <a:buFont typeface="Calibri" pitchFamily="34" charset="0"/>
+        <a:buChar char="◦"/>
+        <a:defRPr sz="1400" kern="1200">
           <a:solidFill>
-            <a:schemeClr val="tx1"/>
+            <a:schemeClr val="tx1">
+              <a:lumMod val="75000"/>
+              <a:lumOff val="25000"/>
+            </a:schemeClr>
           </a:solidFill>
           <a:latin typeface="+mn-lt"/>
           <a:ea typeface="+mn-ea"/>
           <a:cs typeface="+mn-cs"/>
         </a:defRPr>
       </a:lvl8pPr>
-      <a:lvl9pPr marL="3886200" indent="-228600" algn="l" defTabSz="914400" rtl="0" eaLnBrk="1" latinLnBrk="0" hangingPunct="1">
+      <a:lvl9pPr marL="1700000" indent="-228600" algn="l" defTabSz="914400" rtl="0" eaLnBrk="1" latinLnBrk="0" hangingPunct="1">
         <a:lnSpc>
           <a:spcPct val="90000"/>
         </a:lnSpc>
         <a:spcBef>
-          <a:spcPts val="500"/>
+          <a:spcPts val="200"/>
         </a:spcBef>
-        <a:buFont typeface="Arial"/>
-        <a:buChar char="•"/>
-        <a:defRPr sz="1800" kern="1200">
+        <a:spcAft>
+          <a:spcPts val="400"/>
+        </a:spcAft>
+        <a:buClr>
+          <a:schemeClr val="accent1"/>
+        </a:buClr>
+        <a:buFont typeface="Calibri" pitchFamily="34" charset="0"/>
+        <a:buChar char="◦"/>
+        <a:defRPr sz="1400" kern="1200">
           <a:solidFill>
-            <a:schemeClr val="tx1"/>
+            <a:schemeClr val="tx1">
+              <a:lumMod val="75000"/>
+              <a:lumOff val="25000"/>
+            </a:schemeClr>
           </a:solidFill>
           <a:latin typeface="+mn-lt"/>
           <a:ea typeface="+mn-ea"/>
@@ -2851,7 +4933,7 @@
     </p:bodyStyle>
     <p:otherStyle>
       <a:defPPr>
-        <a:defRPr lang="fr-FR"/>
+        <a:defRPr lang="en-US"/>
       </a:defPPr>
       <a:lvl1pPr marL="0" algn="l" defTabSz="914400" rtl="0" eaLnBrk="1" latinLnBrk="0" hangingPunct="1">
         <a:defRPr sz="1800" kern="1200">
@@ -2965,6 +5047,37 @@
           <a:chExt cx="0" cy="0"/>
         </a:xfrm>
       </p:grpSpPr>
+      <p:pic>
+        <p:nvPicPr>
+          <p:cNvPr id="4" name="Image 3"/>
+          <p:cNvPicPr>
+            <a:picLocks noChangeAspect="1"/>
+          </p:cNvPicPr>
+          <p:nvPr/>
+        </p:nvPicPr>
+        <p:blipFill>
+          <a:blip r:embed="rId3">
+            <a:alphaModFix/>
+            <a:extLst>
+              <a:ext uri="{28A0092B-C50C-407E-A947-70E740481C1C}">
+                <a14:useLocalDpi xmlns:a14="http://schemas.microsoft.com/office/drawing/2010/main" val="0"/>
+              </a:ext>
+            </a:extLst>
+          </a:blip>
+          <a:stretch>
+            <a:fillRect/>
+          </a:stretch>
+        </p:blipFill>
+        <p:spPr>
+          <a:xfrm>
+            <a:off x="-1" y="-1"/>
+            <a:ext cx="2328863" cy="2328863"/>
+          </a:xfrm>
+          <a:prstGeom prst="rect">
+            <a:avLst/>
+          </a:prstGeom>
+        </p:spPr>
+      </p:pic>
       <p:sp>
         <p:nvSpPr>
           <p:cNvPr id="2" name="Titre 1"/>
@@ -2977,10 +5090,17 @@
         </p:nvSpPr>
         <p:spPr/>
         <p:txBody>
-          <a:bodyPr/>
-          <a:lstStyle/>
-          <a:p>
-            <a:endParaRPr lang="en-GB"/>
+          <a:bodyPr>
+            <a:normAutofit fontScale="90000"/>
+          </a:bodyPr>
+          <a:lstStyle/>
+          <a:p>
+            <a:pPr algn="r"/>
+            <a:r>
+              <a:rPr lang="en-GB" dirty="0" smtClean="0"/>
+              <a:t>   Multi scale preconditioner to solve elliptic problems with high order methods with p4est</a:t>
+            </a:r>
+            <a:endParaRPr lang="en-GB" dirty="0"/>
           </a:p>
         </p:txBody>
       </p:sp>
@@ -2996,10 +5116,49 @@
         </p:nvSpPr>
         <p:spPr/>
         <p:txBody>
-          <a:bodyPr/>
-          <a:lstStyle/>
-          <a:p>
-            <a:endParaRPr lang="en-GB"/>
+          <a:bodyPr>
+            <a:normAutofit fontScale="85000" lnSpcReduction="20000"/>
+          </a:bodyPr>
+          <a:lstStyle/>
+          <a:p>
+            <a:r>
+              <a:rPr lang="en-GB" smtClean="0"/>
+              <a:t>David Weicker</a:t>
+            </a:r>
+          </a:p>
+          <a:p>
+            <a:r>
+              <a:rPr lang="en-GB" dirty="0" smtClean="0"/>
+              <a:t>Supervisors : Jean-François </a:t>
+            </a:r>
+            <a:r>
+              <a:rPr lang="en-GB" dirty="0" err="1" smtClean="0"/>
+              <a:t>Remacle</a:t>
+            </a:r>
+            <a:r>
+              <a:rPr lang="en-GB" dirty="0" smtClean="0"/>
+              <a:t> – Michael </a:t>
+            </a:r>
+            <a:r>
+              <a:rPr lang="en-GB" dirty="0" err="1" smtClean="0"/>
+              <a:t>Hanke</a:t>
+            </a:r>
+            <a:endParaRPr lang="en-GB" dirty="0" smtClean="0"/>
+          </a:p>
+          <a:p>
+            <a:r>
+              <a:rPr lang="en-GB" dirty="0" smtClean="0"/>
+              <a:t>Reader : Philippe </a:t>
+            </a:r>
+            <a:r>
+              <a:rPr lang="en-GB" dirty="0" err="1" smtClean="0"/>
+              <a:t>Chatelain</a:t>
+            </a:r>
+            <a:r>
+              <a:rPr lang="en-GB" dirty="0" smtClean="0"/>
+              <a:t> </a:t>
+            </a:r>
+            <a:endParaRPr lang="en-GB" dirty="0"/>
           </a:p>
         </p:txBody>
       </p:sp>
@@ -3013,6 +5172,13 @@
   <p:clrMapOvr>
     <a:masterClrMapping/>
   </p:clrMapOvr>
+  <p:timing>
+    <p:tnLst>
+      <p:par>
+        <p:cTn id="1" dur="indefinite" restart="never" nodeType="tmRoot"/>
+      </p:par>
+    </p:tnLst>
+  </p:timing>
 </p:sld>
 </file>
 
@@ -3045,10 +5211,28 @@
         </p:nvSpPr>
         <p:spPr/>
         <p:txBody>
-          <a:bodyPr/>
-          <a:lstStyle/>
-          <a:p>
-            <a:endParaRPr lang="en-GB"/>
+          <a:bodyPr>
+            <a:normAutofit fontScale="90000"/>
+          </a:bodyPr>
+          <a:lstStyle/>
+          <a:p>
+            <a:r>
+              <a:rPr lang="en-GB" dirty="0" smtClean="0"/>
+              <a:t>Multi scale preconditioner to solve </a:t>
+            </a:r>
+            <a:r>
+              <a:rPr lang="en-GB" b="1" dirty="0" smtClean="0">
+                <a:solidFill>
+                  <a:schemeClr val="accent2"/>
+                </a:solidFill>
+              </a:rPr>
+              <a:t>elliptic problems</a:t>
+            </a:r>
+            <a:r>
+              <a:rPr lang="en-GB" dirty="0" smtClean="0"/>
+              <a:t> with high order methods with p4est</a:t>
+            </a:r>
+            <a:endParaRPr lang="en-GB" dirty="0"/>
           </a:p>
         </p:txBody>
       </p:sp>
@@ -3067,6 +5251,145 @@
           <a:bodyPr/>
           <a:lstStyle/>
           <a:p>
+            <a:endParaRPr lang="en-GB" dirty="0"/>
+          </a:p>
+        </p:txBody>
+      </p:sp>
+      <p:sp>
+        <p:nvSpPr>
+          <p:cNvPr id="5" name="Espace réservé du numéro de diapositive 4"/>
+          <p:cNvSpPr>
+            <a:spLocks noGrp="1"/>
+          </p:cNvSpPr>
+          <p:nvPr>
+            <p:ph type="sldNum" sz="quarter" idx="12"/>
+          </p:nvPr>
+        </p:nvSpPr>
+        <p:spPr/>
+        <p:txBody>
+          <a:bodyPr/>
+          <a:lstStyle/>
+          <a:p>
+            <a:fld id="{E9347C92-BBEE-224D-BE6C-518EEC8431DA}" type="slidenum">
+              <a:rPr lang="en-GB" smtClean="0"/>
+              <a:t>1</a:t>
+            </a:fld>
+            <a:endParaRPr lang="en-GB"/>
+          </a:p>
+        </p:txBody>
+      </p:sp>
+    </p:spTree>
+    <p:extLst>
+      <p:ext uri="{BB962C8B-B14F-4D97-AF65-F5344CB8AC3E}">
+        <p14:creationId xmlns:p14="http://schemas.microsoft.com/office/powerpoint/2010/main" val="1689288310"/>
+      </p:ext>
+    </p:extLst>
+  </p:cSld>
+  <p:clrMapOvr>
+    <a:masterClrMapping/>
+  </p:clrMapOvr>
+  <p:timing>
+    <p:tnLst>
+      <p:par>
+        <p:cTn id="1" dur="indefinite" restart="never" nodeType="tmRoot"/>
+      </p:par>
+    </p:tnLst>
+  </p:timing>
+</p:sld>
+</file>
+
+<file path=ppt/slides/slide3.xml><?xml version="1.0" encoding="utf-8"?>
+<p:sld xmlns:a="http://schemas.openxmlformats.org/drawingml/2006/main" xmlns:r="http://schemas.openxmlformats.org/officeDocument/2006/relationships" xmlns:p="http://schemas.openxmlformats.org/presentationml/2006/main">
+  <p:cSld>
+    <p:spTree>
+      <p:nvGrpSpPr>
+        <p:cNvPr id="1" name=""/>
+        <p:cNvGrpSpPr/>
+        <p:nvPr/>
+      </p:nvGrpSpPr>
+      <p:grpSpPr>
+        <a:xfrm>
+          <a:off x="0" y="0"/>
+          <a:ext cx="0" cy="0"/>
+          <a:chOff x="0" y="0"/>
+          <a:chExt cx="0" cy="0"/>
+        </a:xfrm>
+      </p:grpSpPr>
+      <p:sp>
+        <p:nvSpPr>
+          <p:cNvPr id="2" name="Titre 1"/>
+          <p:cNvSpPr>
+            <a:spLocks noGrp="1"/>
+          </p:cNvSpPr>
+          <p:nvPr>
+            <p:ph type="title"/>
+          </p:nvPr>
+        </p:nvSpPr>
+        <p:spPr/>
+        <p:txBody>
+          <a:bodyPr>
+            <a:normAutofit fontScale="90000"/>
+          </a:bodyPr>
+          <a:lstStyle/>
+          <a:p>
+            <a:r>
+              <a:rPr lang="en-GB" dirty="0" smtClean="0"/>
+              <a:t>Multi scale preconditioner to solve elliptic problems with high order methods with </a:t>
+            </a:r>
+            <a:r>
+              <a:rPr lang="en-GB" b="1" dirty="0" smtClean="0">
+                <a:solidFill>
+                  <a:schemeClr val="accent2"/>
+                </a:solidFill>
+              </a:rPr>
+              <a:t>p4est</a:t>
+            </a:r>
+            <a:endParaRPr lang="en-GB" b="1" dirty="0">
+              <a:solidFill>
+                <a:schemeClr val="accent2"/>
+              </a:solidFill>
+            </a:endParaRPr>
+          </a:p>
+        </p:txBody>
+      </p:sp>
+      <p:sp>
+        <p:nvSpPr>
+          <p:cNvPr id="3" name="Espace réservé du contenu 2"/>
+          <p:cNvSpPr>
+            <a:spLocks noGrp="1"/>
+          </p:cNvSpPr>
+          <p:nvPr>
+            <p:ph idx="1"/>
+          </p:nvPr>
+        </p:nvSpPr>
+        <p:spPr/>
+        <p:txBody>
+          <a:bodyPr/>
+          <a:lstStyle/>
+          <a:p>
+            <a:endParaRPr lang="en-GB" dirty="0"/>
+          </a:p>
+        </p:txBody>
+      </p:sp>
+      <p:sp>
+        <p:nvSpPr>
+          <p:cNvPr id="5" name="Espace réservé du numéro de diapositive 4"/>
+          <p:cNvSpPr>
+            <a:spLocks noGrp="1"/>
+          </p:cNvSpPr>
+          <p:nvPr>
+            <p:ph type="sldNum" sz="quarter" idx="12"/>
+          </p:nvPr>
+        </p:nvSpPr>
+        <p:spPr/>
+        <p:txBody>
+          <a:bodyPr/>
+          <a:lstStyle/>
+          <a:p>
+            <a:fld id="{E9347C92-BBEE-224D-BE6C-518EEC8431DA}" type="slidenum">
+              <a:rPr lang="en-GB" smtClean="0"/>
+              <a:t>2</a:t>
+            </a:fld>
             <a:endParaRPr lang="en-GB"/>
           </a:p>
         </p:txBody>
@@ -3081,10 +5404,1229 @@
   <p:clrMapOvr>
     <a:masterClrMapping/>
   </p:clrMapOvr>
+  <p:timing>
+    <p:tnLst>
+      <p:par>
+        <p:cTn id="1" dur="indefinite" restart="never" nodeType="tmRoot"/>
+      </p:par>
+    </p:tnLst>
+  </p:timing>
+</p:sld>
+</file>
+
+<file path=ppt/slides/slide4.xml><?xml version="1.0" encoding="utf-8"?>
+<p:sld xmlns:a="http://schemas.openxmlformats.org/drawingml/2006/main" xmlns:r="http://schemas.openxmlformats.org/officeDocument/2006/relationships" xmlns:p="http://schemas.openxmlformats.org/presentationml/2006/main">
+  <p:cSld>
+    <p:spTree>
+      <p:nvGrpSpPr>
+        <p:cNvPr id="1" name=""/>
+        <p:cNvGrpSpPr/>
+        <p:nvPr/>
+      </p:nvGrpSpPr>
+      <p:grpSpPr>
+        <a:xfrm>
+          <a:off x="0" y="0"/>
+          <a:ext cx="0" cy="0"/>
+          <a:chOff x="0" y="0"/>
+          <a:chExt cx="0" cy="0"/>
+        </a:xfrm>
+      </p:grpSpPr>
+      <p:sp>
+        <p:nvSpPr>
+          <p:cNvPr id="2" name="Titre 1"/>
+          <p:cNvSpPr>
+            <a:spLocks noGrp="1"/>
+          </p:cNvSpPr>
+          <p:nvPr>
+            <p:ph type="title"/>
+          </p:nvPr>
+        </p:nvSpPr>
+        <p:spPr/>
+        <p:txBody>
+          <a:bodyPr>
+            <a:normAutofit fontScale="90000"/>
+          </a:bodyPr>
+          <a:lstStyle/>
+          <a:p>
+            <a:r>
+              <a:rPr lang="en-GB" dirty="0" smtClean="0"/>
+              <a:t>Multi scale preconditioner to solve elliptic problems with </a:t>
+            </a:r>
+            <a:r>
+              <a:rPr lang="en-GB" b="1" dirty="0" smtClean="0">
+                <a:solidFill>
+                  <a:schemeClr val="accent2"/>
+                </a:solidFill>
+              </a:rPr>
+              <a:t>high order methods </a:t>
+            </a:r>
+            <a:r>
+              <a:rPr lang="en-GB" dirty="0" smtClean="0"/>
+              <a:t>with p4est</a:t>
+            </a:r>
+            <a:endParaRPr lang="en-GB" dirty="0"/>
+          </a:p>
+        </p:txBody>
+      </p:sp>
+      <p:sp>
+        <p:nvSpPr>
+          <p:cNvPr id="3" name="Espace réservé du contenu 2"/>
+          <p:cNvSpPr>
+            <a:spLocks noGrp="1"/>
+          </p:cNvSpPr>
+          <p:nvPr>
+            <p:ph idx="1"/>
+          </p:nvPr>
+        </p:nvSpPr>
+        <p:spPr/>
+        <p:txBody>
+          <a:bodyPr/>
+          <a:lstStyle/>
+          <a:p>
+            <a:endParaRPr lang="en-GB" dirty="0"/>
+          </a:p>
+        </p:txBody>
+      </p:sp>
+      <p:sp>
+        <p:nvSpPr>
+          <p:cNvPr id="5" name="Espace réservé du numéro de diapositive 4"/>
+          <p:cNvSpPr>
+            <a:spLocks noGrp="1"/>
+          </p:cNvSpPr>
+          <p:nvPr>
+            <p:ph type="sldNum" sz="quarter" idx="12"/>
+          </p:nvPr>
+        </p:nvSpPr>
+        <p:spPr/>
+        <p:txBody>
+          <a:bodyPr/>
+          <a:lstStyle/>
+          <a:p>
+            <a:fld id="{E9347C92-BBEE-224D-BE6C-518EEC8431DA}" type="slidenum">
+              <a:rPr lang="en-GB" smtClean="0"/>
+              <a:t>3</a:t>
+            </a:fld>
+            <a:endParaRPr lang="en-GB"/>
+          </a:p>
+        </p:txBody>
+      </p:sp>
+    </p:spTree>
+    <p:extLst>
+      <p:ext uri="{BB962C8B-B14F-4D97-AF65-F5344CB8AC3E}">
+        <p14:creationId xmlns:p14="http://schemas.microsoft.com/office/powerpoint/2010/main" val="1789943381"/>
+      </p:ext>
+    </p:extLst>
+  </p:cSld>
+  <p:clrMapOvr>
+    <a:masterClrMapping/>
+  </p:clrMapOvr>
+  <p:timing>
+    <p:tnLst>
+      <p:par>
+        <p:cTn id="1" dur="indefinite" restart="never" nodeType="tmRoot"/>
+      </p:par>
+    </p:tnLst>
+  </p:timing>
+</p:sld>
+</file>
+
+<file path=ppt/slides/slide5.xml><?xml version="1.0" encoding="utf-8"?>
+<p:sld xmlns:a="http://schemas.openxmlformats.org/drawingml/2006/main" xmlns:r="http://schemas.openxmlformats.org/officeDocument/2006/relationships" xmlns:p="http://schemas.openxmlformats.org/presentationml/2006/main">
+  <p:cSld>
+    <p:spTree>
+      <p:nvGrpSpPr>
+        <p:cNvPr id="1" name=""/>
+        <p:cNvGrpSpPr/>
+        <p:nvPr/>
+      </p:nvGrpSpPr>
+      <p:grpSpPr>
+        <a:xfrm>
+          <a:off x="0" y="0"/>
+          <a:ext cx="0" cy="0"/>
+          <a:chOff x="0" y="0"/>
+          <a:chExt cx="0" cy="0"/>
+        </a:xfrm>
+      </p:grpSpPr>
+      <p:sp>
+        <p:nvSpPr>
+          <p:cNvPr id="2" name="Titre 1"/>
+          <p:cNvSpPr>
+            <a:spLocks noGrp="1"/>
+          </p:cNvSpPr>
+          <p:nvPr>
+            <p:ph type="title"/>
+          </p:nvPr>
+        </p:nvSpPr>
+        <p:spPr/>
+        <p:txBody>
+          <a:bodyPr>
+            <a:normAutofit fontScale="90000"/>
+          </a:bodyPr>
+          <a:lstStyle/>
+          <a:p>
+            <a:r>
+              <a:rPr lang="en-GB" dirty="0" smtClean="0"/>
+              <a:t>Multi scale </a:t>
+            </a:r>
+            <a:r>
+              <a:rPr lang="en-GB" b="1" dirty="0" smtClean="0">
+                <a:solidFill>
+                  <a:schemeClr val="accent2"/>
+                </a:solidFill>
+              </a:rPr>
+              <a:t>preconditioner</a:t>
+            </a:r>
+            <a:r>
+              <a:rPr lang="en-GB" dirty="0" smtClean="0"/>
+              <a:t> to solve elliptic problems with high order methods with p4est</a:t>
+            </a:r>
+            <a:endParaRPr lang="en-GB" dirty="0"/>
+          </a:p>
+        </p:txBody>
+      </p:sp>
+      <p:sp>
+        <p:nvSpPr>
+          <p:cNvPr id="3" name="Espace réservé du contenu 2"/>
+          <p:cNvSpPr>
+            <a:spLocks noGrp="1"/>
+          </p:cNvSpPr>
+          <p:nvPr>
+            <p:ph idx="1"/>
+          </p:nvPr>
+        </p:nvSpPr>
+        <p:spPr/>
+        <p:txBody>
+          <a:bodyPr/>
+          <a:lstStyle/>
+          <a:p>
+            <a:endParaRPr lang="en-GB" dirty="0"/>
+          </a:p>
+        </p:txBody>
+      </p:sp>
+      <p:sp>
+        <p:nvSpPr>
+          <p:cNvPr id="5" name="Espace réservé du numéro de diapositive 4"/>
+          <p:cNvSpPr>
+            <a:spLocks noGrp="1"/>
+          </p:cNvSpPr>
+          <p:nvPr>
+            <p:ph type="sldNum" sz="quarter" idx="12"/>
+          </p:nvPr>
+        </p:nvSpPr>
+        <p:spPr/>
+        <p:txBody>
+          <a:bodyPr/>
+          <a:lstStyle/>
+          <a:p>
+            <a:fld id="{E9347C92-BBEE-224D-BE6C-518EEC8431DA}" type="slidenum">
+              <a:rPr lang="en-GB" smtClean="0"/>
+              <a:t>4</a:t>
+            </a:fld>
+            <a:endParaRPr lang="en-GB"/>
+          </a:p>
+        </p:txBody>
+      </p:sp>
+    </p:spTree>
+    <p:extLst>
+      <p:ext uri="{BB962C8B-B14F-4D97-AF65-F5344CB8AC3E}">
+        <p14:creationId xmlns:p14="http://schemas.microsoft.com/office/powerpoint/2010/main" val="511617998"/>
+      </p:ext>
+    </p:extLst>
+  </p:cSld>
+  <p:clrMapOvr>
+    <a:masterClrMapping/>
+  </p:clrMapOvr>
+  <p:timing>
+    <p:tnLst>
+      <p:par>
+        <p:cTn id="1" dur="indefinite" restart="never" nodeType="tmRoot"/>
+      </p:par>
+    </p:tnLst>
+  </p:timing>
+</p:sld>
+</file>
+
+<file path=ppt/slides/slide6.xml><?xml version="1.0" encoding="utf-8"?>
+<p:sld xmlns:a="http://schemas.openxmlformats.org/drawingml/2006/main" xmlns:r="http://schemas.openxmlformats.org/officeDocument/2006/relationships" xmlns:p="http://schemas.openxmlformats.org/presentationml/2006/main">
+  <p:cSld>
+    <p:spTree>
+      <p:nvGrpSpPr>
+        <p:cNvPr id="1" name=""/>
+        <p:cNvGrpSpPr/>
+        <p:nvPr/>
+      </p:nvGrpSpPr>
+      <p:grpSpPr>
+        <a:xfrm>
+          <a:off x="0" y="0"/>
+          <a:ext cx="0" cy="0"/>
+          <a:chOff x="0" y="0"/>
+          <a:chExt cx="0" cy="0"/>
+        </a:xfrm>
+      </p:grpSpPr>
+      <p:sp>
+        <p:nvSpPr>
+          <p:cNvPr id="2" name="Titre 1"/>
+          <p:cNvSpPr>
+            <a:spLocks noGrp="1"/>
+          </p:cNvSpPr>
+          <p:nvPr>
+            <p:ph type="title"/>
+          </p:nvPr>
+        </p:nvSpPr>
+        <p:spPr/>
+        <p:txBody>
+          <a:bodyPr>
+            <a:normAutofit fontScale="90000"/>
+          </a:bodyPr>
+          <a:lstStyle/>
+          <a:p>
+            <a:r>
+              <a:rPr lang="en-GB" b="1" dirty="0" smtClean="0">
+                <a:solidFill>
+                  <a:schemeClr val="accent2"/>
+                </a:solidFill>
+              </a:rPr>
+              <a:t>Multi scale </a:t>
+            </a:r>
+            <a:r>
+              <a:rPr lang="en-GB" dirty="0" smtClean="0"/>
+              <a:t>preconditioner to solve elliptic problems with high order methods with p4est</a:t>
+            </a:r>
+            <a:endParaRPr lang="en-GB" dirty="0"/>
+          </a:p>
+        </p:txBody>
+      </p:sp>
+      <p:sp>
+        <p:nvSpPr>
+          <p:cNvPr id="3" name="Espace réservé du contenu 2"/>
+          <p:cNvSpPr>
+            <a:spLocks noGrp="1"/>
+          </p:cNvSpPr>
+          <p:nvPr>
+            <p:ph idx="1"/>
+          </p:nvPr>
+        </p:nvSpPr>
+        <p:spPr/>
+        <p:txBody>
+          <a:bodyPr/>
+          <a:lstStyle/>
+          <a:p>
+            <a:endParaRPr lang="en-GB" dirty="0"/>
+          </a:p>
+        </p:txBody>
+      </p:sp>
+      <p:sp>
+        <p:nvSpPr>
+          <p:cNvPr id="5" name="Espace réservé du numéro de diapositive 4"/>
+          <p:cNvSpPr>
+            <a:spLocks noGrp="1"/>
+          </p:cNvSpPr>
+          <p:nvPr>
+            <p:ph type="sldNum" sz="quarter" idx="12"/>
+          </p:nvPr>
+        </p:nvSpPr>
+        <p:spPr/>
+        <p:txBody>
+          <a:bodyPr/>
+          <a:lstStyle/>
+          <a:p>
+            <a:fld id="{E9347C92-BBEE-224D-BE6C-518EEC8431DA}" type="slidenum">
+              <a:rPr lang="en-GB" smtClean="0"/>
+              <a:t>5</a:t>
+            </a:fld>
+            <a:endParaRPr lang="en-GB"/>
+          </a:p>
+        </p:txBody>
+      </p:sp>
+    </p:spTree>
+    <p:extLst>
+      <p:ext uri="{BB962C8B-B14F-4D97-AF65-F5344CB8AC3E}">
+        <p14:creationId xmlns:p14="http://schemas.microsoft.com/office/powerpoint/2010/main" val="1784891449"/>
+      </p:ext>
+    </p:extLst>
+  </p:cSld>
+  <p:clrMapOvr>
+    <a:masterClrMapping/>
+  </p:clrMapOvr>
+  <p:timing>
+    <p:tnLst>
+      <p:par>
+        <p:cTn id="1" dur="indefinite" restart="never" nodeType="tmRoot"/>
+      </p:par>
+    </p:tnLst>
+  </p:timing>
+</p:sld>
+</file>
+
+<file path=ppt/slides/slide7.xml><?xml version="1.0" encoding="utf-8"?>
+<p:sld xmlns:a="http://schemas.openxmlformats.org/drawingml/2006/main" xmlns:r="http://schemas.openxmlformats.org/officeDocument/2006/relationships" xmlns:p="http://schemas.openxmlformats.org/presentationml/2006/main">
+  <p:cSld>
+    <p:spTree>
+      <p:nvGrpSpPr>
+        <p:cNvPr id="1" name=""/>
+        <p:cNvGrpSpPr/>
+        <p:nvPr/>
+      </p:nvGrpSpPr>
+      <p:grpSpPr>
+        <a:xfrm>
+          <a:off x="0" y="0"/>
+          <a:ext cx="0" cy="0"/>
+          <a:chOff x="0" y="0"/>
+          <a:chExt cx="0" cy="0"/>
+        </a:xfrm>
+      </p:grpSpPr>
+      <p:sp>
+        <p:nvSpPr>
+          <p:cNvPr id="2" name="Titre 1"/>
+          <p:cNvSpPr>
+            <a:spLocks noGrp="1"/>
+          </p:cNvSpPr>
+          <p:nvPr>
+            <p:ph type="title"/>
+          </p:nvPr>
+        </p:nvSpPr>
+        <p:spPr/>
+        <p:txBody>
+          <a:bodyPr>
+            <a:normAutofit fontScale="90000"/>
+          </a:bodyPr>
+          <a:lstStyle/>
+          <a:p>
+            <a:r>
+              <a:rPr lang="en-GB" dirty="0" smtClean="0"/>
+              <a:t>Multi scale preconditioner to solve elliptic problems with high </a:t>
+            </a:r>
+            <a:r>
+              <a:rPr lang="en-GB" smtClean="0"/>
+              <a:t>order methods with p4est</a:t>
+            </a:r>
+            <a:endParaRPr lang="en-GB" dirty="0"/>
+          </a:p>
+        </p:txBody>
+      </p:sp>
+      <p:sp>
+        <p:nvSpPr>
+          <p:cNvPr id="3" name="Espace réservé du contenu 2"/>
+          <p:cNvSpPr>
+            <a:spLocks noGrp="1"/>
+          </p:cNvSpPr>
+          <p:nvPr>
+            <p:ph idx="1"/>
+          </p:nvPr>
+        </p:nvSpPr>
+        <p:spPr/>
+        <p:txBody>
+          <a:bodyPr/>
+          <a:lstStyle/>
+          <a:p>
+            <a:endParaRPr lang="en-GB" dirty="0"/>
+          </a:p>
+        </p:txBody>
+      </p:sp>
+      <p:sp>
+        <p:nvSpPr>
+          <p:cNvPr id="5" name="Espace réservé du numéro de diapositive 4"/>
+          <p:cNvSpPr>
+            <a:spLocks noGrp="1"/>
+          </p:cNvSpPr>
+          <p:nvPr>
+            <p:ph type="sldNum" sz="quarter" idx="12"/>
+          </p:nvPr>
+        </p:nvSpPr>
+        <p:spPr/>
+        <p:txBody>
+          <a:bodyPr/>
+          <a:lstStyle/>
+          <a:p>
+            <a:fld id="{E9347C92-BBEE-224D-BE6C-518EEC8431DA}" type="slidenum">
+              <a:rPr lang="en-GB" smtClean="0"/>
+              <a:t>6</a:t>
+            </a:fld>
+            <a:endParaRPr lang="en-GB"/>
+          </a:p>
+        </p:txBody>
+      </p:sp>
+    </p:spTree>
+    <p:extLst>
+      <p:ext uri="{BB962C8B-B14F-4D97-AF65-F5344CB8AC3E}">
+        <p14:creationId xmlns:p14="http://schemas.microsoft.com/office/powerpoint/2010/main" val="595091370"/>
+      </p:ext>
+    </p:extLst>
+  </p:cSld>
+  <p:clrMapOvr>
+    <a:masterClrMapping/>
+  </p:clrMapOvr>
+  <p:timing>
+    <p:tnLst>
+      <p:par>
+        <p:cTn id="1" dur="indefinite" restart="never" nodeType="tmRoot"/>
+      </p:par>
+    </p:tnLst>
+  </p:timing>
+</p:sld>
+</file>
+
+<file path=ppt/slides/slide8.xml><?xml version="1.0" encoding="utf-8"?>
+<p:sld xmlns:a="http://schemas.openxmlformats.org/drawingml/2006/main" xmlns:r="http://schemas.openxmlformats.org/officeDocument/2006/relationships" xmlns:p="http://schemas.openxmlformats.org/presentationml/2006/main">
+  <p:cSld>
+    <p:spTree>
+      <p:nvGrpSpPr>
+        <p:cNvPr id="1" name=""/>
+        <p:cNvGrpSpPr/>
+        <p:nvPr/>
+      </p:nvGrpSpPr>
+      <p:grpSpPr>
+        <a:xfrm>
+          <a:off x="0" y="0"/>
+          <a:ext cx="0" cy="0"/>
+          <a:chOff x="0" y="0"/>
+          <a:chExt cx="0" cy="0"/>
+        </a:xfrm>
+      </p:grpSpPr>
+      <p:sp>
+        <p:nvSpPr>
+          <p:cNvPr id="2" name="Titre 1"/>
+          <p:cNvSpPr>
+            <a:spLocks noGrp="1"/>
+          </p:cNvSpPr>
+          <p:nvPr>
+            <p:ph type="title"/>
+          </p:nvPr>
+        </p:nvSpPr>
+        <p:spPr/>
+        <p:txBody>
+          <a:bodyPr>
+            <a:normAutofit fontScale="90000"/>
+          </a:bodyPr>
+          <a:lstStyle/>
+          <a:p>
+            <a:r>
+              <a:rPr lang="en-GB" dirty="0" smtClean="0"/>
+              <a:t>Multi scale preconditioner to solve elliptic problems with high </a:t>
+            </a:r>
+            <a:r>
+              <a:rPr lang="en-GB" smtClean="0"/>
+              <a:t>order methods with p4est</a:t>
+            </a:r>
+            <a:endParaRPr lang="en-GB" dirty="0"/>
+          </a:p>
+        </p:txBody>
+      </p:sp>
+      <p:sp>
+        <p:nvSpPr>
+          <p:cNvPr id="3" name="Espace réservé du contenu 2"/>
+          <p:cNvSpPr>
+            <a:spLocks noGrp="1"/>
+          </p:cNvSpPr>
+          <p:nvPr>
+            <p:ph idx="1"/>
+          </p:nvPr>
+        </p:nvSpPr>
+        <p:spPr/>
+        <p:txBody>
+          <a:bodyPr/>
+          <a:lstStyle/>
+          <a:p>
+            <a:endParaRPr lang="en-GB" dirty="0"/>
+          </a:p>
+        </p:txBody>
+      </p:sp>
+      <p:sp>
+        <p:nvSpPr>
+          <p:cNvPr id="5" name="Espace réservé du numéro de diapositive 4"/>
+          <p:cNvSpPr>
+            <a:spLocks noGrp="1"/>
+          </p:cNvSpPr>
+          <p:nvPr>
+            <p:ph type="sldNum" sz="quarter" idx="12"/>
+          </p:nvPr>
+        </p:nvSpPr>
+        <p:spPr/>
+        <p:txBody>
+          <a:bodyPr/>
+          <a:lstStyle/>
+          <a:p>
+            <a:fld id="{E9347C92-BBEE-224D-BE6C-518EEC8431DA}" type="slidenum">
+              <a:rPr lang="en-GB" smtClean="0"/>
+              <a:t>7</a:t>
+            </a:fld>
+            <a:endParaRPr lang="en-GB"/>
+          </a:p>
+        </p:txBody>
+      </p:sp>
+    </p:spTree>
+    <p:extLst>
+      <p:ext uri="{BB962C8B-B14F-4D97-AF65-F5344CB8AC3E}">
+        <p14:creationId xmlns:p14="http://schemas.microsoft.com/office/powerpoint/2010/main" val="1187314836"/>
+      </p:ext>
+    </p:extLst>
+  </p:cSld>
+  <p:clrMapOvr>
+    <a:masterClrMapping/>
+  </p:clrMapOvr>
+  <p:timing>
+    <p:tnLst>
+      <p:par>
+        <p:cTn id="1" dur="indefinite" restart="never" nodeType="tmRoot"/>
+      </p:par>
+    </p:tnLst>
+  </p:timing>
+</p:sld>
+</file>
+
+<file path=ppt/slides/slide9.xml><?xml version="1.0" encoding="utf-8"?>
+<p:sld xmlns:a="http://schemas.openxmlformats.org/drawingml/2006/main" xmlns:r="http://schemas.openxmlformats.org/officeDocument/2006/relationships" xmlns:p="http://schemas.openxmlformats.org/presentationml/2006/main">
+  <p:cSld>
+    <p:spTree>
+      <p:nvGrpSpPr>
+        <p:cNvPr id="1" name=""/>
+        <p:cNvGrpSpPr/>
+        <p:nvPr/>
+      </p:nvGrpSpPr>
+      <p:grpSpPr>
+        <a:xfrm>
+          <a:off x="0" y="0"/>
+          <a:ext cx="0" cy="0"/>
+          <a:chOff x="0" y="0"/>
+          <a:chExt cx="0" cy="0"/>
+        </a:xfrm>
+      </p:grpSpPr>
+      <p:sp>
+        <p:nvSpPr>
+          <p:cNvPr id="2" name="Titre 1"/>
+          <p:cNvSpPr>
+            <a:spLocks noGrp="1"/>
+          </p:cNvSpPr>
+          <p:nvPr>
+            <p:ph type="title"/>
+          </p:nvPr>
+        </p:nvSpPr>
+        <p:spPr/>
+        <p:txBody>
+          <a:bodyPr>
+            <a:normAutofit fontScale="90000"/>
+          </a:bodyPr>
+          <a:lstStyle/>
+          <a:p>
+            <a:r>
+              <a:rPr lang="en-GB" dirty="0" smtClean="0"/>
+              <a:t>Multi scale preconditioner to solve elliptic problems with high </a:t>
+            </a:r>
+            <a:r>
+              <a:rPr lang="en-GB" smtClean="0"/>
+              <a:t>order methods with p4est</a:t>
+            </a:r>
+            <a:endParaRPr lang="en-GB" dirty="0"/>
+          </a:p>
+        </p:txBody>
+      </p:sp>
+      <p:sp>
+        <p:nvSpPr>
+          <p:cNvPr id="3" name="Espace réservé du contenu 2"/>
+          <p:cNvSpPr>
+            <a:spLocks noGrp="1"/>
+          </p:cNvSpPr>
+          <p:nvPr>
+            <p:ph idx="1"/>
+          </p:nvPr>
+        </p:nvSpPr>
+        <p:spPr/>
+        <p:txBody>
+          <a:bodyPr/>
+          <a:lstStyle/>
+          <a:p>
+            <a:endParaRPr lang="en-GB" dirty="0"/>
+          </a:p>
+        </p:txBody>
+      </p:sp>
+      <p:sp>
+        <p:nvSpPr>
+          <p:cNvPr id="5" name="Espace réservé du numéro de diapositive 4"/>
+          <p:cNvSpPr>
+            <a:spLocks noGrp="1"/>
+          </p:cNvSpPr>
+          <p:nvPr>
+            <p:ph type="sldNum" sz="quarter" idx="12"/>
+          </p:nvPr>
+        </p:nvSpPr>
+        <p:spPr/>
+        <p:txBody>
+          <a:bodyPr/>
+          <a:lstStyle/>
+          <a:p>
+            <a:fld id="{E9347C92-BBEE-224D-BE6C-518EEC8431DA}" type="slidenum">
+              <a:rPr lang="en-GB" smtClean="0"/>
+              <a:t>8</a:t>
+            </a:fld>
+            <a:endParaRPr lang="en-GB"/>
+          </a:p>
+        </p:txBody>
+      </p:sp>
+    </p:spTree>
+    <p:extLst>
+      <p:ext uri="{BB962C8B-B14F-4D97-AF65-F5344CB8AC3E}">
+        <p14:creationId xmlns:p14="http://schemas.microsoft.com/office/powerpoint/2010/main" val="766664915"/>
+      </p:ext>
+    </p:extLst>
+  </p:cSld>
+  <p:clrMapOvr>
+    <a:masterClrMapping/>
+  </p:clrMapOvr>
+  <p:timing>
+    <p:tnLst>
+      <p:par>
+        <p:cTn id="1" dur="indefinite" restart="never" nodeType="tmRoot"/>
+      </p:par>
+    </p:tnLst>
+  </p:timing>
 </p:sld>
 </file>
 
 <file path=ppt/theme/theme1.xml><?xml version="1.0" encoding="utf-8"?>
+<a:theme xmlns:a="http://schemas.openxmlformats.org/drawingml/2006/main" name="Rétrospection">
+  <a:themeElements>
+    <a:clrScheme name="Rétrospection">
+      <a:dk1>
+        <a:srgbClr val="000000"/>
+      </a:dk1>
+      <a:lt1>
+        <a:sysClr val="window" lastClr="FFFFFF"/>
+      </a:lt1>
+      <a:dk2>
+        <a:srgbClr val="637052"/>
+      </a:dk2>
+      <a:lt2>
+        <a:srgbClr val="CCDDEA"/>
+      </a:lt2>
+      <a:accent1>
+        <a:srgbClr val="E48312"/>
+      </a:accent1>
+      <a:accent2>
+        <a:srgbClr val="BD582C"/>
+      </a:accent2>
+      <a:accent3>
+        <a:srgbClr val="865640"/>
+      </a:accent3>
+      <a:accent4>
+        <a:srgbClr val="9B8357"/>
+      </a:accent4>
+      <a:accent5>
+        <a:srgbClr val="C2BC80"/>
+      </a:accent5>
+      <a:accent6>
+        <a:srgbClr val="94A088"/>
+      </a:accent6>
+      <a:hlink>
+        <a:srgbClr val="2998E3"/>
+      </a:hlink>
+      <a:folHlink>
+        <a:srgbClr val="8C8C8C"/>
+      </a:folHlink>
+    </a:clrScheme>
+    <a:fontScheme name="Rétrospection">
+      <a:majorFont>
+        <a:latin typeface="Calibri Light" panose="020F0302020204030204"/>
+        <a:ea typeface=""/>
+        <a:cs typeface=""/>
+        <a:font script="Jpan" typeface="ＭＳ Ｐゴシック"/>
+        <a:font script="Hang" typeface="맑은 고딕"/>
+        <a:font script="Hans" typeface="宋体"/>
+        <a:font script="Hant" typeface="新細明體"/>
+        <a:font script="Arab" typeface="Times New Roman"/>
+        <a:font script="Hebr" typeface="Times New Roman"/>
+        <a:font script="Thai" typeface="Angsana New"/>
+        <a:font script="Ethi" typeface="Nyala"/>
+        <a:font script="Beng" typeface="Vrinda"/>
+        <a:font script="Gujr" typeface="Shruti"/>
+        <a:font script="Khmr" typeface="MoolBoran"/>
+        <a:font script="Knda" typeface="Tunga"/>
+        <a:font script="Guru" typeface="Raavi"/>
+        <a:font script="Cans" typeface="Euphemia"/>
+        <a:font script="Cher" typeface="Plantagenet Cherokee"/>
+        <a:font script="Yiii" typeface="Microsoft Yi Baiti"/>
+        <a:font script="Tibt" typeface="Microsoft Himalaya"/>
+        <a:font script="Thaa" typeface="MV Boli"/>
+        <a:font script="Deva" typeface="Mangal"/>
+        <a:font script="Telu" typeface="Gautami"/>
+        <a:font script="Taml" typeface="Latha"/>
+        <a:font script="Syrc" typeface="Estrangelo Edessa"/>
+        <a:font script="Orya" typeface="Kalinga"/>
+        <a:font script="Mlym" typeface="Kartika"/>
+        <a:font script="Laoo" typeface="DokChampa"/>
+        <a:font script="Sinh" typeface="Iskoola Pota"/>
+        <a:font script="Mong" typeface="Mongolian Baiti"/>
+        <a:font script="Viet" typeface="Times New Roman"/>
+        <a:font script="Uigh" typeface="Microsoft Uighur"/>
+        <a:font script="Geor" typeface="Sylfaen"/>
+      </a:majorFont>
+      <a:minorFont>
+        <a:latin typeface="Calibri" panose="020F0502020204030204"/>
+        <a:ea typeface=""/>
+        <a:cs typeface=""/>
+        <a:font script="Jpan" typeface="ＭＳ Ｐゴシック"/>
+        <a:font script="Hang" typeface="맑은 고딕"/>
+        <a:font script="Hans" typeface="宋体"/>
+        <a:font script="Hant" typeface="新細明體"/>
+        <a:font script="Arab" typeface="Arial"/>
+        <a:font script="Hebr" typeface="Arial"/>
+        <a:font script="Thai" typeface="Cordia New"/>
+        <a:font script="Ethi" typeface="Nyala"/>
+        <a:font script="Beng" typeface="Vrinda"/>
+        <a:font script="Gujr" typeface="Shruti"/>
+        <a:font script="Khmr" typeface="DaunPenh"/>
+        <a:font script="Knda" typeface="Tunga"/>
+        <a:font script="Guru" typeface="Raavi"/>
+        <a:font script="Cans" typeface="Euphemia"/>
+        <a:font script="Cher" typeface="Plantagenet Cherokee"/>
+        <a:font script="Yiii" typeface="Microsoft Yi Baiti"/>
+        <a:font script="Tibt" typeface="Microsoft Himalaya"/>
+        <a:font script="Thaa" typeface="MV Boli"/>
+        <a:font script="Deva" typeface="Mangal"/>
+        <a:font script="Telu" typeface="Gautami"/>
+        <a:font script="Taml" typeface="Latha"/>
+        <a:font script="Syrc" typeface="Estrangelo Edessa"/>
+        <a:font script="Orya" typeface="Kalinga"/>
+        <a:font script="Mlym" typeface="Kartika"/>
+        <a:font script="Laoo" typeface="DokChampa"/>
+        <a:font script="Sinh" typeface="Iskoola Pota"/>
+        <a:font script="Mong" typeface="Mongolian Baiti"/>
+        <a:font script="Viet" typeface="Arial"/>
+        <a:font script="Uigh" typeface="Microsoft Uighur"/>
+        <a:font script="Geor" typeface="Sylfaen"/>
+      </a:minorFont>
+    </a:fontScheme>
+    <a:fmtScheme name="Rétrospection">
+      <a:fillStyleLst>
+        <a:solidFill>
+          <a:schemeClr val="phClr"/>
+        </a:solidFill>
+        <a:gradFill rotWithShape="1">
+          <a:gsLst>
+            <a:gs pos="0">
+              <a:schemeClr val="phClr">
+                <a:tint val="65000"/>
+                <a:shade val="92000"/>
+                <a:satMod val="130000"/>
+              </a:schemeClr>
+            </a:gs>
+            <a:gs pos="45000">
+              <a:schemeClr val="phClr">
+                <a:tint val="60000"/>
+                <a:shade val="99000"/>
+                <a:satMod val="120000"/>
+              </a:schemeClr>
+            </a:gs>
+            <a:gs pos="100000">
+              <a:schemeClr val="phClr">
+                <a:tint val="55000"/>
+                <a:satMod val="140000"/>
+              </a:schemeClr>
+            </a:gs>
+          </a:gsLst>
+          <a:path path="circle">
+            <a:fillToRect l="100000" t="100000" r="100000" b="100000"/>
+          </a:path>
+        </a:gradFill>
+        <a:gradFill rotWithShape="1">
+          <a:gsLst>
+            <a:gs pos="0">
+              <a:schemeClr val="phClr">
+                <a:shade val="85000"/>
+                <a:satMod val="130000"/>
+              </a:schemeClr>
+            </a:gs>
+            <a:gs pos="34000">
+              <a:schemeClr val="phClr">
+                <a:shade val="87000"/>
+                <a:satMod val="125000"/>
+              </a:schemeClr>
+            </a:gs>
+            <a:gs pos="70000">
+              <a:schemeClr val="phClr">
+                <a:tint val="100000"/>
+                <a:shade val="90000"/>
+                <a:satMod val="130000"/>
+              </a:schemeClr>
+            </a:gs>
+            <a:gs pos="100000">
+              <a:schemeClr val="phClr">
+                <a:tint val="100000"/>
+                <a:shade val="100000"/>
+                <a:satMod val="110000"/>
+              </a:schemeClr>
+            </a:gs>
+          </a:gsLst>
+          <a:path path="circle">
+            <a:fillToRect l="100000" t="100000" r="100000" b="100000"/>
+          </a:path>
+        </a:gradFill>
+      </a:fillStyleLst>
+      <a:lnStyleLst>
+        <a:ln w="12700" cap="flat" cmpd="sng" algn="ctr">
+          <a:solidFill>
+            <a:schemeClr val="phClr"/>
+          </a:solidFill>
+          <a:prstDash val="solid"/>
+        </a:ln>
+        <a:ln w="15875" cap="flat" cmpd="sng" algn="ctr">
+          <a:solidFill>
+            <a:schemeClr val="phClr"/>
+          </a:solidFill>
+          <a:prstDash val="solid"/>
+        </a:ln>
+        <a:ln w="25400" cap="flat" cmpd="sng" algn="ctr">
+          <a:solidFill>
+            <a:schemeClr val="phClr"/>
+          </a:solidFill>
+          <a:prstDash val="solid"/>
+        </a:ln>
+      </a:lnStyleLst>
+      <a:effectStyleLst>
+        <a:effectStyle>
+          <a:effectLst/>
+        </a:effectStyle>
+        <a:effectStyle>
+          <a:effectLst>
+            <a:outerShdw blurRad="38100" dist="25400" dir="2700000" algn="br" rotWithShape="0">
+              <a:srgbClr val="000000">
+                <a:alpha val="60000"/>
+              </a:srgbClr>
+            </a:outerShdw>
+          </a:effectLst>
+        </a:effectStyle>
+        <a:effectStyle>
+          <a:effectLst>
+            <a:outerShdw blurRad="44450" dist="25400" dir="2700000" algn="br" rotWithShape="0">
+              <a:srgbClr val="000000">
+                <a:alpha val="60000"/>
+              </a:srgbClr>
+            </a:outerShdw>
+          </a:effectLst>
+          <a:scene3d>
+            <a:camera prst="orthographicFront">
+              <a:rot lat="0" lon="0" rev="0"/>
+            </a:camera>
+            <a:lightRig rig="threePt" dir="t">
+              <a:rot lat="0" lon="0" rev="19800000"/>
+            </a:lightRig>
+          </a:scene3d>
+          <a:sp3d prstMaterial="flat">
+            <a:bevelT w="25400" h="31750"/>
+          </a:sp3d>
+        </a:effectStyle>
+      </a:effectStyleLst>
+      <a:bgFillStyleLst>
+        <a:solidFill>
+          <a:schemeClr val="phClr"/>
+        </a:solidFill>
+        <a:solidFill>
+          <a:schemeClr val="phClr">
+            <a:tint val="90000"/>
+            <a:shade val="97000"/>
+            <a:satMod val="130000"/>
+          </a:schemeClr>
+        </a:solidFill>
+        <a:gradFill rotWithShape="1">
+          <a:gsLst>
+            <a:gs pos="0">
+              <a:schemeClr val="phClr">
+                <a:tint val="96000"/>
+                <a:shade val="99000"/>
+                <a:satMod val="140000"/>
+              </a:schemeClr>
+            </a:gs>
+            <a:gs pos="65000">
+              <a:schemeClr val="phClr">
+                <a:tint val="100000"/>
+                <a:shade val="80000"/>
+                <a:satMod val="130000"/>
+              </a:schemeClr>
+            </a:gs>
+            <a:gs pos="100000">
+              <a:schemeClr val="phClr">
+                <a:tint val="100000"/>
+                <a:shade val="48000"/>
+                <a:satMod val="120000"/>
+              </a:schemeClr>
+            </a:gs>
+          </a:gsLst>
+          <a:lin ang="16200000" scaled="0"/>
+        </a:gradFill>
+      </a:bgFillStyleLst>
+    </a:fmtScheme>
+  </a:themeElements>
+  <a:objectDefaults/>
+  <a:extraClrSchemeLst/>
+  <a:extLst>
+    <a:ext uri="{05A4C25C-085E-4340-85A3-A5531E510DB2}">
+      <thm15:themeFamily xmlns:thm15="http://schemas.microsoft.com/office/thememl/2012/main" name="Retrospect" id="{5F128B03-DCCA-4EEB-AB3B-CF2899314A46}" vid="{3F1AAB62-24C6-49D2-8E01-B56FAC9A3DCD}"/>
+    </a:ext>
+  </a:extLst>
+</a:theme>
+</file>
+
+<file path=ppt/theme/theme2.xml><?xml version="1.0" encoding="utf-8"?>
+<a:theme xmlns:a="http://schemas.openxmlformats.org/drawingml/2006/main" name="Thème Office">
+  <a:themeElements>
+    <a:clrScheme name="Bureau">
+      <a:dk1>
+        <a:sysClr val="windowText" lastClr="000000"/>
+      </a:dk1>
+      <a:lt1>
+        <a:sysClr val="window" lastClr="FFFFFF"/>
+      </a:lt1>
+      <a:dk2>
+        <a:srgbClr val="44546A"/>
+      </a:dk2>
+      <a:lt2>
+        <a:srgbClr val="E7E6E6"/>
+      </a:lt2>
+      <a:accent1>
+        <a:srgbClr val="4472C4"/>
+      </a:accent1>
+      <a:accent2>
+        <a:srgbClr val="ED7D31"/>
+      </a:accent2>
+      <a:accent3>
+        <a:srgbClr val="A5A5A5"/>
+      </a:accent3>
+      <a:accent4>
+        <a:srgbClr val="FFC000"/>
+      </a:accent4>
+      <a:accent5>
+        <a:srgbClr val="5B9BD5"/>
+      </a:accent5>
+      <a:accent6>
+        <a:srgbClr val="70AD47"/>
+      </a:accent6>
+      <a:hlink>
+        <a:srgbClr val="0563C1"/>
+      </a:hlink>
+      <a:folHlink>
+        <a:srgbClr val="954F72"/>
+      </a:folHlink>
+    </a:clrScheme>
+    <a:fontScheme name="Bureau">
+      <a:majorFont>
+        <a:latin typeface="Calibri Light" panose="020F0302020204030204"/>
+        <a:ea typeface=""/>
+        <a:cs typeface=""/>
+        <a:font script="Jpan" typeface="Yu Gothic Light"/>
+        <a:font script="Hang" typeface="맑은 고딕"/>
+        <a:font script="Hans" typeface="DengXian Light"/>
+        <a:font script="Hant" typeface="新細明體"/>
+        <a:font script="Arab" typeface="Times New Roman"/>
+        <a:font script="Hebr" typeface="Times New Roman"/>
+        <a:font script="Thai" typeface="Angsana New"/>
+        <a:font script="Ethi" typeface="Nyala"/>
+        <a:font script="Beng" typeface="Vrinda"/>
+        <a:font script="Gujr" typeface="Shruti"/>
+        <a:font script="Khmr" typeface="MoolBoran"/>
+        <a:font script="Knda" typeface="Tunga"/>
+        <a:font script="Guru" typeface="Raavi"/>
+        <a:font script="Cans" typeface="Euphemia"/>
+        <a:font script="Cher" typeface="Plantagenet Cherokee"/>
+        <a:font script="Yiii" typeface="Microsoft Yi Baiti"/>
+        <a:font script="Tibt" typeface="Microsoft Himalaya"/>
+        <a:font script="Thaa" typeface="MV Boli"/>
+        <a:font script="Deva" typeface="Mangal"/>
+        <a:font script="Telu" typeface="Gautami"/>
+        <a:font script="Taml" typeface="Latha"/>
+        <a:font script="Syrc" typeface="Estrangelo Edessa"/>
+        <a:font script="Orya" typeface="Kalinga"/>
+        <a:font script="Mlym" typeface="Kartika"/>
+        <a:font script="Laoo" typeface="DokChampa"/>
+        <a:font script="Sinh" typeface="Iskoola Pota"/>
+        <a:font script="Mong" typeface="Mongolian Baiti"/>
+        <a:font script="Viet" typeface="Times New Roman"/>
+        <a:font script="Uigh" typeface="Microsoft Uighur"/>
+        <a:font script="Geor" typeface="Sylfaen"/>
+      </a:majorFont>
+      <a:minorFont>
+        <a:latin typeface="Calibri" panose="020F0502020204030204"/>
+        <a:ea typeface=""/>
+        <a:cs typeface=""/>
+        <a:font script="Jpan" typeface="Yu Gothic"/>
+        <a:font script="Hang" typeface="맑은 고딕"/>
+        <a:font script="Hans" typeface="DengXian"/>
+        <a:font script="Hant" typeface="新細明體"/>
+        <a:font script="Arab" typeface="Arial"/>
+        <a:font script="Hebr" typeface="Arial"/>
+        <a:font script="Thai" typeface="Cordia New"/>
+        <a:font script="Ethi" typeface="Nyala"/>
+        <a:font script="Beng" typeface="Vrinda"/>
+        <a:font script="Gujr" typeface="Shruti"/>
+        <a:font script="Khmr" typeface="DaunPenh"/>
+        <a:font script="Knda" typeface="Tunga"/>
+        <a:font script="Guru" typeface="Raavi"/>
+        <a:font script="Cans" typeface="Euphemia"/>
+        <a:font script="Cher" typeface="Plantagenet Cherokee"/>
+        <a:font script="Yiii" typeface="Microsoft Yi Baiti"/>
+        <a:font script="Tibt" typeface="Microsoft Himalaya"/>
+        <a:font script="Thaa" typeface="MV Boli"/>
+        <a:font script="Deva" typeface="Mangal"/>
+        <a:font script="Telu" typeface="Gautami"/>
+        <a:font script="Taml" typeface="Latha"/>
+        <a:font script="Syrc" typeface="Estrangelo Edessa"/>
+        <a:font script="Orya" typeface="Kalinga"/>
+        <a:font script="Mlym" typeface="Kartika"/>
+        <a:font script="Laoo" typeface="DokChampa"/>
+        <a:font script="Sinh" typeface="Iskoola Pota"/>
+        <a:font script="Mong" typeface="Mongolian Baiti"/>
+        <a:font script="Viet" typeface="Arial"/>
+        <a:font script="Uigh" typeface="Microsoft Uighur"/>
+        <a:font script="Geor" typeface="Sylfaen"/>
+      </a:minorFont>
+    </a:fontScheme>
+    <a:fmtScheme name="Bureau">
+      <a:fillStyleLst>
+        <a:solidFill>
+          <a:schemeClr val="phClr"/>
+        </a:solidFill>
+        <a:gradFill rotWithShape="1">
+          <a:gsLst>
+            <a:gs pos="0">
+              <a:schemeClr val="phClr">
+                <a:lumMod val="110000"/>
+                <a:satMod val="105000"/>
+                <a:tint val="67000"/>
+              </a:schemeClr>
+            </a:gs>
+            <a:gs pos="50000">
+              <a:schemeClr val="phClr">
+                <a:lumMod val="105000"/>
+                <a:satMod val="103000"/>
+                <a:tint val="73000"/>
+              </a:schemeClr>
+            </a:gs>
+            <a:gs pos="100000">
+              <a:schemeClr val="phClr">
+                <a:lumMod val="105000"/>
+                <a:satMod val="109000"/>
+                <a:tint val="81000"/>
+              </a:schemeClr>
+            </a:gs>
+          </a:gsLst>
+          <a:lin ang="5400000" scaled="0"/>
+        </a:gradFill>
+        <a:gradFill rotWithShape="1">
+          <a:gsLst>
+            <a:gs pos="0">
+              <a:schemeClr val="phClr">
+                <a:satMod val="103000"/>
+                <a:lumMod val="102000"/>
+                <a:tint val="94000"/>
+              </a:schemeClr>
+            </a:gs>
+            <a:gs pos="50000">
+              <a:schemeClr val="phClr">
+                <a:satMod val="110000"/>
+                <a:lumMod val="100000"/>
+                <a:shade val="100000"/>
+              </a:schemeClr>
+            </a:gs>
+            <a:gs pos="100000">
+              <a:schemeClr val="phClr">
+                <a:lumMod val="99000"/>
+                <a:satMod val="120000"/>
+                <a:shade val="78000"/>
+              </a:schemeClr>
+            </a:gs>
+          </a:gsLst>
+          <a:lin ang="5400000" scaled="0"/>
+        </a:gradFill>
+      </a:fillStyleLst>
+      <a:lnStyleLst>
+        <a:ln w="6350" cap="flat" cmpd="sng" algn="ctr">
+          <a:solidFill>
+            <a:schemeClr val="phClr"/>
+          </a:solidFill>
+          <a:prstDash val="solid"/>
+          <a:miter lim="800000"/>
+        </a:ln>
+        <a:ln w="12700" cap="flat" cmpd="sng" algn="ctr">
+          <a:solidFill>
+            <a:schemeClr val="phClr"/>
+          </a:solidFill>
+          <a:prstDash val="solid"/>
+          <a:miter lim="800000"/>
+        </a:ln>
+        <a:ln w="19050" cap="flat" cmpd="sng" algn="ctr">
+          <a:solidFill>
+            <a:schemeClr val="phClr"/>
+          </a:solidFill>
+          <a:prstDash val="solid"/>
+          <a:miter lim="800000"/>
+        </a:ln>
+      </a:lnStyleLst>
+      <a:effectStyleLst>
+        <a:effectStyle>
+          <a:effectLst/>
+        </a:effectStyle>
+        <a:effectStyle>
+          <a:effectLst/>
+        </a:effectStyle>
+        <a:effectStyle>
+          <a:effectLst>
+            <a:outerShdw blurRad="57150" dist="19050" dir="5400000" algn="ctr" rotWithShape="0">
+              <a:srgbClr val="000000">
+                <a:alpha val="63000"/>
+              </a:srgbClr>
+            </a:outerShdw>
+          </a:effectLst>
+        </a:effectStyle>
+      </a:effectStyleLst>
+      <a:bgFillStyleLst>
+        <a:solidFill>
+          <a:schemeClr val="phClr"/>
+        </a:solidFill>
+        <a:solidFill>
+          <a:schemeClr val="phClr">
+            <a:tint val="95000"/>
+            <a:satMod val="170000"/>
+          </a:schemeClr>
+        </a:solidFill>
+        <a:gradFill rotWithShape="1">
+          <a:gsLst>
+            <a:gs pos="0">
+              <a:schemeClr val="phClr">
+                <a:tint val="93000"/>
+                <a:satMod val="150000"/>
+                <a:shade val="98000"/>
+                <a:lumMod val="102000"/>
+              </a:schemeClr>
+            </a:gs>
+            <a:gs pos="50000">
+              <a:schemeClr val="phClr">
+                <a:tint val="98000"/>
+                <a:satMod val="130000"/>
+                <a:shade val="90000"/>
+                <a:lumMod val="103000"/>
+              </a:schemeClr>
+            </a:gs>
+            <a:gs pos="100000">
+              <a:schemeClr val="phClr">
+                <a:shade val="63000"/>
+                <a:satMod val="120000"/>
+              </a:schemeClr>
+            </a:gs>
+          </a:gsLst>
+          <a:lin ang="5400000" scaled="0"/>
+        </a:gradFill>
+      </a:bgFillStyleLst>
+    </a:fmtScheme>
+  </a:themeElements>
+  <a:objectDefaults/>
+  <a:extraClrSchemeLst/>
+  <a:extLst>
+    <a:ext uri="{05A4C25C-085E-4340-85A3-A5531E510DB2}">
+      <thm15:themeFamily xmlns:thm15="http://schemas.microsoft.com/office/thememl/2012/main" name="Office Theme" id="{62F939B6-93AF-4DB8-9C6B-D6C7DFDC589F}" vid="{4A3C46E8-61CC-4603-A589-7422A47A8E4A}"/>
+    </a:ext>
+  </a:extLst>
+</a:theme>
+</file>
+
+<file path=ppt/theme/theme3.xml><?xml version="1.0" encoding="utf-8"?>
 <a:theme xmlns:a="http://schemas.openxmlformats.org/drawingml/2006/main" name="Thème Office">
   <a:themeElements>
     <a:clrScheme name="Bureau">

--- a/thesis.pptx
+++ b/thesis.pptx
@@ -5,21 +5,26 @@
     <p:sldMasterId id="2147483780" r:id="rId1"/>
   </p:sldMasterIdLst>
   <p:notesMasterIdLst>
-    <p:notesMasterId r:id="rId11"/>
+    <p:notesMasterId r:id="rId16"/>
   </p:notesMasterIdLst>
   <p:handoutMasterIdLst>
-    <p:handoutMasterId r:id="rId12"/>
+    <p:handoutMasterId r:id="rId17"/>
   </p:handoutMasterIdLst>
   <p:sldIdLst>
     <p:sldId id="256" r:id="rId2"/>
     <p:sldId id="258" r:id="rId3"/>
-    <p:sldId id="257" r:id="rId4"/>
-    <p:sldId id="259" r:id="rId5"/>
-    <p:sldId id="260" r:id="rId6"/>
-    <p:sldId id="261" r:id="rId7"/>
-    <p:sldId id="262" r:id="rId8"/>
-    <p:sldId id="263" r:id="rId9"/>
-    <p:sldId id="264" r:id="rId10"/>
+    <p:sldId id="265" r:id="rId4"/>
+    <p:sldId id="266" r:id="rId5"/>
+    <p:sldId id="268" r:id="rId6"/>
+    <p:sldId id="267" r:id="rId7"/>
+    <p:sldId id="269" r:id="rId8"/>
+    <p:sldId id="257" r:id="rId9"/>
+    <p:sldId id="259" r:id="rId10"/>
+    <p:sldId id="260" r:id="rId11"/>
+    <p:sldId id="261" r:id="rId12"/>
+    <p:sldId id="262" r:id="rId13"/>
+    <p:sldId id="263" r:id="rId14"/>
+    <p:sldId id="264" r:id="rId15"/>
   </p:sldIdLst>
   <p:sldSz cx="12192000" cy="6858000"/>
   <p:notesSz cx="6858000" cy="9144000"/>
@@ -122,6 +127,9 @@
     <p:ext uri="{EFAFB233-063F-42B5-8137-9DF3F51BA10A}">
       <p15:sldGuideLst xmlns:p15="http://schemas.microsoft.com/office/powerpoint/2012/main"/>
     </p:ext>
+    <p:ext uri="{2D200454-40CA-4A62-9FC3-DE9A4176ACB9}">
+      <p15:notesGuideLst xmlns:p15="http://schemas.microsoft.com/office/powerpoint/2012/main"/>
+    </p:ext>
   </p:extLst>
 </p:presentation>
 </file>
@@ -212,7 +220,7 @@
           <a:p>
             <a:fld id="{5A26D769-2D5F-BF4D-A80F-4E1F4B9F3442}" type="datetimeFigureOut">
               <a:rPr lang="en-GB" smtClean="0"/>
-              <a:t>29/08/2017</a:t>
+              <a:t>30/08/2017</a:t>
             </a:fld>
             <a:endParaRPr lang="en-GB"/>
           </a:p>
@@ -382,7 +390,7 @@
           <a:p>
             <a:fld id="{F1951E44-92C1-9846-9EF4-1D5B4F67798B}" type="datetimeFigureOut">
               <a:rPr lang="en-GB" smtClean="0"/>
-              <a:t>29/08/2017</a:t>
+              <a:t>30/08/2017</a:t>
             </a:fld>
             <a:endParaRPr lang="en-GB"/>
           </a:p>
@@ -884,7 +892,7 @@
           <a:p>
             <a:fld id="{D1D94985-559E-6C43-85DE-38F360D9BCEB}" type="slidenum">
               <a:rPr lang="en-GB" smtClean="0"/>
-              <a:t>2</a:t>
+              <a:t>7</a:t>
             </a:fld>
             <a:endParaRPr lang="en-GB"/>
           </a:p>
@@ -968,7 +976,7 @@
           <a:p>
             <a:fld id="{D1D94985-559E-6C43-85DE-38F360D9BCEB}" type="slidenum">
               <a:rPr lang="en-GB" smtClean="0"/>
-              <a:t>3</a:t>
+              <a:t>8</a:t>
             </a:fld>
             <a:endParaRPr lang="en-GB"/>
           </a:p>
@@ -1052,7 +1060,7 @@
           <a:p>
             <a:fld id="{D1D94985-559E-6C43-85DE-38F360D9BCEB}" type="slidenum">
               <a:rPr lang="en-GB" smtClean="0"/>
-              <a:t>4</a:t>
+              <a:t>9</a:t>
             </a:fld>
             <a:endParaRPr lang="en-GB"/>
           </a:p>
@@ -1136,7 +1144,7 @@
           <a:p>
             <a:fld id="{D1D94985-559E-6C43-85DE-38F360D9BCEB}" type="slidenum">
               <a:rPr lang="en-GB" smtClean="0"/>
-              <a:t>5</a:t>
+              <a:t>10</a:t>
             </a:fld>
             <a:endParaRPr lang="en-GB"/>
           </a:p>
@@ -1220,7 +1228,7 @@
           <a:p>
             <a:fld id="{D1D94985-559E-6C43-85DE-38F360D9BCEB}" type="slidenum">
               <a:rPr lang="en-GB" smtClean="0"/>
-              <a:t>6</a:t>
+              <a:t>11</a:t>
             </a:fld>
             <a:endParaRPr lang="en-GB"/>
           </a:p>
@@ -1304,7 +1312,7 @@
           <a:p>
             <a:fld id="{D1D94985-559E-6C43-85DE-38F360D9BCEB}" type="slidenum">
               <a:rPr lang="en-GB" smtClean="0"/>
-              <a:t>7</a:t>
+              <a:t>12</a:t>
             </a:fld>
             <a:endParaRPr lang="en-GB"/>
           </a:p>
@@ -1388,7 +1396,7 @@
           <a:p>
             <a:fld id="{D1D94985-559E-6C43-85DE-38F360D9BCEB}" type="slidenum">
               <a:rPr lang="en-GB" smtClean="0"/>
-              <a:t>8</a:t>
+              <a:t>13</a:t>
             </a:fld>
             <a:endParaRPr lang="en-GB"/>
           </a:p>
@@ -1633,7 +1641,7 @@
           <a:p>
             <a:fld id="{A27B244A-FE6D-944E-AC83-8DB6F52B8BD5}" type="datetime1">
               <a:rPr lang="fr-BE" smtClean="0"/>
-              <a:t>29/08/17</a:t>
+              <a:t>30/08/17</a:t>
             </a:fld>
             <a:endParaRPr lang="en-GB"/>
           </a:p>
@@ -1836,7 +1844,7 @@
           <a:p>
             <a:fld id="{07B740B5-01EC-FA48-B596-150C03104001}" type="datetime1">
               <a:rPr lang="fr-BE" smtClean="0"/>
-              <a:t>29/08/17</a:t>
+              <a:t>30/08/17</a:t>
             </a:fld>
             <a:endParaRPr lang="en-GB"/>
           </a:p>
@@ -2087,7 +2095,7 @@
           <a:p>
             <a:fld id="{6135C55C-7FEB-1843-BD0C-118D25394895}" type="datetime1">
               <a:rPr lang="fr-BE" smtClean="0"/>
-              <a:t>29/08/17</a:t>
+              <a:t>30/08/17</a:t>
             </a:fld>
             <a:endParaRPr lang="en-GB"/>
           </a:p>
@@ -2256,7 +2264,7 @@
           <a:p>
             <a:fld id="{4E0634D8-F601-0345-AC5E-19A355F58BD8}" type="datetime1">
               <a:rPr lang="fr-BE" smtClean="0"/>
-              <a:t>29/08/17</a:t>
+              <a:t>30/08/17</a:t>
             </a:fld>
             <a:endParaRPr lang="en-GB"/>
           </a:p>
@@ -2594,7 +2602,7 @@
           <a:p>
             <a:fld id="{B5D3174E-31EF-0E42-9252-EFEBB6D4D4DB}" type="datetime1">
               <a:rPr lang="fr-BE" smtClean="0"/>
-              <a:t>29/08/17</a:t>
+              <a:t>30/08/17</a:t>
             </a:fld>
             <a:endParaRPr lang="en-GB"/>
           </a:p>
@@ -2864,7 +2872,7 @@
           <a:p>
             <a:fld id="{468C30DD-E0EB-C146-94EC-E7EB78972DFE}" type="datetime1">
               <a:rPr lang="fr-BE" smtClean="0"/>
-              <a:t>29/08/17</a:t>
+              <a:t>30/08/17</a:t>
             </a:fld>
             <a:endParaRPr lang="en-GB"/>
           </a:p>
@@ -3238,7 +3246,7 @@
           <a:p>
             <a:fld id="{3318A585-6EB7-8F4C-8153-71E3A7775E17}" type="datetime1">
               <a:rPr lang="fr-BE" smtClean="0"/>
-              <a:t>29/08/17</a:t>
+              <a:t>30/08/17</a:t>
             </a:fld>
             <a:endParaRPr lang="en-GB"/>
           </a:p>
@@ -3351,7 +3359,7 @@
           <a:p>
             <a:fld id="{2B66AD89-165C-A641-A9B1-0EF36C99E99F}" type="datetime1">
               <a:rPr lang="fr-BE" smtClean="0"/>
-              <a:t>29/08/17</a:t>
+              <a:t>30/08/17</a:t>
             </a:fld>
             <a:endParaRPr lang="en-GB"/>
           </a:p>
@@ -3517,7 +3525,7 @@
           <a:p>
             <a:fld id="{D62EFCCB-E28A-B149-A6CE-071A84905B57}" type="datetime1">
               <a:rPr lang="fr-BE" smtClean="0"/>
-              <a:t>29/08/17</a:t>
+              <a:t>30/08/17</a:t>
             </a:fld>
             <a:endParaRPr lang="en-GB"/>
           </a:p>
@@ -3866,7 +3874,7 @@
           <a:p>
             <a:fld id="{2F7EDE04-171C-5341-978C-73DB2A1D43C3}" type="datetime1">
               <a:rPr lang="fr-BE" smtClean="0"/>
-              <a:t>29/08/17</a:t>
+              <a:t>30/08/17</a:t>
             </a:fld>
             <a:endParaRPr lang="en-GB"/>
           </a:p>
@@ -4240,7 +4248,7 @@
           <a:p>
             <a:fld id="{142F3B68-8300-3B41-8651-2FFDB29C720F}" type="datetime1">
               <a:rPr lang="fr-BE" smtClean="0"/>
-              <a:t>29/08/17</a:t>
+              <a:t>30/08/17</a:t>
             </a:fld>
             <a:endParaRPr lang="en-GB"/>
           </a:p>
@@ -4522,7 +4530,7 @@
           <a:p>
             <a:fld id="{CA2B5EEC-5F23-A94A-9560-3B1B5C7AF378}" type="datetime1">
               <a:rPr lang="fr-BE" smtClean="0"/>
-              <a:t>29/08/17</a:t>
+              <a:t>30/08/17</a:t>
             </a:fld>
             <a:endParaRPr lang="en-GB"/>
           </a:p>
@@ -5091,16 +5099,16 @@
         <p:spPr/>
         <p:txBody>
           <a:bodyPr>
-            <a:normAutofit fontScale="90000"/>
+            <a:normAutofit/>
           </a:bodyPr>
           <a:lstStyle/>
           <a:p>
             <a:pPr algn="r"/>
             <a:r>
-              <a:rPr lang="en-GB" dirty="0" smtClean="0"/>
+              <a:rPr lang="en-GB" sz="6000" dirty="0" smtClean="0"/>
               <a:t>   Multi scale preconditioner to solve elliptic problems with high order methods with p4est</a:t>
             </a:r>
-            <a:endParaRPr lang="en-GB" dirty="0"/>
+            <a:endParaRPr lang="en-GB" sz="6000" dirty="0"/>
           </a:p>
         </p:txBody>
       </p:sp>
@@ -5114,7 +5122,12 @@
             <p:ph type="subTitle" idx="1"/>
           </p:nvPr>
         </p:nvSpPr>
-        <p:spPr/>
+        <p:spPr>
+          <a:xfrm>
+            <a:off x="1100051" y="4455620"/>
+            <a:ext cx="10058400" cy="1502268"/>
+          </a:xfrm>
+        </p:spPr>
         <p:txBody>
           <a:bodyPr>
             <a:normAutofit fontScale="85000" lnSpcReduction="20000"/>
@@ -5122,7 +5135,7 @@
           <a:lstStyle/>
           <a:p>
             <a:r>
-              <a:rPr lang="en-GB" smtClean="0"/>
+              <a:rPr lang="en-GB" dirty="0" smtClean="0"/>
               <a:t>David Weicker</a:t>
             </a:r>
           </a:p>
@@ -5158,7 +5171,14 @@
               <a:rPr lang="en-GB" dirty="0" smtClean="0"/>
               <a:t> </a:t>
             </a:r>
-            <a:endParaRPr lang="en-GB" dirty="0"/>
+            <a:endParaRPr lang="en-GB" dirty="0" smtClean="0"/>
+          </a:p>
+          <a:p>
+            <a:r>
+              <a:rPr lang="en-GB" dirty="0" smtClean="0"/>
+              <a:t>September 2017</a:t>
+            </a:r>
+            <a:endParaRPr lang="en-GB" dirty="0" smtClean="0"/>
           </a:p>
         </p:txBody>
       </p:sp>
@@ -5166,6 +5186,558 @@
     <p:extLst>
       <p:ext uri="{BB962C8B-B14F-4D97-AF65-F5344CB8AC3E}">
         <p14:creationId xmlns:p14="http://schemas.microsoft.com/office/powerpoint/2010/main" val="286180679"/>
+      </p:ext>
+    </p:extLst>
+  </p:cSld>
+  <p:clrMapOvr>
+    <a:masterClrMapping/>
+  </p:clrMapOvr>
+  <p:timing>
+    <p:tnLst>
+      <p:par>
+        <p:cTn id="1" dur="indefinite" restart="never" nodeType="tmRoot"/>
+      </p:par>
+    </p:tnLst>
+  </p:timing>
+</p:sld>
+</file>
+
+<file path=ppt/slides/slide10.xml><?xml version="1.0" encoding="utf-8"?>
+<p:sld xmlns:a="http://schemas.openxmlformats.org/drawingml/2006/main" xmlns:r="http://schemas.openxmlformats.org/officeDocument/2006/relationships" xmlns:p="http://schemas.openxmlformats.org/presentationml/2006/main">
+  <p:cSld>
+    <p:spTree>
+      <p:nvGrpSpPr>
+        <p:cNvPr id="1" name=""/>
+        <p:cNvGrpSpPr/>
+        <p:nvPr/>
+      </p:nvGrpSpPr>
+      <p:grpSpPr>
+        <a:xfrm>
+          <a:off x="0" y="0"/>
+          <a:ext cx="0" cy="0"/>
+          <a:chOff x="0" y="0"/>
+          <a:chExt cx="0" cy="0"/>
+        </a:xfrm>
+      </p:grpSpPr>
+      <p:sp>
+        <p:nvSpPr>
+          <p:cNvPr id="2" name="Titre 1"/>
+          <p:cNvSpPr>
+            <a:spLocks noGrp="1"/>
+          </p:cNvSpPr>
+          <p:nvPr>
+            <p:ph type="title"/>
+          </p:nvPr>
+        </p:nvSpPr>
+        <p:spPr/>
+        <p:txBody>
+          <a:bodyPr>
+            <a:normAutofit fontScale="90000"/>
+          </a:bodyPr>
+          <a:lstStyle/>
+          <a:p>
+            <a:r>
+              <a:rPr lang="en-GB" dirty="0" smtClean="0"/>
+              <a:t>Multi scale </a:t>
+            </a:r>
+            <a:r>
+              <a:rPr lang="en-GB" b="1" dirty="0" smtClean="0">
+                <a:solidFill>
+                  <a:schemeClr val="accent2"/>
+                </a:solidFill>
+              </a:rPr>
+              <a:t>preconditioner</a:t>
+            </a:r>
+            <a:r>
+              <a:rPr lang="en-GB" dirty="0" smtClean="0"/>
+              <a:t> to solve elliptic problems with high order methods with p4est</a:t>
+            </a:r>
+            <a:endParaRPr lang="en-GB" dirty="0"/>
+          </a:p>
+        </p:txBody>
+      </p:sp>
+      <p:sp>
+        <p:nvSpPr>
+          <p:cNvPr id="3" name="Espace réservé du contenu 2"/>
+          <p:cNvSpPr>
+            <a:spLocks noGrp="1"/>
+          </p:cNvSpPr>
+          <p:nvPr>
+            <p:ph idx="1"/>
+          </p:nvPr>
+        </p:nvSpPr>
+        <p:spPr/>
+        <p:txBody>
+          <a:bodyPr/>
+          <a:lstStyle/>
+          <a:p>
+            <a:endParaRPr lang="en-GB" dirty="0"/>
+          </a:p>
+        </p:txBody>
+      </p:sp>
+      <p:sp>
+        <p:nvSpPr>
+          <p:cNvPr id="5" name="Espace réservé du numéro de diapositive 4"/>
+          <p:cNvSpPr>
+            <a:spLocks noGrp="1"/>
+          </p:cNvSpPr>
+          <p:nvPr>
+            <p:ph type="sldNum" sz="quarter" idx="12"/>
+          </p:nvPr>
+        </p:nvSpPr>
+        <p:spPr/>
+        <p:txBody>
+          <a:bodyPr/>
+          <a:lstStyle/>
+          <a:p>
+            <a:fld id="{E9347C92-BBEE-224D-BE6C-518EEC8431DA}" type="slidenum">
+              <a:rPr lang="en-GB" smtClean="0"/>
+              <a:t>9</a:t>
+            </a:fld>
+            <a:endParaRPr lang="en-GB"/>
+          </a:p>
+        </p:txBody>
+      </p:sp>
+    </p:spTree>
+    <p:extLst>
+      <p:ext uri="{BB962C8B-B14F-4D97-AF65-F5344CB8AC3E}">
+        <p14:creationId xmlns:p14="http://schemas.microsoft.com/office/powerpoint/2010/main" val="511617998"/>
+      </p:ext>
+    </p:extLst>
+  </p:cSld>
+  <p:clrMapOvr>
+    <a:masterClrMapping/>
+  </p:clrMapOvr>
+  <p:timing>
+    <p:tnLst>
+      <p:par>
+        <p:cTn id="1" dur="indefinite" restart="never" nodeType="tmRoot"/>
+      </p:par>
+    </p:tnLst>
+  </p:timing>
+</p:sld>
+</file>
+
+<file path=ppt/slides/slide11.xml><?xml version="1.0" encoding="utf-8"?>
+<p:sld xmlns:a="http://schemas.openxmlformats.org/drawingml/2006/main" xmlns:r="http://schemas.openxmlformats.org/officeDocument/2006/relationships" xmlns:p="http://schemas.openxmlformats.org/presentationml/2006/main">
+  <p:cSld>
+    <p:spTree>
+      <p:nvGrpSpPr>
+        <p:cNvPr id="1" name=""/>
+        <p:cNvGrpSpPr/>
+        <p:nvPr/>
+      </p:nvGrpSpPr>
+      <p:grpSpPr>
+        <a:xfrm>
+          <a:off x="0" y="0"/>
+          <a:ext cx="0" cy="0"/>
+          <a:chOff x="0" y="0"/>
+          <a:chExt cx="0" cy="0"/>
+        </a:xfrm>
+      </p:grpSpPr>
+      <p:sp>
+        <p:nvSpPr>
+          <p:cNvPr id="2" name="Titre 1"/>
+          <p:cNvSpPr>
+            <a:spLocks noGrp="1"/>
+          </p:cNvSpPr>
+          <p:nvPr>
+            <p:ph type="title"/>
+          </p:nvPr>
+        </p:nvSpPr>
+        <p:spPr/>
+        <p:txBody>
+          <a:bodyPr>
+            <a:normAutofit fontScale="90000"/>
+          </a:bodyPr>
+          <a:lstStyle/>
+          <a:p>
+            <a:r>
+              <a:rPr lang="en-GB" b="1" dirty="0" smtClean="0">
+                <a:solidFill>
+                  <a:schemeClr val="accent2"/>
+                </a:solidFill>
+              </a:rPr>
+              <a:t>Multi scale </a:t>
+            </a:r>
+            <a:r>
+              <a:rPr lang="en-GB" dirty="0" smtClean="0"/>
+              <a:t>preconditioner to solve elliptic problems with high order methods with p4est</a:t>
+            </a:r>
+            <a:endParaRPr lang="en-GB" dirty="0"/>
+          </a:p>
+        </p:txBody>
+      </p:sp>
+      <p:sp>
+        <p:nvSpPr>
+          <p:cNvPr id="3" name="Espace réservé du contenu 2"/>
+          <p:cNvSpPr>
+            <a:spLocks noGrp="1"/>
+          </p:cNvSpPr>
+          <p:nvPr>
+            <p:ph idx="1"/>
+          </p:nvPr>
+        </p:nvSpPr>
+        <p:spPr/>
+        <p:txBody>
+          <a:bodyPr/>
+          <a:lstStyle/>
+          <a:p>
+            <a:endParaRPr lang="en-GB" dirty="0"/>
+          </a:p>
+        </p:txBody>
+      </p:sp>
+      <p:sp>
+        <p:nvSpPr>
+          <p:cNvPr id="5" name="Espace réservé du numéro de diapositive 4"/>
+          <p:cNvSpPr>
+            <a:spLocks noGrp="1"/>
+          </p:cNvSpPr>
+          <p:nvPr>
+            <p:ph type="sldNum" sz="quarter" idx="12"/>
+          </p:nvPr>
+        </p:nvSpPr>
+        <p:spPr/>
+        <p:txBody>
+          <a:bodyPr/>
+          <a:lstStyle/>
+          <a:p>
+            <a:fld id="{E9347C92-BBEE-224D-BE6C-518EEC8431DA}" type="slidenum">
+              <a:rPr lang="en-GB" smtClean="0"/>
+              <a:t>10</a:t>
+            </a:fld>
+            <a:endParaRPr lang="en-GB"/>
+          </a:p>
+        </p:txBody>
+      </p:sp>
+    </p:spTree>
+    <p:extLst>
+      <p:ext uri="{BB962C8B-B14F-4D97-AF65-F5344CB8AC3E}">
+        <p14:creationId xmlns:p14="http://schemas.microsoft.com/office/powerpoint/2010/main" val="1784891449"/>
+      </p:ext>
+    </p:extLst>
+  </p:cSld>
+  <p:clrMapOvr>
+    <a:masterClrMapping/>
+  </p:clrMapOvr>
+  <p:timing>
+    <p:tnLst>
+      <p:par>
+        <p:cTn id="1" dur="indefinite" restart="never" nodeType="tmRoot"/>
+      </p:par>
+    </p:tnLst>
+  </p:timing>
+</p:sld>
+</file>
+
+<file path=ppt/slides/slide12.xml><?xml version="1.0" encoding="utf-8"?>
+<p:sld xmlns:a="http://schemas.openxmlformats.org/drawingml/2006/main" xmlns:r="http://schemas.openxmlformats.org/officeDocument/2006/relationships" xmlns:p="http://schemas.openxmlformats.org/presentationml/2006/main">
+  <p:cSld>
+    <p:spTree>
+      <p:nvGrpSpPr>
+        <p:cNvPr id="1" name=""/>
+        <p:cNvGrpSpPr/>
+        <p:nvPr/>
+      </p:nvGrpSpPr>
+      <p:grpSpPr>
+        <a:xfrm>
+          <a:off x="0" y="0"/>
+          <a:ext cx="0" cy="0"/>
+          <a:chOff x="0" y="0"/>
+          <a:chExt cx="0" cy="0"/>
+        </a:xfrm>
+      </p:grpSpPr>
+      <p:sp>
+        <p:nvSpPr>
+          <p:cNvPr id="2" name="Titre 1"/>
+          <p:cNvSpPr>
+            <a:spLocks noGrp="1"/>
+          </p:cNvSpPr>
+          <p:nvPr>
+            <p:ph type="title"/>
+          </p:nvPr>
+        </p:nvSpPr>
+        <p:spPr/>
+        <p:txBody>
+          <a:bodyPr>
+            <a:normAutofit fontScale="90000"/>
+          </a:bodyPr>
+          <a:lstStyle/>
+          <a:p>
+            <a:r>
+              <a:rPr lang="en-GB" dirty="0" smtClean="0"/>
+              <a:t>Multi scale preconditioner to solve elliptic problems with high </a:t>
+            </a:r>
+            <a:r>
+              <a:rPr lang="en-GB" smtClean="0"/>
+              <a:t>order methods with p4est</a:t>
+            </a:r>
+            <a:endParaRPr lang="en-GB" dirty="0"/>
+          </a:p>
+        </p:txBody>
+      </p:sp>
+      <p:sp>
+        <p:nvSpPr>
+          <p:cNvPr id="3" name="Espace réservé du contenu 2"/>
+          <p:cNvSpPr>
+            <a:spLocks noGrp="1"/>
+          </p:cNvSpPr>
+          <p:nvPr>
+            <p:ph idx="1"/>
+          </p:nvPr>
+        </p:nvSpPr>
+        <p:spPr/>
+        <p:txBody>
+          <a:bodyPr/>
+          <a:lstStyle/>
+          <a:p>
+            <a:endParaRPr lang="en-GB" dirty="0"/>
+          </a:p>
+        </p:txBody>
+      </p:sp>
+      <p:sp>
+        <p:nvSpPr>
+          <p:cNvPr id="5" name="Espace réservé du numéro de diapositive 4"/>
+          <p:cNvSpPr>
+            <a:spLocks noGrp="1"/>
+          </p:cNvSpPr>
+          <p:nvPr>
+            <p:ph type="sldNum" sz="quarter" idx="12"/>
+          </p:nvPr>
+        </p:nvSpPr>
+        <p:spPr/>
+        <p:txBody>
+          <a:bodyPr/>
+          <a:lstStyle/>
+          <a:p>
+            <a:fld id="{E9347C92-BBEE-224D-BE6C-518EEC8431DA}" type="slidenum">
+              <a:rPr lang="en-GB" smtClean="0"/>
+              <a:t>11</a:t>
+            </a:fld>
+            <a:endParaRPr lang="en-GB"/>
+          </a:p>
+        </p:txBody>
+      </p:sp>
+    </p:spTree>
+    <p:extLst>
+      <p:ext uri="{BB962C8B-B14F-4D97-AF65-F5344CB8AC3E}">
+        <p14:creationId xmlns:p14="http://schemas.microsoft.com/office/powerpoint/2010/main" val="595091370"/>
+      </p:ext>
+    </p:extLst>
+  </p:cSld>
+  <p:clrMapOvr>
+    <a:masterClrMapping/>
+  </p:clrMapOvr>
+  <p:timing>
+    <p:tnLst>
+      <p:par>
+        <p:cTn id="1" dur="indefinite" restart="never" nodeType="tmRoot"/>
+      </p:par>
+    </p:tnLst>
+  </p:timing>
+</p:sld>
+</file>
+
+<file path=ppt/slides/slide13.xml><?xml version="1.0" encoding="utf-8"?>
+<p:sld xmlns:a="http://schemas.openxmlformats.org/drawingml/2006/main" xmlns:r="http://schemas.openxmlformats.org/officeDocument/2006/relationships" xmlns:p="http://schemas.openxmlformats.org/presentationml/2006/main">
+  <p:cSld>
+    <p:spTree>
+      <p:nvGrpSpPr>
+        <p:cNvPr id="1" name=""/>
+        <p:cNvGrpSpPr/>
+        <p:nvPr/>
+      </p:nvGrpSpPr>
+      <p:grpSpPr>
+        <a:xfrm>
+          <a:off x="0" y="0"/>
+          <a:ext cx="0" cy="0"/>
+          <a:chOff x="0" y="0"/>
+          <a:chExt cx="0" cy="0"/>
+        </a:xfrm>
+      </p:grpSpPr>
+      <p:sp>
+        <p:nvSpPr>
+          <p:cNvPr id="2" name="Titre 1"/>
+          <p:cNvSpPr>
+            <a:spLocks noGrp="1"/>
+          </p:cNvSpPr>
+          <p:nvPr>
+            <p:ph type="title"/>
+          </p:nvPr>
+        </p:nvSpPr>
+        <p:spPr/>
+        <p:txBody>
+          <a:bodyPr>
+            <a:normAutofit fontScale="90000"/>
+          </a:bodyPr>
+          <a:lstStyle/>
+          <a:p>
+            <a:r>
+              <a:rPr lang="en-GB" dirty="0" smtClean="0"/>
+              <a:t>Multi scale preconditioner to solve elliptic problems with high </a:t>
+            </a:r>
+            <a:r>
+              <a:rPr lang="en-GB" smtClean="0"/>
+              <a:t>order methods with p4est</a:t>
+            </a:r>
+            <a:endParaRPr lang="en-GB" dirty="0"/>
+          </a:p>
+        </p:txBody>
+      </p:sp>
+      <p:sp>
+        <p:nvSpPr>
+          <p:cNvPr id="3" name="Espace réservé du contenu 2"/>
+          <p:cNvSpPr>
+            <a:spLocks noGrp="1"/>
+          </p:cNvSpPr>
+          <p:nvPr>
+            <p:ph idx="1"/>
+          </p:nvPr>
+        </p:nvSpPr>
+        <p:spPr/>
+        <p:txBody>
+          <a:bodyPr/>
+          <a:lstStyle/>
+          <a:p>
+            <a:endParaRPr lang="en-GB" dirty="0"/>
+          </a:p>
+        </p:txBody>
+      </p:sp>
+      <p:sp>
+        <p:nvSpPr>
+          <p:cNvPr id="5" name="Espace réservé du numéro de diapositive 4"/>
+          <p:cNvSpPr>
+            <a:spLocks noGrp="1"/>
+          </p:cNvSpPr>
+          <p:nvPr>
+            <p:ph type="sldNum" sz="quarter" idx="12"/>
+          </p:nvPr>
+        </p:nvSpPr>
+        <p:spPr/>
+        <p:txBody>
+          <a:bodyPr/>
+          <a:lstStyle/>
+          <a:p>
+            <a:fld id="{E9347C92-BBEE-224D-BE6C-518EEC8431DA}" type="slidenum">
+              <a:rPr lang="en-GB" smtClean="0"/>
+              <a:t>12</a:t>
+            </a:fld>
+            <a:endParaRPr lang="en-GB"/>
+          </a:p>
+        </p:txBody>
+      </p:sp>
+    </p:spTree>
+    <p:extLst>
+      <p:ext uri="{BB962C8B-B14F-4D97-AF65-F5344CB8AC3E}">
+        <p14:creationId xmlns:p14="http://schemas.microsoft.com/office/powerpoint/2010/main" val="1187314836"/>
+      </p:ext>
+    </p:extLst>
+  </p:cSld>
+  <p:clrMapOvr>
+    <a:masterClrMapping/>
+  </p:clrMapOvr>
+  <p:timing>
+    <p:tnLst>
+      <p:par>
+        <p:cTn id="1" dur="indefinite" restart="never" nodeType="tmRoot"/>
+      </p:par>
+    </p:tnLst>
+  </p:timing>
+</p:sld>
+</file>
+
+<file path=ppt/slides/slide14.xml><?xml version="1.0" encoding="utf-8"?>
+<p:sld xmlns:a="http://schemas.openxmlformats.org/drawingml/2006/main" xmlns:r="http://schemas.openxmlformats.org/officeDocument/2006/relationships" xmlns:p="http://schemas.openxmlformats.org/presentationml/2006/main">
+  <p:cSld>
+    <p:spTree>
+      <p:nvGrpSpPr>
+        <p:cNvPr id="1" name=""/>
+        <p:cNvGrpSpPr/>
+        <p:nvPr/>
+      </p:nvGrpSpPr>
+      <p:grpSpPr>
+        <a:xfrm>
+          <a:off x="0" y="0"/>
+          <a:ext cx="0" cy="0"/>
+          <a:chOff x="0" y="0"/>
+          <a:chExt cx="0" cy="0"/>
+        </a:xfrm>
+      </p:grpSpPr>
+      <p:sp>
+        <p:nvSpPr>
+          <p:cNvPr id="2" name="Titre 1"/>
+          <p:cNvSpPr>
+            <a:spLocks noGrp="1"/>
+          </p:cNvSpPr>
+          <p:nvPr>
+            <p:ph type="title"/>
+          </p:nvPr>
+        </p:nvSpPr>
+        <p:spPr/>
+        <p:txBody>
+          <a:bodyPr>
+            <a:normAutofit fontScale="90000"/>
+          </a:bodyPr>
+          <a:lstStyle/>
+          <a:p>
+            <a:r>
+              <a:rPr lang="en-GB" dirty="0" smtClean="0"/>
+              <a:t>Multi scale preconditioner to solve elliptic problems with high </a:t>
+            </a:r>
+            <a:r>
+              <a:rPr lang="en-GB" smtClean="0"/>
+              <a:t>order methods with p4est</a:t>
+            </a:r>
+            <a:endParaRPr lang="en-GB" dirty="0"/>
+          </a:p>
+        </p:txBody>
+      </p:sp>
+      <p:sp>
+        <p:nvSpPr>
+          <p:cNvPr id="3" name="Espace réservé du contenu 2"/>
+          <p:cNvSpPr>
+            <a:spLocks noGrp="1"/>
+          </p:cNvSpPr>
+          <p:nvPr>
+            <p:ph idx="1"/>
+          </p:nvPr>
+        </p:nvSpPr>
+        <p:spPr/>
+        <p:txBody>
+          <a:bodyPr/>
+          <a:lstStyle/>
+          <a:p>
+            <a:endParaRPr lang="en-GB" dirty="0"/>
+          </a:p>
+        </p:txBody>
+      </p:sp>
+      <p:sp>
+        <p:nvSpPr>
+          <p:cNvPr id="5" name="Espace réservé du numéro de diapositive 4"/>
+          <p:cNvSpPr>
+            <a:spLocks noGrp="1"/>
+          </p:cNvSpPr>
+          <p:nvPr>
+            <p:ph type="sldNum" sz="quarter" idx="12"/>
+          </p:nvPr>
+        </p:nvSpPr>
+        <p:spPr/>
+        <p:txBody>
+          <a:bodyPr/>
+          <a:lstStyle/>
+          <a:p>
+            <a:fld id="{E9347C92-BBEE-224D-BE6C-518EEC8431DA}" type="slidenum">
+              <a:rPr lang="en-GB" smtClean="0"/>
+              <a:t>13</a:t>
+            </a:fld>
+            <a:endParaRPr lang="en-GB"/>
+          </a:p>
+        </p:txBody>
+      </p:sp>
+    </p:spTree>
+    <p:extLst>
+      <p:ext uri="{BB962C8B-B14F-4D97-AF65-F5344CB8AC3E}">
+        <p14:creationId xmlns:p14="http://schemas.microsoft.com/office/powerpoint/2010/main" val="766664915"/>
       </p:ext>
     </p:extLst>
   </p:cSld>
@@ -5238,25 +5810,6 @@
       </p:sp>
       <p:sp>
         <p:nvSpPr>
-          <p:cNvPr id="3" name="Espace réservé du contenu 2"/>
-          <p:cNvSpPr>
-            <a:spLocks noGrp="1"/>
-          </p:cNvSpPr>
-          <p:nvPr>
-            <p:ph idx="1"/>
-          </p:nvPr>
-        </p:nvSpPr>
-        <p:spPr/>
-        <p:txBody>
-          <a:bodyPr/>
-          <a:lstStyle/>
-          <a:p>
-            <a:endParaRPr lang="en-GB" dirty="0"/>
-          </a:p>
-        </p:txBody>
-      </p:sp>
-      <p:sp>
-        <p:nvSpPr>
           <p:cNvPr id="5" name="Espace réservé du numéro de diapositive 4"/>
           <p:cNvSpPr>
             <a:spLocks noGrp="1"/>
@@ -5278,6 +5831,35 @@
           </a:p>
         </p:txBody>
       </p:sp>
+      <p:pic>
+        <p:nvPicPr>
+          <p:cNvPr id="8" name="Espace réservé du contenu 7"/>
+          <p:cNvPicPr>
+            <a:picLocks noGrp="1" noChangeAspect="1"/>
+          </p:cNvPicPr>
+          <p:nvPr>
+            <p:ph idx="1"/>
+          </p:nvPr>
+        </p:nvPicPr>
+        <p:blipFill>
+          <a:blip r:embed="rId3">
+            <a:extLst>
+              <a:ext uri="{28A0092B-C50C-407E-A947-70E740481C1C}">
+                <a14:useLocalDpi xmlns:a14="http://schemas.microsoft.com/office/drawing/2010/main" val="0"/>
+              </a:ext>
+            </a:extLst>
+          </a:blip>
+          <a:stretch>
+            <a:fillRect/>
+          </a:stretch>
+        </p:blipFill>
+        <p:spPr>
+          <a:xfrm>
+            <a:off x="1159836" y="1846263"/>
+            <a:ext cx="9932654" cy="4022725"/>
+          </a:xfrm>
+        </p:spPr>
+      </p:pic>
     </p:spTree>
     <p:extLst>
       <p:ext uri="{BB962C8B-B14F-4D97-AF65-F5344CB8AC3E}">
@@ -5327,53 +5909,247 @@
         </p:nvSpPr>
         <p:spPr/>
         <p:txBody>
-          <a:bodyPr>
-            <a:normAutofit fontScale="90000"/>
-          </a:bodyPr>
+          <a:bodyPr/>
           <a:lstStyle/>
           <a:p>
             <a:r>
               <a:rPr lang="en-GB" dirty="0" smtClean="0"/>
-              <a:t>Multi scale preconditioner to solve elliptic problems with high order methods with </a:t>
-            </a:r>
-            <a:r>
-              <a:rPr lang="en-GB" b="1" dirty="0" smtClean="0">
-                <a:solidFill>
-                  <a:schemeClr val="accent2"/>
-                </a:solidFill>
-              </a:rPr>
-              <a:t>p4est</a:t>
-            </a:r>
-            <a:endParaRPr lang="en-GB" b="1" dirty="0">
-              <a:solidFill>
-                <a:schemeClr val="accent2"/>
-              </a:solidFill>
-            </a:endParaRPr>
-          </a:p>
-        </p:txBody>
-      </p:sp>
-      <p:sp>
-        <p:nvSpPr>
-          <p:cNvPr id="3" name="Espace réservé du contenu 2"/>
-          <p:cNvSpPr>
-            <a:spLocks noGrp="1"/>
-          </p:cNvSpPr>
-          <p:nvPr>
-            <p:ph idx="1"/>
-          </p:nvPr>
-        </p:nvSpPr>
-        <p:spPr/>
-        <p:txBody>
-          <a:bodyPr/>
-          <a:lstStyle/>
-          <a:p>
+              <a:t>Poisson’s equation</a:t>
+            </a:r>
             <a:endParaRPr lang="en-GB" dirty="0"/>
           </a:p>
         </p:txBody>
       </p:sp>
-      <p:sp>
-        <p:nvSpPr>
-          <p:cNvPr id="5" name="Espace réservé du numéro de diapositive 4"/>
+      <mc:AlternateContent xmlns:mc="http://schemas.openxmlformats.org/markup-compatibility/2006">
+        <mc:Choice xmlns:a14="http://schemas.microsoft.com/office/drawing/2010/main" Requires="a14">
+          <p:sp>
+            <p:nvSpPr>
+              <p:cNvPr id="3" name="Espace réservé du contenu 2"/>
+              <p:cNvSpPr>
+                <a:spLocks noGrp="1" noChangeAspect="1"/>
+              </p:cNvSpPr>
+              <p:nvPr>
+                <p:ph idx="1"/>
+              </p:nvPr>
+            </p:nvSpPr>
+            <p:spPr>
+              <a:xfrm>
+                <a:off x="1097280" y="1845734"/>
+                <a:ext cx="10080000" cy="4032000"/>
+              </a:xfrm>
+            </p:spPr>
+            <p:txBody>
+              <a:bodyPr>
+                <a:normAutofit/>
+              </a:bodyPr>
+              <a:lstStyle/>
+              <a:p>
+                <a:endParaRPr lang="nl-BE" sz="4400" b="0" i="1" dirty="0" smtClean="0">
+                  <a:latin typeface="Cambria Math" charset="0"/>
+                </a:endParaRPr>
+              </a:p>
+              <a:p>
+                <a14:m>
+                  <m:oMath xmlns:m="http://schemas.openxmlformats.org/officeDocument/2006/math">
+                    <m:sSup>
+                      <m:sSupPr>
+                        <m:ctrlPr>
+                          <a:rPr lang="nl-BE" sz="4400" b="0" i="1" smtClean="0">
+                            <a:latin typeface="Cambria Math" charset="0"/>
+                          </a:rPr>
+                        </m:ctrlPr>
+                      </m:sSupPr>
+                      <m:e>
+                        <m:r>
+                          <a:rPr lang="nl-BE" sz="4400" b="0" i="0" smtClean="0">
+                            <a:latin typeface="Cambria Math" charset="0"/>
+                          </a:rPr>
+                          <m:t>∇</m:t>
+                        </m:r>
+                      </m:e>
+                      <m:sup>
+                        <m:r>
+                          <a:rPr lang="nl-BE" sz="4400" b="0" i="1" smtClean="0">
+                            <a:latin typeface="Cambria Math" charset="0"/>
+                          </a:rPr>
+                          <m:t>2</m:t>
+                        </m:r>
+                      </m:sup>
+                    </m:sSup>
+                    <m:r>
+                      <a:rPr lang="nl-BE" sz="4400" b="0" i="1" smtClean="0">
+                        <a:latin typeface="Cambria Math" charset="0"/>
+                      </a:rPr>
+                      <m:t>𝑢</m:t>
+                    </m:r>
+                    <m:r>
+                      <a:rPr lang="nl-BE" sz="4400" b="0" i="1" smtClean="0">
+                        <a:latin typeface="Cambria Math" charset="0"/>
+                      </a:rPr>
+                      <m:t>=</m:t>
+                    </m:r>
+                    <m:r>
+                      <a:rPr lang="nl-BE" sz="4400" b="0" i="1" smtClean="0">
+                        <a:latin typeface="Cambria Math" charset="0"/>
+                      </a:rPr>
+                      <m:t>𝑓</m:t>
+                    </m:r>
+                    <m:r>
+                      <a:rPr lang="nl-BE" sz="4400" b="0" i="1" smtClean="0">
+                        <a:latin typeface="Cambria Math" charset="0"/>
+                      </a:rPr>
+                      <m:t> </m:t>
+                    </m:r>
+                  </m:oMath>
+                </a14:m>
+                <a:r>
+                  <a:rPr lang="en-GB" sz="4400" dirty="0" smtClean="0"/>
+                  <a:t>    on </a:t>
+                </a:r>
+                <a14:m>
+                  <m:oMath xmlns:m="http://schemas.openxmlformats.org/officeDocument/2006/math">
+                    <m:r>
+                      <m:rPr>
+                        <m:sty m:val="p"/>
+                      </m:rPr>
+                      <a:rPr lang="nl-BE" sz="4400" b="0" i="0" smtClean="0">
+                        <a:latin typeface="Cambria Math" charset="0"/>
+                      </a:rPr>
+                      <m:t>Ω</m:t>
+                    </m:r>
+                  </m:oMath>
+                </a14:m>
+                <a:endParaRPr lang="nl-BE" sz="4400" b="0" dirty="0" smtClean="0"/>
+              </a:p>
+              <a:p>
+                <a14:m>
+                  <m:oMath xmlns:m="http://schemas.openxmlformats.org/officeDocument/2006/math">
+                    <m:r>
+                      <a:rPr lang="nl-BE" sz="4400" b="0" i="1" smtClean="0">
+                        <a:latin typeface="Cambria Math" charset="0"/>
+                      </a:rPr>
+                      <m:t>     </m:t>
+                    </m:r>
+                    <m:r>
+                      <a:rPr lang="nl-BE" sz="4400" b="0" i="1" smtClean="0">
+                        <a:latin typeface="Cambria Math" charset="0"/>
+                      </a:rPr>
+                      <m:t>𝑢</m:t>
+                    </m:r>
+                    <m:r>
+                      <a:rPr lang="nl-BE" sz="4400" b="0" i="1" smtClean="0">
+                        <a:latin typeface="Cambria Math" charset="0"/>
+                      </a:rPr>
+                      <m:t>=</m:t>
+                    </m:r>
+                    <m:sSub>
+                      <m:sSubPr>
+                        <m:ctrlPr>
+                          <a:rPr lang="nl-BE" sz="4400" b="0" i="1" smtClean="0">
+                            <a:latin typeface="Cambria Math" charset="0"/>
+                          </a:rPr>
+                        </m:ctrlPr>
+                      </m:sSubPr>
+                      <m:e>
+                        <m:r>
+                          <a:rPr lang="nl-BE" sz="4400" b="0" i="1" smtClean="0">
+                            <a:latin typeface="Cambria Math" charset="0"/>
+                          </a:rPr>
+                          <m:t>𝑢</m:t>
+                        </m:r>
+                      </m:e>
+                      <m:sub>
+                        <m:r>
+                          <a:rPr lang="nl-BE" sz="4400" b="0" i="1" smtClean="0">
+                            <a:latin typeface="Cambria Math" charset="0"/>
+                          </a:rPr>
+                          <m:t>0</m:t>
+                        </m:r>
+                      </m:sub>
+                    </m:sSub>
+                    <m:r>
+                      <a:rPr lang="nl-BE" sz="4400" b="0" i="1" smtClean="0">
+                        <a:latin typeface="Cambria Math" charset="0"/>
+                      </a:rPr>
+                      <m:t> </m:t>
+                    </m:r>
+                  </m:oMath>
+                </a14:m>
+                <a:r>
+                  <a:rPr lang="en-GB" sz="4400" dirty="0" smtClean="0"/>
+                  <a:t>  on </a:t>
+                </a:r>
+                <a14:m>
+                  <m:oMath xmlns:m="http://schemas.openxmlformats.org/officeDocument/2006/math">
+                    <m:r>
+                      <a:rPr lang="nl-BE" sz="4400" b="0" i="1" smtClean="0">
+                        <a:latin typeface="Cambria Math" charset="0"/>
+                      </a:rPr>
+                      <m:t>𝜕</m:t>
+                    </m:r>
+                    <m:r>
+                      <m:rPr>
+                        <m:sty m:val="p"/>
+                      </m:rPr>
+                      <a:rPr lang="nl-BE" sz="4400" b="0" i="0" smtClean="0">
+                        <a:latin typeface="Cambria Math" charset="0"/>
+                      </a:rPr>
+                      <m:t>Ω</m:t>
+                    </m:r>
+                  </m:oMath>
+                </a14:m>
+                <a:endParaRPr lang="en-GB" sz="4400" dirty="0" smtClean="0"/>
+              </a:p>
+              <a:p>
+                <a:endParaRPr lang="en-GB" sz="4400" dirty="0"/>
+              </a:p>
+              <a:p>
+                <a:endParaRPr lang="en-GB" sz="4400" dirty="0"/>
+              </a:p>
+            </p:txBody>
+          </p:sp>
+        </mc:Choice>
+        <mc:Fallback>
+          <p:sp>
+            <p:nvSpPr>
+              <p:cNvPr id="3" name="Espace réservé du contenu 2"/>
+              <p:cNvSpPr>
+                <a:spLocks noGrp="1" noRot="1" noChangeAspect="1" noMove="1" noResize="1" noEditPoints="1" noAdjustHandles="1" noChangeArrowheads="1" noChangeShapeType="1" noTextEdit="1"/>
+              </p:cNvSpPr>
+              <p:nvPr>
+                <p:ph idx="1"/>
+              </p:nvPr>
+            </p:nvSpPr>
+            <p:spPr>
+              <a:xfrm>
+                <a:off x="1097280" y="1845734"/>
+                <a:ext cx="10080000" cy="4032000"/>
+              </a:xfrm>
+              <a:blipFill rotWithShape="0">
+                <a:blip r:embed="rId2"/>
+                <a:stretch>
+                  <a:fillRect/>
+                </a:stretch>
+              </a:blipFill>
+            </p:spPr>
+            <p:txBody>
+              <a:bodyPr/>
+              <a:lstStyle/>
+              <a:p>
+                <a:r>
+                  <a:rPr lang="en-GB">
+                    <a:noFill/>
+                  </a:rPr>
+                  <a:t> </a:t>
+                </a:r>
+              </a:p>
+            </p:txBody>
+          </p:sp>
+        </mc:Fallback>
+      </mc:AlternateContent>
+      <p:sp>
+        <p:nvSpPr>
+          <p:cNvPr id="4" name="Espace réservé du numéro de diapositive 3"/>
           <p:cNvSpPr>
             <a:spLocks noGrp="1"/>
           </p:cNvSpPr>
@@ -5394,10 +6170,40 @@
           </a:p>
         </p:txBody>
       </p:sp>
+      <p:pic>
+        <p:nvPicPr>
+          <p:cNvPr id="5" name="Image 4"/>
+          <p:cNvPicPr>
+            <a:picLocks noChangeAspect="1"/>
+          </p:cNvPicPr>
+          <p:nvPr/>
+        </p:nvPicPr>
+        <p:blipFill>
+          <a:blip r:embed="rId3">
+            <a:extLst>
+              <a:ext uri="{28A0092B-C50C-407E-A947-70E740481C1C}">
+                <a14:useLocalDpi xmlns:a14="http://schemas.microsoft.com/office/drawing/2010/main" val="0"/>
+              </a:ext>
+            </a:extLst>
+          </a:blip>
+          <a:stretch>
+            <a:fillRect/>
+          </a:stretch>
+        </p:blipFill>
+        <p:spPr>
+          <a:xfrm>
+            <a:off x="6443661" y="2425411"/>
+            <a:ext cx="4443413" cy="2306872"/>
+          </a:xfrm>
+          <a:prstGeom prst="rect">
+            <a:avLst/>
+          </a:prstGeom>
+        </p:spPr>
+      </p:pic>
     </p:spTree>
     <p:extLst>
       <p:ext uri="{BB962C8B-B14F-4D97-AF65-F5344CB8AC3E}">
-        <p14:creationId xmlns:p14="http://schemas.microsoft.com/office/powerpoint/2010/main" val="1622786320"/>
+        <p14:creationId xmlns:p14="http://schemas.microsoft.com/office/powerpoint/2010/main" val="2067641648"/>
       </p:ext>
     </p:extLst>
   </p:cSld>
@@ -5443,26 +6249,12 @@
         </p:nvSpPr>
         <p:spPr/>
         <p:txBody>
-          <a:bodyPr>
-            <a:normAutofit fontScale="90000"/>
-          </a:bodyPr>
+          <a:bodyPr/>
           <a:lstStyle/>
           <a:p>
             <a:r>
               <a:rPr lang="en-GB" dirty="0" smtClean="0"/>
-              <a:t>Multi scale preconditioner to solve elliptic problems with </a:t>
-            </a:r>
-            <a:r>
-              <a:rPr lang="en-GB" b="1" dirty="0" smtClean="0">
-                <a:solidFill>
-                  <a:schemeClr val="accent2"/>
-                </a:solidFill>
-              </a:rPr>
-              <a:t>high order methods </a:t>
-            </a:r>
-            <a:r>
-              <a:rPr lang="en-GB" dirty="0" smtClean="0"/>
-              <a:t>with p4est</a:t>
+              <a:t>In typical problems : </a:t>
             </a:r>
             <a:endParaRPr lang="en-GB" dirty="0"/>
           </a:p>
@@ -5483,13 +6275,101 @@
           <a:bodyPr/>
           <a:lstStyle/>
           <a:p>
+            <a:pPr>
+              <a:buFont typeface="Arial" charset="0"/>
+              <a:buChar char="•"/>
+            </a:pPr>
+            <a:endParaRPr lang="en-GB" sz="3200" dirty="0" smtClean="0"/>
+          </a:p>
+          <a:p>
+            <a:pPr>
+              <a:buFont typeface="Arial" charset="0"/>
+              <a:buChar char="•"/>
+            </a:pPr>
+            <a:r>
+              <a:rPr lang="en-GB" sz="3200" dirty="0" smtClean="0"/>
+              <a:t>The geometry </a:t>
+            </a:r>
+            <a:r>
+              <a:rPr lang="en-GB" sz="3200" dirty="0" err="1" smtClean="0"/>
+              <a:t>Ω</a:t>
+            </a:r>
+            <a:r>
+              <a:rPr lang="en-GB" sz="3200" dirty="0" smtClean="0"/>
+              <a:t> is very complex</a:t>
+            </a:r>
+          </a:p>
+          <a:p>
+            <a:pPr>
+              <a:buFont typeface="Arial" charset="0"/>
+              <a:buChar char="•"/>
+            </a:pPr>
+            <a:r>
+              <a:rPr lang="en-GB" sz="3200" dirty="0"/>
+              <a:t> </a:t>
+            </a:r>
+            <a:r>
+              <a:rPr lang="en-GB" sz="3200" dirty="0" smtClean="0"/>
+              <a:t>We need a highly accurate numerical solution</a:t>
+            </a:r>
+          </a:p>
+          <a:p>
+            <a:pPr>
+              <a:buFont typeface="Arial" charset="0"/>
+              <a:buChar char="•"/>
+            </a:pPr>
+            <a:r>
+              <a:rPr lang="en-GB" sz="3200" dirty="0"/>
+              <a:t> </a:t>
+            </a:r>
+            <a:r>
+              <a:rPr lang="en-GB" sz="3200" dirty="0" smtClean="0"/>
+              <a:t>The forcing term </a:t>
+            </a:r>
+            <a:r>
+              <a:rPr lang="en-GB" sz="3200" i="1" dirty="0" smtClean="0"/>
+              <a:t>f </a:t>
+            </a:r>
+            <a:r>
+              <a:rPr lang="en-GB" sz="3200" dirty="0" smtClean="0"/>
+              <a:t>has very localized features</a:t>
+            </a:r>
+            <a:endParaRPr lang="en-GB" sz="3200" i="1" dirty="0" smtClean="0"/>
+          </a:p>
+          <a:p>
+            <a:pPr>
+              <a:buFont typeface="Arial" charset="0"/>
+              <a:buChar char="•"/>
+            </a:pPr>
+            <a:endParaRPr lang="en-GB" sz="3200" i="1" dirty="0" smtClean="0"/>
+          </a:p>
+          <a:p>
+            <a:pPr marL="871400" lvl="5" indent="0">
+              <a:buNone/>
+            </a:pPr>
+            <a:r>
+              <a:rPr lang="en-GB" sz="2800" dirty="0" smtClean="0"/>
+              <a:t>We need a fast way to compute highly accurate solutions to                     Poisson’s equation on complex geometries</a:t>
+            </a:r>
+          </a:p>
+          <a:p>
+            <a:pPr marL="0" indent="0">
+              <a:buNone/>
+            </a:pPr>
             <a:endParaRPr lang="en-GB" dirty="0"/>
           </a:p>
-        </p:txBody>
-      </p:sp>
-      <p:sp>
-        <p:nvSpPr>
-          <p:cNvPr id="5" name="Espace réservé du numéro de diapositive 4"/>
+          <a:p>
+            <a:pPr>
+              <a:buFont typeface="Arial" charset="0"/>
+              <a:buChar char="•"/>
+            </a:pPr>
+            <a:endParaRPr lang="en-GB" dirty="0"/>
+          </a:p>
+        </p:txBody>
+      </p:sp>
+      <p:sp>
+        <p:nvSpPr>
+          <p:cNvPr id="4" name="Espace réservé du numéro de diapositive 3"/>
           <p:cNvSpPr>
             <a:spLocks noGrp="1"/>
           </p:cNvSpPr>
@@ -5510,10 +6390,50 @@
           </a:p>
         </p:txBody>
       </p:sp>
+      <p:sp>
+        <p:nvSpPr>
+          <p:cNvPr id="5" name="Flèche vers la droite 4"/>
+          <p:cNvSpPr/>
+          <p:nvPr/>
+        </p:nvSpPr>
+        <p:spPr>
+          <a:xfrm>
+            <a:off x="1228726" y="4843462"/>
+            <a:ext cx="671512" cy="357188"/>
+          </a:xfrm>
+          <a:prstGeom prst="rightArrow">
+            <a:avLst/>
+          </a:prstGeom>
+        </p:spPr>
+        <p:style>
+          <a:lnRef idx="2">
+            <a:schemeClr val="accent1">
+              <a:shade val="50000"/>
+            </a:schemeClr>
+          </a:lnRef>
+          <a:fillRef idx="1">
+            <a:schemeClr val="accent1"/>
+          </a:fillRef>
+          <a:effectRef idx="0">
+            <a:schemeClr val="accent1"/>
+          </a:effectRef>
+          <a:fontRef idx="minor">
+            <a:schemeClr val="lt1"/>
+          </a:fontRef>
+        </p:style>
+        <p:txBody>
+          <a:bodyPr rtlCol="0" anchor="ctr"/>
+          <a:lstStyle/>
+          <a:p>
+            <a:pPr algn="ctr"/>
+            <a:endParaRPr lang="en-GB"/>
+          </a:p>
+        </p:txBody>
+      </p:sp>
     </p:spTree>
     <p:extLst>
       <p:ext uri="{BB962C8B-B14F-4D97-AF65-F5344CB8AC3E}">
-        <p14:creationId xmlns:p14="http://schemas.microsoft.com/office/powerpoint/2010/main" val="1789943381"/>
+        <p14:creationId xmlns:p14="http://schemas.microsoft.com/office/powerpoint/2010/main" val="24854495"/>
       </p:ext>
     </p:extLst>
   </p:cSld>
@@ -5559,53 +6479,128 @@
         </p:nvSpPr>
         <p:spPr/>
         <p:txBody>
+          <a:bodyPr/>
+          <a:lstStyle/>
+          <a:p>
+            <a:r>
+              <a:rPr lang="en-GB" dirty="0" smtClean="0"/>
+              <a:t>Outline</a:t>
+            </a:r>
+            <a:endParaRPr lang="en-GB" dirty="0"/>
+          </a:p>
+        </p:txBody>
+      </p:sp>
+      <p:sp>
+        <p:nvSpPr>
+          <p:cNvPr id="3" name="Espace réservé du contenu 2"/>
+          <p:cNvSpPr>
+            <a:spLocks noGrp="1"/>
+          </p:cNvSpPr>
+          <p:nvPr>
+            <p:ph idx="1"/>
+          </p:nvPr>
+        </p:nvSpPr>
+        <p:spPr/>
+        <p:txBody>
           <a:bodyPr>
-            <a:normAutofit fontScale="90000"/>
+            <a:normAutofit lnSpcReduction="10000"/>
           </a:bodyPr>
           <a:lstStyle/>
           <a:p>
-            <a:r>
-              <a:rPr lang="en-GB" dirty="0" smtClean="0"/>
-              <a:t>Multi scale </a:t>
-            </a:r>
-            <a:r>
-              <a:rPr lang="en-GB" b="1" dirty="0" smtClean="0">
-                <a:solidFill>
-                  <a:schemeClr val="accent2"/>
-                </a:solidFill>
-              </a:rPr>
-              <a:t>preconditioner</a:t>
-            </a:r>
-            <a:r>
-              <a:rPr lang="en-GB" dirty="0" smtClean="0"/>
-              <a:t> to solve elliptic problems with high order methods with p4est</a:t>
-            </a:r>
-            <a:endParaRPr lang="en-GB" dirty="0"/>
-          </a:p>
-        </p:txBody>
-      </p:sp>
-      <p:sp>
-        <p:nvSpPr>
-          <p:cNvPr id="3" name="Espace réservé du contenu 2"/>
-          <p:cNvSpPr>
-            <a:spLocks noGrp="1"/>
-          </p:cNvSpPr>
-          <p:nvPr>
-            <p:ph idx="1"/>
-          </p:nvPr>
-        </p:nvSpPr>
-        <p:spPr/>
-        <p:txBody>
-          <a:bodyPr/>
-          <a:lstStyle/>
-          <a:p>
-            <a:endParaRPr lang="en-GB" dirty="0"/>
-          </a:p>
-        </p:txBody>
-      </p:sp>
-      <p:sp>
-        <p:nvSpPr>
-          <p:cNvPr id="5" name="Espace réservé du numéro de diapositive 4"/>
+            <a:pPr marL="457200" indent="-457200">
+              <a:buFont typeface="+mj-lt"/>
+              <a:buAutoNum type="arabicPeriod"/>
+            </a:pPr>
+            <a:r>
+              <a:rPr lang="en-GB" sz="2800" dirty="0" smtClean="0"/>
+              <a:t>Objectives</a:t>
+            </a:r>
+          </a:p>
+          <a:p>
+            <a:pPr marL="457200" indent="-457200">
+              <a:buFont typeface="+mj-lt"/>
+              <a:buAutoNum type="arabicPeriod"/>
+            </a:pPr>
+            <a:r>
+              <a:rPr lang="en-GB" sz="2800" dirty="0" smtClean="0"/>
+              <a:t>State of the art </a:t>
+            </a:r>
+          </a:p>
+          <a:p>
+            <a:pPr marL="457200" indent="-457200">
+              <a:buFont typeface="+mj-lt"/>
+              <a:buAutoNum type="arabicPeriod"/>
+            </a:pPr>
+            <a:r>
+              <a:rPr lang="en-GB" sz="2800" dirty="0" smtClean="0"/>
+              <a:t>The algorithm</a:t>
+            </a:r>
+          </a:p>
+          <a:p>
+            <a:pPr marL="749808" lvl="1" indent="-457200">
+              <a:buFont typeface="+mj-lt"/>
+              <a:buAutoNum type="alphaLcParenR"/>
+            </a:pPr>
+            <a:r>
+              <a:rPr lang="en-GB" sz="2400" dirty="0" smtClean="0"/>
+              <a:t>Non conforming meshes with p4est</a:t>
+            </a:r>
+          </a:p>
+          <a:p>
+            <a:pPr marL="749808" lvl="1" indent="-457200">
+              <a:buFont typeface="+mj-lt"/>
+              <a:buAutoNum type="alphaLcParenR"/>
+            </a:pPr>
+            <a:r>
+              <a:rPr lang="en-GB" sz="2400" dirty="0" smtClean="0"/>
+              <a:t>The spectral element method</a:t>
+            </a:r>
+          </a:p>
+          <a:p>
+            <a:pPr marL="749808" lvl="1" indent="-457200">
+              <a:buFont typeface="+mj-lt"/>
+              <a:buAutoNum type="alphaLcParenR"/>
+            </a:pPr>
+            <a:r>
+              <a:rPr lang="en-GB" sz="2400" dirty="0" smtClean="0"/>
+              <a:t>The preconditioned conjugate gradients</a:t>
+            </a:r>
+          </a:p>
+          <a:p>
+            <a:pPr marL="749808" lvl="1" indent="-457200">
+              <a:buFont typeface="+mj-lt"/>
+              <a:buAutoNum type="alphaLcParenR"/>
+            </a:pPr>
+            <a:r>
+              <a:rPr lang="en-GB" sz="2400" dirty="0" smtClean="0"/>
+              <a:t>Multi scale</a:t>
+            </a:r>
+          </a:p>
+          <a:p>
+            <a:pPr marL="457200" indent="-457200">
+              <a:buFont typeface="+mj-lt"/>
+              <a:buAutoNum type="arabicPeriod"/>
+            </a:pPr>
+            <a:r>
+              <a:rPr lang="en-GB" sz="2800" dirty="0" smtClean="0"/>
+              <a:t>Performances of the algorithm</a:t>
+            </a:r>
+          </a:p>
+          <a:p>
+            <a:pPr marL="457200" indent="-457200">
+              <a:buFont typeface="+mj-lt"/>
+              <a:buAutoNum type="arabicPeriod"/>
+            </a:pPr>
+            <a:r>
+              <a:rPr lang="en-GB" sz="2800" dirty="0" smtClean="0"/>
+              <a:t>Conclusion</a:t>
+            </a:r>
+          </a:p>
+        </p:txBody>
+      </p:sp>
+      <p:sp>
+        <p:nvSpPr>
+          <p:cNvPr id="4" name="Espace réservé du numéro de diapositive 3"/>
           <p:cNvSpPr>
             <a:spLocks noGrp="1"/>
           </p:cNvSpPr>
@@ -5629,7 +6624,7 @@
     </p:spTree>
     <p:extLst>
       <p:ext uri="{BB962C8B-B14F-4D97-AF65-F5344CB8AC3E}">
-        <p14:creationId xmlns:p14="http://schemas.microsoft.com/office/powerpoint/2010/main" val="511617998"/>
+        <p14:creationId xmlns:p14="http://schemas.microsoft.com/office/powerpoint/2010/main" val="1555206293"/>
       </p:ext>
     </p:extLst>
   </p:cSld>
@@ -5675,49 +6670,84 @@
         </p:nvSpPr>
         <p:spPr/>
         <p:txBody>
+          <a:bodyPr/>
+          <a:lstStyle/>
+          <a:p>
+            <a:r>
+              <a:rPr lang="en-GB" dirty="0" smtClean="0"/>
+              <a:t>Objectives</a:t>
+            </a:r>
+            <a:endParaRPr lang="en-GB" dirty="0"/>
+          </a:p>
+        </p:txBody>
+      </p:sp>
+      <p:sp>
+        <p:nvSpPr>
+          <p:cNvPr id="3" name="Espace réservé du contenu 2"/>
+          <p:cNvSpPr>
+            <a:spLocks noGrp="1"/>
+          </p:cNvSpPr>
+          <p:nvPr>
+            <p:ph idx="1"/>
+          </p:nvPr>
+        </p:nvSpPr>
+        <p:spPr/>
+        <p:txBody>
           <a:bodyPr>
-            <a:normAutofit fontScale="90000"/>
+            <a:normAutofit/>
           </a:bodyPr>
           <a:lstStyle/>
           <a:p>
-            <a:r>
-              <a:rPr lang="en-GB" b="1" dirty="0" smtClean="0">
-                <a:solidFill>
-                  <a:schemeClr val="accent2"/>
-                </a:solidFill>
-              </a:rPr>
-              <a:t>Multi scale </a:t>
-            </a:r>
-            <a:r>
-              <a:rPr lang="en-GB" dirty="0" smtClean="0"/>
-              <a:t>preconditioner to solve elliptic problems with high order methods with p4est</a:t>
-            </a:r>
-            <a:endParaRPr lang="en-GB" dirty="0"/>
-          </a:p>
-        </p:txBody>
-      </p:sp>
-      <p:sp>
-        <p:nvSpPr>
-          <p:cNvPr id="3" name="Espace réservé du contenu 2"/>
-          <p:cNvSpPr>
-            <a:spLocks noGrp="1"/>
-          </p:cNvSpPr>
-          <p:nvPr>
-            <p:ph idx="1"/>
-          </p:nvPr>
-        </p:nvSpPr>
-        <p:spPr/>
-        <p:txBody>
-          <a:bodyPr/>
-          <a:lstStyle/>
-          <a:p>
-            <a:endParaRPr lang="en-GB" dirty="0"/>
-          </a:p>
-        </p:txBody>
-      </p:sp>
-      <p:sp>
-        <p:nvSpPr>
-          <p:cNvPr id="5" name="Espace réservé du numéro de diapositive 4"/>
+            <a:pPr>
+              <a:buFont typeface="Arial" charset="0"/>
+              <a:buChar char="•"/>
+            </a:pPr>
+            <a:endParaRPr lang="en-GB" sz="2800" dirty="0" smtClean="0"/>
+          </a:p>
+          <a:p>
+            <a:pPr>
+              <a:buFont typeface="Arial" charset="0"/>
+              <a:buChar char="•"/>
+            </a:pPr>
+            <a:r>
+              <a:rPr lang="en-GB" sz="2800" dirty="0" smtClean="0"/>
+              <a:t> Investigate the properties of a chosen algorithm to solve Poisson’s equation and their theoretical basis</a:t>
+            </a:r>
+          </a:p>
+          <a:p>
+            <a:pPr>
+              <a:buFont typeface="Arial" charset="0"/>
+              <a:buChar char="•"/>
+            </a:pPr>
+            <a:r>
+              <a:rPr lang="en-GB" sz="2800" dirty="0"/>
+              <a:t> </a:t>
+            </a:r>
+            <a:r>
+              <a:rPr lang="en-GB" sz="2800" dirty="0" smtClean="0"/>
+              <a:t>Implement, from scratch, the algorithm in C</a:t>
+            </a:r>
+          </a:p>
+          <a:p>
+            <a:pPr>
+              <a:buFont typeface="Arial" charset="0"/>
+              <a:buChar char="•"/>
+            </a:pPr>
+            <a:r>
+              <a:rPr lang="en-GB" sz="2800" dirty="0"/>
+              <a:t> </a:t>
+            </a:r>
+            <a:r>
+              <a:rPr lang="en-GB" sz="2800" dirty="0" smtClean="0"/>
+              <a:t>Discuss the performances of the Poisson solver and compare them with the theoretical results</a:t>
+            </a:r>
+            <a:endParaRPr lang="en-GB" sz="2800" dirty="0"/>
+          </a:p>
+        </p:txBody>
+      </p:sp>
+      <p:sp>
+        <p:nvSpPr>
+          <p:cNvPr id="4" name="Espace réservé du numéro de diapositive 3"/>
           <p:cNvSpPr>
             <a:spLocks noGrp="1"/>
           </p:cNvSpPr>
@@ -5741,7 +6771,7 @@
     </p:spTree>
     <p:extLst>
       <p:ext uri="{BB962C8B-B14F-4D97-AF65-F5344CB8AC3E}">
-        <p14:creationId xmlns:p14="http://schemas.microsoft.com/office/powerpoint/2010/main" val="1784891449"/>
+        <p14:creationId xmlns:p14="http://schemas.microsoft.com/office/powerpoint/2010/main" val="2092144549"/>
       </p:ext>
     </p:extLst>
   </p:cSld>
@@ -5777,7 +6807,7 @@
       </p:grpSpPr>
       <p:sp>
         <p:nvSpPr>
-          <p:cNvPr id="2" name="Titre 1"/>
+          <p:cNvPr id="8" name="Titre 7"/>
           <p:cNvSpPr>
             <a:spLocks noGrp="1"/>
           </p:cNvSpPr>
@@ -5787,18 +6817,12 @@
         </p:nvSpPr>
         <p:spPr/>
         <p:txBody>
-          <a:bodyPr>
-            <a:normAutofit fontScale="90000"/>
-          </a:bodyPr>
+          <a:bodyPr/>
           <a:lstStyle/>
           <a:p>
             <a:r>
               <a:rPr lang="en-GB" dirty="0" smtClean="0"/>
-              <a:t>Multi scale preconditioner to solve elliptic problems with high </a:t>
-            </a:r>
-            <a:r>
-              <a:rPr lang="en-GB" smtClean="0"/>
-              <a:t>order methods with p4est</a:t>
+              <a:t>State of the art</a:t>
             </a:r>
             <a:endParaRPr lang="en-GB" dirty="0"/>
           </a:p>
@@ -5806,26 +6830,95 @@
       </p:sp>
       <p:sp>
         <p:nvSpPr>
-          <p:cNvPr id="3" name="Espace réservé du contenu 2"/>
-          <p:cNvSpPr>
-            <a:spLocks noGrp="1"/>
-          </p:cNvSpPr>
-          <p:nvPr>
-            <p:ph idx="1"/>
-          </p:nvPr>
-        </p:nvSpPr>
-        <p:spPr/>
-        <p:txBody>
-          <a:bodyPr/>
-          <a:lstStyle/>
-          <a:p>
+          <p:cNvPr id="9" name="Espace réservé du contenu 8"/>
+          <p:cNvSpPr>
+            <a:spLocks noGrp="1"/>
+          </p:cNvSpPr>
+          <p:nvPr>
+            <p:ph sz="half" idx="1"/>
+          </p:nvPr>
+        </p:nvSpPr>
+        <p:spPr/>
+        <p:txBody>
+          <a:bodyPr anchor="ctr"/>
+          <a:lstStyle/>
+          <a:p>
+            <a:pPr>
+              <a:buFont typeface="Arial" charset="0"/>
+              <a:buChar char="•"/>
+            </a:pPr>
+            <a:r>
+              <a:rPr lang="en-GB" dirty="0" smtClean="0"/>
+              <a:t> Based on the FFT</a:t>
+            </a:r>
+          </a:p>
+          <a:p>
+            <a:pPr>
+              <a:buFont typeface="Arial" charset="0"/>
+              <a:buChar char="•"/>
+            </a:pPr>
+            <a:r>
+              <a:rPr lang="en-GB" dirty="0"/>
+              <a:t> </a:t>
+            </a:r>
+            <a:r>
+              <a:rPr lang="en-GB" dirty="0" smtClean="0"/>
+              <a:t>Domain Decomposition methods</a:t>
+            </a:r>
+          </a:p>
+          <a:p>
+            <a:pPr>
+              <a:buFont typeface="Arial" charset="0"/>
+              <a:buChar char="•"/>
+            </a:pPr>
+            <a:r>
+              <a:rPr lang="en-GB" dirty="0"/>
+              <a:t> </a:t>
+            </a:r>
+            <a:r>
+              <a:rPr lang="en-GB" dirty="0" smtClean="0"/>
+              <a:t>Multigrid methods (geometric – algebraic)</a:t>
+            </a:r>
+          </a:p>
+          <a:p>
+            <a:pPr>
+              <a:buFont typeface="Arial" charset="0"/>
+              <a:buChar char="•"/>
+            </a:pPr>
+            <a:r>
+              <a:rPr lang="en-GB" dirty="0"/>
+              <a:t> </a:t>
+            </a:r>
+            <a:r>
+              <a:rPr lang="en-GB" dirty="0" smtClean="0"/>
+              <a:t>Fast Multipole method</a:t>
+            </a:r>
             <a:endParaRPr lang="en-GB" dirty="0"/>
           </a:p>
         </p:txBody>
       </p:sp>
       <p:sp>
         <p:nvSpPr>
-          <p:cNvPr id="5" name="Espace réservé du numéro de diapositive 4"/>
+          <p:cNvPr id="10" name="Espace réservé du contenu 9"/>
+          <p:cNvSpPr>
+            <a:spLocks noGrp="1"/>
+          </p:cNvSpPr>
+          <p:nvPr>
+            <p:ph sz="half" idx="2"/>
+          </p:nvPr>
+        </p:nvSpPr>
+        <p:spPr/>
+        <p:txBody>
+          <a:bodyPr anchor="ctr"/>
+          <a:lstStyle/>
+          <a:p>
+            <a:endParaRPr lang="en-GB" dirty="0"/>
+          </a:p>
+        </p:txBody>
+      </p:sp>
+      <p:sp>
+        <p:nvSpPr>
+          <p:cNvPr id="7" name="Espace réservé du numéro de diapositive 6"/>
           <p:cNvSpPr>
             <a:spLocks noGrp="1"/>
           </p:cNvSpPr>
@@ -5849,7 +6942,7 @@
     </p:spTree>
     <p:extLst>
       <p:ext uri="{BB962C8B-B14F-4D97-AF65-F5344CB8AC3E}">
-        <p14:creationId xmlns:p14="http://schemas.microsoft.com/office/powerpoint/2010/main" val="595091370"/>
+        <p14:creationId xmlns:p14="http://schemas.microsoft.com/office/powerpoint/2010/main" val="1766141492"/>
       </p:ext>
     </p:extLst>
   </p:cSld>
@@ -5902,35 +6995,53 @@
           <a:p>
             <a:r>
               <a:rPr lang="en-GB" dirty="0" smtClean="0"/>
-              <a:t>Multi scale preconditioner to solve elliptic problems with high </a:t>
-            </a:r>
-            <a:r>
-              <a:rPr lang="en-GB" smtClean="0"/>
-              <a:t>order methods with p4est</a:t>
-            </a:r>
-            <a:endParaRPr lang="en-GB" dirty="0"/>
-          </a:p>
-        </p:txBody>
-      </p:sp>
-      <p:sp>
-        <p:nvSpPr>
-          <p:cNvPr id="3" name="Espace réservé du contenu 2"/>
-          <p:cNvSpPr>
-            <a:spLocks noGrp="1"/>
-          </p:cNvSpPr>
+              <a:t>Multi scale preconditioner to solve elliptic problems with high order methods with </a:t>
+            </a:r>
+            <a:r>
+              <a:rPr lang="en-GB" b="1" dirty="0" smtClean="0">
+                <a:solidFill>
+                  <a:schemeClr val="accent2"/>
+                </a:solidFill>
+              </a:rPr>
+              <a:t>p4est</a:t>
+            </a:r>
+            <a:endParaRPr lang="en-GB" b="1" dirty="0">
+              <a:solidFill>
+                <a:schemeClr val="accent2"/>
+              </a:solidFill>
+            </a:endParaRPr>
+          </a:p>
+        </p:txBody>
+      </p:sp>
+      <p:pic>
+        <p:nvPicPr>
+          <p:cNvPr id="4" name="Espace réservé du contenu 3"/>
+          <p:cNvPicPr>
+            <a:picLocks noGrp="1" noChangeAspect="1"/>
+          </p:cNvPicPr>
           <p:nvPr>
             <p:ph idx="1"/>
           </p:nvPr>
-        </p:nvSpPr>
-        <p:spPr/>
-        <p:txBody>
-          <a:bodyPr/>
-          <a:lstStyle/>
-          <a:p>
-            <a:endParaRPr lang="en-GB" dirty="0"/>
-          </a:p>
-        </p:txBody>
-      </p:sp>
+        </p:nvPicPr>
+        <p:blipFill>
+          <a:blip r:embed="rId3">
+            <a:extLst>
+              <a:ext uri="{28A0092B-C50C-407E-A947-70E740481C1C}">
+                <a14:useLocalDpi xmlns:a14="http://schemas.microsoft.com/office/drawing/2010/main" val="0"/>
+              </a:ext>
+            </a:extLst>
+          </a:blip>
+          <a:stretch>
+            <a:fillRect/>
+          </a:stretch>
+        </p:blipFill>
+        <p:spPr>
+          <a:xfrm>
+            <a:off x="1233488" y="2305050"/>
+            <a:ext cx="9785962" cy="3024188"/>
+          </a:xfrm>
+        </p:spPr>
+      </p:pic>
       <p:sp>
         <p:nvSpPr>
           <p:cNvPr id="5" name="Espace réservé du numéro de diapositive 4"/>
@@ -5957,7 +7068,7 @@
     </p:spTree>
     <p:extLst>
       <p:ext uri="{BB962C8B-B14F-4D97-AF65-F5344CB8AC3E}">
-        <p14:creationId xmlns:p14="http://schemas.microsoft.com/office/powerpoint/2010/main" val="1187314836"/>
+        <p14:creationId xmlns:p14="http://schemas.microsoft.com/office/powerpoint/2010/main" val="1622786320"/>
       </p:ext>
     </p:extLst>
   </p:cSld>
@@ -6010,11 +7121,19 @@
           <a:p>
             <a:r>
               <a:rPr lang="en-GB" dirty="0" smtClean="0"/>
-              <a:t>Multi scale preconditioner to solve elliptic problems with high </a:t>
-            </a:r>
-            <a:r>
-              <a:rPr lang="en-GB" smtClean="0"/>
-              <a:t>order methods with p4est</a:t>
+              <a:t>Multi scale preconditioner to solve elliptic problems with </a:t>
+            </a:r>
+            <a:r>
+              <a:rPr lang="en-GB" b="1" dirty="0" smtClean="0">
+                <a:solidFill>
+                  <a:schemeClr val="accent2"/>
+                </a:solidFill>
+              </a:rPr>
+              <a:t>high order methods </a:t>
+            </a:r>
+            <a:r>
+              <a:rPr lang="en-GB" dirty="0" smtClean="0"/>
+              <a:t>with p4est</a:t>
             </a:r>
             <a:endParaRPr lang="en-GB" dirty="0"/>
           </a:p>
@@ -6065,7 +7184,7 @@
     </p:spTree>
     <p:extLst>
       <p:ext uri="{BB962C8B-B14F-4D97-AF65-F5344CB8AC3E}">
-        <p14:creationId xmlns:p14="http://schemas.microsoft.com/office/powerpoint/2010/main" val="766664915"/>
+        <p14:creationId xmlns:p14="http://schemas.microsoft.com/office/powerpoint/2010/main" val="1789943381"/>
       </p:ext>
     </p:extLst>
   </p:cSld>

--- a/thesis.pptx
+++ b/thesis.pptx
@@ -5,10 +5,10 @@
     <p:sldMasterId id="2147483780" r:id="rId1"/>
   </p:sldMasterIdLst>
   <p:notesMasterIdLst>
-    <p:notesMasterId r:id="rId16"/>
+    <p:notesMasterId r:id="rId21"/>
   </p:notesMasterIdLst>
   <p:handoutMasterIdLst>
-    <p:handoutMasterId r:id="rId17"/>
+    <p:handoutMasterId r:id="rId22"/>
   </p:handoutMasterIdLst>
   <p:sldIdLst>
     <p:sldId id="256" r:id="rId2"/>
@@ -18,13 +18,18 @@
     <p:sldId id="268" r:id="rId6"/>
     <p:sldId id="267" r:id="rId7"/>
     <p:sldId id="269" r:id="rId8"/>
-    <p:sldId id="257" r:id="rId9"/>
-    <p:sldId id="259" r:id="rId10"/>
-    <p:sldId id="260" r:id="rId11"/>
-    <p:sldId id="261" r:id="rId12"/>
-    <p:sldId id="262" r:id="rId13"/>
-    <p:sldId id="263" r:id="rId14"/>
-    <p:sldId id="264" r:id="rId15"/>
+    <p:sldId id="271" r:id="rId9"/>
+    <p:sldId id="270" r:id="rId10"/>
+    <p:sldId id="272" r:id="rId11"/>
+    <p:sldId id="259" r:id="rId12"/>
+    <p:sldId id="273" r:id="rId13"/>
+    <p:sldId id="274" r:id="rId14"/>
+    <p:sldId id="275" r:id="rId15"/>
+    <p:sldId id="260" r:id="rId16"/>
+    <p:sldId id="261" r:id="rId17"/>
+    <p:sldId id="262" r:id="rId18"/>
+    <p:sldId id="263" r:id="rId19"/>
+    <p:sldId id="264" r:id="rId20"/>
   </p:sldIdLst>
   <p:sldSz cx="12192000" cy="6858000"/>
   <p:notesSz cx="6858000" cy="9144000"/>
@@ -220,7 +225,7 @@
           <a:p>
             <a:fld id="{5A26D769-2D5F-BF4D-A80F-4E1F4B9F3442}" type="datetimeFigureOut">
               <a:rPr lang="en-GB" smtClean="0"/>
-              <a:t>30/08/2017</a:t>
+              <a:t>31/08/2017</a:t>
             </a:fld>
             <a:endParaRPr lang="en-GB"/>
           </a:p>
@@ -390,7 +395,7 @@
           <a:p>
             <a:fld id="{F1951E44-92C1-9846-9EF4-1D5B4F67798B}" type="datetimeFigureOut">
               <a:rPr lang="en-GB" smtClean="0"/>
-              <a:t>30/08/2017</a:t>
+              <a:t>31/08/2017</a:t>
             </a:fld>
             <a:endParaRPr lang="en-GB"/>
           </a:p>
@@ -743,6 +748,174 @@
 </p:notes>
 </file>
 
+<file path=ppt/notesSlides/notesSlide10.xml><?xml version="1.0" encoding="utf-8"?>
+<p:notes xmlns:a="http://schemas.openxmlformats.org/drawingml/2006/main" xmlns:r="http://schemas.openxmlformats.org/officeDocument/2006/relationships" xmlns:p="http://schemas.openxmlformats.org/presentationml/2006/main">
+  <p:cSld>
+    <p:spTree>
+      <p:nvGrpSpPr>
+        <p:cNvPr id="1" name=""/>
+        <p:cNvGrpSpPr/>
+        <p:nvPr/>
+      </p:nvGrpSpPr>
+      <p:grpSpPr>
+        <a:xfrm>
+          <a:off x="0" y="0"/>
+          <a:ext cx="0" cy="0"/>
+          <a:chOff x="0" y="0"/>
+          <a:chExt cx="0" cy="0"/>
+        </a:xfrm>
+      </p:grpSpPr>
+      <p:sp>
+        <p:nvSpPr>
+          <p:cNvPr id="2" name="Espace réservé de l’image des diapositives 1"/>
+          <p:cNvSpPr>
+            <a:spLocks noGrp="1" noRot="1" noChangeAspect="1"/>
+          </p:cNvSpPr>
+          <p:nvPr>
+            <p:ph type="sldImg"/>
+          </p:nvPr>
+        </p:nvSpPr>
+        <p:spPr/>
+      </p:sp>
+      <p:sp>
+        <p:nvSpPr>
+          <p:cNvPr id="3" name="Espace réservé des commentaires 2"/>
+          <p:cNvSpPr>
+            <a:spLocks noGrp="1"/>
+          </p:cNvSpPr>
+          <p:nvPr>
+            <p:ph type="body" idx="1"/>
+          </p:nvPr>
+        </p:nvSpPr>
+        <p:spPr/>
+        <p:txBody>
+          <a:bodyPr/>
+          <a:lstStyle/>
+          <a:p>
+            <a:endParaRPr lang="en-GB"/>
+          </a:p>
+        </p:txBody>
+      </p:sp>
+      <p:sp>
+        <p:nvSpPr>
+          <p:cNvPr id="4" name="Espace réservé du numéro de diapositive 3"/>
+          <p:cNvSpPr>
+            <a:spLocks noGrp="1"/>
+          </p:cNvSpPr>
+          <p:nvPr>
+            <p:ph type="sldNum" sz="quarter" idx="10"/>
+          </p:nvPr>
+        </p:nvSpPr>
+        <p:spPr/>
+        <p:txBody>
+          <a:bodyPr/>
+          <a:lstStyle/>
+          <a:p>
+            <a:fld id="{D1D94985-559E-6C43-85DE-38F360D9BCEB}" type="slidenum">
+              <a:rPr lang="en-GB" smtClean="0"/>
+              <a:t>17</a:t>
+            </a:fld>
+            <a:endParaRPr lang="en-GB"/>
+          </a:p>
+        </p:txBody>
+      </p:sp>
+    </p:spTree>
+    <p:extLst>
+      <p:ext uri="{BB962C8B-B14F-4D97-AF65-F5344CB8AC3E}">
+        <p14:creationId xmlns:p14="http://schemas.microsoft.com/office/powerpoint/2010/main" val="782400728"/>
+      </p:ext>
+    </p:extLst>
+  </p:cSld>
+  <p:clrMapOvr>
+    <a:masterClrMapping/>
+  </p:clrMapOvr>
+</p:notes>
+</file>
+
+<file path=ppt/notesSlides/notesSlide11.xml><?xml version="1.0" encoding="utf-8"?>
+<p:notes xmlns:a="http://schemas.openxmlformats.org/drawingml/2006/main" xmlns:r="http://schemas.openxmlformats.org/officeDocument/2006/relationships" xmlns:p="http://schemas.openxmlformats.org/presentationml/2006/main">
+  <p:cSld>
+    <p:spTree>
+      <p:nvGrpSpPr>
+        <p:cNvPr id="1" name=""/>
+        <p:cNvGrpSpPr/>
+        <p:nvPr/>
+      </p:nvGrpSpPr>
+      <p:grpSpPr>
+        <a:xfrm>
+          <a:off x="0" y="0"/>
+          <a:ext cx="0" cy="0"/>
+          <a:chOff x="0" y="0"/>
+          <a:chExt cx="0" cy="0"/>
+        </a:xfrm>
+      </p:grpSpPr>
+      <p:sp>
+        <p:nvSpPr>
+          <p:cNvPr id="2" name="Espace réservé de l’image des diapositives 1"/>
+          <p:cNvSpPr>
+            <a:spLocks noGrp="1" noRot="1" noChangeAspect="1"/>
+          </p:cNvSpPr>
+          <p:nvPr>
+            <p:ph type="sldImg"/>
+          </p:nvPr>
+        </p:nvSpPr>
+        <p:spPr/>
+      </p:sp>
+      <p:sp>
+        <p:nvSpPr>
+          <p:cNvPr id="3" name="Espace réservé des commentaires 2"/>
+          <p:cNvSpPr>
+            <a:spLocks noGrp="1"/>
+          </p:cNvSpPr>
+          <p:nvPr>
+            <p:ph type="body" idx="1"/>
+          </p:nvPr>
+        </p:nvSpPr>
+        <p:spPr/>
+        <p:txBody>
+          <a:bodyPr/>
+          <a:lstStyle/>
+          <a:p>
+            <a:endParaRPr lang="en-GB"/>
+          </a:p>
+        </p:txBody>
+      </p:sp>
+      <p:sp>
+        <p:nvSpPr>
+          <p:cNvPr id="4" name="Espace réservé du numéro de diapositive 3"/>
+          <p:cNvSpPr>
+            <a:spLocks noGrp="1"/>
+          </p:cNvSpPr>
+          <p:nvPr>
+            <p:ph type="sldNum" sz="quarter" idx="10"/>
+          </p:nvPr>
+        </p:nvSpPr>
+        <p:spPr/>
+        <p:txBody>
+          <a:bodyPr/>
+          <a:lstStyle/>
+          <a:p>
+            <a:fld id="{D1D94985-559E-6C43-85DE-38F360D9BCEB}" type="slidenum">
+              <a:rPr lang="en-GB" smtClean="0"/>
+              <a:t>18</a:t>
+            </a:fld>
+            <a:endParaRPr lang="en-GB"/>
+          </a:p>
+        </p:txBody>
+      </p:sp>
+    </p:spTree>
+    <p:extLst>
+      <p:ext uri="{BB962C8B-B14F-4D97-AF65-F5344CB8AC3E}">
+        <p14:creationId xmlns:p14="http://schemas.microsoft.com/office/powerpoint/2010/main" val="435344405"/>
+      </p:ext>
+    </p:extLst>
+  </p:cSld>
+  <p:clrMapOvr>
+    <a:masterClrMapping/>
+  </p:clrMapOvr>
+</p:notes>
+</file>
+
 <file path=ppt/notesSlides/notesSlide2.xml><?xml version="1.0" encoding="utf-8"?>
 <p:notes xmlns:a="http://schemas.openxmlformats.org/drawingml/2006/main" xmlns:r="http://schemas.openxmlformats.org/officeDocument/2006/relationships" xmlns:p="http://schemas.openxmlformats.org/presentationml/2006/main">
   <p:cSld>
@@ -892,7 +1065,7 @@
           <a:p>
             <a:fld id="{D1D94985-559E-6C43-85DE-38F360D9BCEB}" type="slidenum">
               <a:rPr lang="en-GB" smtClean="0"/>
-              <a:t>7</a:t>
+              <a:t>8</a:t>
             </a:fld>
             <a:endParaRPr lang="en-GB"/>
           </a:p>
@@ -901,7 +1074,7 @@
     </p:spTree>
     <p:extLst>
       <p:ext uri="{BB962C8B-B14F-4D97-AF65-F5344CB8AC3E}">
-        <p14:creationId xmlns:p14="http://schemas.microsoft.com/office/powerpoint/2010/main" val="1349580349"/>
+        <p14:creationId xmlns:p14="http://schemas.microsoft.com/office/powerpoint/2010/main" val="1234363973"/>
       </p:ext>
     </p:extLst>
   </p:cSld>
@@ -976,7 +1149,7 @@
           <a:p>
             <a:fld id="{D1D94985-559E-6C43-85DE-38F360D9BCEB}" type="slidenum">
               <a:rPr lang="en-GB" smtClean="0"/>
-              <a:t>8</a:t>
+              <a:t>10</a:t>
             </a:fld>
             <a:endParaRPr lang="en-GB"/>
           </a:p>
@@ -1060,7 +1233,7 @@
           <a:p>
             <a:fld id="{D1D94985-559E-6C43-85DE-38F360D9BCEB}" type="slidenum">
               <a:rPr lang="en-GB" smtClean="0"/>
-              <a:t>9</a:t>
+              <a:t>12</a:t>
             </a:fld>
             <a:endParaRPr lang="en-GB"/>
           </a:p>
@@ -1069,7 +1242,7 @@
     </p:spTree>
     <p:extLst>
       <p:ext uri="{BB962C8B-B14F-4D97-AF65-F5344CB8AC3E}">
-        <p14:creationId xmlns:p14="http://schemas.microsoft.com/office/powerpoint/2010/main" val="239169798"/>
+        <p14:creationId xmlns:p14="http://schemas.microsoft.com/office/powerpoint/2010/main" val="1918000931"/>
       </p:ext>
     </p:extLst>
   </p:cSld>
@@ -1144,7 +1317,7 @@
           <a:p>
             <a:fld id="{D1D94985-559E-6C43-85DE-38F360D9BCEB}" type="slidenum">
               <a:rPr lang="en-GB" smtClean="0"/>
-              <a:t>10</a:t>
+              <a:t>13</a:t>
             </a:fld>
             <a:endParaRPr lang="en-GB"/>
           </a:p>
@@ -1153,7 +1326,7 @@
     </p:spTree>
     <p:extLst>
       <p:ext uri="{BB962C8B-B14F-4D97-AF65-F5344CB8AC3E}">
-        <p14:creationId xmlns:p14="http://schemas.microsoft.com/office/powerpoint/2010/main" val="471518400"/>
+        <p14:creationId xmlns:p14="http://schemas.microsoft.com/office/powerpoint/2010/main" val="1220357264"/>
       </p:ext>
     </p:extLst>
   </p:cSld>
@@ -1228,7 +1401,7 @@
           <a:p>
             <a:fld id="{D1D94985-559E-6C43-85DE-38F360D9BCEB}" type="slidenum">
               <a:rPr lang="en-GB" smtClean="0"/>
-              <a:t>11</a:t>
+              <a:t>14</a:t>
             </a:fld>
             <a:endParaRPr lang="en-GB"/>
           </a:p>
@@ -1237,7 +1410,7 @@
     </p:spTree>
     <p:extLst>
       <p:ext uri="{BB962C8B-B14F-4D97-AF65-F5344CB8AC3E}">
-        <p14:creationId xmlns:p14="http://schemas.microsoft.com/office/powerpoint/2010/main" val="869311511"/>
+        <p14:creationId xmlns:p14="http://schemas.microsoft.com/office/powerpoint/2010/main" val="239169798"/>
       </p:ext>
     </p:extLst>
   </p:cSld>
@@ -1312,7 +1485,7 @@
           <a:p>
             <a:fld id="{D1D94985-559E-6C43-85DE-38F360D9BCEB}" type="slidenum">
               <a:rPr lang="en-GB" smtClean="0"/>
-              <a:t>12</a:t>
+              <a:t>15</a:t>
             </a:fld>
             <a:endParaRPr lang="en-GB"/>
           </a:p>
@@ -1321,7 +1494,7 @@
     </p:spTree>
     <p:extLst>
       <p:ext uri="{BB962C8B-B14F-4D97-AF65-F5344CB8AC3E}">
-        <p14:creationId xmlns:p14="http://schemas.microsoft.com/office/powerpoint/2010/main" val="782400728"/>
+        <p14:creationId xmlns:p14="http://schemas.microsoft.com/office/powerpoint/2010/main" val="471518400"/>
       </p:ext>
     </p:extLst>
   </p:cSld>
@@ -1396,7 +1569,7 @@
           <a:p>
             <a:fld id="{D1D94985-559E-6C43-85DE-38F360D9BCEB}" type="slidenum">
               <a:rPr lang="en-GB" smtClean="0"/>
-              <a:t>13</a:t>
+              <a:t>16</a:t>
             </a:fld>
             <a:endParaRPr lang="en-GB"/>
           </a:p>
@@ -1405,7 +1578,7 @@
     </p:spTree>
     <p:extLst>
       <p:ext uri="{BB962C8B-B14F-4D97-AF65-F5344CB8AC3E}">
-        <p14:creationId xmlns:p14="http://schemas.microsoft.com/office/powerpoint/2010/main" val="435344405"/>
+        <p14:creationId xmlns:p14="http://schemas.microsoft.com/office/powerpoint/2010/main" val="869311511"/>
       </p:ext>
     </p:extLst>
   </p:cSld>
@@ -1641,7 +1814,7 @@
           <a:p>
             <a:fld id="{A27B244A-FE6D-944E-AC83-8DB6F52B8BD5}" type="datetime1">
               <a:rPr lang="fr-BE" smtClean="0"/>
-              <a:t>30/08/17</a:t>
+              <a:t>31/08/17</a:t>
             </a:fld>
             <a:endParaRPr lang="en-GB"/>
           </a:p>
@@ -1844,7 +2017,7 @@
           <a:p>
             <a:fld id="{07B740B5-01EC-FA48-B596-150C03104001}" type="datetime1">
               <a:rPr lang="fr-BE" smtClean="0"/>
-              <a:t>30/08/17</a:t>
+              <a:t>31/08/17</a:t>
             </a:fld>
             <a:endParaRPr lang="en-GB"/>
           </a:p>
@@ -2095,7 +2268,7 @@
           <a:p>
             <a:fld id="{6135C55C-7FEB-1843-BD0C-118D25394895}" type="datetime1">
               <a:rPr lang="fr-BE" smtClean="0"/>
-              <a:t>30/08/17</a:t>
+              <a:t>31/08/17</a:t>
             </a:fld>
             <a:endParaRPr lang="en-GB"/>
           </a:p>
@@ -2264,7 +2437,7 @@
           <a:p>
             <a:fld id="{4E0634D8-F601-0345-AC5E-19A355F58BD8}" type="datetime1">
               <a:rPr lang="fr-BE" smtClean="0"/>
-              <a:t>30/08/17</a:t>
+              <a:t>31/08/17</a:t>
             </a:fld>
             <a:endParaRPr lang="en-GB"/>
           </a:p>
@@ -2602,7 +2775,7 @@
           <a:p>
             <a:fld id="{B5D3174E-31EF-0E42-9252-EFEBB6D4D4DB}" type="datetime1">
               <a:rPr lang="fr-BE" smtClean="0"/>
-              <a:t>30/08/17</a:t>
+              <a:t>31/08/17</a:t>
             </a:fld>
             <a:endParaRPr lang="en-GB"/>
           </a:p>
@@ -2872,7 +3045,7 @@
           <a:p>
             <a:fld id="{468C30DD-E0EB-C146-94EC-E7EB78972DFE}" type="datetime1">
               <a:rPr lang="fr-BE" smtClean="0"/>
-              <a:t>30/08/17</a:t>
+              <a:t>31/08/17</a:t>
             </a:fld>
             <a:endParaRPr lang="en-GB"/>
           </a:p>
@@ -3246,7 +3419,7 @@
           <a:p>
             <a:fld id="{3318A585-6EB7-8F4C-8153-71E3A7775E17}" type="datetime1">
               <a:rPr lang="fr-BE" smtClean="0"/>
-              <a:t>30/08/17</a:t>
+              <a:t>31/08/17</a:t>
             </a:fld>
             <a:endParaRPr lang="en-GB"/>
           </a:p>
@@ -3359,7 +3532,7 @@
           <a:p>
             <a:fld id="{2B66AD89-165C-A641-A9B1-0EF36C99E99F}" type="datetime1">
               <a:rPr lang="fr-BE" smtClean="0"/>
-              <a:t>30/08/17</a:t>
+              <a:t>31/08/17</a:t>
             </a:fld>
             <a:endParaRPr lang="en-GB"/>
           </a:p>
@@ -3525,7 +3698,7 @@
           <a:p>
             <a:fld id="{D62EFCCB-E28A-B149-A6CE-071A84905B57}" type="datetime1">
               <a:rPr lang="fr-BE" smtClean="0"/>
-              <a:t>30/08/17</a:t>
+              <a:t>31/08/17</a:t>
             </a:fld>
             <a:endParaRPr lang="en-GB"/>
           </a:p>
@@ -3874,7 +4047,7 @@
           <a:p>
             <a:fld id="{2F7EDE04-171C-5341-978C-73DB2A1D43C3}" type="datetime1">
               <a:rPr lang="fr-BE" smtClean="0"/>
-              <a:t>30/08/17</a:t>
+              <a:t>31/08/17</a:t>
             </a:fld>
             <a:endParaRPr lang="en-GB"/>
           </a:p>
@@ -4248,7 +4421,7 @@
           <a:p>
             <a:fld id="{142F3B68-8300-3B41-8651-2FFDB29C720F}" type="datetime1">
               <a:rPr lang="fr-BE" smtClean="0"/>
-              <a:t>30/08/17</a:t>
+              <a:t>31/08/17</a:t>
             </a:fld>
             <a:endParaRPr lang="en-GB"/>
           </a:p>
@@ -4530,7 +4703,7 @@
           <a:p>
             <a:fld id="{CA2B5EEC-5F23-A94A-9560-3B1B5C7AF378}" type="datetime1">
               <a:rPr lang="fr-BE" smtClean="0"/>
-              <a:t>30/08/17</a:t>
+              <a:t>31/08/17</a:t>
             </a:fld>
             <a:endParaRPr lang="en-GB"/>
           </a:p>
@@ -5171,14 +5344,12 @@
               <a:rPr lang="en-GB" dirty="0" smtClean="0"/>
               <a:t> </a:t>
             </a:r>
-            <a:endParaRPr lang="en-GB" dirty="0" smtClean="0"/>
           </a:p>
           <a:p>
             <a:r>
               <a:rPr lang="en-GB" dirty="0" smtClean="0"/>
               <a:t>September 2017</a:t>
             </a:r>
-            <a:endParaRPr lang="en-GB" dirty="0" smtClean="0"/>
           </a:p>
         </p:txBody>
       </p:sp>
@@ -5231,50 +5402,75 @@
         </p:nvSpPr>
         <p:spPr/>
         <p:txBody>
-          <a:bodyPr>
-            <a:normAutofit fontScale="90000"/>
-          </a:bodyPr>
+          <a:bodyPr/>
           <a:lstStyle/>
           <a:p>
             <a:r>
               <a:rPr lang="en-GB" dirty="0" smtClean="0"/>
-              <a:t>Multi scale </a:t>
-            </a:r>
-            <a:r>
-              <a:rPr lang="en-GB" b="1" dirty="0" smtClean="0">
-                <a:solidFill>
-                  <a:schemeClr val="accent2"/>
-                </a:solidFill>
-              </a:rPr>
-              <a:t>preconditioner</a:t>
-            </a:r>
-            <a:r>
-              <a:rPr lang="en-GB" dirty="0" smtClean="0"/>
-              <a:t> to solve elliptic problems with high order methods with p4est</a:t>
+              <a:t>Hanging nodes must be treated carefully</a:t>
             </a:r>
             <a:endParaRPr lang="en-GB" dirty="0"/>
           </a:p>
         </p:txBody>
       </p:sp>
-      <p:sp>
-        <p:nvSpPr>
-          <p:cNvPr id="3" name="Espace réservé du contenu 2"/>
-          <p:cNvSpPr>
-            <a:spLocks noGrp="1"/>
-          </p:cNvSpPr>
-          <p:nvPr>
-            <p:ph idx="1"/>
-          </p:nvPr>
-        </p:nvSpPr>
-        <p:spPr/>
-        <p:txBody>
-          <a:bodyPr/>
-          <a:lstStyle/>
-          <a:p>
-            <a:endParaRPr lang="en-GB" dirty="0"/>
-          </a:p>
-        </p:txBody>
-      </p:sp>
+      <p:pic>
+        <p:nvPicPr>
+          <p:cNvPr id="8" name="Espace réservé du contenu 7"/>
+          <p:cNvPicPr>
+            <a:picLocks noGrp="1" noChangeAspect="1"/>
+          </p:cNvPicPr>
+          <p:nvPr>
+            <p:ph sz="half" idx="1"/>
+          </p:nvPr>
+        </p:nvPicPr>
+        <p:blipFill>
+          <a:blip r:embed="rId2">
+            <a:extLst>
+              <a:ext uri="{28A0092B-C50C-407E-A947-70E740481C1C}">
+                <a14:useLocalDpi xmlns:a14="http://schemas.microsoft.com/office/drawing/2010/main" val="0"/>
+              </a:ext>
+            </a:extLst>
+          </a:blip>
+          <a:stretch>
+            <a:fillRect/>
+          </a:stretch>
+        </p:blipFill>
+        <p:spPr>
+          <a:xfrm>
+            <a:off x="1096963" y="2398461"/>
+            <a:ext cx="4938712" cy="2918329"/>
+          </a:xfrm>
+        </p:spPr>
+      </p:pic>
+      <p:pic>
+        <p:nvPicPr>
+          <p:cNvPr id="7" name="Espace réservé du contenu 6"/>
+          <p:cNvPicPr>
+            <a:picLocks noGrp="1" noChangeAspect="1"/>
+          </p:cNvPicPr>
+          <p:nvPr>
+            <p:ph sz="half" idx="2"/>
+          </p:nvPr>
+        </p:nvPicPr>
+        <p:blipFill>
+          <a:blip r:embed="rId3">
+            <a:extLst>
+              <a:ext uri="{28A0092B-C50C-407E-A947-70E740481C1C}">
+                <a14:useLocalDpi xmlns:a14="http://schemas.microsoft.com/office/drawing/2010/main" val="0"/>
+              </a:ext>
+            </a:extLst>
+          </a:blip>
+          <a:stretch>
+            <a:fillRect/>
+          </a:stretch>
+        </p:blipFill>
+        <p:spPr>
+          <a:xfrm>
+            <a:off x="6218238" y="2634916"/>
+            <a:ext cx="4937125" cy="2445419"/>
+          </a:xfrm>
+        </p:spPr>
+      </p:pic>
       <p:sp>
         <p:nvSpPr>
           <p:cNvPr id="5" name="Espace réservé du numéro de diapositive 4"/>
@@ -5301,7 +5497,7 @@
     </p:spTree>
     <p:extLst>
       <p:ext uri="{BB962C8B-B14F-4D97-AF65-F5344CB8AC3E}">
-        <p14:creationId xmlns:p14="http://schemas.microsoft.com/office/powerpoint/2010/main" val="511617998"/>
+        <p14:creationId xmlns:p14="http://schemas.microsoft.com/office/powerpoint/2010/main" val="687690461"/>
       </p:ext>
     </p:extLst>
   </p:cSld>
@@ -5353,40 +5549,382 @@
           <a:lstStyle/>
           <a:p>
             <a:r>
+              <a:rPr lang="en-GB" dirty="0" smtClean="0"/>
+              <a:t>Multi scale preconditioner to solve elliptic problems with </a:t>
+            </a:r>
+            <a:r>
               <a:rPr lang="en-GB" b="1" dirty="0" smtClean="0">
                 <a:solidFill>
                   <a:schemeClr val="accent2"/>
                 </a:solidFill>
               </a:rPr>
-              <a:t>Multi scale </a:t>
+              <a:t>high order methods </a:t>
             </a:r>
             <a:r>
               <a:rPr lang="en-GB" dirty="0" smtClean="0"/>
-              <a:t>preconditioner to solve elliptic problems with high order methods with p4est</a:t>
+              <a:t>with p4est</a:t>
             </a:r>
             <a:endParaRPr lang="en-GB" dirty="0"/>
           </a:p>
         </p:txBody>
       </p:sp>
-      <p:sp>
-        <p:nvSpPr>
-          <p:cNvPr id="3" name="Espace réservé du contenu 2"/>
-          <p:cNvSpPr>
-            <a:spLocks noGrp="1"/>
-          </p:cNvSpPr>
-          <p:nvPr>
-            <p:ph idx="1"/>
-          </p:nvPr>
-        </p:nvSpPr>
-        <p:spPr/>
-        <p:txBody>
-          <a:bodyPr/>
-          <a:lstStyle/>
-          <a:p>
-            <a:endParaRPr lang="en-GB" dirty="0"/>
-          </a:p>
-        </p:txBody>
-      </p:sp>
+      <p:pic>
+        <p:nvPicPr>
+          <p:cNvPr id="9" name="Espace réservé du contenu 8"/>
+          <p:cNvPicPr>
+            <a:picLocks noGrp="1" noChangeAspect="1"/>
+          </p:cNvPicPr>
+          <p:nvPr>
+            <p:ph sz="half" idx="1"/>
+          </p:nvPr>
+        </p:nvPicPr>
+        <p:blipFill>
+          <a:blip r:embed="rId3">
+            <a:extLst>
+              <a:ext uri="{28A0092B-C50C-407E-A947-70E740481C1C}">
+                <a14:useLocalDpi xmlns:a14="http://schemas.microsoft.com/office/drawing/2010/main" val="0"/>
+              </a:ext>
+            </a:extLst>
+          </a:blip>
+          <a:stretch>
+            <a:fillRect/>
+          </a:stretch>
+        </p:blipFill>
+        <p:spPr>
+          <a:xfrm>
+            <a:off x="1096963" y="2005608"/>
+            <a:ext cx="4938712" cy="3704034"/>
+          </a:xfrm>
+        </p:spPr>
+      </p:pic>
+      <mc:AlternateContent xmlns:mc="http://schemas.openxmlformats.org/markup-compatibility/2006">
+        <mc:Choice xmlns:a14="http://schemas.microsoft.com/office/drawing/2010/main" Requires="a14">
+          <p:sp>
+            <p:nvSpPr>
+              <p:cNvPr id="8" name="Espace réservé du contenu 7"/>
+              <p:cNvSpPr>
+                <a:spLocks noGrp="1"/>
+              </p:cNvSpPr>
+              <p:nvPr>
+                <p:ph sz="half" idx="2"/>
+              </p:nvPr>
+            </p:nvSpPr>
+            <p:spPr/>
+            <p:txBody>
+              <a:bodyPr/>
+              <a:lstStyle/>
+              <a:p>
+                <a:endParaRPr lang="en-GB" dirty="0" smtClean="0"/>
+              </a:p>
+              <a:p>
+                <a:r>
+                  <a:rPr lang="en-GB" dirty="0" smtClean="0"/>
+                  <a:t>The discretization leads to a linear system </a:t>
+                </a:r>
+              </a:p>
+              <a:p>
+                <a:pPr algn="ctr"/>
+                <a14:m>
+                  <m:oMath xmlns:m="http://schemas.openxmlformats.org/officeDocument/2006/math">
+                    <m:r>
+                      <a:rPr lang="nl-BE" b="0" i="1" smtClean="0">
+                        <a:latin typeface="Cambria Math" charset="0"/>
+                      </a:rPr>
+                      <m:t>𝐴𝑈</m:t>
+                    </m:r>
+                    <m:r>
+                      <a:rPr lang="nl-BE" b="0" i="1" smtClean="0">
+                        <a:latin typeface="Cambria Math" charset="0"/>
+                      </a:rPr>
+                      <m:t>=</m:t>
+                    </m:r>
+                    <m:r>
+                      <a:rPr lang="nl-BE" b="0" i="1" smtClean="0">
+                        <a:latin typeface="Cambria Math" charset="0"/>
+                      </a:rPr>
+                      <m:t>𝑏</m:t>
+                    </m:r>
+                  </m:oMath>
+                </a14:m>
+                <a:endParaRPr lang="en-GB" dirty="0" smtClean="0"/>
+              </a:p>
+              <a:p>
+                <a:r>
+                  <a:rPr lang="en-GB" dirty="0" smtClean="0"/>
+                  <a:t>Where</a:t>
+                </a:r>
+              </a:p>
+              <a:p>
+                <a14:m>
+                  <m:oMath xmlns:m="http://schemas.openxmlformats.org/officeDocument/2006/math">
+                    <m:sSub>
+                      <m:sSubPr>
+                        <m:ctrlPr>
+                          <a:rPr lang="nl-BE" b="0" i="1" smtClean="0">
+                            <a:latin typeface="Cambria Math" charset="0"/>
+                          </a:rPr>
+                        </m:ctrlPr>
+                      </m:sSubPr>
+                      <m:e>
+                        <m:r>
+                          <a:rPr lang="nl-BE" b="0" i="1" smtClean="0">
+                            <a:latin typeface="Cambria Math" charset="0"/>
+                          </a:rPr>
+                          <m:t>𝐴</m:t>
+                        </m:r>
+                      </m:e>
+                      <m:sub>
+                        <m:r>
+                          <a:rPr lang="nl-BE" b="0" i="1" smtClean="0">
+                            <a:latin typeface="Cambria Math" charset="0"/>
+                          </a:rPr>
+                          <m:t>𝑖𝑗</m:t>
+                        </m:r>
+                      </m:sub>
+                    </m:sSub>
+                    <m:r>
+                      <a:rPr lang="nl-BE" b="0" i="1" smtClean="0">
+                        <a:latin typeface="Cambria Math" charset="0"/>
+                      </a:rPr>
+                      <m:t>=</m:t>
+                    </m:r>
+                    <m:nary>
+                      <m:naryPr>
+                        <m:ctrlPr>
+                          <a:rPr lang="nl-BE" b="0" i="1" smtClean="0">
+                            <a:latin typeface="Cambria Math" charset="0"/>
+                          </a:rPr>
+                        </m:ctrlPr>
+                      </m:naryPr>
+                      <m:sub>
+                        <m:r>
+                          <m:rPr>
+                            <m:sty m:val="p"/>
+                          </m:rPr>
+                          <a:rPr lang="nl-BE" b="0" i="0" smtClean="0">
+                            <a:latin typeface="Cambria Math" charset="0"/>
+                          </a:rPr>
+                          <m:t>Ω</m:t>
+                        </m:r>
+                      </m:sub>
+                      <m:sup/>
+                      <m:e>
+                        <m:r>
+                          <a:rPr lang="nl-BE" b="0" i="0" smtClean="0">
+                            <a:latin typeface="Cambria Math" charset="0"/>
+                          </a:rPr>
+                          <m:t>∇</m:t>
+                        </m:r>
+                        <m:sSub>
+                          <m:sSubPr>
+                            <m:ctrlPr>
+                              <a:rPr lang="nl-BE" b="0" i="1" smtClean="0">
+                                <a:latin typeface="Cambria Math" charset="0"/>
+                              </a:rPr>
+                            </m:ctrlPr>
+                          </m:sSubPr>
+                          <m:e>
+                            <m:r>
+                              <a:rPr lang="nl-BE" b="0" i="1" smtClean="0">
+                                <a:latin typeface="Cambria Math" charset="0"/>
+                              </a:rPr>
+                              <m:t>𝜙</m:t>
+                            </m:r>
+                          </m:e>
+                          <m:sub>
+                            <m:r>
+                              <a:rPr lang="nl-BE" b="0" i="1" smtClean="0">
+                                <a:latin typeface="Cambria Math" charset="0"/>
+                              </a:rPr>
+                              <m:t>𝑖</m:t>
+                            </m:r>
+                          </m:sub>
+                        </m:sSub>
+                        <m:r>
+                          <a:rPr lang="nl-BE" b="0" i="1" smtClean="0">
+                            <a:latin typeface="Cambria Math" charset="0"/>
+                          </a:rPr>
+                          <m:t>⋅</m:t>
+                        </m:r>
+                        <m:r>
+                          <a:rPr lang="nl-BE" b="0" i="0" smtClean="0">
+                            <a:latin typeface="Cambria Math" charset="0"/>
+                          </a:rPr>
+                          <m:t>∇</m:t>
+                        </m:r>
+                        <m:sSub>
+                          <m:sSubPr>
+                            <m:ctrlPr>
+                              <a:rPr lang="nl-BE" b="0" i="1" smtClean="0">
+                                <a:latin typeface="Cambria Math" charset="0"/>
+                              </a:rPr>
+                            </m:ctrlPr>
+                          </m:sSubPr>
+                          <m:e>
+                            <m:r>
+                              <a:rPr lang="nl-BE" b="0" i="1" smtClean="0">
+                                <a:latin typeface="Cambria Math" charset="0"/>
+                              </a:rPr>
+                              <m:t>𝜙</m:t>
+                            </m:r>
+                          </m:e>
+                          <m:sub>
+                            <m:r>
+                              <a:rPr lang="nl-BE" b="0" i="1" smtClean="0">
+                                <a:latin typeface="Cambria Math" charset="0"/>
+                              </a:rPr>
+                              <m:t>𝑗</m:t>
+                            </m:r>
+                          </m:sub>
+                        </m:sSub>
+                        <m:r>
+                          <a:rPr lang="nl-BE" b="0" i="1" smtClean="0">
+                            <a:latin typeface="Cambria Math" charset="0"/>
+                          </a:rPr>
+                          <m:t>𝑑𝑥𝑑𝑦</m:t>
+                        </m:r>
+                      </m:e>
+                    </m:nary>
+                  </m:oMath>
+                </a14:m>
+                <a:endParaRPr lang="en-GB" dirty="0" smtClean="0"/>
+              </a:p>
+              <a:p>
+                <a14:m>
+                  <m:oMath xmlns:m="http://schemas.openxmlformats.org/officeDocument/2006/math">
+                    <m:sSub>
+                      <m:sSubPr>
+                        <m:ctrlPr>
+                          <a:rPr lang="nl-BE" b="0" i="1" smtClean="0">
+                            <a:latin typeface="Cambria Math" charset="0"/>
+                          </a:rPr>
+                        </m:ctrlPr>
+                      </m:sSubPr>
+                      <m:e>
+                        <m:r>
+                          <a:rPr lang="nl-BE" b="0" i="1" smtClean="0">
+                            <a:latin typeface="Cambria Math" charset="0"/>
+                          </a:rPr>
+                          <m:t>𝑏</m:t>
+                        </m:r>
+                      </m:e>
+                      <m:sub>
+                        <m:r>
+                          <a:rPr lang="nl-BE" b="0" i="1" smtClean="0">
+                            <a:latin typeface="Cambria Math" charset="0"/>
+                          </a:rPr>
+                          <m:t>𝑖</m:t>
+                        </m:r>
+                      </m:sub>
+                    </m:sSub>
+                    <m:r>
+                      <a:rPr lang="nl-BE" b="0" i="1" smtClean="0">
+                        <a:latin typeface="Cambria Math" charset="0"/>
+                      </a:rPr>
+                      <m:t>  =−</m:t>
+                    </m:r>
+                    <m:nary>
+                      <m:naryPr>
+                        <m:limLoc m:val="undOvr"/>
+                        <m:ctrlPr>
+                          <a:rPr lang="nl-BE" b="0" i="1" smtClean="0">
+                            <a:latin typeface="Cambria Math" charset="0"/>
+                          </a:rPr>
+                        </m:ctrlPr>
+                      </m:naryPr>
+                      <m:sub>
+                        <m:r>
+                          <m:rPr>
+                            <m:sty m:val="p"/>
+                          </m:rPr>
+                          <a:rPr lang="nl-BE" b="0" i="0" smtClean="0">
+                            <a:latin typeface="Cambria Math" charset="0"/>
+                          </a:rPr>
+                          <m:t>Ω</m:t>
+                        </m:r>
+                      </m:sub>
+                      <m:sup/>
+                      <m:e>
+                        <m:r>
+                          <a:rPr lang="nl-BE" b="0" i="1" smtClean="0">
+                            <a:latin typeface="Cambria Math" charset="0"/>
+                          </a:rPr>
+                          <m:t>𝑓</m:t>
+                        </m:r>
+                        <m:sSub>
+                          <m:sSubPr>
+                            <m:ctrlPr>
+                              <a:rPr lang="nl-BE" b="0" i="1" smtClean="0">
+                                <a:latin typeface="Cambria Math" charset="0"/>
+                              </a:rPr>
+                            </m:ctrlPr>
+                          </m:sSubPr>
+                          <m:e>
+                            <m:r>
+                              <a:rPr lang="nl-BE" b="0" i="1" smtClean="0">
+                                <a:latin typeface="Cambria Math" charset="0"/>
+                              </a:rPr>
+                              <m:t>𝜙</m:t>
+                            </m:r>
+                          </m:e>
+                          <m:sub>
+                            <m:r>
+                              <a:rPr lang="nl-BE" b="0" i="1" smtClean="0">
+                                <a:latin typeface="Cambria Math" charset="0"/>
+                              </a:rPr>
+                              <m:t>𝑖</m:t>
+                            </m:r>
+                          </m:sub>
+                        </m:sSub>
+                        <m:r>
+                          <a:rPr lang="nl-BE" b="0" i="1" smtClean="0">
+                            <a:latin typeface="Cambria Math" charset="0"/>
+                          </a:rPr>
+                          <m:t>𝑑𝑥𝑑𝑦</m:t>
+                        </m:r>
+                      </m:e>
+                    </m:nary>
+                  </m:oMath>
+                </a14:m>
+                <a:endParaRPr lang="en-GB" dirty="0" smtClean="0"/>
+              </a:p>
+            </p:txBody>
+          </p:sp>
+        </mc:Choice>
+        <mc:Fallback>
+          <p:sp>
+            <p:nvSpPr>
+              <p:cNvPr id="8" name="Espace réservé du contenu 7"/>
+              <p:cNvSpPr>
+                <a:spLocks noGrp="1" noRot="1" noChangeAspect="1" noMove="1" noResize="1" noEditPoints="1" noAdjustHandles="1" noChangeArrowheads="1" noChangeShapeType="1" noTextEdit="1"/>
+              </p:cNvSpPr>
+              <p:nvPr>
+                <p:ph sz="half" idx="2"/>
+              </p:nvPr>
+            </p:nvSpPr>
+            <p:spPr>
+              <a:blipFill rotWithShape="0">
+                <a:blip r:embed="rId4"/>
+                <a:stretch>
+                  <a:fillRect l="-1235"/>
+                </a:stretch>
+              </a:blipFill>
+            </p:spPr>
+            <p:txBody>
+              <a:bodyPr/>
+              <a:lstStyle/>
+              <a:p>
+                <a:r>
+                  <a:rPr lang="en-GB">
+                    <a:noFill/>
+                  </a:rPr>
+                  <a:t> </a:t>
+                </a:r>
+              </a:p>
+            </p:txBody>
+          </p:sp>
+        </mc:Fallback>
+      </mc:AlternateContent>
       <p:sp>
         <p:nvSpPr>
           <p:cNvPr id="5" name="Espace réservé du numéro de diapositive 4"/>
@@ -5413,7 +5951,7 @@
     </p:spTree>
     <p:extLst>
       <p:ext uri="{BB962C8B-B14F-4D97-AF65-F5344CB8AC3E}">
-        <p14:creationId xmlns:p14="http://schemas.microsoft.com/office/powerpoint/2010/main" val="1784891449"/>
+        <p14:creationId xmlns:p14="http://schemas.microsoft.com/office/powerpoint/2010/main" val="1789943381"/>
       </p:ext>
     </p:extLst>
   </p:cSld>
@@ -5459,45 +5997,49 @@
         </p:nvSpPr>
         <p:spPr/>
         <p:txBody>
-          <a:bodyPr>
-            <a:normAutofit fontScale="90000"/>
-          </a:bodyPr>
+          <a:bodyPr/>
           <a:lstStyle/>
           <a:p>
             <a:r>
               <a:rPr lang="en-GB" dirty="0" smtClean="0"/>
-              <a:t>Multi scale preconditioner to solve elliptic problems with high </a:t>
-            </a:r>
-            <a:r>
-              <a:rPr lang="en-GB" smtClean="0"/>
-              <a:t>order methods with p4est</a:t>
+              <a:t>High order polynomials better interpolate smooth functions</a:t>
             </a:r>
             <a:endParaRPr lang="en-GB" dirty="0"/>
           </a:p>
         </p:txBody>
       </p:sp>
-      <p:sp>
-        <p:nvSpPr>
-          <p:cNvPr id="3" name="Espace réservé du contenu 2"/>
-          <p:cNvSpPr>
-            <a:spLocks noGrp="1"/>
-          </p:cNvSpPr>
+      <p:pic>
+        <p:nvPicPr>
+          <p:cNvPr id="5" name="Espace réservé du contenu 4"/>
+          <p:cNvPicPr>
+            <a:picLocks noGrp="1" noChangeAspect="1"/>
+          </p:cNvPicPr>
           <p:nvPr>
             <p:ph idx="1"/>
           </p:nvPr>
-        </p:nvSpPr>
-        <p:spPr/>
-        <p:txBody>
-          <a:bodyPr/>
-          <a:lstStyle/>
-          <a:p>
-            <a:endParaRPr lang="en-GB" dirty="0"/>
-          </a:p>
-        </p:txBody>
-      </p:sp>
-      <p:sp>
-        <p:nvSpPr>
-          <p:cNvPr id="5" name="Espace réservé du numéro de diapositive 4"/>
+        </p:nvPicPr>
+        <p:blipFill>
+          <a:blip r:embed="rId2">
+            <a:extLst>
+              <a:ext uri="{28A0092B-C50C-407E-A947-70E740481C1C}">
+                <a14:useLocalDpi xmlns:a14="http://schemas.microsoft.com/office/drawing/2010/main" val="0"/>
+              </a:ext>
+            </a:extLst>
+          </a:blip>
+          <a:stretch>
+            <a:fillRect/>
+          </a:stretch>
+        </p:blipFill>
+        <p:spPr>
+          <a:xfrm>
+            <a:off x="1096963" y="2510409"/>
+            <a:ext cx="10058400" cy="2694432"/>
+          </a:xfrm>
+        </p:spPr>
+      </p:pic>
+      <p:sp>
+        <p:nvSpPr>
+          <p:cNvPr id="4" name="Espace réservé du numéro de diapositive 3"/>
           <p:cNvSpPr>
             <a:spLocks noGrp="1"/>
           </p:cNvSpPr>
@@ -5521,7 +6063,7 @@
     </p:spTree>
     <p:extLst>
       <p:ext uri="{BB962C8B-B14F-4D97-AF65-F5344CB8AC3E}">
-        <p14:creationId xmlns:p14="http://schemas.microsoft.com/office/powerpoint/2010/main" val="595091370"/>
+        <p14:creationId xmlns:p14="http://schemas.microsoft.com/office/powerpoint/2010/main" val="1423832194"/>
       </p:ext>
     </p:extLst>
   </p:cSld>
@@ -5568,41 +6110,342 @@
         <p:spPr/>
         <p:txBody>
           <a:bodyPr>
-            <a:normAutofit fontScale="90000"/>
+            <a:normAutofit/>
           </a:bodyPr>
           <a:lstStyle/>
           <a:p>
             <a:r>
               <a:rPr lang="en-GB" dirty="0" smtClean="0"/>
-              <a:t>Multi scale preconditioner to solve elliptic problems with high </a:t>
-            </a:r>
-            <a:r>
-              <a:rPr lang="en-GB" smtClean="0"/>
-              <a:t>order methods with p4est</a:t>
+              <a:t>GLL quadrature points include the extremities of the interval</a:t>
             </a:r>
             <a:endParaRPr lang="en-GB" dirty="0"/>
           </a:p>
         </p:txBody>
       </p:sp>
-      <p:sp>
-        <p:nvSpPr>
-          <p:cNvPr id="3" name="Espace réservé du contenu 2"/>
-          <p:cNvSpPr>
-            <a:spLocks noGrp="1"/>
-          </p:cNvSpPr>
-          <p:nvPr>
-            <p:ph idx="1"/>
-          </p:nvPr>
-        </p:nvSpPr>
-        <p:spPr/>
-        <p:txBody>
-          <a:bodyPr/>
-          <a:lstStyle/>
-          <a:p>
-            <a:endParaRPr lang="en-GB" dirty="0"/>
-          </a:p>
-        </p:txBody>
-      </p:sp>
+      <p:pic>
+        <p:nvPicPr>
+          <p:cNvPr id="8" name="Espace réservé du contenu 7"/>
+          <p:cNvPicPr>
+            <a:picLocks noGrp="1" noChangeAspect="1"/>
+          </p:cNvPicPr>
+          <p:nvPr>
+            <p:ph sz="half" idx="1"/>
+          </p:nvPr>
+        </p:nvPicPr>
+        <p:blipFill>
+          <a:blip r:embed="rId3">
+            <a:extLst>
+              <a:ext uri="{28A0092B-C50C-407E-A947-70E740481C1C}">
+                <a14:useLocalDpi xmlns:a14="http://schemas.microsoft.com/office/drawing/2010/main" val="0"/>
+              </a:ext>
+            </a:extLst>
+          </a:blip>
+          <a:stretch>
+            <a:fillRect/>
+          </a:stretch>
+        </p:blipFill>
+        <p:spPr>
+          <a:xfrm>
+            <a:off x="1096963" y="2005608"/>
+            <a:ext cx="4938712" cy="3704034"/>
+          </a:xfrm>
+        </p:spPr>
+      </p:pic>
+      <mc:AlternateContent xmlns:mc="http://schemas.openxmlformats.org/markup-compatibility/2006">
+        <mc:Choice xmlns:a14="http://schemas.microsoft.com/office/drawing/2010/main" Requires="a14">
+          <p:sp>
+            <p:nvSpPr>
+              <p:cNvPr id="7" name="Espace réservé du contenu 6"/>
+              <p:cNvSpPr>
+                <a:spLocks noGrp="1"/>
+              </p:cNvSpPr>
+              <p:nvPr>
+                <p:ph sz="half" idx="2"/>
+              </p:nvPr>
+            </p:nvSpPr>
+            <p:spPr/>
+            <p:txBody>
+              <a:bodyPr anchor="ctr"/>
+              <a:lstStyle/>
+              <a:p>
+                <a:pPr>
+                  <a:buFont typeface="Arial" charset="0"/>
+                  <a:buChar char="•"/>
+                </a:pPr>
+                <a:r>
+                  <a:rPr lang="en-GB" dirty="0" smtClean="0"/>
+                  <a:t> GLL nodes are used as quadrature points </a:t>
+                </a:r>
+              </a:p>
+              <a:p>
+                <a:pPr>
+                  <a:buFont typeface="Arial" charset="0"/>
+                  <a:buChar char="•"/>
+                </a:pPr>
+                <a:r>
+                  <a:rPr lang="en-GB" dirty="0" smtClean="0"/>
+                  <a:t> And also as global nodes for the SEM</a:t>
+                </a:r>
+              </a:p>
+              <a:p>
+                <a:pPr>
+                  <a:buFont typeface="Arial" charset="0"/>
+                  <a:buChar char="•"/>
+                </a:pPr>
+                <a:r>
+                  <a:rPr lang="en-GB" dirty="0"/>
+                  <a:t> </a:t>
+                </a:r>
+                <a:r>
+                  <a:rPr lang="en-GB" dirty="0" smtClean="0"/>
+                  <a:t>On each element : </a:t>
+                </a:r>
+                <a:br>
+                  <a:rPr lang="en-GB" dirty="0" smtClean="0"/>
+                </a:br>
+                <a14:m>
+                  <m:oMath xmlns:m="http://schemas.openxmlformats.org/officeDocument/2006/math">
+                    <m:r>
+                      <a:rPr lang="nl-BE" b="0" i="1" smtClean="0">
+                        <a:latin typeface="Cambria Math" charset="0"/>
+                      </a:rPr>
+                      <m:t>𝑢</m:t>
+                    </m:r>
+                    <m:d>
+                      <m:dPr>
+                        <m:ctrlPr>
+                          <a:rPr lang="nl-BE" b="0" i="1" smtClean="0">
+                            <a:latin typeface="Cambria Math" charset="0"/>
+                          </a:rPr>
+                        </m:ctrlPr>
+                      </m:dPr>
+                      <m:e>
+                        <m:r>
+                          <a:rPr lang="nl-BE" b="0" i="1" smtClean="0">
+                            <a:latin typeface="Cambria Math" charset="0"/>
+                          </a:rPr>
+                          <m:t>𝑥</m:t>
+                        </m:r>
+                        <m:r>
+                          <a:rPr lang="nl-BE" b="0" i="1" smtClean="0">
+                            <a:latin typeface="Cambria Math" charset="0"/>
+                          </a:rPr>
+                          <m:t>,</m:t>
+                        </m:r>
+                        <m:r>
+                          <a:rPr lang="nl-BE" b="0" i="1" smtClean="0">
+                            <a:latin typeface="Cambria Math" charset="0"/>
+                          </a:rPr>
+                          <m:t>𝑦</m:t>
+                        </m:r>
+                      </m:e>
+                    </m:d>
+                    <m:r>
+                      <a:rPr lang="nl-BE" b="0" i="1" smtClean="0">
+                        <a:latin typeface="Cambria Math" charset="0"/>
+                      </a:rPr>
+                      <m:t>=</m:t>
+                    </m:r>
+                    <m:nary>
+                      <m:naryPr>
+                        <m:chr m:val="∑"/>
+                        <m:ctrlPr>
+                          <a:rPr lang="nl-BE" b="0" i="1" smtClean="0">
+                            <a:latin typeface="Cambria Math" charset="0"/>
+                          </a:rPr>
+                        </m:ctrlPr>
+                      </m:naryPr>
+                      <m:sub>
+                        <m:r>
+                          <m:rPr>
+                            <m:brk m:alnAt="23"/>
+                          </m:rPr>
+                          <a:rPr lang="nl-BE" b="0" i="1" smtClean="0">
+                            <a:latin typeface="Cambria Math" charset="0"/>
+                          </a:rPr>
+                          <m:t>𝑖</m:t>
+                        </m:r>
+                        <m:r>
+                          <a:rPr lang="nl-BE" b="0" i="1" smtClean="0">
+                            <a:latin typeface="Cambria Math" charset="0"/>
+                          </a:rPr>
+                          <m:t>,</m:t>
+                        </m:r>
+                        <m:r>
+                          <a:rPr lang="nl-BE" b="0" i="1" smtClean="0">
+                            <a:latin typeface="Cambria Math" charset="0"/>
+                          </a:rPr>
+                          <m:t>𝑗</m:t>
+                        </m:r>
+                        <m:r>
+                          <a:rPr lang="nl-BE" b="0" i="1" smtClean="0">
+                            <a:latin typeface="Cambria Math" charset="0"/>
+                          </a:rPr>
+                          <m:t>=0</m:t>
+                        </m:r>
+                      </m:sub>
+                      <m:sup>
+                        <m:r>
+                          <a:rPr lang="nl-BE" b="0" i="1" smtClean="0">
+                            <a:latin typeface="Cambria Math" charset="0"/>
+                          </a:rPr>
+                          <m:t>𝑝</m:t>
+                        </m:r>
+                      </m:sup>
+                      <m:e>
+                        <m:sSub>
+                          <m:sSubPr>
+                            <m:ctrlPr>
+                              <a:rPr lang="nl-BE" b="0" i="1" smtClean="0">
+                                <a:latin typeface="Cambria Math" charset="0"/>
+                              </a:rPr>
+                            </m:ctrlPr>
+                          </m:sSubPr>
+                          <m:e>
+                            <m:r>
+                              <a:rPr lang="nl-BE" b="0" i="1" smtClean="0">
+                                <a:latin typeface="Cambria Math" charset="0"/>
+                              </a:rPr>
+                              <m:t>𝑢</m:t>
+                            </m:r>
+                          </m:e>
+                          <m:sub>
+                            <m:r>
+                              <a:rPr lang="nl-BE" b="0" i="1" smtClean="0">
+                                <a:latin typeface="Cambria Math" charset="0"/>
+                              </a:rPr>
+                              <m:t>𝑖𝑗</m:t>
+                            </m:r>
+                          </m:sub>
+                        </m:sSub>
+                        <m:sSub>
+                          <m:sSubPr>
+                            <m:ctrlPr>
+                              <a:rPr lang="nl-BE" b="0" i="1" smtClean="0">
+                                <a:latin typeface="Cambria Math" charset="0"/>
+                              </a:rPr>
+                            </m:ctrlPr>
+                          </m:sSubPr>
+                          <m:e>
+                            <m:r>
+                              <a:rPr lang="nl-BE" b="0" i="1" smtClean="0">
+                                <a:latin typeface="Cambria Math" charset="0"/>
+                              </a:rPr>
+                              <m:t>𝑙</m:t>
+                            </m:r>
+                          </m:e>
+                          <m:sub>
+                            <m:r>
+                              <a:rPr lang="nl-BE" b="0" i="1" smtClean="0">
+                                <a:latin typeface="Cambria Math" charset="0"/>
+                              </a:rPr>
+                              <m:t>𝑖</m:t>
+                            </m:r>
+                          </m:sub>
+                        </m:sSub>
+                        <m:d>
+                          <m:dPr>
+                            <m:ctrlPr>
+                              <a:rPr lang="nl-BE" b="0" i="1" smtClean="0">
+                                <a:latin typeface="Cambria Math" charset="0"/>
+                              </a:rPr>
+                            </m:ctrlPr>
+                          </m:dPr>
+                          <m:e>
+                            <m:r>
+                              <a:rPr lang="nl-BE" b="0" i="1" smtClean="0">
+                                <a:latin typeface="Cambria Math" charset="0"/>
+                              </a:rPr>
+                              <m:t>𝜉</m:t>
+                            </m:r>
+                          </m:e>
+                        </m:d>
+                        <m:sSub>
+                          <m:sSubPr>
+                            <m:ctrlPr>
+                              <a:rPr lang="nl-BE" b="0" i="1" smtClean="0">
+                                <a:latin typeface="Cambria Math" charset="0"/>
+                              </a:rPr>
+                            </m:ctrlPr>
+                          </m:sSubPr>
+                          <m:e>
+                            <m:r>
+                              <a:rPr lang="nl-BE" b="0" i="1" smtClean="0">
+                                <a:latin typeface="Cambria Math" charset="0"/>
+                              </a:rPr>
+                              <m:t>𝑙</m:t>
+                            </m:r>
+                          </m:e>
+                          <m:sub>
+                            <m:r>
+                              <a:rPr lang="nl-BE" b="0" i="1" smtClean="0">
+                                <a:latin typeface="Cambria Math" charset="0"/>
+                              </a:rPr>
+                              <m:t>𝑗</m:t>
+                            </m:r>
+                          </m:sub>
+                        </m:sSub>
+                        <m:r>
+                          <a:rPr lang="nl-BE" b="0" i="1" smtClean="0">
+                            <a:latin typeface="Cambria Math" charset="0"/>
+                          </a:rPr>
+                          <m:t>(</m:t>
+                        </m:r>
+                        <m:r>
+                          <a:rPr lang="nl-BE" b="0" i="1" smtClean="0">
+                            <a:latin typeface="Cambria Math" charset="0"/>
+                          </a:rPr>
+                          <m:t>𝜂</m:t>
+                        </m:r>
+                        <m:r>
+                          <a:rPr lang="nl-BE" b="0" i="1" smtClean="0">
+                            <a:latin typeface="Cambria Math" charset="0"/>
+                          </a:rPr>
+                          <m:t>)</m:t>
+                        </m:r>
+                      </m:e>
+                    </m:nary>
+                  </m:oMath>
+                </a14:m>
+                <a:endParaRPr lang="en-GB" dirty="0"/>
+              </a:p>
+            </p:txBody>
+          </p:sp>
+        </mc:Choice>
+        <mc:Fallback>
+          <p:sp>
+            <p:nvSpPr>
+              <p:cNvPr id="7" name="Espace réservé du contenu 6"/>
+              <p:cNvSpPr>
+                <a:spLocks noGrp="1" noRot="1" noChangeAspect="1" noMove="1" noResize="1" noEditPoints="1" noAdjustHandles="1" noChangeArrowheads="1" noChangeShapeType="1" noTextEdit="1"/>
+              </p:cNvSpPr>
+              <p:nvPr>
+                <p:ph sz="half" idx="2"/>
+              </p:nvPr>
+            </p:nvSpPr>
+            <p:spPr>
+              <a:blipFill rotWithShape="0">
+                <a:blip r:embed="rId4"/>
+                <a:stretch>
+                  <a:fillRect l="-2963"/>
+                </a:stretch>
+              </a:blipFill>
+            </p:spPr>
+            <p:txBody>
+              <a:bodyPr/>
+              <a:lstStyle/>
+              <a:p>
+                <a:r>
+                  <a:rPr lang="en-GB">
+                    <a:noFill/>
+                  </a:rPr>
+                  <a:t> </a:t>
+                </a:r>
+              </a:p>
+            </p:txBody>
+          </p:sp>
+        </mc:Fallback>
+      </mc:AlternateContent>
       <p:sp>
         <p:nvSpPr>
           <p:cNvPr id="5" name="Espace réservé du numéro de diapositive 4"/>
@@ -5629,7 +6472,7 @@
     </p:spTree>
     <p:extLst>
       <p:ext uri="{BB962C8B-B14F-4D97-AF65-F5344CB8AC3E}">
-        <p14:creationId xmlns:p14="http://schemas.microsoft.com/office/powerpoint/2010/main" val="1187314836"/>
+        <p14:creationId xmlns:p14="http://schemas.microsoft.com/office/powerpoint/2010/main" val="1376614466"/>
       </p:ext>
     </p:extLst>
   </p:cSld>
@@ -5676,41 +6519,51 @@
         <p:spPr/>
         <p:txBody>
           <a:bodyPr>
-            <a:normAutofit fontScale="90000"/>
+            <a:normAutofit/>
           </a:bodyPr>
           <a:lstStyle/>
           <a:p>
             <a:r>
               <a:rPr lang="en-GB" dirty="0" smtClean="0"/>
-              <a:t>Multi scale preconditioner to solve elliptic problems with high </a:t>
-            </a:r>
-            <a:r>
-              <a:rPr lang="en-GB" smtClean="0"/>
-              <a:t>order methods with p4est</a:t>
-            </a:r>
-            <a:endParaRPr lang="en-GB" dirty="0"/>
-          </a:p>
-        </p:txBody>
-      </p:sp>
-      <p:sp>
-        <p:nvSpPr>
-          <p:cNvPr id="3" name="Espace réservé du contenu 2"/>
-          <p:cNvSpPr>
-            <a:spLocks noGrp="1"/>
-          </p:cNvSpPr>
+              <a:t>Example of a mesh with </a:t>
+            </a:r>
+            <a:r>
+              <a:rPr lang="en-GB" i="1" dirty="0" smtClean="0"/>
+              <a:t>p = 2</a:t>
+            </a:r>
+            <a:endParaRPr lang="en-GB" i="1" dirty="0"/>
+          </a:p>
+        </p:txBody>
+      </p:sp>
+      <p:pic>
+        <p:nvPicPr>
+          <p:cNvPr id="6" name="Espace réservé du contenu 5"/>
+          <p:cNvPicPr>
+            <a:picLocks noGrp="1" noChangeAspect="1"/>
+          </p:cNvPicPr>
           <p:nvPr>
             <p:ph idx="1"/>
           </p:nvPr>
-        </p:nvSpPr>
-        <p:spPr/>
-        <p:txBody>
-          <a:bodyPr/>
-          <a:lstStyle/>
-          <a:p>
-            <a:endParaRPr lang="en-GB" dirty="0"/>
-          </a:p>
-        </p:txBody>
-      </p:sp>
+        </p:nvPicPr>
+        <p:blipFill>
+          <a:blip r:embed="rId3">
+            <a:extLst>
+              <a:ext uri="{28A0092B-C50C-407E-A947-70E740481C1C}">
+                <a14:useLocalDpi xmlns:a14="http://schemas.microsoft.com/office/drawing/2010/main" val="0"/>
+              </a:ext>
+            </a:extLst>
+          </a:blip>
+          <a:stretch>
+            <a:fillRect/>
+          </a:stretch>
+        </p:blipFill>
+        <p:spPr>
+          <a:xfrm>
+            <a:off x="2337854" y="1864166"/>
+            <a:ext cx="7562604" cy="4468812"/>
+          </a:xfrm>
+        </p:spPr>
+      </p:pic>
       <p:sp>
         <p:nvSpPr>
           <p:cNvPr id="5" name="Espace réservé du numéro de diapositive 4"/>
@@ -5729,6 +6582,1402 @@
             <a:fld id="{E9347C92-BBEE-224D-BE6C-518EEC8431DA}" type="slidenum">
               <a:rPr lang="en-GB" smtClean="0"/>
               <a:t>13</a:t>
+            </a:fld>
+            <a:endParaRPr lang="en-GB"/>
+          </a:p>
+        </p:txBody>
+      </p:sp>
+    </p:spTree>
+    <p:extLst>
+      <p:ext uri="{BB962C8B-B14F-4D97-AF65-F5344CB8AC3E}">
+        <p14:creationId xmlns:p14="http://schemas.microsoft.com/office/powerpoint/2010/main" val="1219156413"/>
+      </p:ext>
+    </p:extLst>
+  </p:cSld>
+  <p:clrMapOvr>
+    <a:masterClrMapping/>
+  </p:clrMapOvr>
+  <p:timing>
+    <p:tnLst>
+      <p:par>
+        <p:cTn id="1" dur="indefinite" restart="never" nodeType="tmRoot"/>
+      </p:par>
+    </p:tnLst>
+  </p:timing>
+</p:sld>
+</file>
+
+<file path=ppt/slides/slide15.xml><?xml version="1.0" encoding="utf-8"?>
+<p:sld xmlns:a="http://schemas.openxmlformats.org/drawingml/2006/main" xmlns:r="http://schemas.openxmlformats.org/officeDocument/2006/relationships" xmlns:p="http://schemas.openxmlformats.org/presentationml/2006/main">
+  <p:cSld>
+    <p:spTree>
+      <p:nvGrpSpPr>
+        <p:cNvPr id="1" name=""/>
+        <p:cNvGrpSpPr/>
+        <p:nvPr/>
+      </p:nvGrpSpPr>
+      <p:grpSpPr>
+        <a:xfrm>
+          <a:off x="0" y="0"/>
+          <a:ext cx="0" cy="0"/>
+          <a:chOff x="0" y="0"/>
+          <a:chExt cx="0" cy="0"/>
+        </a:xfrm>
+      </p:grpSpPr>
+      <p:sp>
+        <p:nvSpPr>
+          <p:cNvPr id="2" name="Titre 1"/>
+          <p:cNvSpPr>
+            <a:spLocks noGrp="1"/>
+          </p:cNvSpPr>
+          <p:nvPr>
+            <p:ph type="title"/>
+          </p:nvPr>
+        </p:nvSpPr>
+        <p:spPr/>
+        <p:txBody>
+          <a:bodyPr>
+            <a:normAutofit fontScale="90000"/>
+          </a:bodyPr>
+          <a:lstStyle/>
+          <a:p>
+            <a:r>
+              <a:rPr lang="en-GB" dirty="0" smtClean="0"/>
+              <a:t>Multi scale </a:t>
+            </a:r>
+            <a:r>
+              <a:rPr lang="en-GB" b="1" dirty="0" smtClean="0">
+                <a:solidFill>
+                  <a:schemeClr val="accent2"/>
+                </a:solidFill>
+              </a:rPr>
+              <a:t>preconditioner</a:t>
+            </a:r>
+            <a:r>
+              <a:rPr lang="en-GB" dirty="0" smtClean="0"/>
+              <a:t> to solve elliptic problems with high order methods with p4est</a:t>
+            </a:r>
+            <a:endParaRPr lang="en-GB" dirty="0"/>
+          </a:p>
+        </p:txBody>
+      </p:sp>
+      <mc:AlternateContent xmlns:mc="http://schemas.openxmlformats.org/markup-compatibility/2006">
+        <mc:Choice xmlns:a14="http://schemas.microsoft.com/office/drawing/2010/main" Requires="a14">
+          <p:sp>
+            <p:nvSpPr>
+              <p:cNvPr id="7" name="Espace réservé du texte 6"/>
+              <p:cNvSpPr>
+                <a:spLocks noGrp="1"/>
+              </p:cNvSpPr>
+              <p:nvPr>
+                <p:ph type="body" idx="1"/>
+              </p:nvPr>
+            </p:nvSpPr>
+            <p:spPr/>
+            <p:txBody>
+              <a:bodyPr/>
+              <a:lstStyle/>
+              <a:p>
+                <a:pPr algn="ctr"/>
+                <a14:m>
+                  <m:oMathPara xmlns:m="http://schemas.openxmlformats.org/officeDocument/2006/math">
+                    <m:oMathParaPr>
+                      <m:jc m:val="centerGroup"/>
+                    </m:oMathParaPr>
+                    <m:oMath xmlns:m="http://schemas.openxmlformats.org/officeDocument/2006/math">
+                      <m:r>
+                        <a:rPr lang="nl-BE" b="0" i="1" smtClean="0">
+                          <a:latin typeface="Cambria Math" charset="0"/>
+                        </a:rPr>
+                        <m:t>𝐴𝑈</m:t>
+                      </m:r>
+                      <m:r>
+                        <a:rPr lang="nl-BE" b="0" i="1" smtClean="0">
+                          <a:latin typeface="Cambria Math" charset="0"/>
+                        </a:rPr>
+                        <m:t>=</m:t>
+                      </m:r>
+                      <m:r>
+                        <a:rPr lang="nl-BE" b="0" i="1" smtClean="0">
+                          <a:latin typeface="Cambria Math" charset="0"/>
+                        </a:rPr>
+                        <m:t>𝑏</m:t>
+                      </m:r>
+                    </m:oMath>
+                  </m:oMathPara>
+                </a14:m>
+                <a:endParaRPr lang="en-GB" dirty="0"/>
+              </a:p>
+            </p:txBody>
+          </p:sp>
+        </mc:Choice>
+        <mc:Fallback>
+          <p:sp>
+            <p:nvSpPr>
+              <p:cNvPr id="7" name="Espace réservé du texte 6"/>
+              <p:cNvSpPr>
+                <a:spLocks noGrp="1" noRot="1" noChangeAspect="1" noMove="1" noResize="1" noEditPoints="1" noAdjustHandles="1" noChangeArrowheads="1" noChangeShapeType="1" noTextEdit="1"/>
+              </p:cNvSpPr>
+              <p:nvPr>
+                <p:ph type="body" idx="1"/>
+              </p:nvPr>
+            </p:nvSpPr>
+            <p:spPr>
+              <a:blipFill rotWithShape="0">
+                <a:blip r:embed="rId3"/>
+                <a:stretch>
+                  <a:fillRect/>
+                </a:stretch>
+              </a:blipFill>
+            </p:spPr>
+            <p:txBody>
+              <a:bodyPr/>
+              <a:lstStyle/>
+              <a:p>
+                <a:r>
+                  <a:rPr lang="en-GB">
+                    <a:noFill/>
+                  </a:rPr>
+                  <a:t> </a:t>
+                </a:r>
+              </a:p>
+            </p:txBody>
+          </p:sp>
+        </mc:Fallback>
+      </mc:AlternateContent>
+      <mc:AlternateContent xmlns:mc="http://schemas.openxmlformats.org/markup-compatibility/2006">
+        <mc:Choice xmlns:a14="http://schemas.microsoft.com/office/drawing/2010/main" Requires="a14">
+          <p:sp>
+            <p:nvSpPr>
+              <p:cNvPr id="8" name="Espace réservé du contenu 7"/>
+              <p:cNvSpPr>
+                <a:spLocks noGrp="1"/>
+              </p:cNvSpPr>
+              <p:nvPr>
+                <p:ph sz="half" idx="2"/>
+              </p:nvPr>
+            </p:nvSpPr>
+            <p:spPr/>
+            <p:txBody>
+              <a:bodyPr anchor="t">
+                <a:normAutofit/>
+              </a:bodyPr>
+              <a:lstStyle/>
+              <a:p>
+                <a:pPr>
+                  <a:buFont typeface="Arial" charset="0"/>
+                  <a:buChar char="•"/>
+                </a:pPr>
+                <a:r>
+                  <a:rPr lang="en-GB" dirty="0" smtClean="0"/>
+                  <a:t> The number of iterations of CG depends on the condition number of A, </a:t>
+                </a:r>
+                <a14:m>
+                  <m:oMath xmlns:m="http://schemas.openxmlformats.org/officeDocument/2006/math">
+                    <m:r>
+                      <a:rPr lang="nl-BE" b="0" i="1" smtClean="0">
+                        <a:latin typeface="Cambria Math" charset="0"/>
+                      </a:rPr>
+                      <m:t>𝜅</m:t>
+                    </m:r>
+                    <m:r>
+                      <a:rPr lang="nl-BE" b="0" i="1" smtClean="0">
+                        <a:latin typeface="Cambria Math" charset="0"/>
+                      </a:rPr>
+                      <m:t>(</m:t>
+                    </m:r>
+                    <m:r>
+                      <a:rPr lang="nl-BE" b="0" i="1" smtClean="0">
+                        <a:latin typeface="Cambria Math" charset="0"/>
+                      </a:rPr>
+                      <m:t>𝐴</m:t>
+                    </m:r>
+                    <m:r>
+                      <a:rPr lang="nl-BE" b="0" i="1" smtClean="0">
+                        <a:latin typeface="Cambria Math" charset="0"/>
+                      </a:rPr>
+                      <m:t>)</m:t>
+                    </m:r>
+                  </m:oMath>
+                </a14:m>
+                <a:endParaRPr lang="en-GB" dirty="0" smtClean="0"/>
+              </a:p>
+              <a:p>
+                <a:pPr>
+                  <a:buFont typeface="Arial" charset="0"/>
+                  <a:buChar char="•"/>
+                </a:pPr>
+                <a:r>
+                  <a:rPr lang="en-GB" dirty="0" smtClean="0"/>
+                  <a:t> </a:t>
+                </a:r>
+                <a14:m>
+                  <m:oMath xmlns:m="http://schemas.openxmlformats.org/officeDocument/2006/math">
+                    <m:r>
+                      <a:rPr lang="nl-BE" i="1">
+                        <a:latin typeface="Cambria Math" charset="0"/>
+                      </a:rPr>
+                      <m:t>𝜅</m:t>
+                    </m:r>
+                    <m:r>
+                      <a:rPr lang="nl-BE" i="1">
+                        <a:latin typeface="Cambria Math" charset="0"/>
+                      </a:rPr>
+                      <m:t>(</m:t>
+                    </m:r>
+                    <m:r>
+                      <a:rPr lang="nl-BE" i="1">
+                        <a:latin typeface="Cambria Math" charset="0"/>
+                      </a:rPr>
+                      <m:t>𝐴</m:t>
+                    </m:r>
+                    <m:r>
+                      <a:rPr lang="nl-BE" i="1">
+                        <a:latin typeface="Cambria Math" charset="0"/>
+                      </a:rPr>
+                      <m:t>)</m:t>
+                    </m:r>
+                  </m:oMath>
+                </a14:m>
+                <a:r>
+                  <a:rPr lang="en-GB" dirty="0" smtClean="0"/>
+                  <a:t> increases when the size of the quadrants decreases</a:t>
+                </a:r>
+                <a:endParaRPr lang="en-GB" dirty="0"/>
+              </a:p>
+              <a:p>
+                <a:pPr>
+                  <a:buFont typeface="Arial" charset="0"/>
+                  <a:buChar char="•"/>
+                </a:pPr>
+                <a:r>
+                  <a:rPr lang="en-GB" dirty="0" smtClean="0"/>
+                  <a:t> </a:t>
+                </a:r>
+                <a14:m>
+                  <m:oMath xmlns:m="http://schemas.openxmlformats.org/officeDocument/2006/math">
+                    <m:r>
+                      <a:rPr lang="nl-BE" i="1">
+                        <a:latin typeface="Cambria Math" charset="0"/>
+                      </a:rPr>
+                      <m:t>𝜅</m:t>
+                    </m:r>
+                    <m:r>
+                      <a:rPr lang="nl-BE" i="1">
+                        <a:latin typeface="Cambria Math" charset="0"/>
+                      </a:rPr>
+                      <m:t>(</m:t>
+                    </m:r>
+                    <m:r>
+                      <a:rPr lang="nl-BE" i="1">
+                        <a:latin typeface="Cambria Math" charset="0"/>
+                      </a:rPr>
+                      <m:t>𝐴</m:t>
+                    </m:r>
+                    <m:r>
+                      <a:rPr lang="nl-BE" i="1">
+                        <a:latin typeface="Cambria Math" charset="0"/>
+                      </a:rPr>
+                      <m:t>)</m:t>
+                    </m:r>
+                  </m:oMath>
+                </a14:m>
+                <a:r>
+                  <a:rPr lang="en-GB" dirty="0" smtClean="0"/>
+                  <a:t> increases when we increase the degree of the interpolation</a:t>
+                </a:r>
+                <a:br>
+                  <a:rPr lang="en-GB" dirty="0" smtClean="0"/>
+                </a:br>
+                <a:endParaRPr lang="en-GB" dirty="0" smtClean="0"/>
+              </a:p>
+              <a:p>
+                <a:pPr lvl="1">
+                  <a:buFont typeface="Wingdings" charset="2"/>
+                  <a:buChar char="Ø"/>
+                </a:pPr>
+                <a:r>
+                  <a:rPr lang="en-GB" sz="2000" dirty="0"/>
+                  <a:t> </a:t>
+                </a:r>
+                <a:r>
+                  <a:rPr lang="en-GB" sz="2000" dirty="0" smtClean="0"/>
+                  <a:t>CG can be slow on large problems ! </a:t>
+                </a:r>
+                <a:endParaRPr lang="en-GB" sz="2000" dirty="0"/>
+              </a:p>
+            </p:txBody>
+          </p:sp>
+        </mc:Choice>
+        <mc:Fallback>
+          <p:sp>
+            <p:nvSpPr>
+              <p:cNvPr id="8" name="Espace réservé du contenu 7"/>
+              <p:cNvSpPr>
+                <a:spLocks noGrp="1" noRot="1" noChangeAspect="1" noMove="1" noResize="1" noEditPoints="1" noAdjustHandles="1" noChangeArrowheads="1" noChangeShapeType="1" noTextEdit="1"/>
+              </p:cNvSpPr>
+              <p:nvPr>
+                <p:ph sz="half" idx="2"/>
+              </p:nvPr>
+            </p:nvSpPr>
+            <p:spPr>
+              <a:blipFill rotWithShape="0">
+                <a:blip r:embed="rId4"/>
+                <a:stretch>
+                  <a:fillRect l="-2963" t="-1986" r="-4074"/>
+                </a:stretch>
+              </a:blipFill>
+            </p:spPr>
+            <p:txBody>
+              <a:bodyPr/>
+              <a:lstStyle/>
+              <a:p>
+                <a:r>
+                  <a:rPr lang="en-GB">
+                    <a:noFill/>
+                  </a:rPr>
+                  <a:t> </a:t>
+                </a:r>
+              </a:p>
+            </p:txBody>
+          </p:sp>
+        </mc:Fallback>
+      </mc:AlternateContent>
+      <mc:AlternateContent xmlns:mc="http://schemas.openxmlformats.org/markup-compatibility/2006">
+        <mc:Choice xmlns:a14="http://schemas.microsoft.com/office/drawing/2010/main" Requires="a14">
+          <p:sp>
+            <p:nvSpPr>
+              <p:cNvPr id="9" name="Espace réservé du texte 8"/>
+              <p:cNvSpPr>
+                <a:spLocks noGrp="1"/>
+              </p:cNvSpPr>
+              <p:nvPr>
+                <p:ph type="body" sz="quarter" idx="3"/>
+              </p:nvPr>
+            </p:nvSpPr>
+            <p:spPr/>
+            <p:txBody>
+              <a:bodyPr/>
+              <a:lstStyle/>
+              <a:p>
+                <a14:m>
+                  <m:oMathPara xmlns:m="http://schemas.openxmlformats.org/officeDocument/2006/math">
+                    <m:oMathParaPr>
+                      <m:jc m:val="centerGroup"/>
+                    </m:oMathParaPr>
+                    <m:oMath xmlns:m="http://schemas.openxmlformats.org/officeDocument/2006/math">
+                      <m:sSup>
+                        <m:sSupPr>
+                          <m:ctrlPr>
+                            <a:rPr lang="nl-BE" b="0" i="1" smtClean="0">
+                              <a:latin typeface="Cambria Math" charset="0"/>
+                            </a:rPr>
+                          </m:ctrlPr>
+                        </m:sSupPr>
+                        <m:e>
+                          <m:r>
+                            <a:rPr lang="nl-BE" b="0" i="1" smtClean="0">
+                              <a:latin typeface="Cambria Math" charset="0"/>
+                            </a:rPr>
+                            <m:t>𝑀</m:t>
+                          </m:r>
+                        </m:e>
+                        <m:sup>
+                          <m:r>
+                            <a:rPr lang="nl-BE" b="0" i="1" smtClean="0">
+                              <a:latin typeface="Cambria Math" charset="0"/>
+                            </a:rPr>
+                            <m:t>−1</m:t>
+                          </m:r>
+                        </m:sup>
+                      </m:sSup>
+                      <m:r>
+                        <a:rPr lang="nl-BE" i="1">
+                          <a:latin typeface="Cambria Math" charset="0"/>
+                        </a:rPr>
+                        <m:t>𝐴𝑈</m:t>
+                      </m:r>
+                      <m:r>
+                        <a:rPr lang="nl-BE" i="1">
+                          <a:latin typeface="Cambria Math" charset="0"/>
+                        </a:rPr>
+                        <m:t>=</m:t>
+                      </m:r>
+                      <m:sSup>
+                        <m:sSupPr>
+                          <m:ctrlPr>
+                            <a:rPr lang="nl-BE" b="0" i="1" smtClean="0">
+                              <a:latin typeface="Cambria Math" charset="0"/>
+                            </a:rPr>
+                          </m:ctrlPr>
+                        </m:sSupPr>
+                        <m:e>
+                          <m:r>
+                            <a:rPr lang="nl-BE" b="0" i="1" smtClean="0">
+                              <a:latin typeface="Cambria Math" charset="0"/>
+                            </a:rPr>
+                            <m:t>𝑀</m:t>
+                          </m:r>
+                        </m:e>
+                        <m:sup>
+                          <m:r>
+                            <a:rPr lang="nl-BE" b="0" i="1" smtClean="0">
+                              <a:latin typeface="Cambria Math" charset="0"/>
+                            </a:rPr>
+                            <m:t>−1</m:t>
+                          </m:r>
+                        </m:sup>
+                      </m:sSup>
+                      <m:r>
+                        <a:rPr lang="nl-BE" i="1">
+                          <a:latin typeface="Cambria Math" charset="0"/>
+                        </a:rPr>
+                        <m:t>𝑏</m:t>
+                      </m:r>
+                    </m:oMath>
+                  </m:oMathPara>
+                </a14:m>
+                <a:endParaRPr lang="en-GB" dirty="0"/>
+              </a:p>
+            </p:txBody>
+          </p:sp>
+        </mc:Choice>
+        <mc:Fallback>
+          <p:sp>
+            <p:nvSpPr>
+              <p:cNvPr id="9" name="Espace réservé du texte 8"/>
+              <p:cNvSpPr>
+                <a:spLocks noGrp="1" noRot="1" noChangeAspect="1" noMove="1" noResize="1" noEditPoints="1" noAdjustHandles="1" noChangeArrowheads="1" noChangeShapeType="1" noTextEdit="1"/>
+              </p:cNvSpPr>
+              <p:nvPr>
+                <p:ph type="body" sz="quarter" idx="3"/>
+              </p:nvPr>
+            </p:nvSpPr>
+            <p:spPr>
+              <a:blipFill rotWithShape="0">
+                <a:blip r:embed="rId5"/>
+                <a:stretch>
+                  <a:fillRect/>
+                </a:stretch>
+              </a:blipFill>
+            </p:spPr>
+            <p:txBody>
+              <a:bodyPr/>
+              <a:lstStyle/>
+              <a:p>
+                <a:r>
+                  <a:rPr lang="en-GB">
+                    <a:noFill/>
+                  </a:rPr>
+                  <a:t> </a:t>
+                </a:r>
+              </a:p>
+            </p:txBody>
+          </p:sp>
+        </mc:Fallback>
+      </mc:AlternateContent>
+      <mc:AlternateContent xmlns:mc="http://schemas.openxmlformats.org/markup-compatibility/2006">
+        <mc:Choice xmlns:a14="http://schemas.microsoft.com/office/drawing/2010/main" Requires="a14">
+          <p:sp>
+            <p:nvSpPr>
+              <p:cNvPr id="10" name="Espace réservé du contenu 9"/>
+              <p:cNvSpPr>
+                <a:spLocks noGrp="1"/>
+              </p:cNvSpPr>
+              <p:nvPr>
+                <p:ph sz="quarter" idx="4"/>
+              </p:nvPr>
+            </p:nvSpPr>
+            <p:spPr/>
+            <p:txBody>
+              <a:bodyPr anchor="t"/>
+              <a:lstStyle/>
+              <a:p>
+                <a:pPr>
+                  <a:buFont typeface="Arial" charset="0"/>
+                  <a:buChar char="•"/>
+                </a:pPr>
+                <a:r>
+                  <a:rPr lang="en-GB" dirty="0" smtClean="0"/>
+                  <a:t> If </a:t>
+                </a:r>
+                <a14:m>
+                  <m:oMath xmlns:m="http://schemas.openxmlformats.org/officeDocument/2006/math">
+                    <m:r>
+                      <a:rPr lang="nl-BE" b="0" i="1" smtClean="0">
+                        <a:latin typeface="Cambria Math" charset="0"/>
+                      </a:rPr>
+                      <m:t>𝑀</m:t>
+                    </m:r>
+                    <m:r>
+                      <a:rPr lang="nl-BE" b="0" i="1" smtClean="0">
+                        <a:latin typeface="Cambria Math" charset="0"/>
+                      </a:rPr>
+                      <m:t>=</m:t>
+                    </m:r>
+                    <m:r>
+                      <a:rPr lang="nl-BE" b="0" i="1" smtClean="0">
+                        <a:latin typeface="Cambria Math" charset="0"/>
+                      </a:rPr>
+                      <m:t>𝐴</m:t>
+                    </m:r>
+                  </m:oMath>
+                </a14:m>
+                <a:r>
+                  <a:rPr lang="en-GB" dirty="0" smtClean="0"/>
+                  <a:t>, then CG converge in one iteration</a:t>
+                </a:r>
+              </a:p>
+              <a:p>
+                <a:pPr>
+                  <a:buFont typeface="Arial" charset="0"/>
+                  <a:buChar char="•"/>
+                </a:pPr>
+                <a:r>
+                  <a:rPr lang="en-GB" dirty="0" smtClean="0"/>
+                  <a:t>If </a:t>
+                </a:r>
+                <a14:m>
+                  <m:oMath xmlns:m="http://schemas.openxmlformats.org/officeDocument/2006/math">
+                    <m:r>
+                      <a:rPr lang="nl-BE" b="0" i="1" smtClean="0">
+                        <a:latin typeface="Cambria Math" charset="0"/>
+                      </a:rPr>
+                      <m:t>𝜅</m:t>
+                    </m:r>
+                    <m:d>
+                      <m:dPr>
+                        <m:ctrlPr>
+                          <a:rPr lang="nl-BE" b="0" i="1" smtClean="0">
+                            <a:latin typeface="Cambria Math" charset="0"/>
+                          </a:rPr>
+                        </m:ctrlPr>
+                      </m:dPr>
+                      <m:e>
+                        <m:sSup>
+                          <m:sSupPr>
+                            <m:ctrlPr>
+                              <a:rPr lang="nl-BE" b="0" i="1" smtClean="0">
+                                <a:latin typeface="Cambria Math" charset="0"/>
+                              </a:rPr>
+                            </m:ctrlPr>
+                          </m:sSupPr>
+                          <m:e>
+                            <m:r>
+                              <a:rPr lang="nl-BE" b="0" i="1" smtClean="0">
+                                <a:latin typeface="Cambria Math" charset="0"/>
+                              </a:rPr>
+                              <m:t>𝑀</m:t>
+                            </m:r>
+                          </m:e>
+                          <m:sup>
+                            <m:r>
+                              <a:rPr lang="nl-BE" b="0" i="1" smtClean="0">
+                                <a:latin typeface="Cambria Math" charset="0"/>
+                              </a:rPr>
+                              <m:t>−1</m:t>
+                            </m:r>
+                          </m:sup>
+                        </m:sSup>
+                        <m:r>
+                          <a:rPr lang="nl-BE" b="0" i="1" smtClean="0">
+                            <a:latin typeface="Cambria Math" charset="0"/>
+                          </a:rPr>
+                          <m:t>𝐴</m:t>
+                        </m:r>
+                      </m:e>
+                    </m:d>
+                    <m:r>
+                      <a:rPr lang="nl-BE" b="0" i="1" smtClean="0">
+                        <a:latin typeface="Cambria Math" charset="0"/>
+                      </a:rPr>
+                      <m:t>≪</m:t>
+                    </m:r>
+                    <m:r>
+                      <a:rPr lang="nl-BE" b="0" i="1" smtClean="0">
+                        <a:latin typeface="Cambria Math" charset="0"/>
+                      </a:rPr>
+                      <m:t>𝜅</m:t>
+                    </m:r>
+                    <m:r>
+                      <a:rPr lang="nl-BE" b="0" i="1" smtClean="0">
+                        <a:latin typeface="Cambria Math" charset="0"/>
+                      </a:rPr>
+                      <m:t>(</m:t>
+                    </m:r>
+                    <m:r>
+                      <a:rPr lang="nl-BE" b="0" i="1" smtClean="0">
+                        <a:latin typeface="Cambria Math" charset="0"/>
+                      </a:rPr>
+                      <m:t>𝐴</m:t>
+                    </m:r>
+                    <m:r>
+                      <a:rPr lang="nl-BE" b="0" i="1" smtClean="0">
+                        <a:latin typeface="Cambria Math" charset="0"/>
+                      </a:rPr>
+                      <m:t>)</m:t>
+                    </m:r>
+                  </m:oMath>
+                </a14:m>
+                <a:r>
+                  <a:rPr lang="en-GB" dirty="0" smtClean="0"/>
+                  <a:t>, then CG need a lot less iterations to converge</a:t>
+                </a:r>
+              </a:p>
+              <a:p>
+                <a:pPr>
+                  <a:buFont typeface="Arial" charset="0"/>
+                  <a:buChar char="•"/>
+                </a:pPr>
+                <a:r>
+                  <a:rPr lang="en-GB" dirty="0"/>
+                  <a:t> </a:t>
+                </a:r>
+                <a:r>
+                  <a:rPr lang="en-GB" dirty="0" smtClean="0"/>
+                  <a:t>To be efficient, </a:t>
+                </a:r>
+                <a14:m>
+                  <m:oMath xmlns:m="http://schemas.openxmlformats.org/officeDocument/2006/math">
+                    <m:sSup>
+                      <m:sSupPr>
+                        <m:ctrlPr>
+                          <a:rPr lang="nl-BE" b="0" i="1" smtClean="0">
+                            <a:latin typeface="Cambria Math" charset="0"/>
+                          </a:rPr>
+                        </m:ctrlPr>
+                      </m:sSupPr>
+                      <m:e>
+                        <m:r>
+                          <a:rPr lang="nl-BE" b="0" i="1" smtClean="0">
+                            <a:latin typeface="Cambria Math" charset="0"/>
+                          </a:rPr>
+                          <m:t>𝑀</m:t>
+                        </m:r>
+                      </m:e>
+                      <m:sup>
+                        <m:r>
+                          <a:rPr lang="nl-BE" b="0" i="1" smtClean="0">
+                            <a:latin typeface="Cambria Math" charset="0"/>
+                          </a:rPr>
+                          <m:t>−1</m:t>
+                        </m:r>
+                      </m:sup>
+                    </m:sSup>
+                  </m:oMath>
+                </a14:m>
+                <a:r>
+                  <a:rPr lang="en-GB" dirty="0" smtClean="0"/>
+                  <a:t> must be easy to compute</a:t>
+                </a:r>
+                <a:br>
+                  <a:rPr lang="en-GB" dirty="0" smtClean="0"/>
+                </a:br>
+                <a:endParaRPr lang="en-GB" dirty="0" smtClean="0"/>
+              </a:p>
+              <a:p>
+                <a:pPr lvl="1">
+                  <a:buFont typeface="Wingdings" charset="2"/>
+                  <a:buChar char="Ø"/>
+                </a:pPr>
+                <a:r>
+                  <a:rPr lang="en-GB" sz="2000" dirty="0"/>
+                  <a:t> </a:t>
+                </a:r>
+                <a:r>
+                  <a:rPr lang="en-GB" sz="2000" dirty="0" smtClean="0"/>
+                  <a:t>In our algorithm : </a:t>
+                </a:r>
+                <a14:m>
+                  <m:oMath xmlns:m="http://schemas.openxmlformats.org/officeDocument/2006/math">
+                    <m:sSup>
+                      <m:sSupPr>
+                        <m:ctrlPr>
+                          <a:rPr lang="nl-BE" sz="2000" b="0" i="1" smtClean="0">
+                            <a:latin typeface="Cambria Math" charset="0"/>
+                          </a:rPr>
+                        </m:ctrlPr>
+                      </m:sSupPr>
+                      <m:e>
+                        <m:r>
+                          <a:rPr lang="nl-BE" sz="2000" b="0" i="1" smtClean="0">
+                            <a:latin typeface="Cambria Math" charset="0"/>
+                          </a:rPr>
+                          <m:t>𝑀</m:t>
+                        </m:r>
+                      </m:e>
+                      <m:sup>
+                        <m:r>
+                          <a:rPr lang="nl-BE" sz="2000" b="0" i="1" smtClean="0">
+                            <a:latin typeface="Cambria Math" charset="0"/>
+                          </a:rPr>
+                          <m:t>−1</m:t>
+                        </m:r>
+                      </m:sup>
+                    </m:sSup>
+                    <m:r>
+                      <a:rPr lang="nl-BE" sz="2000" b="0" i="1" smtClean="0">
+                        <a:latin typeface="Cambria Math" charset="0"/>
+                      </a:rPr>
+                      <m:t>=</m:t>
+                    </m:r>
+                    <m:sSup>
+                      <m:sSupPr>
+                        <m:ctrlPr>
+                          <a:rPr lang="nl-BE" sz="2000" b="0" i="1" smtClean="0">
+                            <a:latin typeface="Cambria Math" charset="0"/>
+                          </a:rPr>
+                        </m:ctrlPr>
+                      </m:sSupPr>
+                      <m:e>
+                        <m:r>
+                          <a:rPr lang="nl-BE" sz="2000" b="0" i="1" smtClean="0">
+                            <a:latin typeface="Cambria Math" charset="0"/>
+                          </a:rPr>
+                          <m:t>𝑃</m:t>
+                        </m:r>
+                      </m:e>
+                      <m:sup>
+                        <m:r>
+                          <a:rPr lang="nl-BE" sz="2000" b="0" i="1" smtClean="0">
+                            <a:latin typeface="Cambria Math" charset="0"/>
+                          </a:rPr>
+                          <m:t>𝑓</m:t>
+                        </m:r>
+                      </m:sup>
+                    </m:sSup>
+                    <m:r>
+                      <a:rPr lang="nl-BE" sz="2000" b="0" i="1" smtClean="0">
+                        <a:latin typeface="Cambria Math" charset="0"/>
+                      </a:rPr>
+                      <m:t>+</m:t>
+                    </m:r>
+                    <m:sSup>
+                      <m:sSupPr>
+                        <m:ctrlPr>
+                          <a:rPr lang="nl-BE" sz="2000" b="0" i="1" smtClean="0">
+                            <a:latin typeface="Cambria Math" charset="0"/>
+                          </a:rPr>
+                        </m:ctrlPr>
+                      </m:sSupPr>
+                      <m:e>
+                        <m:r>
+                          <a:rPr lang="nl-BE" sz="2000" b="0" i="1" smtClean="0">
+                            <a:latin typeface="Cambria Math" charset="0"/>
+                          </a:rPr>
+                          <m:t>𝑃</m:t>
+                        </m:r>
+                      </m:e>
+                      <m:sup>
+                        <m:r>
+                          <a:rPr lang="nl-BE" sz="2000" b="0" i="1" smtClean="0">
+                            <a:latin typeface="Cambria Math" charset="0"/>
+                          </a:rPr>
+                          <m:t>𝑐</m:t>
+                        </m:r>
+                      </m:sup>
+                    </m:sSup>
+                  </m:oMath>
+                </a14:m>
+                <a:endParaRPr lang="en-GB" dirty="0" smtClean="0"/>
+              </a:p>
+              <a:p>
+                <a:pPr lvl="1">
+                  <a:buFont typeface="Wingdings" charset="2"/>
+                  <a:buChar char="Ø"/>
+                </a:pPr>
+                <a:r>
+                  <a:rPr lang="en-GB" dirty="0"/>
+                  <a:t> </a:t>
+                </a:r>
+                <a:r>
+                  <a:rPr lang="en-GB" sz="2000" dirty="0" smtClean="0"/>
+                  <a:t>We hope that : </a:t>
+                </a:r>
+                <a14:m>
+                  <m:oMath xmlns:m="http://schemas.openxmlformats.org/officeDocument/2006/math">
+                    <m:sSup>
+                      <m:sSupPr>
+                        <m:ctrlPr>
+                          <a:rPr lang="nl-BE" sz="2000" b="0" i="1" smtClean="0">
+                            <a:latin typeface="Cambria Math" charset="0"/>
+                          </a:rPr>
+                        </m:ctrlPr>
+                      </m:sSupPr>
+                      <m:e>
+                        <m:r>
+                          <a:rPr lang="nl-BE" sz="2000" b="0" i="1" smtClean="0">
+                            <a:latin typeface="Cambria Math" charset="0"/>
+                          </a:rPr>
+                          <m:t>𝑃</m:t>
+                        </m:r>
+                      </m:e>
+                      <m:sup>
+                        <m:r>
+                          <a:rPr lang="nl-BE" sz="2000" b="0" i="1" smtClean="0">
+                            <a:latin typeface="Cambria Math" charset="0"/>
+                          </a:rPr>
+                          <m:t>𝑓</m:t>
+                        </m:r>
+                      </m:sup>
+                    </m:sSup>
+                    <m:r>
+                      <a:rPr lang="nl-BE" sz="2000" b="0" i="1" smtClean="0">
+                        <a:latin typeface="Cambria Math" charset="0"/>
+                      </a:rPr>
+                      <m:t>+</m:t>
+                    </m:r>
+                    <m:sSup>
+                      <m:sSupPr>
+                        <m:ctrlPr>
+                          <a:rPr lang="nl-BE" sz="2000" b="0" i="1" smtClean="0">
+                            <a:latin typeface="Cambria Math" charset="0"/>
+                          </a:rPr>
+                        </m:ctrlPr>
+                      </m:sSupPr>
+                      <m:e>
+                        <m:r>
+                          <a:rPr lang="nl-BE" sz="2000" b="0" i="1" smtClean="0">
+                            <a:latin typeface="Cambria Math" charset="0"/>
+                          </a:rPr>
+                          <m:t>𝑃</m:t>
+                        </m:r>
+                      </m:e>
+                      <m:sup>
+                        <m:r>
+                          <a:rPr lang="nl-BE" sz="2000" b="0" i="1" smtClean="0">
+                            <a:latin typeface="Cambria Math" charset="0"/>
+                          </a:rPr>
+                          <m:t>𝑐</m:t>
+                        </m:r>
+                      </m:sup>
+                    </m:sSup>
+                    <m:r>
+                      <a:rPr lang="nl-BE" sz="2000" b="0" i="1" smtClean="0">
+                        <a:latin typeface="Cambria Math" charset="0"/>
+                      </a:rPr>
+                      <m:t>≈</m:t>
+                    </m:r>
+                    <m:sSup>
+                      <m:sSupPr>
+                        <m:ctrlPr>
+                          <a:rPr lang="nl-BE" sz="2000" b="0" i="1" smtClean="0">
+                            <a:latin typeface="Cambria Math" charset="0"/>
+                          </a:rPr>
+                        </m:ctrlPr>
+                      </m:sSupPr>
+                      <m:e>
+                        <m:r>
+                          <a:rPr lang="nl-BE" sz="2000" b="0" i="1" smtClean="0">
+                            <a:latin typeface="Cambria Math" charset="0"/>
+                          </a:rPr>
+                          <m:t>𝐴</m:t>
+                        </m:r>
+                      </m:e>
+                      <m:sup>
+                        <m:r>
+                          <a:rPr lang="nl-BE" sz="2000" b="0" i="1" smtClean="0">
+                            <a:latin typeface="Cambria Math" charset="0"/>
+                          </a:rPr>
+                          <m:t>−1</m:t>
+                        </m:r>
+                      </m:sup>
+                    </m:sSup>
+                  </m:oMath>
+                </a14:m>
+                <a:endParaRPr lang="en-GB" dirty="0"/>
+              </a:p>
+            </p:txBody>
+          </p:sp>
+        </mc:Choice>
+        <mc:Fallback>
+          <p:sp>
+            <p:nvSpPr>
+              <p:cNvPr id="10" name="Espace réservé du contenu 9"/>
+              <p:cNvSpPr>
+                <a:spLocks noGrp="1" noRot="1" noChangeAspect="1" noMove="1" noResize="1" noEditPoints="1" noAdjustHandles="1" noChangeArrowheads="1" noChangeShapeType="1" noTextEdit="1"/>
+              </p:cNvSpPr>
+              <p:nvPr>
+                <p:ph sz="quarter" idx="4"/>
+              </p:nvPr>
+            </p:nvSpPr>
+            <p:spPr>
+              <a:blipFill rotWithShape="0">
+                <a:blip r:embed="rId6"/>
+                <a:stretch>
+                  <a:fillRect l="-2963" t="-1986" r="-1852"/>
+                </a:stretch>
+              </a:blipFill>
+            </p:spPr>
+            <p:txBody>
+              <a:bodyPr/>
+              <a:lstStyle/>
+              <a:p>
+                <a:r>
+                  <a:rPr lang="en-GB">
+                    <a:noFill/>
+                  </a:rPr>
+                  <a:t> </a:t>
+                </a:r>
+              </a:p>
+            </p:txBody>
+          </p:sp>
+        </mc:Fallback>
+      </mc:AlternateContent>
+      <p:sp>
+        <p:nvSpPr>
+          <p:cNvPr id="5" name="Espace réservé du numéro de diapositive 4"/>
+          <p:cNvSpPr>
+            <a:spLocks noGrp="1"/>
+          </p:cNvSpPr>
+          <p:nvPr>
+            <p:ph type="sldNum" sz="quarter" idx="12"/>
+          </p:nvPr>
+        </p:nvSpPr>
+        <p:spPr/>
+        <p:txBody>
+          <a:bodyPr/>
+          <a:lstStyle/>
+          <a:p>
+            <a:fld id="{E9347C92-BBEE-224D-BE6C-518EEC8431DA}" type="slidenum">
+              <a:rPr lang="en-GB" smtClean="0"/>
+              <a:t>14</a:t>
+            </a:fld>
+            <a:endParaRPr lang="en-GB"/>
+          </a:p>
+        </p:txBody>
+      </p:sp>
+    </p:spTree>
+    <p:extLst>
+      <p:ext uri="{BB962C8B-B14F-4D97-AF65-F5344CB8AC3E}">
+        <p14:creationId xmlns:p14="http://schemas.microsoft.com/office/powerpoint/2010/main" val="511617998"/>
+      </p:ext>
+    </p:extLst>
+  </p:cSld>
+  <p:clrMapOvr>
+    <a:masterClrMapping/>
+  </p:clrMapOvr>
+  <p:timing>
+    <p:tnLst>
+      <p:par>
+        <p:cTn id="1" dur="indefinite" restart="never" nodeType="tmRoot"/>
+      </p:par>
+    </p:tnLst>
+  </p:timing>
+</p:sld>
+</file>
+
+<file path=ppt/slides/slide16.xml><?xml version="1.0" encoding="utf-8"?>
+<p:sld xmlns:a="http://schemas.openxmlformats.org/drawingml/2006/main" xmlns:r="http://schemas.openxmlformats.org/officeDocument/2006/relationships" xmlns:p="http://schemas.openxmlformats.org/presentationml/2006/main">
+  <p:cSld>
+    <p:spTree>
+      <p:nvGrpSpPr>
+        <p:cNvPr id="1" name=""/>
+        <p:cNvGrpSpPr/>
+        <p:nvPr/>
+      </p:nvGrpSpPr>
+      <p:grpSpPr>
+        <a:xfrm>
+          <a:off x="0" y="0"/>
+          <a:ext cx="0" cy="0"/>
+          <a:chOff x="0" y="0"/>
+          <a:chExt cx="0" cy="0"/>
+        </a:xfrm>
+      </p:grpSpPr>
+      <p:sp>
+        <p:nvSpPr>
+          <p:cNvPr id="2" name="Titre 1"/>
+          <p:cNvSpPr>
+            <a:spLocks noGrp="1"/>
+          </p:cNvSpPr>
+          <p:nvPr>
+            <p:ph type="title"/>
+          </p:nvPr>
+        </p:nvSpPr>
+        <p:spPr/>
+        <p:txBody>
+          <a:bodyPr>
+            <a:normAutofit fontScale="90000"/>
+          </a:bodyPr>
+          <a:lstStyle/>
+          <a:p>
+            <a:r>
+              <a:rPr lang="en-GB" b="1" dirty="0" smtClean="0">
+                <a:solidFill>
+                  <a:schemeClr val="accent2"/>
+                </a:solidFill>
+              </a:rPr>
+              <a:t>Multi scale </a:t>
+            </a:r>
+            <a:r>
+              <a:rPr lang="en-GB" dirty="0" smtClean="0"/>
+              <a:t>preconditioner to solve elliptic problems with high order methods with p4est</a:t>
+            </a:r>
+            <a:endParaRPr lang="en-GB" dirty="0"/>
+          </a:p>
+        </p:txBody>
+      </p:sp>
+      <p:sp>
+        <p:nvSpPr>
+          <p:cNvPr id="3" name="Espace réservé du contenu 2"/>
+          <p:cNvSpPr>
+            <a:spLocks noGrp="1"/>
+          </p:cNvSpPr>
+          <p:nvPr>
+            <p:ph idx="1"/>
+          </p:nvPr>
+        </p:nvSpPr>
+        <p:spPr/>
+        <p:txBody>
+          <a:bodyPr/>
+          <a:lstStyle/>
+          <a:p>
+            <a:endParaRPr lang="en-GB" dirty="0"/>
+          </a:p>
+        </p:txBody>
+      </p:sp>
+      <p:sp>
+        <p:nvSpPr>
+          <p:cNvPr id="5" name="Espace réservé du numéro de diapositive 4"/>
+          <p:cNvSpPr>
+            <a:spLocks noGrp="1"/>
+          </p:cNvSpPr>
+          <p:nvPr>
+            <p:ph type="sldNum" sz="quarter" idx="12"/>
+          </p:nvPr>
+        </p:nvSpPr>
+        <p:spPr/>
+        <p:txBody>
+          <a:bodyPr/>
+          <a:lstStyle/>
+          <a:p>
+            <a:fld id="{E9347C92-BBEE-224D-BE6C-518EEC8431DA}" type="slidenum">
+              <a:rPr lang="en-GB" smtClean="0"/>
+              <a:t>15</a:t>
+            </a:fld>
+            <a:endParaRPr lang="en-GB"/>
+          </a:p>
+        </p:txBody>
+      </p:sp>
+    </p:spTree>
+    <p:extLst>
+      <p:ext uri="{BB962C8B-B14F-4D97-AF65-F5344CB8AC3E}">
+        <p14:creationId xmlns:p14="http://schemas.microsoft.com/office/powerpoint/2010/main" val="1784891449"/>
+      </p:ext>
+    </p:extLst>
+  </p:cSld>
+  <p:clrMapOvr>
+    <a:masterClrMapping/>
+  </p:clrMapOvr>
+  <p:timing>
+    <p:tnLst>
+      <p:par>
+        <p:cTn id="1" dur="indefinite" restart="never" nodeType="tmRoot"/>
+      </p:par>
+    </p:tnLst>
+  </p:timing>
+</p:sld>
+</file>
+
+<file path=ppt/slides/slide17.xml><?xml version="1.0" encoding="utf-8"?>
+<p:sld xmlns:a="http://schemas.openxmlformats.org/drawingml/2006/main" xmlns:r="http://schemas.openxmlformats.org/officeDocument/2006/relationships" xmlns:p="http://schemas.openxmlformats.org/presentationml/2006/main">
+  <p:cSld>
+    <p:spTree>
+      <p:nvGrpSpPr>
+        <p:cNvPr id="1" name=""/>
+        <p:cNvGrpSpPr/>
+        <p:nvPr/>
+      </p:nvGrpSpPr>
+      <p:grpSpPr>
+        <a:xfrm>
+          <a:off x="0" y="0"/>
+          <a:ext cx="0" cy="0"/>
+          <a:chOff x="0" y="0"/>
+          <a:chExt cx="0" cy="0"/>
+        </a:xfrm>
+      </p:grpSpPr>
+      <p:sp>
+        <p:nvSpPr>
+          <p:cNvPr id="2" name="Titre 1"/>
+          <p:cNvSpPr>
+            <a:spLocks noGrp="1"/>
+          </p:cNvSpPr>
+          <p:nvPr>
+            <p:ph type="title"/>
+          </p:nvPr>
+        </p:nvSpPr>
+        <p:spPr/>
+        <p:txBody>
+          <a:bodyPr>
+            <a:normAutofit fontScale="90000"/>
+          </a:bodyPr>
+          <a:lstStyle/>
+          <a:p>
+            <a:r>
+              <a:rPr lang="en-GB" dirty="0" smtClean="0"/>
+              <a:t>Multi scale preconditioner to solve elliptic problems with high </a:t>
+            </a:r>
+            <a:r>
+              <a:rPr lang="en-GB" smtClean="0"/>
+              <a:t>order methods with p4est</a:t>
+            </a:r>
+            <a:endParaRPr lang="en-GB" dirty="0"/>
+          </a:p>
+        </p:txBody>
+      </p:sp>
+      <p:sp>
+        <p:nvSpPr>
+          <p:cNvPr id="3" name="Espace réservé du contenu 2"/>
+          <p:cNvSpPr>
+            <a:spLocks noGrp="1"/>
+          </p:cNvSpPr>
+          <p:nvPr>
+            <p:ph idx="1"/>
+          </p:nvPr>
+        </p:nvSpPr>
+        <p:spPr/>
+        <p:txBody>
+          <a:bodyPr/>
+          <a:lstStyle/>
+          <a:p>
+            <a:endParaRPr lang="en-GB" dirty="0"/>
+          </a:p>
+        </p:txBody>
+      </p:sp>
+      <p:sp>
+        <p:nvSpPr>
+          <p:cNvPr id="5" name="Espace réservé du numéro de diapositive 4"/>
+          <p:cNvSpPr>
+            <a:spLocks noGrp="1"/>
+          </p:cNvSpPr>
+          <p:nvPr>
+            <p:ph type="sldNum" sz="quarter" idx="12"/>
+          </p:nvPr>
+        </p:nvSpPr>
+        <p:spPr/>
+        <p:txBody>
+          <a:bodyPr/>
+          <a:lstStyle/>
+          <a:p>
+            <a:fld id="{E9347C92-BBEE-224D-BE6C-518EEC8431DA}" type="slidenum">
+              <a:rPr lang="en-GB" smtClean="0"/>
+              <a:t>16</a:t>
+            </a:fld>
+            <a:endParaRPr lang="en-GB"/>
+          </a:p>
+        </p:txBody>
+      </p:sp>
+    </p:spTree>
+    <p:extLst>
+      <p:ext uri="{BB962C8B-B14F-4D97-AF65-F5344CB8AC3E}">
+        <p14:creationId xmlns:p14="http://schemas.microsoft.com/office/powerpoint/2010/main" val="595091370"/>
+      </p:ext>
+    </p:extLst>
+  </p:cSld>
+  <p:clrMapOvr>
+    <a:masterClrMapping/>
+  </p:clrMapOvr>
+  <p:timing>
+    <p:tnLst>
+      <p:par>
+        <p:cTn id="1" dur="indefinite" restart="never" nodeType="tmRoot"/>
+      </p:par>
+    </p:tnLst>
+  </p:timing>
+</p:sld>
+</file>
+
+<file path=ppt/slides/slide18.xml><?xml version="1.0" encoding="utf-8"?>
+<p:sld xmlns:a="http://schemas.openxmlformats.org/drawingml/2006/main" xmlns:r="http://schemas.openxmlformats.org/officeDocument/2006/relationships" xmlns:p="http://schemas.openxmlformats.org/presentationml/2006/main">
+  <p:cSld>
+    <p:spTree>
+      <p:nvGrpSpPr>
+        <p:cNvPr id="1" name=""/>
+        <p:cNvGrpSpPr/>
+        <p:nvPr/>
+      </p:nvGrpSpPr>
+      <p:grpSpPr>
+        <a:xfrm>
+          <a:off x="0" y="0"/>
+          <a:ext cx="0" cy="0"/>
+          <a:chOff x="0" y="0"/>
+          <a:chExt cx="0" cy="0"/>
+        </a:xfrm>
+      </p:grpSpPr>
+      <p:sp>
+        <p:nvSpPr>
+          <p:cNvPr id="2" name="Titre 1"/>
+          <p:cNvSpPr>
+            <a:spLocks noGrp="1"/>
+          </p:cNvSpPr>
+          <p:nvPr>
+            <p:ph type="title"/>
+          </p:nvPr>
+        </p:nvSpPr>
+        <p:spPr/>
+        <p:txBody>
+          <a:bodyPr>
+            <a:normAutofit fontScale="90000"/>
+          </a:bodyPr>
+          <a:lstStyle/>
+          <a:p>
+            <a:r>
+              <a:rPr lang="en-GB" dirty="0" smtClean="0"/>
+              <a:t>Multi scale preconditioner to solve elliptic problems with high </a:t>
+            </a:r>
+            <a:r>
+              <a:rPr lang="en-GB" smtClean="0"/>
+              <a:t>order methods with p4est</a:t>
+            </a:r>
+            <a:endParaRPr lang="en-GB" dirty="0"/>
+          </a:p>
+        </p:txBody>
+      </p:sp>
+      <p:sp>
+        <p:nvSpPr>
+          <p:cNvPr id="3" name="Espace réservé du contenu 2"/>
+          <p:cNvSpPr>
+            <a:spLocks noGrp="1"/>
+          </p:cNvSpPr>
+          <p:nvPr>
+            <p:ph idx="1"/>
+          </p:nvPr>
+        </p:nvSpPr>
+        <p:spPr/>
+        <p:txBody>
+          <a:bodyPr/>
+          <a:lstStyle/>
+          <a:p>
+            <a:endParaRPr lang="en-GB" dirty="0"/>
+          </a:p>
+        </p:txBody>
+      </p:sp>
+      <p:sp>
+        <p:nvSpPr>
+          <p:cNvPr id="5" name="Espace réservé du numéro de diapositive 4"/>
+          <p:cNvSpPr>
+            <a:spLocks noGrp="1"/>
+          </p:cNvSpPr>
+          <p:nvPr>
+            <p:ph type="sldNum" sz="quarter" idx="12"/>
+          </p:nvPr>
+        </p:nvSpPr>
+        <p:spPr/>
+        <p:txBody>
+          <a:bodyPr/>
+          <a:lstStyle/>
+          <a:p>
+            <a:fld id="{E9347C92-BBEE-224D-BE6C-518EEC8431DA}" type="slidenum">
+              <a:rPr lang="en-GB" smtClean="0"/>
+              <a:t>17</a:t>
+            </a:fld>
+            <a:endParaRPr lang="en-GB"/>
+          </a:p>
+        </p:txBody>
+      </p:sp>
+    </p:spTree>
+    <p:extLst>
+      <p:ext uri="{BB962C8B-B14F-4D97-AF65-F5344CB8AC3E}">
+        <p14:creationId xmlns:p14="http://schemas.microsoft.com/office/powerpoint/2010/main" val="1187314836"/>
+      </p:ext>
+    </p:extLst>
+  </p:cSld>
+  <p:clrMapOvr>
+    <a:masterClrMapping/>
+  </p:clrMapOvr>
+  <p:timing>
+    <p:tnLst>
+      <p:par>
+        <p:cTn id="1" dur="indefinite" restart="never" nodeType="tmRoot"/>
+      </p:par>
+    </p:tnLst>
+  </p:timing>
+</p:sld>
+</file>
+
+<file path=ppt/slides/slide19.xml><?xml version="1.0" encoding="utf-8"?>
+<p:sld xmlns:a="http://schemas.openxmlformats.org/drawingml/2006/main" xmlns:r="http://schemas.openxmlformats.org/officeDocument/2006/relationships" xmlns:p="http://schemas.openxmlformats.org/presentationml/2006/main">
+  <p:cSld>
+    <p:spTree>
+      <p:nvGrpSpPr>
+        <p:cNvPr id="1" name=""/>
+        <p:cNvGrpSpPr/>
+        <p:nvPr/>
+      </p:nvGrpSpPr>
+      <p:grpSpPr>
+        <a:xfrm>
+          <a:off x="0" y="0"/>
+          <a:ext cx="0" cy="0"/>
+          <a:chOff x="0" y="0"/>
+          <a:chExt cx="0" cy="0"/>
+        </a:xfrm>
+      </p:grpSpPr>
+      <p:sp>
+        <p:nvSpPr>
+          <p:cNvPr id="2" name="Titre 1"/>
+          <p:cNvSpPr>
+            <a:spLocks noGrp="1"/>
+          </p:cNvSpPr>
+          <p:nvPr>
+            <p:ph type="title"/>
+          </p:nvPr>
+        </p:nvSpPr>
+        <p:spPr/>
+        <p:txBody>
+          <a:bodyPr>
+            <a:normAutofit fontScale="90000"/>
+          </a:bodyPr>
+          <a:lstStyle/>
+          <a:p>
+            <a:r>
+              <a:rPr lang="en-GB" dirty="0" smtClean="0"/>
+              <a:t>Multi scale preconditioner to solve elliptic problems with high </a:t>
+            </a:r>
+            <a:r>
+              <a:rPr lang="en-GB" smtClean="0"/>
+              <a:t>order methods with p4est</a:t>
+            </a:r>
+            <a:endParaRPr lang="en-GB" dirty="0"/>
+          </a:p>
+        </p:txBody>
+      </p:sp>
+      <p:sp>
+        <p:nvSpPr>
+          <p:cNvPr id="3" name="Espace réservé du contenu 2"/>
+          <p:cNvSpPr>
+            <a:spLocks noGrp="1"/>
+          </p:cNvSpPr>
+          <p:nvPr>
+            <p:ph idx="1"/>
+          </p:nvPr>
+        </p:nvSpPr>
+        <p:spPr/>
+        <p:txBody>
+          <a:bodyPr/>
+          <a:lstStyle/>
+          <a:p>
+            <a:endParaRPr lang="en-GB" dirty="0"/>
+          </a:p>
+        </p:txBody>
+      </p:sp>
+      <p:sp>
+        <p:nvSpPr>
+          <p:cNvPr id="5" name="Espace réservé du numéro de diapositive 4"/>
+          <p:cNvSpPr>
+            <a:spLocks noGrp="1"/>
+          </p:cNvSpPr>
+          <p:nvPr>
+            <p:ph type="sldNum" sz="quarter" idx="12"/>
+          </p:nvPr>
+        </p:nvSpPr>
+        <p:spPr/>
+        <p:txBody>
+          <a:bodyPr/>
+          <a:lstStyle/>
+          <a:p>
+            <a:fld id="{E9347C92-BBEE-224D-BE6C-518EEC8431DA}" type="slidenum">
+              <a:rPr lang="en-GB" smtClean="0"/>
+              <a:t>18</a:t>
             </a:fld>
             <a:endParaRPr lang="en-GB"/>
           </a:p>
@@ -5920,8 +8169,8 @@
           </a:p>
         </p:txBody>
       </p:sp>
-      <mc:AlternateContent xmlns:mc="http://schemas.openxmlformats.org/markup-compatibility/2006">
-        <mc:Choice xmlns:a14="http://schemas.microsoft.com/office/drawing/2010/main" Requires="a14">
+      <mc:AlternateContent xmlns:mc="http://schemas.openxmlformats.org/markup-compatibility/2006" xmlns:a14="http://schemas.microsoft.com/office/drawing/2010/main">
+        <mc:Choice Requires="a14">
           <p:sp>
             <p:nvSpPr>
               <p:cNvPr id="3" name="Espace réservé du contenu 2"/>
@@ -5964,7 +8213,7 @@
                           <a:rPr lang="nl-BE" sz="4400" b="0" i="0" smtClean="0">
                             <a:latin typeface="Cambria Math" charset="0"/>
                           </a:rPr>
-                          <m:t>∇</m:t>
+                          <m:t>𝛻</m:t>
                         </m:r>
                       </m:e>
                       <m:sup>
@@ -6109,7 +8358,7 @@
             </p:txBody>
           </p:sp>
         </mc:Choice>
-        <mc:Fallback>
+        <mc:Fallback xmlns="">
           <p:sp>
             <p:nvSpPr>
               <p:cNvPr id="3" name="Espace réservé du contenu 2"/>
@@ -6988,34 +9237,20 @@
         </p:nvSpPr>
         <p:spPr/>
         <p:txBody>
-          <a:bodyPr>
-            <a:normAutofit fontScale="90000"/>
-          </a:bodyPr>
+          <a:bodyPr/>
           <a:lstStyle/>
           <a:p>
             <a:r>
               <a:rPr lang="en-GB" dirty="0" smtClean="0"/>
-              <a:t>Multi scale preconditioner to solve elliptic problems with high order methods with </a:t>
-            </a:r>
-            <a:r>
-              <a:rPr lang="en-GB" b="1" dirty="0" smtClean="0">
-                <a:solidFill>
-                  <a:schemeClr val="accent2"/>
-                </a:solidFill>
-              </a:rPr>
-              <a:t>p4est</a:t>
-            </a:r>
-            <a:endParaRPr lang="en-GB" b="1" dirty="0">
-              <a:solidFill>
-                <a:schemeClr val="accent2"/>
-              </a:solidFill>
-            </a:endParaRPr>
+              <a:t>Adaptive Mesh Refinement (AMR) adapts the elements to the problem</a:t>
+            </a:r>
+            <a:endParaRPr lang="en-GB" dirty="0"/>
           </a:p>
         </p:txBody>
       </p:sp>
       <p:pic>
         <p:nvPicPr>
-          <p:cNvPr id="4" name="Espace réservé du contenu 3"/>
+          <p:cNvPr id="5" name="Espace réservé du contenu 4"/>
           <p:cNvPicPr>
             <a:picLocks noGrp="1" noChangeAspect="1"/>
           </p:cNvPicPr>
@@ -7024,7 +9259,7 @@
           </p:nvPr>
         </p:nvPicPr>
         <p:blipFill>
-          <a:blip r:embed="rId3">
+          <a:blip r:embed="rId2">
             <a:extLst>
               <a:ext uri="{28A0092B-C50C-407E-A947-70E740481C1C}">
                 <a14:useLocalDpi xmlns:a14="http://schemas.microsoft.com/office/drawing/2010/main" val="0"/>
@@ -7037,14 +9272,14 @@
         </p:blipFill>
         <p:spPr>
           <a:xfrm>
-            <a:off x="1233488" y="2305050"/>
-            <a:ext cx="9785962" cy="3024188"/>
+            <a:off x="2454470" y="1928748"/>
+            <a:ext cx="7344019" cy="4339648"/>
           </a:xfrm>
         </p:spPr>
       </p:pic>
       <p:sp>
         <p:nvSpPr>
-          <p:cNvPr id="5" name="Espace réservé du numéro de diapositive 4"/>
+          <p:cNvPr id="4" name="Espace réservé du numéro de diapositive 3"/>
           <p:cNvSpPr>
             <a:spLocks noGrp="1"/>
           </p:cNvSpPr>
@@ -7068,7 +9303,7 @@
     </p:spTree>
     <p:extLst>
       <p:ext uri="{BB962C8B-B14F-4D97-AF65-F5344CB8AC3E}">
-        <p14:creationId xmlns:p14="http://schemas.microsoft.com/office/powerpoint/2010/main" val="1622786320"/>
+        <p14:creationId xmlns:p14="http://schemas.microsoft.com/office/powerpoint/2010/main" val="1863201573"/>
       </p:ext>
     </p:extLst>
   </p:cSld>
@@ -7121,7 +9356,7 @@
           <a:p>
             <a:r>
               <a:rPr lang="en-GB" dirty="0" smtClean="0"/>
-              <a:t>Multi scale preconditioner to solve elliptic problems with </a:t>
+              <a:t>Multi scale preconditioner to solve elliptic problems with high order methods with </a:t>
             </a:r>
             <a:r>
               <a:rPr lang="en-GB" b="1" dirty="0" smtClean="0">
@@ -7129,35 +9364,45 @@
                   <a:schemeClr val="accent2"/>
                 </a:solidFill>
               </a:rPr>
-              <a:t>high order methods </a:t>
-            </a:r>
-            <a:r>
-              <a:rPr lang="en-GB" dirty="0" smtClean="0"/>
-              <a:t>with p4est</a:t>
-            </a:r>
-            <a:endParaRPr lang="en-GB" dirty="0"/>
-          </a:p>
-        </p:txBody>
-      </p:sp>
-      <p:sp>
-        <p:nvSpPr>
-          <p:cNvPr id="3" name="Espace réservé du contenu 2"/>
-          <p:cNvSpPr>
-            <a:spLocks noGrp="1"/>
-          </p:cNvSpPr>
+              <a:t>p4est</a:t>
+            </a:r>
+            <a:endParaRPr lang="en-GB" b="1" dirty="0">
+              <a:solidFill>
+                <a:schemeClr val="accent2"/>
+              </a:solidFill>
+            </a:endParaRPr>
+          </a:p>
+        </p:txBody>
+      </p:sp>
+      <p:pic>
+        <p:nvPicPr>
+          <p:cNvPr id="4" name="Espace réservé du contenu 3"/>
+          <p:cNvPicPr>
+            <a:picLocks noGrp="1" noChangeAspect="1"/>
+          </p:cNvPicPr>
           <p:nvPr>
             <p:ph idx="1"/>
           </p:nvPr>
-        </p:nvSpPr>
-        <p:spPr/>
-        <p:txBody>
-          <a:bodyPr/>
-          <a:lstStyle/>
-          <a:p>
-            <a:endParaRPr lang="en-GB" dirty="0"/>
-          </a:p>
-        </p:txBody>
-      </p:sp>
+        </p:nvPicPr>
+        <p:blipFill>
+          <a:blip r:embed="rId3">
+            <a:extLst>
+              <a:ext uri="{28A0092B-C50C-407E-A947-70E740481C1C}">
+                <a14:useLocalDpi xmlns:a14="http://schemas.microsoft.com/office/drawing/2010/main" val="0"/>
+              </a:ext>
+            </a:extLst>
+          </a:blip>
+          <a:stretch>
+            <a:fillRect/>
+          </a:stretch>
+        </p:blipFill>
+        <p:spPr>
+          <a:xfrm>
+            <a:off x="1233488" y="2305050"/>
+            <a:ext cx="9785962" cy="3024188"/>
+          </a:xfrm>
+        </p:spPr>
+      </p:pic>
       <p:sp>
         <p:nvSpPr>
           <p:cNvPr id="5" name="Espace réservé du numéro de diapositive 4"/>
@@ -7184,7 +9429,7 @@
     </p:spTree>
     <p:extLst>
       <p:ext uri="{BB962C8B-B14F-4D97-AF65-F5344CB8AC3E}">
-        <p14:creationId xmlns:p14="http://schemas.microsoft.com/office/powerpoint/2010/main" val="1789943381"/>
+        <p14:creationId xmlns:p14="http://schemas.microsoft.com/office/powerpoint/2010/main" val="1935198084"/>
       </p:ext>
     </p:extLst>
   </p:cSld>

--- a/thesis.pptx
+++ b/thesis.pptx
@@ -5,10 +5,10 @@
     <p:sldMasterId id="2147483780" r:id="rId1"/>
   </p:sldMasterIdLst>
   <p:notesMasterIdLst>
-    <p:notesMasterId r:id="rId21"/>
+    <p:notesMasterId r:id="rId26"/>
   </p:notesMasterIdLst>
   <p:handoutMasterIdLst>
-    <p:handoutMasterId r:id="rId22"/>
+    <p:handoutMasterId r:id="rId27"/>
   </p:handoutMasterIdLst>
   <p:sldIdLst>
     <p:sldId id="256" r:id="rId2"/>
@@ -28,8 +28,13 @@
     <p:sldId id="260" r:id="rId16"/>
     <p:sldId id="261" r:id="rId17"/>
     <p:sldId id="262" r:id="rId18"/>
-    <p:sldId id="263" r:id="rId19"/>
-    <p:sldId id="264" r:id="rId20"/>
+    <p:sldId id="264" r:id="rId19"/>
+    <p:sldId id="263" r:id="rId20"/>
+    <p:sldId id="276" r:id="rId21"/>
+    <p:sldId id="277" r:id="rId22"/>
+    <p:sldId id="278" r:id="rId23"/>
+    <p:sldId id="279" r:id="rId24"/>
+    <p:sldId id="280" r:id="rId25"/>
   </p:sldIdLst>
   <p:sldSz cx="12192000" cy="6858000"/>
   <p:notesSz cx="6858000" cy="9144000"/>
@@ -225,7 +230,7 @@
           <a:p>
             <a:fld id="{5A26D769-2D5F-BF4D-A80F-4E1F4B9F3442}" type="datetimeFigureOut">
               <a:rPr lang="en-GB" smtClean="0"/>
-              <a:t>31/08/2017</a:t>
+              <a:t>01/09/2017</a:t>
             </a:fld>
             <a:endParaRPr lang="en-GB"/>
           </a:p>
@@ -395,7 +400,7 @@
           <a:p>
             <a:fld id="{F1951E44-92C1-9846-9EF4-1D5B4F67798B}" type="datetimeFigureOut">
               <a:rPr lang="en-GB" smtClean="0"/>
-              <a:t>31/08/2017</a:t>
+              <a:t>01/09/2017</a:t>
             </a:fld>
             <a:endParaRPr lang="en-GB"/>
           </a:p>
@@ -822,7 +827,7 @@
     </p:spTree>
     <p:extLst>
       <p:ext uri="{BB962C8B-B14F-4D97-AF65-F5344CB8AC3E}">
-        <p14:creationId xmlns:p14="http://schemas.microsoft.com/office/powerpoint/2010/main" val="782400728"/>
+        <p14:creationId xmlns:p14="http://schemas.microsoft.com/office/powerpoint/2010/main" val="435344405"/>
       </p:ext>
     </p:extLst>
   </p:cSld>
@@ -906,7 +911,427 @@
     </p:spTree>
     <p:extLst>
       <p:ext uri="{BB962C8B-B14F-4D97-AF65-F5344CB8AC3E}">
-        <p14:creationId xmlns:p14="http://schemas.microsoft.com/office/powerpoint/2010/main" val="435344405"/>
+        <p14:creationId xmlns:p14="http://schemas.microsoft.com/office/powerpoint/2010/main" val="782400728"/>
+      </p:ext>
+    </p:extLst>
+  </p:cSld>
+  <p:clrMapOvr>
+    <a:masterClrMapping/>
+  </p:clrMapOvr>
+</p:notes>
+</file>
+
+<file path=ppt/notesSlides/notesSlide12.xml><?xml version="1.0" encoding="utf-8"?>
+<p:notes xmlns:a="http://schemas.openxmlformats.org/drawingml/2006/main" xmlns:r="http://schemas.openxmlformats.org/officeDocument/2006/relationships" xmlns:p="http://schemas.openxmlformats.org/presentationml/2006/main">
+  <p:cSld>
+    <p:spTree>
+      <p:nvGrpSpPr>
+        <p:cNvPr id="1" name=""/>
+        <p:cNvGrpSpPr/>
+        <p:nvPr/>
+      </p:nvGrpSpPr>
+      <p:grpSpPr>
+        <a:xfrm>
+          <a:off x="0" y="0"/>
+          <a:ext cx="0" cy="0"/>
+          <a:chOff x="0" y="0"/>
+          <a:chExt cx="0" cy="0"/>
+        </a:xfrm>
+      </p:grpSpPr>
+      <p:sp>
+        <p:nvSpPr>
+          <p:cNvPr id="2" name="Espace réservé de l’image des diapositives 1"/>
+          <p:cNvSpPr>
+            <a:spLocks noGrp="1" noRot="1" noChangeAspect="1"/>
+          </p:cNvSpPr>
+          <p:nvPr>
+            <p:ph type="sldImg"/>
+          </p:nvPr>
+        </p:nvSpPr>
+        <p:spPr/>
+      </p:sp>
+      <p:sp>
+        <p:nvSpPr>
+          <p:cNvPr id="3" name="Espace réservé des commentaires 2"/>
+          <p:cNvSpPr>
+            <a:spLocks noGrp="1"/>
+          </p:cNvSpPr>
+          <p:nvPr>
+            <p:ph type="body" idx="1"/>
+          </p:nvPr>
+        </p:nvSpPr>
+        <p:spPr/>
+        <p:txBody>
+          <a:bodyPr/>
+          <a:lstStyle/>
+          <a:p>
+            <a:endParaRPr lang="en-GB"/>
+          </a:p>
+        </p:txBody>
+      </p:sp>
+      <p:sp>
+        <p:nvSpPr>
+          <p:cNvPr id="4" name="Espace réservé du numéro de diapositive 3"/>
+          <p:cNvSpPr>
+            <a:spLocks noGrp="1"/>
+          </p:cNvSpPr>
+          <p:nvPr>
+            <p:ph type="sldNum" sz="quarter" idx="10"/>
+          </p:nvPr>
+        </p:nvSpPr>
+        <p:spPr/>
+        <p:txBody>
+          <a:bodyPr/>
+          <a:lstStyle/>
+          <a:p>
+            <a:fld id="{D1D94985-559E-6C43-85DE-38F360D9BCEB}" type="slidenum">
+              <a:rPr lang="en-GB" smtClean="0"/>
+              <a:t>19</a:t>
+            </a:fld>
+            <a:endParaRPr lang="en-GB"/>
+          </a:p>
+        </p:txBody>
+      </p:sp>
+    </p:spTree>
+    <p:extLst>
+      <p:ext uri="{BB962C8B-B14F-4D97-AF65-F5344CB8AC3E}">
+        <p14:creationId xmlns:p14="http://schemas.microsoft.com/office/powerpoint/2010/main" val="12694702"/>
+      </p:ext>
+    </p:extLst>
+  </p:cSld>
+  <p:clrMapOvr>
+    <a:masterClrMapping/>
+  </p:clrMapOvr>
+</p:notes>
+</file>
+
+<file path=ppt/notesSlides/notesSlide13.xml><?xml version="1.0" encoding="utf-8"?>
+<p:notes xmlns:a="http://schemas.openxmlformats.org/drawingml/2006/main" xmlns:r="http://schemas.openxmlformats.org/officeDocument/2006/relationships" xmlns:p="http://schemas.openxmlformats.org/presentationml/2006/main">
+  <p:cSld>
+    <p:spTree>
+      <p:nvGrpSpPr>
+        <p:cNvPr id="1" name=""/>
+        <p:cNvGrpSpPr/>
+        <p:nvPr/>
+      </p:nvGrpSpPr>
+      <p:grpSpPr>
+        <a:xfrm>
+          <a:off x="0" y="0"/>
+          <a:ext cx="0" cy="0"/>
+          <a:chOff x="0" y="0"/>
+          <a:chExt cx="0" cy="0"/>
+        </a:xfrm>
+      </p:grpSpPr>
+      <p:sp>
+        <p:nvSpPr>
+          <p:cNvPr id="2" name="Espace réservé de l’image des diapositives 1"/>
+          <p:cNvSpPr>
+            <a:spLocks noGrp="1" noRot="1" noChangeAspect="1"/>
+          </p:cNvSpPr>
+          <p:nvPr>
+            <p:ph type="sldImg"/>
+          </p:nvPr>
+        </p:nvSpPr>
+        <p:spPr/>
+      </p:sp>
+      <p:sp>
+        <p:nvSpPr>
+          <p:cNvPr id="3" name="Espace réservé des commentaires 2"/>
+          <p:cNvSpPr>
+            <a:spLocks noGrp="1"/>
+          </p:cNvSpPr>
+          <p:nvPr>
+            <p:ph type="body" idx="1"/>
+          </p:nvPr>
+        </p:nvSpPr>
+        <p:spPr/>
+        <p:txBody>
+          <a:bodyPr/>
+          <a:lstStyle/>
+          <a:p>
+            <a:endParaRPr lang="en-GB"/>
+          </a:p>
+        </p:txBody>
+      </p:sp>
+      <p:sp>
+        <p:nvSpPr>
+          <p:cNvPr id="4" name="Espace réservé du numéro de diapositive 3"/>
+          <p:cNvSpPr>
+            <a:spLocks noGrp="1"/>
+          </p:cNvSpPr>
+          <p:nvPr>
+            <p:ph type="sldNum" sz="quarter" idx="10"/>
+          </p:nvPr>
+        </p:nvSpPr>
+        <p:spPr/>
+        <p:txBody>
+          <a:bodyPr/>
+          <a:lstStyle/>
+          <a:p>
+            <a:fld id="{D1D94985-559E-6C43-85DE-38F360D9BCEB}" type="slidenum">
+              <a:rPr lang="en-GB" smtClean="0"/>
+              <a:t>20</a:t>
+            </a:fld>
+            <a:endParaRPr lang="en-GB"/>
+          </a:p>
+        </p:txBody>
+      </p:sp>
+    </p:spTree>
+    <p:extLst>
+      <p:ext uri="{BB962C8B-B14F-4D97-AF65-F5344CB8AC3E}">
+        <p14:creationId xmlns:p14="http://schemas.microsoft.com/office/powerpoint/2010/main" val="47709847"/>
+      </p:ext>
+    </p:extLst>
+  </p:cSld>
+  <p:clrMapOvr>
+    <a:masterClrMapping/>
+  </p:clrMapOvr>
+</p:notes>
+</file>
+
+<file path=ppt/notesSlides/notesSlide14.xml><?xml version="1.0" encoding="utf-8"?>
+<p:notes xmlns:a="http://schemas.openxmlformats.org/drawingml/2006/main" xmlns:r="http://schemas.openxmlformats.org/officeDocument/2006/relationships" xmlns:p="http://schemas.openxmlformats.org/presentationml/2006/main">
+  <p:cSld>
+    <p:spTree>
+      <p:nvGrpSpPr>
+        <p:cNvPr id="1" name=""/>
+        <p:cNvGrpSpPr/>
+        <p:nvPr/>
+      </p:nvGrpSpPr>
+      <p:grpSpPr>
+        <a:xfrm>
+          <a:off x="0" y="0"/>
+          <a:ext cx="0" cy="0"/>
+          <a:chOff x="0" y="0"/>
+          <a:chExt cx="0" cy="0"/>
+        </a:xfrm>
+      </p:grpSpPr>
+      <p:sp>
+        <p:nvSpPr>
+          <p:cNvPr id="2" name="Espace réservé de l’image des diapositives 1"/>
+          <p:cNvSpPr>
+            <a:spLocks noGrp="1" noRot="1" noChangeAspect="1"/>
+          </p:cNvSpPr>
+          <p:nvPr>
+            <p:ph type="sldImg"/>
+          </p:nvPr>
+        </p:nvSpPr>
+        <p:spPr/>
+      </p:sp>
+      <p:sp>
+        <p:nvSpPr>
+          <p:cNvPr id="3" name="Espace réservé des commentaires 2"/>
+          <p:cNvSpPr>
+            <a:spLocks noGrp="1"/>
+          </p:cNvSpPr>
+          <p:nvPr>
+            <p:ph type="body" idx="1"/>
+          </p:nvPr>
+        </p:nvSpPr>
+        <p:spPr/>
+        <p:txBody>
+          <a:bodyPr/>
+          <a:lstStyle/>
+          <a:p>
+            <a:endParaRPr lang="en-GB"/>
+          </a:p>
+        </p:txBody>
+      </p:sp>
+      <p:sp>
+        <p:nvSpPr>
+          <p:cNvPr id="4" name="Espace réservé du numéro de diapositive 3"/>
+          <p:cNvSpPr>
+            <a:spLocks noGrp="1"/>
+          </p:cNvSpPr>
+          <p:nvPr>
+            <p:ph type="sldNum" sz="quarter" idx="10"/>
+          </p:nvPr>
+        </p:nvSpPr>
+        <p:spPr/>
+        <p:txBody>
+          <a:bodyPr/>
+          <a:lstStyle/>
+          <a:p>
+            <a:fld id="{D1D94985-559E-6C43-85DE-38F360D9BCEB}" type="slidenum">
+              <a:rPr lang="en-GB" smtClean="0"/>
+              <a:t>21</a:t>
+            </a:fld>
+            <a:endParaRPr lang="en-GB"/>
+          </a:p>
+        </p:txBody>
+      </p:sp>
+    </p:spTree>
+    <p:extLst>
+      <p:ext uri="{BB962C8B-B14F-4D97-AF65-F5344CB8AC3E}">
+        <p14:creationId xmlns:p14="http://schemas.microsoft.com/office/powerpoint/2010/main" val="1604232294"/>
+      </p:ext>
+    </p:extLst>
+  </p:cSld>
+  <p:clrMapOvr>
+    <a:masterClrMapping/>
+  </p:clrMapOvr>
+</p:notes>
+</file>
+
+<file path=ppt/notesSlides/notesSlide15.xml><?xml version="1.0" encoding="utf-8"?>
+<p:notes xmlns:a="http://schemas.openxmlformats.org/drawingml/2006/main" xmlns:r="http://schemas.openxmlformats.org/officeDocument/2006/relationships" xmlns:p="http://schemas.openxmlformats.org/presentationml/2006/main">
+  <p:cSld>
+    <p:spTree>
+      <p:nvGrpSpPr>
+        <p:cNvPr id="1" name=""/>
+        <p:cNvGrpSpPr/>
+        <p:nvPr/>
+      </p:nvGrpSpPr>
+      <p:grpSpPr>
+        <a:xfrm>
+          <a:off x="0" y="0"/>
+          <a:ext cx="0" cy="0"/>
+          <a:chOff x="0" y="0"/>
+          <a:chExt cx="0" cy="0"/>
+        </a:xfrm>
+      </p:grpSpPr>
+      <p:sp>
+        <p:nvSpPr>
+          <p:cNvPr id="2" name="Espace réservé de l’image des diapositives 1"/>
+          <p:cNvSpPr>
+            <a:spLocks noGrp="1" noRot="1" noChangeAspect="1"/>
+          </p:cNvSpPr>
+          <p:nvPr>
+            <p:ph type="sldImg"/>
+          </p:nvPr>
+        </p:nvSpPr>
+        <p:spPr/>
+      </p:sp>
+      <p:sp>
+        <p:nvSpPr>
+          <p:cNvPr id="3" name="Espace réservé des commentaires 2"/>
+          <p:cNvSpPr>
+            <a:spLocks noGrp="1"/>
+          </p:cNvSpPr>
+          <p:nvPr>
+            <p:ph type="body" idx="1"/>
+          </p:nvPr>
+        </p:nvSpPr>
+        <p:spPr/>
+        <p:txBody>
+          <a:bodyPr/>
+          <a:lstStyle/>
+          <a:p>
+            <a:endParaRPr lang="en-GB"/>
+          </a:p>
+        </p:txBody>
+      </p:sp>
+      <p:sp>
+        <p:nvSpPr>
+          <p:cNvPr id="4" name="Espace réservé du numéro de diapositive 3"/>
+          <p:cNvSpPr>
+            <a:spLocks noGrp="1"/>
+          </p:cNvSpPr>
+          <p:nvPr>
+            <p:ph type="sldNum" sz="quarter" idx="10"/>
+          </p:nvPr>
+        </p:nvSpPr>
+        <p:spPr/>
+        <p:txBody>
+          <a:bodyPr/>
+          <a:lstStyle/>
+          <a:p>
+            <a:fld id="{D1D94985-559E-6C43-85DE-38F360D9BCEB}" type="slidenum">
+              <a:rPr lang="en-GB" smtClean="0"/>
+              <a:t>22</a:t>
+            </a:fld>
+            <a:endParaRPr lang="en-GB"/>
+          </a:p>
+        </p:txBody>
+      </p:sp>
+    </p:spTree>
+    <p:extLst>
+      <p:ext uri="{BB962C8B-B14F-4D97-AF65-F5344CB8AC3E}">
+        <p14:creationId xmlns:p14="http://schemas.microsoft.com/office/powerpoint/2010/main" val="1332723157"/>
+      </p:ext>
+    </p:extLst>
+  </p:cSld>
+  <p:clrMapOvr>
+    <a:masterClrMapping/>
+  </p:clrMapOvr>
+</p:notes>
+</file>
+
+<file path=ppt/notesSlides/notesSlide16.xml><?xml version="1.0" encoding="utf-8"?>
+<p:notes xmlns:a="http://schemas.openxmlformats.org/drawingml/2006/main" xmlns:r="http://schemas.openxmlformats.org/officeDocument/2006/relationships" xmlns:p="http://schemas.openxmlformats.org/presentationml/2006/main">
+  <p:cSld>
+    <p:spTree>
+      <p:nvGrpSpPr>
+        <p:cNvPr id="1" name=""/>
+        <p:cNvGrpSpPr/>
+        <p:nvPr/>
+      </p:nvGrpSpPr>
+      <p:grpSpPr>
+        <a:xfrm>
+          <a:off x="0" y="0"/>
+          <a:ext cx="0" cy="0"/>
+          <a:chOff x="0" y="0"/>
+          <a:chExt cx="0" cy="0"/>
+        </a:xfrm>
+      </p:grpSpPr>
+      <p:sp>
+        <p:nvSpPr>
+          <p:cNvPr id="2" name="Espace réservé de l’image des diapositives 1"/>
+          <p:cNvSpPr>
+            <a:spLocks noGrp="1" noRot="1" noChangeAspect="1"/>
+          </p:cNvSpPr>
+          <p:nvPr>
+            <p:ph type="sldImg"/>
+          </p:nvPr>
+        </p:nvSpPr>
+        <p:spPr/>
+      </p:sp>
+      <p:sp>
+        <p:nvSpPr>
+          <p:cNvPr id="3" name="Espace réservé des commentaires 2"/>
+          <p:cNvSpPr>
+            <a:spLocks noGrp="1"/>
+          </p:cNvSpPr>
+          <p:nvPr>
+            <p:ph type="body" idx="1"/>
+          </p:nvPr>
+        </p:nvSpPr>
+        <p:spPr/>
+        <p:txBody>
+          <a:bodyPr/>
+          <a:lstStyle/>
+          <a:p>
+            <a:endParaRPr lang="en-GB"/>
+          </a:p>
+        </p:txBody>
+      </p:sp>
+      <p:sp>
+        <p:nvSpPr>
+          <p:cNvPr id="4" name="Espace réservé du numéro de diapositive 3"/>
+          <p:cNvSpPr>
+            <a:spLocks noGrp="1"/>
+          </p:cNvSpPr>
+          <p:nvPr>
+            <p:ph type="sldNum" sz="quarter" idx="10"/>
+          </p:nvPr>
+        </p:nvSpPr>
+        <p:spPr/>
+        <p:txBody>
+          <a:bodyPr/>
+          <a:lstStyle/>
+          <a:p>
+            <a:fld id="{D1D94985-559E-6C43-85DE-38F360D9BCEB}" type="slidenum">
+              <a:rPr lang="en-GB" smtClean="0"/>
+              <a:t>23</a:t>
+            </a:fld>
+            <a:endParaRPr lang="en-GB"/>
+          </a:p>
+        </p:txBody>
+      </p:sp>
+    </p:spTree>
+    <p:extLst>
+      <p:ext uri="{BB962C8B-B14F-4D97-AF65-F5344CB8AC3E}">
+        <p14:creationId xmlns:p14="http://schemas.microsoft.com/office/powerpoint/2010/main" val="599057061"/>
       </p:ext>
     </p:extLst>
   </p:cSld>
@@ -1814,7 +2239,7 @@
           <a:p>
             <a:fld id="{A27B244A-FE6D-944E-AC83-8DB6F52B8BD5}" type="datetime1">
               <a:rPr lang="fr-BE" smtClean="0"/>
-              <a:t>31/08/17</a:t>
+              <a:t>1/09/17</a:t>
             </a:fld>
             <a:endParaRPr lang="en-GB"/>
           </a:p>
@@ -2017,7 +2442,7 @@
           <a:p>
             <a:fld id="{07B740B5-01EC-FA48-B596-150C03104001}" type="datetime1">
               <a:rPr lang="fr-BE" smtClean="0"/>
-              <a:t>31/08/17</a:t>
+              <a:t>1/09/17</a:t>
             </a:fld>
             <a:endParaRPr lang="en-GB"/>
           </a:p>
@@ -2268,7 +2693,7 @@
           <a:p>
             <a:fld id="{6135C55C-7FEB-1843-BD0C-118D25394895}" type="datetime1">
               <a:rPr lang="fr-BE" smtClean="0"/>
-              <a:t>31/08/17</a:t>
+              <a:t>1/09/17</a:t>
             </a:fld>
             <a:endParaRPr lang="en-GB"/>
           </a:p>
@@ -2437,7 +2862,7 @@
           <a:p>
             <a:fld id="{4E0634D8-F601-0345-AC5E-19A355F58BD8}" type="datetime1">
               <a:rPr lang="fr-BE" smtClean="0"/>
-              <a:t>31/08/17</a:t>
+              <a:t>1/09/17</a:t>
             </a:fld>
             <a:endParaRPr lang="en-GB"/>
           </a:p>
@@ -2775,7 +3200,7 @@
           <a:p>
             <a:fld id="{B5D3174E-31EF-0E42-9252-EFEBB6D4D4DB}" type="datetime1">
               <a:rPr lang="fr-BE" smtClean="0"/>
-              <a:t>31/08/17</a:t>
+              <a:t>1/09/17</a:t>
             </a:fld>
             <a:endParaRPr lang="en-GB"/>
           </a:p>
@@ -3045,7 +3470,7 @@
           <a:p>
             <a:fld id="{468C30DD-E0EB-C146-94EC-E7EB78972DFE}" type="datetime1">
               <a:rPr lang="fr-BE" smtClean="0"/>
-              <a:t>31/08/17</a:t>
+              <a:t>1/09/17</a:t>
             </a:fld>
             <a:endParaRPr lang="en-GB"/>
           </a:p>
@@ -3419,7 +3844,7 @@
           <a:p>
             <a:fld id="{3318A585-6EB7-8F4C-8153-71E3A7775E17}" type="datetime1">
               <a:rPr lang="fr-BE" smtClean="0"/>
-              <a:t>31/08/17</a:t>
+              <a:t>1/09/17</a:t>
             </a:fld>
             <a:endParaRPr lang="en-GB"/>
           </a:p>
@@ -3532,7 +3957,7 @@
           <a:p>
             <a:fld id="{2B66AD89-165C-A641-A9B1-0EF36C99E99F}" type="datetime1">
               <a:rPr lang="fr-BE" smtClean="0"/>
-              <a:t>31/08/17</a:t>
+              <a:t>1/09/17</a:t>
             </a:fld>
             <a:endParaRPr lang="en-GB"/>
           </a:p>
@@ -3698,7 +4123,7 @@
           <a:p>
             <a:fld id="{D62EFCCB-E28A-B149-A6CE-071A84905B57}" type="datetime1">
               <a:rPr lang="fr-BE" smtClean="0"/>
-              <a:t>31/08/17</a:t>
+              <a:t>1/09/17</a:t>
             </a:fld>
             <a:endParaRPr lang="en-GB"/>
           </a:p>
@@ -4047,7 +4472,7 @@
           <a:p>
             <a:fld id="{2F7EDE04-171C-5341-978C-73DB2A1D43C3}" type="datetime1">
               <a:rPr lang="fr-BE" smtClean="0"/>
-              <a:t>31/08/17</a:t>
+              <a:t>1/09/17</a:t>
             </a:fld>
             <a:endParaRPr lang="en-GB"/>
           </a:p>
@@ -4421,7 +4846,7 @@
           <a:p>
             <a:fld id="{142F3B68-8300-3B41-8651-2FFDB29C720F}" type="datetime1">
               <a:rPr lang="fr-BE" smtClean="0"/>
-              <a:t>31/08/17</a:t>
+              <a:t>1/09/17</a:t>
             </a:fld>
             <a:endParaRPr lang="en-GB"/>
           </a:p>
@@ -4703,7 +5128,7 @@
           <a:p>
             <a:fld id="{CA2B5EEC-5F23-A94A-9560-3B1B5C7AF378}" type="datetime1">
               <a:rPr lang="fr-BE" smtClean="0"/>
-              <a:t>31/08/17</a:t>
+              <a:t>1/09/17</a:t>
             </a:fld>
             <a:endParaRPr lang="en-GB"/>
           </a:p>
@@ -5597,8 +6022,8 @@
           </a:xfrm>
         </p:spPr>
       </p:pic>
-      <mc:AlternateContent xmlns:mc="http://schemas.openxmlformats.org/markup-compatibility/2006">
-        <mc:Choice xmlns:a14="http://schemas.microsoft.com/office/drawing/2010/main" Requires="a14">
+      <mc:AlternateContent xmlns:mc="http://schemas.openxmlformats.org/markup-compatibility/2006" xmlns:a14="http://schemas.microsoft.com/office/drawing/2010/main">
+        <mc:Choice Requires="a14">
           <p:sp>
             <p:nvSpPr>
               <p:cNvPr id="8" name="Espace réservé du contenu 7"/>
@@ -5713,7 +6138,7 @@
                           <a:rPr lang="nl-BE" b="0" i="0" smtClean="0">
                             <a:latin typeface="Cambria Math" charset="0"/>
                           </a:rPr>
-                          <m:t>∇</m:t>
+                          <m:t>𝛻</m:t>
                         </m:r>
                         <m:sSub>
                           <m:sSubPr>
@@ -5750,7 +6175,7 @@
                           <a:rPr lang="nl-BE" b="0" i="0" smtClean="0">
                             <a:latin typeface="Cambria Math" charset="0"/>
                           </a:rPr>
-                          <m:t>∇</m:t>
+                          <m:t>𝛻</m:t>
                         </m:r>
                         <m:sSub>
                           <m:sSubPr>
@@ -5891,7 +6316,7 @@
             </p:txBody>
           </p:sp>
         </mc:Choice>
-        <mc:Fallback>
+        <mc:Fallback xmlns="">
           <p:sp>
             <p:nvSpPr>
               <p:cNvPr id="8" name="Espace réservé du contenu 7"/>
@@ -6151,8 +6576,8 @@
           </a:xfrm>
         </p:spPr>
       </p:pic>
-      <mc:AlternateContent xmlns:mc="http://schemas.openxmlformats.org/markup-compatibility/2006">
-        <mc:Choice xmlns:a14="http://schemas.microsoft.com/office/drawing/2010/main" Requires="a14">
+      <mc:AlternateContent xmlns:mc="http://schemas.openxmlformats.org/markup-compatibility/2006" xmlns:a14="http://schemas.microsoft.com/office/drawing/2010/main">
+        <mc:Choice Requires="a14">
           <p:sp>
             <p:nvSpPr>
               <p:cNvPr id="7" name="Espace réservé du contenu 6"/>
@@ -6412,7 +6837,7 @@
             </p:txBody>
           </p:sp>
         </mc:Choice>
-        <mc:Fallback>
+        <mc:Fallback xmlns="">
           <p:sp>
             <p:nvSpPr>
               <p:cNvPr id="7" name="Espace réservé du contenu 6"/>
@@ -6661,8 +7086,8 @@
           </a:p>
         </p:txBody>
       </p:sp>
-      <mc:AlternateContent xmlns:mc="http://schemas.openxmlformats.org/markup-compatibility/2006">
-        <mc:Choice xmlns:a14="http://schemas.microsoft.com/office/drawing/2010/main" Requires="a14">
+      <mc:AlternateContent xmlns:mc="http://schemas.openxmlformats.org/markup-compatibility/2006" xmlns:a14="http://schemas.microsoft.com/office/drawing/2010/main">
+        <mc:Choice Requires="a14">
           <p:sp>
             <p:nvSpPr>
               <p:cNvPr id="7" name="Espace réservé du texte 6"/>
@@ -6711,7 +7136,7 @@
             </p:txBody>
           </p:sp>
         </mc:Choice>
-        <mc:Fallback>
+        <mc:Fallback xmlns="">
           <p:sp>
             <p:nvSpPr>
               <p:cNvPr id="7" name="Espace réservé du texte 6"/>
@@ -6745,8 +7170,8 @@
           </p:sp>
         </mc:Fallback>
       </mc:AlternateContent>
-      <mc:AlternateContent xmlns:mc="http://schemas.openxmlformats.org/markup-compatibility/2006">
-        <mc:Choice xmlns:a14="http://schemas.microsoft.com/office/drawing/2010/main" Requires="a14">
+      <mc:AlternateContent xmlns:mc="http://schemas.openxmlformats.org/markup-compatibility/2006" xmlns:a14="http://schemas.microsoft.com/office/drawing/2010/main">
+        <mc:Choice Requires="a14">
           <p:sp>
             <p:nvSpPr>
               <p:cNvPr id="8" name="Espace réservé du contenu 7"/>
@@ -6909,7 +7334,7 @@
             </p:txBody>
           </p:sp>
         </mc:Choice>
-        <mc:Fallback>
+        <mc:Fallback xmlns="">
           <p:sp>
             <p:nvSpPr>
               <p:cNvPr id="8" name="Espace réservé du contenu 7"/>
@@ -6943,8 +7368,8 @@
           </p:sp>
         </mc:Fallback>
       </mc:AlternateContent>
-      <mc:AlternateContent xmlns:mc="http://schemas.openxmlformats.org/markup-compatibility/2006">
-        <mc:Choice xmlns:a14="http://schemas.microsoft.com/office/drawing/2010/main" Requires="a14">
+      <mc:AlternateContent xmlns:mc="http://schemas.openxmlformats.org/markup-compatibility/2006" xmlns:a14="http://schemas.microsoft.com/office/drawing/2010/main">
+        <mc:Choice Requires="a14">
           <p:sp>
             <p:nvSpPr>
               <p:cNvPr id="9" name="Espace réservé du texte 8"/>
@@ -6960,6 +7385,7 @@
               <a:bodyPr/>
               <a:lstStyle/>
               <a:p>
+                <a:pPr/>
                 <a14:m>
                   <m:oMathPara xmlns:m="http://schemas.openxmlformats.org/officeDocument/2006/math">
                     <m:oMathParaPr>
@@ -7042,7 +7468,7 @@
             </p:txBody>
           </p:sp>
         </mc:Choice>
-        <mc:Fallback>
+        <mc:Fallback xmlns="">
           <p:sp>
             <p:nvSpPr>
               <p:cNvPr id="9" name="Espace réservé du texte 8"/>
@@ -7076,8 +7502,8 @@
           </p:sp>
         </mc:Fallback>
       </mc:AlternateContent>
-      <mc:AlternateContent xmlns:mc="http://schemas.openxmlformats.org/markup-compatibility/2006">
-        <mc:Choice xmlns:a14="http://schemas.microsoft.com/office/drawing/2010/main" Requires="a14">
+      <mc:AlternateContent xmlns:mc="http://schemas.openxmlformats.org/markup-compatibility/2006" xmlns:a14="http://schemas.microsoft.com/office/drawing/2010/main">
+        <mc:Choice Requires="a14">
           <p:sp>
             <p:nvSpPr>
               <p:cNvPr id="10" name="Espace réservé du contenu 9"/>
@@ -7098,8 +7524,12 @@
                   <a:buChar char="•"/>
                 </a:pPr>
                 <a:r>
+                  <a:rPr lang="en-GB" dirty="0"/>
+                  <a:t> </a:t>
+                </a:r>
+                <a:r>
                   <a:rPr lang="en-GB" dirty="0" smtClean="0"/>
-                  <a:t> If </a:t>
+                  <a:t>If </a:t>
                 </a:r>
                 <a14:m>
                   <m:oMath xmlns:m="http://schemas.openxmlformats.org/officeDocument/2006/math">
@@ -7135,7 +7565,7 @@
                 </a:pPr>
                 <a:r>
                   <a:rPr lang="en-GB" dirty="0" smtClean="0"/>
-                  <a:t>If </a:t>
+                  <a:t> If </a:t>
                 </a:r>
                 <a14:m>
                   <m:oMath xmlns:m="http://schemas.openxmlformats.org/officeDocument/2006/math">
@@ -7490,7 +7920,7 @@
             </p:txBody>
           </p:sp>
         </mc:Choice>
-        <mc:Fallback>
+        <mc:Fallback xmlns="">
           <p:sp>
             <p:nvSpPr>
               <p:cNvPr id="10" name="Espace réservé du contenu 9"/>
@@ -7619,23 +8049,110 @@
       </p:sp>
       <p:sp>
         <p:nvSpPr>
+          <p:cNvPr id="4" name="Espace réservé du texte 3"/>
+          <p:cNvSpPr>
+            <a:spLocks noGrp="1"/>
+          </p:cNvSpPr>
+          <p:nvPr>
+            <p:ph type="body" idx="1"/>
+          </p:nvPr>
+        </p:nvSpPr>
+        <p:spPr/>
+        <p:txBody>
+          <a:bodyPr/>
+          <a:lstStyle/>
+          <a:p>
+            <a:pPr algn="ctr"/>
+            <a:r>
+              <a:rPr lang="en-GB" dirty="0" smtClean="0"/>
+              <a:t>Fine scale : Domain Decomposition (OAS)</a:t>
+            </a:r>
+            <a:endParaRPr lang="en-GB" dirty="0"/>
+          </a:p>
+        </p:txBody>
+      </p:sp>
+      <p:pic>
+        <p:nvPicPr>
+          <p:cNvPr id="9" name="Espace réservé du contenu 8"/>
+          <p:cNvPicPr>
+            <a:picLocks noGrp="1" noChangeAspect="1"/>
+          </p:cNvPicPr>
+          <p:nvPr>
+            <p:ph sz="half" idx="2"/>
+          </p:nvPr>
+        </p:nvPicPr>
+        <p:blipFill>
+          <a:blip r:embed="rId3">
+            <a:extLst>
+              <a:ext uri="{28A0092B-C50C-407E-A947-70E740481C1C}">
+                <a14:useLocalDpi xmlns:a14="http://schemas.microsoft.com/office/drawing/2010/main" val="0"/>
+              </a:ext>
+            </a:extLst>
+          </a:blip>
+          <a:stretch>
+            <a:fillRect/>
+          </a:stretch>
+        </p:blipFill>
+        <p:spPr>
+          <a:xfrm>
+            <a:off x="1096963" y="2812798"/>
+            <a:ext cx="4938712" cy="2918329"/>
+          </a:xfrm>
+        </p:spPr>
+      </p:pic>
+      <p:sp>
+        <p:nvSpPr>
+          <p:cNvPr id="7" name="Espace réservé du texte 6"/>
+          <p:cNvSpPr>
+            <a:spLocks noGrp="1"/>
+          </p:cNvSpPr>
+          <p:nvPr>
+            <p:ph type="body" sz="quarter" idx="3"/>
+          </p:nvPr>
+        </p:nvSpPr>
+        <p:spPr/>
+        <p:txBody>
+          <a:bodyPr/>
+          <a:lstStyle/>
+          <a:p>
+            <a:pPr algn="ctr"/>
+            <a:r>
+              <a:rPr lang="en-GB" dirty="0" smtClean="0"/>
+              <a:t>Coarse scale : Geometric multigrid</a:t>
+            </a:r>
+            <a:endParaRPr lang="en-GB" dirty="0"/>
+          </a:p>
+        </p:txBody>
+      </p:sp>
+      <p:pic>
+        <p:nvPicPr>
           <p:cNvPr id="3" name="Espace réservé du contenu 2"/>
-          <p:cNvSpPr>
-            <a:spLocks noGrp="1"/>
-          </p:cNvSpPr>
-          <p:nvPr>
-            <p:ph idx="1"/>
-          </p:nvPr>
-        </p:nvSpPr>
-        <p:spPr/>
-        <p:txBody>
-          <a:bodyPr/>
-          <a:lstStyle/>
-          <a:p>
-            <a:endParaRPr lang="en-GB" dirty="0"/>
-          </a:p>
-        </p:txBody>
-      </p:sp>
+          <p:cNvPicPr>
+            <a:picLocks noGrp="1" noChangeAspect="1"/>
+          </p:cNvPicPr>
+          <p:nvPr>
+            <p:ph sz="quarter" idx="4"/>
+          </p:nvPr>
+        </p:nvPicPr>
+        <p:blipFill>
+          <a:blip r:embed="rId4">
+            <a:extLst>
+              <a:ext uri="{28A0092B-C50C-407E-A947-70E740481C1C}">
+                <a14:useLocalDpi xmlns:a14="http://schemas.microsoft.com/office/drawing/2010/main" val="0"/>
+              </a:ext>
+            </a:extLst>
+          </a:blip>
+          <a:stretch>
+            <a:fillRect/>
+          </a:stretch>
+        </p:blipFill>
+        <p:spPr>
+          <a:xfrm>
+            <a:off x="6218238" y="2813267"/>
+            <a:ext cx="4937125" cy="2917392"/>
+          </a:xfrm>
+        </p:spPr>
+      </p:pic>
       <p:sp>
         <p:nvSpPr>
           <p:cNvPr id="5" name="Espace réservé du numéro de diapositive 4"/>
@@ -7709,37 +8226,112 @@
         <p:spPr/>
         <p:txBody>
           <a:bodyPr>
-            <a:normAutofit fontScale="90000"/>
+            <a:normAutofit/>
           </a:bodyPr>
           <a:lstStyle/>
           <a:p>
             <a:r>
               <a:rPr lang="en-GB" dirty="0" smtClean="0"/>
-              <a:t>Multi scale preconditioner to solve elliptic problems with high </a:t>
-            </a:r>
-            <a:r>
-              <a:rPr lang="en-GB" smtClean="0"/>
-              <a:t>order methods with p4est</a:t>
+              <a:t>The fine scale preconditioner solves the problem exactly on each quadrant</a:t>
             </a:r>
             <a:endParaRPr lang="en-GB" dirty="0"/>
           </a:p>
         </p:txBody>
       </p:sp>
-      <p:sp>
-        <p:nvSpPr>
-          <p:cNvPr id="3" name="Espace réservé du contenu 2"/>
-          <p:cNvSpPr>
-            <a:spLocks noGrp="1"/>
-          </p:cNvSpPr>
-          <p:nvPr>
-            <p:ph idx="1"/>
-          </p:nvPr>
-        </p:nvSpPr>
-        <p:spPr/>
-        <p:txBody>
-          <a:bodyPr/>
-          <a:lstStyle/>
-          <a:p>
+      <p:pic>
+        <p:nvPicPr>
+          <p:cNvPr id="7" name="Espace réservé du contenu 6"/>
+          <p:cNvPicPr>
+            <a:picLocks noGrp="1" noChangeAspect="1"/>
+          </p:cNvPicPr>
+          <p:nvPr>
+            <p:ph sz="half" idx="1"/>
+          </p:nvPr>
+        </p:nvPicPr>
+        <p:blipFill>
+          <a:blip r:embed="rId3">
+            <a:extLst>
+              <a:ext uri="{28A0092B-C50C-407E-A947-70E740481C1C}">
+                <a14:useLocalDpi xmlns:a14="http://schemas.microsoft.com/office/drawing/2010/main" val="0"/>
+              </a:ext>
+            </a:extLst>
+          </a:blip>
+          <a:stretch>
+            <a:fillRect/>
+          </a:stretch>
+        </p:blipFill>
+        <p:spPr>
+          <a:xfrm>
+            <a:off x="1096963" y="2398461"/>
+            <a:ext cx="4938712" cy="2918329"/>
+          </a:xfrm>
+        </p:spPr>
+      </p:pic>
+      <p:sp>
+        <p:nvSpPr>
+          <p:cNvPr id="6" name="Espace réservé du contenu 5"/>
+          <p:cNvSpPr>
+            <a:spLocks noGrp="1"/>
+          </p:cNvSpPr>
+          <p:nvPr>
+            <p:ph sz="half" idx="2"/>
+          </p:nvPr>
+        </p:nvSpPr>
+        <p:spPr/>
+        <p:txBody>
+          <a:bodyPr anchor="ctr"/>
+          <a:lstStyle/>
+          <a:p>
+            <a:pPr>
+              <a:buFont typeface="Arial" charset="0"/>
+              <a:buChar char="•"/>
+            </a:pPr>
+            <a:r>
+              <a:rPr lang="en-GB" dirty="0" smtClean="0"/>
+              <a:t> We add one layer of nodes on each side to obtain overlapping subdomains</a:t>
+            </a:r>
+          </a:p>
+          <a:p>
+            <a:pPr>
+              <a:buFont typeface="Arial" charset="0"/>
+              <a:buChar char="•"/>
+            </a:pPr>
+            <a:r>
+              <a:rPr lang="en-GB" dirty="0"/>
+              <a:t> </a:t>
+            </a:r>
+            <a:r>
+              <a:rPr lang="en-GB" dirty="0" smtClean="0"/>
+              <a:t>If we have hanging nodes, we need to interpolate the residual</a:t>
+            </a:r>
+          </a:p>
+          <a:p>
+            <a:pPr>
+              <a:buFont typeface="Arial" charset="0"/>
+              <a:buChar char="•"/>
+            </a:pPr>
+            <a:r>
+              <a:rPr lang="en-GB" dirty="0"/>
+              <a:t> </a:t>
+            </a:r>
+            <a:r>
+              <a:rPr lang="en-GB" dirty="0" smtClean="0"/>
+              <a:t>We assume that the quadrant is aligned with the axes</a:t>
+            </a:r>
+          </a:p>
+          <a:p>
+            <a:pPr lvl="1">
+              <a:buFont typeface="Wingdings" charset="2"/>
+              <a:buChar char="Ø"/>
+            </a:pPr>
+            <a:r>
+              <a:rPr lang="en-GB" dirty="0"/>
+              <a:t> </a:t>
+            </a:r>
+            <a:r>
+              <a:rPr lang="en-GB" dirty="0" smtClean="0"/>
+              <a:t>allows us to solve the problem analytically</a:t>
+            </a:r>
             <a:endParaRPr lang="en-GB" dirty="0"/>
           </a:p>
         </p:txBody>
@@ -7817,41 +8409,47 @@
         <p:spPr/>
         <p:txBody>
           <a:bodyPr>
-            <a:normAutofit fontScale="90000"/>
+            <a:normAutofit/>
           </a:bodyPr>
           <a:lstStyle/>
           <a:p>
             <a:r>
               <a:rPr lang="en-GB" dirty="0" smtClean="0"/>
-              <a:t>Multi scale preconditioner to solve elliptic problems with high </a:t>
-            </a:r>
-            <a:r>
-              <a:rPr lang="en-GB" smtClean="0"/>
-              <a:t>order methods with p4est</a:t>
+              <a:t>A quadrant can have four types of neighbours</a:t>
             </a:r>
             <a:endParaRPr lang="en-GB" dirty="0"/>
           </a:p>
         </p:txBody>
       </p:sp>
-      <p:sp>
-        <p:nvSpPr>
-          <p:cNvPr id="3" name="Espace réservé du contenu 2"/>
-          <p:cNvSpPr>
-            <a:spLocks noGrp="1"/>
-          </p:cNvSpPr>
+      <p:pic>
+        <p:nvPicPr>
+          <p:cNvPr id="4" name="Espace réservé du contenu 3"/>
+          <p:cNvPicPr>
+            <a:picLocks noGrp="1" noChangeAspect="1"/>
+          </p:cNvPicPr>
           <p:nvPr>
             <p:ph idx="1"/>
           </p:nvPr>
-        </p:nvSpPr>
-        <p:spPr/>
-        <p:txBody>
-          <a:bodyPr/>
-          <a:lstStyle/>
-          <a:p>
-            <a:endParaRPr lang="en-GB" dirty="0"/>
-          </a:p>
-        </p:txBody>
-      </p:sp>
+        </p:nvPicPr>
+        <p:blipFill>
+          <a:blip r:embed="rId3">
+            <a:extLst>
+              <a:ext uri="{28A0092B-C50C-407E-A947-70E740481C1C}">
+                <a14:useLocalDpi xmlns:a14="http://schemas.microsoft.com/office/drawing/2010/main" val="0"/>
+              </a:ext>
+            </a:extLst>
+          </a:blip>
+          <a:stretch>
+            <a:fillRect/>
+          </a:stretch>
+        </p:blipFill>
+        <p:spPr>
+          <a:xfrm>
+            <a:off x="2722319" y="1846263"/>
+            <a:ext cx="6807688" cy="4022725"/>
+          </a:xfrm>
+        </p:spPr>
+      </p:pic>
       <p:sp>
         <p:nvSpPr>
           <p:cNvPr id="5" name="Espace réservé du numéro de diapositive 4"/>
@@ -7878,7 +8476,7 @@
     </p:spTree>
     <p:extLst>
       <p:ext uri="{BB962C8B-B14F-4D97-AF65-F5344CB8AC3E}">
-        <p14:creationId xmlns:p14="http://schemas.microsoft.com/office/powerpoint/2010/main" val="1187314836"/>
+        <p14:creationId xmlns:p14="http://schemas.microsoft.com/office/powerpoint/2010/main" val="766664915"/>
       </p:ext>
     </p:extLst>
   </p:cSld>
@@ -7925,37 +8523,69 @@
         <p:spPr/>
         <p:txBody>
           <a:bodyPr>
-            <a:normAutofit fontScale="90000"/>
+            <a:normAutofit/>
           </a:bodyPr>
           <a:lstStyle/>
           <a:p>
             <a:r>
               <a:rPr lang="en-GB" dirty="0" smtClean="0"/>
-              <a:t>Multi scale preconditioner to solve elliptic problems with high </a:t>
-            </a:r>
-            <a:r>
-              <a:rPr lang="en-GB" smtClean="0"/>
-              <a:t>order methods with p4est</a:t>
+              <a:t>The coarse scale correction solves a low order problem on the whole domain</a:t>
             </a:r>
             <a:endParaRPr lang="en-GB" dirty="0"/>
           </a:p>
         </p:txBody>
       </p:sp>
-      <p:sp>
-        <p:nvSpPr>
-          <p:cNvPr id="3" name="Espace réservé du contenu 2"/>
-          <p:cNvSpPr>
-            <a:spLocks noGrp="1"/>
-          </p:cNvSpPr>
-          <p:nvPr>
-            <p:ph idx="1"/>
-          </p:nvPr>
-        </p:nvSpPr>
-        <p:spPr/>
-        <p:txBody>
-          <a:bodyPr/>
-          <a:lstStyle/>
-          <a:p>
+      <p:pic>
+        <p:nvPicPr>
+          <p:cNvPr id="7" name="Espace réservé du contenu 6"/>
+          <p:cNvPicPr>
+            <a:picLocks noGrp="1" noChangeAspect="1"/>
+          </p:cNvPicPr>
+          <p:nvPr>
+            <p:ph sz="half" idx="1"/>
+          </p:nvPr>
+        </p:nvPicPr>
+        <p:blipFill>
+          <a:blip r:embed="rId3">
+            <a:extLst>
+              <a:ext uri="{28A0092B-C50C-407E-A947-70E740481C1C}">
+                <a14:useLocalDpi xmlns:a14="http://schemas.microsoft.com/office/drawing/2010/main" val="0"/>
+              </a:ext>
+            </a:extLst>
+          </a:blip>
+          <a:stretch>
+            <a:fillRect/>
+          </a:stretch>
+        </p:blipFill>
+        <p:spPr>
+          <a:xfrm>
+            <a:off x="193675" y="2398250"/>
+            <a:ext cx="4938712" cy="2918329"/>
+          </a:xfrm>
+        </p:spPr>
+      </p:pic>
+      <p:sp>
+        <p:nvSpPr>
+          <p:cNvPr id="6" name="Espace réservé du contenu 5"/>
+          <p:cNvSpPr>
+            <a:spLocks noGrp="1"/>
+          </p:cNvSpPr>
+          <p:nvPr>
+            <p:ph sz="half" idx="2"/>
+          </p:nvPr>
+        </p:nvSpPr>
+        <p:spPr/>
+        <p:txBody>
+          <a:bodyPr anchor="ctr"/>
+          <a:lstStyle/>
+          <a:p>
+            <a:pPr marL="0" indent="0">
+              <a:buNone/>
+            </a:pPr>
+            <a:r>
+              <a:rPr lang="en-GB" dirty="0" smtClean="0"/>
+              <a:t> </a:t>
+            </a:r>
             <a:endParaRPr lang="en-GB" dirty="0"/>
           </a:p>
         </p:txBody>
@@ -7983,10 +8613,70 @@
           </a:p>
         </p:txBody>
       </p:sp>
+      <p:pic>
+        <p:nvPicPr>
+          <p:cNvPr id="9" name="Image 8"/>
+          <p:cNvPicPr>
+            <a:picLocks noChangeAspect="1"/>
+          </p:cNvPicPr>
+          <p:nvPr/>
+        </p:nvPicPr>
+        <p:blipFill>
+          <a:blip r:embed="rId4">
+            <a:extLst>
+              <a:ext uri="{28A0092B-C50C-407E-A947-70E740481C1C}">
+                <a14:useLocalDpi xmlns:a14="http://schemas.microsoft.com/office/drawing/2010/main" val="0"/>
+              </a:ext>
+            </a:extLst>
+          </a:blip>
+          <a:stretch>
+            <a:fillRect/>
+          </a:stretch>
+        </p:blipFill>
+        <p:spPr>
+          <a:xfrm>
+            <a:off x="4810125" y="2657264"/>
+            <a:ext cx="6845300" cy="2400300"/>
+          </a:xfrm>
+          <a:prstGeom prst="rect">
+            <a:avLst/>
+          </a:prstGeom>
+        </p:spPr>
+      </p:pic>
+      <p:sp>
+        <p:nvSpPr>
+          <p:cNvPr id="10" name="ZoneTexte 9"/>
+          <p:cNvSpPr txBox="1"/>
+          <p:nvPr/>
+        </p:nvSpPr>
+        <p:spPr>
+          <a:xfrm>
+            <a:off x="4810125" y="2142153"/>
+            <a:ext cx="4938712" cy="461665"/>
+          </a:xfrm>
+          <a:prstGeom prst="rect">
+            <a:avLst/>
+          </a:prstGeom>
+          <a:noFill/>
+        </p:spPr>
+        <p:txBody>
+          <a:bodyPr wrap="square" rtlCol="0">
+            <a:spAutoFit/>
+          </a:bodyPr>
+          <a:lstStyle/>
+          <a:p>
+            <a:r>
+              <a:rPr lang="en-GB" sz="2400" b="1" dirty="0" smtClean="0"/>
+              <a:t>Geometric multigrid method</a:t>
+            </a:r>
+            <a:endParaRPr lang="en-GB" sz="2400" b="1" dirty="0"/>
+          </a:p>
+        </p:txBody>
+      </p:sp>
     </p:spTree>
     <p:extLst>
       <p:ext uri="{BB962C8B-B14F-4D97-AF65-F5344CB8AC3E}">
-        <p14:creationId xmlns:p14="http://schemas.microsoft.com/office/powerpoint/2010/main" val="766664915"/>
+        <p14:creationId xmlns:p14="http://schemas.microsoft.com/office/powerpoint/2010/main" val="1187314836"/>
       </p:ext>
     </p:extLst>
   </p:cSld>
@@ -8113,6 +8803,1270 @@
     <p:extLst>
       <p:ext uri="{BB962C8B-B14F-4D97-AF65-F5344CB8AC3E}">
         <p14:creationId xmlns:p14="http://schemas.microsoft.com/office/powerpoint/2010/main" val="1689288310"/>
+      </p:ext>
+    </p:extLst>
+  </p:cSld>
+  <p:clrMapOvr>
+    <a:masterClrMapping/>
+  </p:clrMapOvr>
+  <p:timing>
+    <p:tnLst>
+      <p:par>
+        <p:cTn id="1" dur="indefinite" restart="never" nodeType="tmRoot"/>
+      </p:par>
+    </p:tnLst>
+  </p:timing>
+</p:sld>
+</file>
+
+<file path=ppt/slides/slide20.xml><?xml version="1.0" encoding="utf-8"?>
+<p:sld xmlns:a="http://schemas.openxmlformats.org/drawingml/2006/main" xmlns:r="http://schemas.openxmlformats.org/officeDocument/2006/relationships" xmlns:p="http://schemas.openxmlformats.org/presentationml/2006/main">
+  <p:cSld>
+    <p:spTree>
+      <p:nvGrpSpPr>
+        <p:cNvPr id="1" name=""/>
+        <p:cNvGrpSpPr/>
+        <p:nvPr/>
+      </p:nvGrpSpPr>
+      <p:grpSpPr>
+        <a:xfrm>
+          <a:off x="0" y="0"/>
+          <a:ext cx="0" cy="0"/>
+          <a:chOff x="0" y="0"/>
+          <a:chExt cx="0" cy="0"/>
+        </a:xfrm>
+      </p:grpSpPr>
+      <p:sp>
+        <p:nvSpPr>
+          <p:cNvPr id="2" name="Titre 1"/>
+          <p:cNvSpPr>
+            <a:spLocks noGrp="1"/>
+          </p:cNvSpPr>
+          <p:nvPr>
+            <p:ph type="title"/>
+          </p:nvPr>
+        </p:nvSpPr>
+        <p:spPr/>
+        <p:txBody>
+          <a:bodyPr>
+            <a:normAutofit/>
+          </a:bodyPr>
+          <a:lstStyle/>
+          <a:p>
+            <a:r>
+              <a:rPr lang="en-GB" dirty="0" smtClean="0"/>
+              <a:t>The levels are defined naturally using the forest of </a:t>
+            </a:r>
+            <a:r>
+              <a:rPr lang="en-GB" dirty="0" err="1" smtClean="0"/>
+              <a:t>quadtrees</a:t>
+            </a:r>
+            <a:endParaRPr lang="en-GB" dirty="0"/>
+          </a:p>
+        </p:txBody>
+      </p:sp>
+      <p:sp>
+        <p:nvSpPr>
+          <p:cNvPr id="7" name="Espace réservé du texte 6"/>
+          <p:cNvSpPr>
+            <a:spLocks noGrp="1"/>
+          </p:cNvSpPr>
+          <p:nvPr>
+            <p:ph type="body" idx="1"/>
+          </p:nvPr>
+        </p:nvSpPr>
+        <p:spPr/>
+        <p:txBody>
+          <a:bodyPr/>
+          <a:lstStyle/>
+          <a:p>
+            <a:pPr algn="ctr"/>
+            <a:r>
+              <a:rPr lang="en-GB" dirty="0" smtClean="0"/>
+              <a:t>Level 1</a:t>
+            </a:r>
+            <a:endParaRPr lang="en-GB" dirty="0"/>
+          </a:p>
+        </p:txBody>
+      </p:sp>
+      <p:sp>
+        <p:nvSpPr>
+          <p:cNvPr id="9" name="Espace réservé du texte 8"/>
+          <p:cNvSpPr>
+            <a:spLocks noGrp="1"/>
+          </p:cNvSpPr>
+          <p:nvPr>
+            <p:ph type="body" sz="quarter" idx="3"/>
+          </p:nvPr>
+        </p:nvSpPr>
+        <p:spPr/>
+        <p:txBody>
+          <a:bodyPr/>
+          <a:lstStyle/>
+          <a:p>
+            <a:pPr algn="ctr"/>
+            <a:r>
+              <a:rPr lang="en-GB" dirty="0" smtClean="0"/>
+              <a:t>Level 0</a:t>
+            </a:r>
+            <a:endParaRPr lang="en-GB" dirty="0"/>
+          </a:p>
+        </p:txBody>
+      </p:sp>
+      <p:pic>
+        <p:nvPicPr>
+          <p:cNvPr id="14" name="Espace réservé du contenu 13"/>
+          <p:cNvPicPr>
+            <a:picLocks noGrp="1" noChangeAspect="1"/>
+          </p:cNvPicPr>
+          <p:nvPr>
+            <p:ph sz="quarter" idx="4"/>
+          </p:nvPr>
+        </p:nvPicPr>
+        <p:blipFill>
+          <a:blip r:embed="rId3">
+            <a:extLst>
+              <a:ext uri="{28A0092B-C50C-407E-A947-70E740481C1C}">
+                <a14:useLocalDpi xmlns:a14="http://schemas.microsoft.com/office/drawing/2010/main" val="0"/>
+              </a:ext>
+            </a:extLst>
+          </a:blip>
+          <a:stretch>
+            <a:fillRect/>
+          </a:stretch>
+        </p:blipFill>
+        <p:spPr>
+          <a:xfrm>
+            <a:off x="6218238" y="2813267"/>
+            <a:ext cx="4937125" cy="2917392"/>
+          </a:xfrm>
+        </p:spPr>
+      </p:pic>
+      <p:sp>
+        <p:nvSpPr>
+          <p:cNvPr id="5" name="Espace réservé du numéro de diapositive 4"/>
+          <p:cNvSpPr>
+            <a:spLocks noGrp="1"/>
+          </p:cNvSpPr>
+          <p:nvPr>
+            <p:ph type="sldNum" sz="quarter" idx="12"/>
+          </p:nvPr>
+        </p:nvSpPr>
+        <p:spPr/>
+        <p:txBody>
+          <a:bodyPr/>
+          <a:lstStyle/>
+          <a:p>
+            <a:fld id="{E9347C92-BBEE-224D-BE6C-518EEC8431DA}" type="slidenum">
+              <a:rPr lang="en-GB" smtClean="0"/>
+              <a:t>19</a:t>
+            </a:fld>
+            <a:endParaRPr lang="en-GB"/>
+          </a:p>
+        </p:txBody>
+      </p:sp>
+      <p:pic>
+        <p:nvPicPr>
+          <p:cNvPr id="13" name="Espace réservé du contenu 12"/>
+          <p:cNvPicPr>
+            <a:picLocks noGrp="1" noChangeAspect="1"/>
+          </p:cNvPicPr>
+          <p:nvPr>
+            <p:ph sz="half" idx="2"/>
+          </p:nvPr>
+        </p:nvPicPr>
+        <p:blipFill>
+          <a:blip r:embed="rId4">
+            <a:extLst>
+              <a:ext uri="{28A0092B-C50C-407E-A947-70E740481C1C}">
+                <a14:useLocalDpi xmlns:a14="http://schemas.microsoft.com/office/drawing/2010/main" val="0"/>
+              </a:ext>
+            </a:extLst>
+          </a:blip>
+          <a:stretch>
+            <a:fillRect/>
+          </a:stretch>
+        </p:blipFill>
+        <p:spPr>
+          <a:xfrm>
+            <a:off x="1096963" y="2812798"/>
+            <a:ext cx="4938712" cy="2918329"/>
+          </a:xfrm>
+        </p:spPr>
+      </p:pic>
+    </p:spTree>
+    <p:extLst>
+      <p:ext uri="{BB962C8B-B14F-4D97-AF65-F5344CB8AC3E}">
+        <p14:creationId xmlns:p14="http://schemas.microsoft.com/office/powerpoint/2010/main" val="1819362905"/>
+      </p:ext>
+    </p:extLst>
+  </p:cSld>
+  <p:clrMapOvr>
+    <a:masterClrMapping/>
+  </p:clrMapOvr>
+  <p:timing>
+    <p:tnLst>
+      <p:par>
+        <p:cTn id="1" dur="indefinite" restart="never" nodeType="tmRoot"/>
+      </p:par>
+    </p:tnLst>
+  </p:timing>
+</p:sld>
+</file>
+
+<file path=ppt/slides/slide21.xml><?xml version="1.0" encoding="utf-8"?>
+<p:sld xmlns:a="http://schemas.openxmlformats.org/drawingml/2006/main" xmlns:r="http://schemas.openxmlformats.org/officeDocument/2006/relationships" xmlns:p="http://schemas.openxmlformats.org/presentationml/2006/main">
+  <p:cSld>
+    <p:spTree>
+      <p:nvGrpSpPr>
+        <p:cNvPr id="1" name=""/>
+        <p:cNvGrpSpPr/>
+        <p:nvPr/>
+      </p:nvGrpSpPr>
+      <p:grpSpPr>
+        <a:xfrm>
+          <a:off x="0" y="0"/>
+          <a:ext cx="0" cy="0"/>
+          <a:chOff x="0" y="0"/>
+          <a:chExt cx="0" cy="0"/>
+        </a:xfrm>
+      </p:grpSpPr>
+      <p:sp>
+        <p:nvSpPr>
+          <p:cNvPr id="2" name="Titre 1"/>
+          <p:cNvSpPr>
+            <a:spLocks noGrp="1"/>
+          </p:cNvSpPr>
+          <p:nvPr>
+            <p:ph type="title"/>
+          </p:nvPr>
+        </p:nvSpPr>
+        <p:spPr/>
+        <p:txBody>
+          <a:bodyPr>
+            <a:normAutofit/>
+          </a:bodyPr>
+          <a:lstStyle/>
+          <a:p>
+            <a:r>
+              <a:rPr lang="en-GB" dirty="0" smtClean="0"/>
+              <a:t>Problem used for the different tests</a:t>
+            </a:r>
+            <a:endParaRPr lang="en-GB" dirty="0"/>
+          </a:p>
+        </p:txBody>
+      </p:sp>
+      <mc:AlternateContent xmlns:mc="http://schemas.openxmlformats.org/markup-compatibility/2006">
+        <mc:Choice xmlns:a14="http://schemas.microsoft.com/office/drawing/2010/main" Requires="a14">
+          <p:sp>
+            <p:nvSpPr>
+              <p:cNvPr id="6" name="Espace réservé du contenu 5"/>
+              <p:cNvSpPr>
+                <a:spLocks noGrp="1"/>
+              </p:cNvSpPr>
+              <p:nvPr>
+                <p:ph sz="half" idx="2"/>
+              </p:nvPr>
+            </p:nvSpPr>
+            <p:spPr>
+              <a:xfrm>
+                <a:off x="6217919" y="1845735"/>
+                <a:ext cx="5197793" cy="4023360"/>
+              </a:xfrm>
+            </p:spPr>
+            <p:txBody>
+              <a:bodyPr anchor="ctr"/>
+              <a:lstStyle/>
+              <a:p>
+                <a14:m>
+                  <m:oMath xmlns:m="http://schemas.openxmlformats.org/officeDocument/2006/math">
+                    <m:sSup>
+                      <m:sSupPr>
+                        <m:ctrlPr>
+                          <a:rPr lang="nl-BE" i="1" smtClean="0">
+                            <a:latin typeface="Cambria Math" charset="0"/>
+                          </a:rPr>
+                        </m:ctrlPr>
+                      </m:sSupPr>
+                      <m:e>
+                        <m:r>
+                          <a:rPr lang="nl-BE">
+                            <a:latin typeface="Cambria Math" charset="0"/>
+                          </a:rPr>
+                          <m:t>𝛻</m:t>
+                        </m:r>
+                      </m:e>
+                      <m:sup>
+                        <m:r>
+                          <a:rPr lang="nl-BE" i="1">
+                            <a:latin typeface="Cambria Math" charset="0"/>
+                          </a:rPr>
+                          <m:t>2</m:t>
+                        </m:r>
+                      </m:sup>
+                    </m:sSup>
+                    <m:r>
+                      <a:rPr lang="nl-BE" i="1">
+                        <a:latin typeface="Cambria Math" charset="0"/>
+                      </a:rPr>
+                      <m:t>𝑢</m:t>
+                    </m:r>
+                    <m:r>
+                      <a:rPr lang="nl-BE" i="1">
+                        <a:latin typeface="Cambria Math" charset="0"/>
+                      </a:rPr>
+                      <m:t>=</m:t>
+                    </m:r>
+                    <m:sSup>
+                      <m:sSupPr>
+                        <m:ctrlPr>
+                          <a:rPr lang="nl-BE" b="0" i="1" smtClean="0">
+                            <a:latin typeface="Cambria Math" charset="0"/>
+                          </a:rPr>
+                        </m:ctrlPr>
+                      </m:sSupPr>
+                      <m:e>
+                        <m:r>
+                          <a:rPr lang="nl-BE" b="0" i="1" smtClean="0">
+                            <a:latin typeface="Cambria Math" charset="0"/>
+                          </a:rPr>
+                          <m:t>𝑒</m:t>
+                        </m:r>
+                      </m:e>
+                      <m:sup>
+                        <m:r>
+                          <a:rPr lang="nl-BE" b="0" i="1" smtClean="0">
+                            <a:latin typeface="Cambria Math" charset="0"/>
+                          </a:rPr>
+                          <m:t>−</m:t>
+                        </m:r>
+                        <m:f>
+                          <m:fPr>
+                            <m:ctrlPr>
+                              <a:rPr lang="nl-BE" i="1" smtClean="0">
+                                <a:latin typeface="Cambria Math" charset="0"/>
+                              </a:rPr>
+                            </m:ctrlPr>
+                          </m:fPr>
+                          <m:num>
+                            <m:sSup>
+                              <m:sSupPr>
+                                <m:ctrlPr>
+                                  <a:rPr lang="nl-BE" b="0" i="1" smtClean="0">
+                                    <a:latin typeface="Cambria Math" charset="0"/>
+                                  </a:rPr>
+                                </m:ctrlPr>
+                              </m:sSupPr>
+                              <m:e>
+                                <m:r>
+                                  <a:rPr lang="nl-BE" b="0" i="1" smtClean="0">
+                                    <a:latin typeface="Cambria Math" charset="0"/>
+                                  </a:rPr>
+                                  <m:t>𝑥</m:t>
+                                </m:r>
+                              </m:e>
+                              <m:sup>
+                                <m:r>
+                                  <a:rPr lang="nl-BE" b="0" i="1" smtClean="0">
+                                    <a:latin typeface="Cambria Math" charset="0"/>
+                                  </a:rPr>
+                                  <m:t>2</m:t>
+                                </m:r>
+                              </m:sup>
+                            </m:sSup>
+                            <m:r>
+                              <a:rPr lang="nl-BE" b="0" i="1" smtClean="0">
+                                <a:latin typeface="Cambria Math" charset="0"/>
+                              </a:rPr>
+                              <m:t>+</m:t>
+                            </m:r>
+                            <m:sSup>
+                              <m:sSupPr>
+                                <m:ctrlPr>
+                                  <a:rPr lang="nl-BE" b="0" i="1" smtClean="0">
+                                    <a:latin typeface="Cambria Math" charset="0"/>
+                                  </a:rPr>
+                                </m:ctrlPr>
+                              </m:sSupPr>
+                              <m:e>
+                                <m:r>
+                                  <a:rPr lang="nl-BE" b="0" i="1" smtClean="0">
+                                    <a:latin typeface="Cambria Math" charset="0"/>
+                                  </a:rPr>
+                                  <m:t>𝑦</m:t>
+                                </m:r>
+                              </m:e>
+                              <m:sup>
+                                <m:r>
+                                  <a:rPr lang="nl-BE" b="0" i="1" smtClean="0">
+                                    <a:latin typeface="Cambria Math" charset="0"/>
+                                  </a:rPr>
+                                  <m:t>2</m:t>
+                                </m:r>
+                              </m:sup>
+                            </m:sSup>
+                          </m:num>
+                          <m:den>
+                            <m:sSup>
+                              <m:sSupPr>
+                                <m:ctrlPr>
+                                  <a:rPr lang="nl-BE" b="0" i="1" smtClean="0">
+                                    <a:latin typeface="Cambria Math" charset="0"/>
+                                  </a:rPr>
+                                </m:ctrlPr>
+                              </m:sSupPr>
+                              <m:e>
+                                <m:r>
+                                  <a:rPr lang="nl-BE" b="0" i="1" smtClean="0">
+                                    <a:latin typeface="Cambria Math" charset="0"/>
+                                  </a:rPr>
+                                  <m:t>𝜎</m:t>
+                                </m:r>
+                              </m:e>
+                              <m:sup>
+                                <m:r>
+                                  <a:rPr lang="nl-BE" b="0" i="1" smtClean="0">
+                                    <a:latin typeface="Cambria Math" charset="0"/>
+                                  </a:rPr>
+                                  <m:t>2</m:t>
+                                </m:r>
+                              </m:sup>
+                            </m:sSup>
+                          </m:den>
+                        </m:f>
+                      </m:sup>
+                    </m:sSup>
+                    <m:r>
+                      <a:rPr lang="nl-BE" i="1">
+                        <a:latin typeface="Cambria Math" charset="0"/>
+                      </a:rPr>
+                      <m:t> </m:t>
+                    </m:r>
+                    <m:f>
+                      <m:fPr>
+                        <m:ctrlPr>
+                          <a:rPr lang="nl-BE" i="1" smtClean="0">
+                            <a:latin typeface="Cambria Math" charset="0"/>
+                          </a:rPr>
+                        </m:ctrlPr>
+                      </m:fPr>
+                      <m:num>
+                        <m:r>
+                          <a:rPr lang="nl-BE" b="0" i="1" smtClean="0">
+                            <a:latin typeface="Cambria Math" charset="0"/>
+                          </a:rPr>
+                          <m:t>4</m:t>
+                        </m:r>
+                        <m:sSup>
+                          <m:sSupPr>
+                            <m:ctrlPr>
+                              <a:rPr lang="nl-BE" b="0" i="1" smtClean="0">
+                                <a:latin typeface="Cambria Math" charset="0"/>
+                              </a:rPr>
+                            </m:ctrlPr>
+                          </m:sSupPr>
+                          <m:e>
+                            <m:r>
+                              <a:rPr lang="nl-BE" b="0" i="1" smtClean="0">
+                                <a:latin typeface="Cambria Math" charset="0"/>
+                              </a:rPr>
+                              <m:t>𝑥</m:t>
+                            </m:r>
+                          </m:e>
+                          <m:sup>
+                            <m:r>
+                              <a:rPr lang="nl-BE" b="0" i="1" smtClean="0">
+                                <a:latin typeface="Cambria Math" charset="0"/>
+                              </a:rPr>
+                              <m:t>2</m:t>
+                            </m:r>
+                          </m:sup>
+                        </m:sSup>
+                        <m:r>
+                          <a:rPr lang="nl-BE" b="0" i="1" smtClean="0">
+                            <a:latin typeface="Cambria Math" charset="0"/>
+                          </a:rPr>
+                          <m:t>+4</m:t>
+                        </m:r>
+                        <m:sSup>
+                          <m:sSupPr>
+                            <m:ctrlPr>
+                              <a:rPr lang="nl-BE" b="0" i="1" smtClean="0">
+                                <a:latin typeface="Cambria Math" charset="0"/>
+                              </a:rPr>
+                            </m:ctrlPr>
+                          </m:sSupPr>
+                          <m:e>
+                            <m:r>
+                              <a:rPr lang="nl-BE" b="0" i="1" smtClean="0">
+                                <a:latin typeface="Cambria Math" charset="0"/>
+                              </a:rPr>
+                              <m:t>𝑦</m:t>
+                            </m:r>
+                          </m:e>
+                          <m:sup>
+                            <m:r>
+                              <a:rPr lang="nl-BE" b="0" i="1" smtClean="0">
+                                <a:latin typeface="Cambria Math" charset="0"/>
+                              </a:rPr>
+                              <m:t>2</m:t>
+                            </m:r>
+                          </m:sup>
+                        </m:sSup>
+                        <m:r>
+                          <a:rPr lang="nl-BE" b="0" i="1" smtClean="0">
+                            <a:latin typeface="Cambria Math" charset="0"/>
+                          </a:rPr>
+                          <m:t>−4</m:t>
+                        </m:r>
+                        <m:sSup>
+                          <m:sSupPr>
+                            <m:ctrlPr>
+                              <a:rPr lang="nl-BE" b="0" i="1" smtClean="0">
+                                <a:latin typeface="Cambria Math" charset="0"/>
+                              </a:rPr>
+                            </m:ctrlPr>
+                          </m:sSupPr>
+                          <m:e>
+                            <m:r>
+                              <a:rPr lang="nl-BE" b="0" i="1" smtClean="0">
+                                <a:latin typeface="Cambria Math" charset="0"/>
+                              </a:rPr>
+                              <m:t>𝜎</m:t>
+                            </m:r>
+                          </m:e>
+                          <m:sup>
+                            <m:r>
+                              <a:rPr lang="nl-BE" b="0" i="1" smtClean="0">
+                                <a:latin typeface="Cambria Math" charset="0"/>
+                              </a:rPr>
+                              <m:t>2</m:t>
+                            </m:r>
+                          </m:sup>
+                        </m:sSup>
+                      </m:num>
+                      <m:den>
+                        <m:sSup>
+                          <m:sSupPr>
+                            <m:ctrlPr>
+                              <a:rPr lang="nl-BE" b="0" i="1" smtClean="0">
+                                <a:latin typeface="Cambria Math" charset="0"/>
+                              </a:rPr>
+                            </m:ctrlPr>
+                          </m:sSupPr>
+                          <m:e>
+                            <m:r>
+                              <a:rPr lang="nl-BE" b="0" i="1" smtClean="0">
+                                <a:latin typeface="Cambria Math" charset="0"/>
+                              </a:rPr>
+                              <m:t>𝜎</m:t>
+                            </m:r>
+                          </m:e>
+                          <m:sup>
+                            <m:r>
+                              <a:rPr lang="nl-BE" b="0" i="1" smtClean="0">
+                                <a:latin typeface="Cambria Math" charset="0"/>
+                              </a:rPr>
+                              <m:t>4</m:t>
+                            </m:r>
+                          </m:sup>
+                        </m:sSup>
+                      </m:den>
+                    </m:f>
+                  </m:oMath>
+                </a14:m>
+                <a:r>
+                  <a:rPr lang="en-GB" dirty="0"/>
+                  <a:t>    </a:t>
+                </a:r>
+                <a:r>
+                  <a:rPr lang="en-GB" dirty="0" smtClean="0"/>
+                  <a:t>on </a:t>
+                </a:r>
+                <a14:m>
+                  <m:oMath xmlns:m="http://schemas.openxmlformats.org/officeDocument/2006/math">
+                    <m:sSup>
+                      <m:sSupPr>
+                        <m:ctrlPr>
+                          <a:rPr lang="nl-BE" b="0" i="1" smtClean="0">
+                            <a:latin typeface="Cambria Math" charset="0"/>
+                          </a:rPr>
+                        </m:ctrlPr>
+                      </m:sSupPr>
+                      <m:e>
+                        <m:r>
+                          <m:rPr>
+                            <m:sty m:val="p"/>
+                          </m:rPr>
+                          <a:rPr lang="nl-BE" b="0" i="0" smtClean="0">
+                            <a:latin typeface="Cambria Math" charset="0"/>
+                          </a:rPr>
+                          <m:t>Ω</m:t>
+                        </m:r>
+                        <m:r>
+                          <a:rPr lang="nl-BE" b="0" i="1" smtClean="0">
+                            <a:latin typeface="Cambria Math" charset="0"/>
+                          </a:rPr>
+                          <m:t>=</m:t>
+                        </m:r>
+                        <m:d>
+                          <m:dPr>
+                            <m:begChr m:val="["/>
+                            <m:endChr m:val="]"/>
+                            <m:ctrlPr>
+                              <a:rPr lang="nl-BE" b="0" i="1" smtClean="0">
+                                <a:latin typeface="Cambria Math" charset="0"/>
+                              </a:rPr>
+                            </m:ctrlPr>
+                          </m:dPr>
+                          <m:e>
+                            <m:r>
+                              <a:rPr lang="nl-BE" b="0" i="1" smtClean="0">
+                                <a:latin typeface="Cambria Math" charset="0"/>
+                              </a:rPr>
+                              <m:t>−1;1</m:t>
+                            </m:r>
+                          </m:e>
+                        </m:d>
+                      </m:e>
+                      <m:sup>
+                        <m:r>
+                          <a:rPr lang="nl-BE" b="0" i="1" smtClean="0">
+                            <a:latin typeface="Cambria Math" charset="0"/>
+                          </a:rPr>
+                          <m:t>2</m:t>
+                        </m:r>
+                      </m:sup>
+                    </m:sSup>
+                  </m:oMath>
+                </a14:m>
+                <a:endParaRPr lang="nl-BE" dirty="0"/>
+              </a:p>
+              <a:p>
+                <a14:m>
+                  <m:oMath xmlns:m="http://schemas.openxmlformats.org/officeDocument/2006/math">
+                    <m:r>
+                      <a:rPr lang="nl-BE" i="1">
+                        <a:latin typeface="Cambria Math" charset="0"/>
+                      </a:rPr>
+                      <m:t>     </m:t>
+                    </m:r>
+                    <m:r>
+                      <a:rPr lang="nl-BE" i="1">
+                        <a:latin typeface="Cambria Math" charset="0"/>
+                      </a:rPr>
+                      <m:t>𝑢</m:t>
+                    </m:r>
+                    <m:r>
+                      <a:rPr lang="nl-BE" i="1">
+                        <a:latin typeface="Cambria Math" charset="0"/>
+                      </a:rPr>
+                      <m:t>=</m:t>
+                    </m:r>
+                    <m:sSup>
+                      <m:sSupPr>
+                        <m:ctrlPr>
+                          <a:rPr lang="nl-BE" i="1">
+                            <a:latin typeface="Cambria Math" charset="0"/>
+                          </a:rPr>
+                        </m:ctrlPr>
+                      </m:sSupPr>
+                      <m:e>
+                        <m:r>
+                          <a:rPr lang="nl-BE" i="1">
+                            <a:latin typeface="Cambria Math" charset="0"/>
+                          </a:rPr>
+                          <m:t>𝑒</m:t>
+                        </m:r>
+                      </m:e>
+                      <m:sup>
+                        <m:r>
+                          <a:rPr lang="nl-BE" i="1">
+                            <a:latin typeface="Cambria Math" charset="0"/>
+                          </a:rPr>
+                          <m:t>−</m:t>
+                        </m:r>
+                        <m:f>
+                          <m:fPr>
+                            <m:ctrlPr>
+                              <a:rPr lang="nl-BE" i="1">
+                                <a:latin typeface="Cambria Math" charset="0"/>
+                              </a:rPr>
+                            </m:ctrlPr>
+                          </m:fPr>
+                          <m:num>
+                            <m:sSup>
+                              <m:sSupPr>
+                                <m:ctrlPr>
+                                  <a:rPr lang="nl-BE" i="1">
+                                    <a:latin typeface="Cambria Math" charset="0"/>
+                                  </a:rPr>
+                                </m:ctrlPr>
+                              </m:sSupPr>
+                              <m:e>
+                                <m:r>
+                                  <a:rPr lang="nl-BE" i="1">
+                                    <a:latin typeface="Cambria Math" charset="0"/>
+                                  </a:rPr>
+                                  <m:t>𝑥</m:t>
+                                </m:r>
+                              </m:e>
+                              <m:sup>
+                                <m:r>
+                                  <a:rPr lang="nl-BE" i="1">
+                                    <a:latin typeface="Cambria Math" charset="0"/>
+                                  </a:rPr>
+                                  <m:t>2</m:t>
+                                </m:r>
+                              </m:sup>
+                            </m:sSup>
+                            <m:r>
+                              <a:rPr lang="nl-BE" i="1">
+                                <a:latin typeface="Cambria Math" charset="0"/>
+                              </a:rPr>
+                              <m:t>+</m:t>
+                            </m:r>
+                            <m:sSup>
+                              <m:sSupPr>
+                                <m:ctrlPr>
+                                  <a:rPr lang="nl-BE" i="1">
+                                    <a:latin typeface="Cambria Math" charset="0"/>
+                                  </a:rPr>
+                                </m:ctrlPr>
+                              </m:sSupPr>
+                              <m:e>
+                                <m:r>
+                                  <a:rPr lang="nl-BE" i="1">
+                                    <a:latin typeface="Cambria Math" charset="0"/>
+                                  </a:rPr>
+                                  <m:t>𝑦</m:t>
+                                </m:r>
+                              </m:e>
+                              <m:sup>
+                                <m:r>
+                                  <a:rPr lang="nl-BE" i="1">
+                                    <a:latin typeface="Cambria Math" charset="0"/>
+                                  </a:rPr>
+                                  <m:t>2</m:t>
+                                </m:r>
+                              </m:sup>
+                            </m:sSup>
+                          </m:num>
+                          <m:den>
+                            <m:sSup>
+                              <m:sSupPr>
+                                <m:ctrlPr>
+                                  <a:rPr lang="nl-BE" i="1">
+                                    <a:latin typeface="Cambria Math" charset="0"/>
+                                  </a:rPr>
+                                </m:ctrlPr>
+                              </m:sSupPr>
+                              <m:e>
+                                <m:r>
+                                  <a:rPr lang="nl-BE" i="1">
+                                    <a:latin typeface="Cambria Math" charset="0"/>
+                                  </a:rPr>
+                                  <m:t>𝜎</m:t>
+                                </m:r>
+                              </m:e>
+                              <m:sup>
+                                <m:r>
+                                  <a:rPr lang="nl-BE" i="1">
+                                    <a:latin typeface="Cambria Math" charset="0"/>
+                                  </a:rPr>
+                                  <m:t>2</m:t>
+                                </m:r>
+                              </m:sup>
+                            </m:sSup>
+                          </m:den>
+                        </m:f>
+                      </m:sup>
+                    </m:sSup>
+                  </m:oMath>
+                </a14:m>
+                <a:r>
+                  <a:rPr lang="en-GB" dirty="0" smtClean="0"/>
+                  <a:t>                            on </a:t>
+                </a:r>
+                <a14:m>
+                  <m:oMath xmlns:m="http://schemas.openxmlformats.org/officeDocument/2006/math">
+                    <m:r>
+                      <a:rPr lang="nl-BE" i="1" smtClean="0">
+                        <a:latin typeface="Cambria Math" charset="0"/>
+                      </a:rPr>
+                      <m:t>𝜕</m:t>
+                    </m:r>
+                    <m:r>
+                      <m:rPr>
+                        <m:sty m:val="p"/>
+                      </m:rPr>
+                      <a:rPr lang="nl-BE" smtClean="0">
+                        <a:latin typeface="Cambria Math" charset="0"/>
+                      </a:rPr>
+                      <m:t>Ω</m:t>
+                    </m:r>
+                  </m:oMath>
+                </a14:m>
+                <a:endParaRPr lang="en-GB" dirty="0" smtClean="0"/>
+              </a:p>
+              <a:p>
+                <a:r>
+                  <a:rPr lang="en-GB" dirty="0"/>
+                  <a:t>Where </a:t>
+                </a:r>
+                <a14:m>
+                  <m:oMath xmlns:m="http://schemas.openxmlformats.org/officeDocument/2006/math">
+                    <m:r>
+                      <a:rPr lang="nl-BE" i="1">
+                        <a:latin typeface="Cambria Math" charset="0"/>
+                      </a:rPr>
+                      <m:t>𝜎</m:t>
+                    </m:r>
+                    <m:r>
+                      <a:rPr lang="nl-BE" i="1">
+                        <a:latin typeface="Cambria Math" charset="0"/>
+                      </a:rPr>
+                      <m:t>=0.1</m:t>
+                    </m:r>
+                  </m:oMath>
+                </a14:m>
+                <a:endParaRPr lang="en-GB" dirty="0"/>
+              </a:p>
+              <a:p>
+                <a:endParaRPr lang="en-GB" dirty="0"/>
+              </a:p>
+              <a:p>
+                <a:endParaRPr lang="en-GB" dirty="0"/>
+              </a:p>
+            </p:txBody>
+          </p:sp>
+        </mc:Choice>
+        <mc:Fallback>
+          <p:sp>
+            <p:nvSpPr>
+              <p:cNvPr id="6" name="Espace réservé du contenu 5"/>
+              <p:cNvSpPr>
+                <a:spLocks noGrp="1" noRot="1" noChangeAspect="1" noMove="1" noResize="1" noEditPoints="1" noAdjustHandles="1" noChangeArrowheads="1" noChangeShapeType="1" noTextEdit="1"/>
+              </p:cNvSpPr>
+              <p:nvPr>
+                <p:ph sz="half" idx="2"/>
+              </p:nvPr>
+            </p:nvSpPr>
+            <p:spPr>
+              <a:xfrm>
+                <a:off x="6217919" y="1845735"/>
+                <a:ext cx="5197793" cy="4023360"/>
+              </a:xfrm>
+              <a:blipFill rotWithShape="0">
+                <a:blip r:embed="rId3"/>
+                <a:stretch>
+                  <a:fillRect l="-1172"/>
+                </a:stretch>
+              </a:blipFill>
+            </p:spPr>
+            <p:txBody>
+              <a:bodyPr/>
+              <a:lstStyle/>
+              <a:p>
+                <a:r>
+                  <a:rPr lang="en-GB">
+                    <a:noFill/>
+                  </a:rPr>
+                  <a:t> </a:t>
+                </a:r>
+              </a:p>
+            </p:txBody>
+          </p:sp>
+        </mc:Fallback>
+      </mc:AlternateContent>
+      <p:sp>
+        <p:nvSpPr>
+          <p:cNvPr id="5" name="Espace réservé du numéro de diapositive 4"/>
+          <p:cNvSpPr>
+            <a:spLocks noGrp="1"/>
+          </p:cNvSpPr>
+          <p:nvPr>
+            <p:ph type="sldNum" sz="quarter" idx="12"/>
+          </p:nvPr>
+        </p:nvSpPr>
+        <p:spPr/>
+        <p:txBody>
+          <a:bodyPr/>
+          <a:lstStyle/>
+          <a:p>
+            <a:fld id="{E9347C92-BBEE-224D-BE6C-518EEC8431DA}" type="slidenum">
+              <a:rPr lang="en-GB" smtClean="0"/>
+              <a:t>20</a:t>
+            </a:fld>
+            <a:endParaRPr lang="en-GB"/>
+          </a:p>
+        </p:txBody>
+      </p:sp>
+      <p:pic>
+        <p:nvPicPr>
+          <p:cNvPr id="11" name="Espace réservé du contenu 10"/>
+          <p:cNvPicPr>
+            <a:picLocks noGrp="1" noChangeAspect="1"/>
+          </p:cNvPicPr>
+          <p:nvPr>
+            <p:ph sz="half" idx="1"/>
+          </p:nvPr>
+        </p:nvPicPr>
+        <p:blipFill>
+          <a:blip r:embed="rId4">
+            <a:extLst>
+              <a:ext uri="{28A0092B-C50C-407E-A947-70E740481C1C}">
+                <a14:useLocalDpi xmlns:a14="http://schemas.microsoft.com/office/drawing/2010/main" val="0"/>
+              </a:ext>
+            </a:extLst>
+          </a:blip>
+          <a:stretch>
+            <a:fillRect/>
+          </a:stretch>
+        </p:blipFill>
+        <p:spPr>
+          <a:xfrm>
+            <a:off x="1096963" y="2005608"/>
+            <a:ext cx="4938712" cy="3704034"/>
+          </a:xfrm>
+        </p:spPr>
+      </p:pic>
+    </p:spTree>
+    <p:extLst>
+      <p:ext uri="{BB962C8B-B14F-4D97-AF65-F5344CB8AC3E}">
+        <p14:creationId xmlns:p14="http://schemas.microsoft.com/office/powerpoint/2010/main" val="758975461"/>
+      </p:ext>
+    </p:extLst>
+  </p:cSld>
+  <p:clrMapOvr>
+    <a:masterClrMapping/>
+  </p:clrMapOvr>
+  <p:timing>
+    <p:tnLst>
+      <p:par>
+        <p:cTn id="1" dur="indefinite" restart="never" nodeType="tmRoot"/>
+      </p:par>
+    </p:tnLst>
+  </p:timing>
+</p:sld>
+</file>
+
+<file path=ppt/slides/slide22.xml><?xml version="1.0" encoding="utf-8"?>
+<p:sld xmlns:a="http://schemas.openxmlformats.org/drawingml/2006/main" xmlns:r="http://schemas.openxmlformats.org/officeDocument/2006/relationships" xmlns:p="http://schemas.openxmlformats.org/presentationml/2006/main">
+  <p:cSld>
+    <p:spTree>
+      <p:nvGrpSpPr>
+        <p:cNvPr id="1" name=""/>
+        <p:cNvGrpSpPr/>
+        <p:nvPr/>
+      </p:nvGrpSpPr>
+      <p:grpSpPr>
+        <a:xfrm>
+          <a:off x="0" y="0"/>
+          <a:ext cx="0" cy="0"/>
+          <a:chOff x="0" y="0"/>
+          <a:chExt cx="0" cy="0"/>
+        </a:xfrm>
+      </p:grpSpPr>
+      <p:sp>
+        <p:nvSpPr>
+          <p:cNvPr id="2" name="Titre 1"/>
+          <p:cNvSpPr>
+            <a:spLocks noGrp="1"/>
+          </p:cNvSpPr>
+          <p:nvPr>
+            <p:ph type="title"/>
+          </p:nvPr>
+        </p:nvSpPr>
+        <p:spPr/>
+        <p:txBody>
+          <a:bodyPr>
+            <a:normAutofit/>
+          </a:bodyPr>
+          <a:lstStyle/>
+          <a:p>
+            <a:r>
+              <a:rPr lang="en-GB" dirty="0" smtClean="0"/>
+              <a:t>The coarse scale preconditioner provides h-independent convergence</a:t>
+            </a:r>
+            <a:endParaRPr lang="en-GB" dirty="0"/>
+          </a:p>
+        </p:txBody>
+      </p:sp>
+      <p:pic>
+        <p:nvPicPr>
+          <p:cNvPr id="4" name="Espace réservé du contenu 3"/>
+          <p:cNvPicPr>
+            <a:picLocks noGrp="1" noChangeAspect="1"/>
+          </p:cNvPicPr>
+          <p:nvPr>
+            <p:ph idx="1"/>
+          </p:nvPr>
+        </p:nvPicPr>
+        <p:blipFill>
+          <a:blip r:embed="rId3">
+            <a:extLst>
+              <a:ext uri="{28A0092B-C50C-407E-A947-70E740481C1C}">
+                <a14:useLocalDpi xmlns:a14="http://schemas.microsoft.com/office/drawing/2010/main" val="0"/>
+              </a:ext>
+            </a:extLst>
+          </a:blip>
+          <a:stretch>
+            <a:fillRect/>
+          </a:stretch>
+        </p:blipFill>
+        <p:spPr>
+          <a:xfrm>
+            <a:off x="2065368" y="1846263"/>
+            <a:ext cx="8121589" cy="4022725"/>
+          </a:xfrm>
+        </p:spPr>
+      </p:pic>
+      <p:sp>
+        <p:nvSpPr>
+          <p:cNvPr id="5" name="Espace réservé du numéro de diapositive 4"/>
+          <p:cNvSpPr>
+            <a:spLocks noGrp="1"/>
+          </p:cNvSpPr>
+          <p:nvPr>
+            <p:ph type="sldNum" sz="quarter" idx="12"/>
+          </p:nvPr>
+        </p:nvSpPr>
+        <p:spPr/>
+        <p:txBody>
+          <a:bodyPr/>
+          <a:lstStyle/>
+          <a:p>
+            <a:fld id="{E9347C92-BBEE-224D-BE6C-518EEC8431DA}" type="slidenum">
+              <a:rPr lang="en-GB" smtClean="0"/>
+              <a:t>21</a:t>
+            </a:fld>
+            <a:endParaRPr lang="en-GB"/>
+          </a:p>
+        </p:txBody>
+      </p:sp>
+    </p:spTree>
+    <p:extLst>
+      <p:ext uri="{BB962C8B-B14F-4D97-AF65-F5344CB8AC3E}">
+        <p14:creationId xmlns:p14="http://schemas.microsoft.com/office/powerpoint/2010/main" val="847998198"/>
+      </p:ext>
+    </p:extLst>
+  </p:cSld>
+  <p:clrMapOvr>
+    <a:masterClrMapping/>
+  </p:clrMapOvr>
+  <p:timing>
+    <p:tnLst>
+      <p:par>
+        <p:cTn id="1" dur="indefinite" restart="never" nodeType="tmRoot"/>
+      </p:par>
+    </p:tnLst>
+  </p:timing>
+</p:sld>
+</file>
+
+<file path=ppt/slides/slide23.xml><?xml version="1.0" encoding="utf-8"?>
+<p:sld xmlns:a="http://schemas.openxmlformats.org/drawingml/2006/main" xmlns:r="http://schemas.openxmlformats.org/officeDocument/2006/relationships" xmlns:p="http://schemas.openxmlformats.org/presentationml/2006/main">
+  <p:cSld>
+    <p:spTree>
+      <p:nvGrpSpPr>
+        <p:cNvPr id="1" name=""/>
+        <p:cNvGrpSpPr/>
+        <p:nvPr/>
+      </p:nvGrpSpPr>
+      <p:grpSpPr>
+        <a:xfrm>
+          <a:off x="0" y="0"/>
+          <a:ext cx="0" cy="0"/>
+          <a:chOff x="0" y="0"/>
+          <a:chExt cx="0" cy="0"/>
+        </a:xfrm>
+      </p:grpSpPr>
+      <p:sp>
+        <p:nvSpPr>
+          <p:cNvPr id="2" name="Titre 1"/>
+          <p:cNvSpPr>
+            <a:spLocks noGrp="1"/>
+          </p:cNvSpPr>
+          <p:nvPr>
+            <p:ph type="title"/>
+          </p:nvPr>
+        </p:nvSpPr>
+        <p:spPr/>
+        <p:txBody>
+          <a:bodyPr>
+            <a:normAutofit/>
+          </a:bodyPr>
+          <a:lstStyle/>
+          <a:p>
+            <a:r>
+              <a:rPr lang="en-GB" dirty="0" smtClean="0"/>
+              <a:t>The number of iterations increases when we deform the elements</a:t>
+            </a:r>
+            <a:endParaRPr lang="en-GB" dirty="0"/>
+          </a:p>
+        </p:txBody>
+      </p:sp>
+      <p:pic>
+        <p:nvPicPr>
+          <p:cNvPr id="4" name="Espace réservé du contenu 3"/>
+          <p:cNvPicPr>
+            <a:picLocks noGrp="1" noChangeAspect="1"/>
+          </p:cNvPicPr>
+          <p:nvPr>
+            <p:ph idx="1"/>
+          </p:nvPr>
+        </p:nvPicPr>
+        <p:blipFill>
+          <a:blip r:embed="rId3">
+            <a:extLst>
+              <a:ext uri="{28A0092B-C50C-407E-A947-70E740481C1C}">
+                <a14:useLocalDpi xmlns:a14="http://schemas.microsoft.com/office/drawing/2010/main" val="0"/>
+              </a:ext>
+            </a:extLst>
+          </a:blip>
+          <a:stretch>
+            <a:fillRect/>
+          </a:stretch>
+        </p:blipFill>
+        <p:spPr>
+          <a:xfrm>
+            <a:off x="2065368" y="1846263"/>
+            <a:ext cx="8121589" cy="4022725"/>
+          </a:xfrm>
+        </p:spPr>
+      </p:pic>
+      <p:sp>
+        <p:nvSpPr>
+          <p:cNvPr id="5" name="Espace réservé du numéro de diapositive 4"/>
+          <p:cNvSpPr>
+            <a:spLocks noGrp="1"/>
+          </p:cNvSpPr>
+          <p:nvPr>
+            <p:ph type="sldNum" sz="quarter" idx="12"/>
+          </p:nvPr>
+        </p:nvSpPr>
+        <p:spPr/>
+        <p:txBody>
+          <a:bodyPr/>
+          <a:lstStyle/>
+          <a:p>
+            <a:fld id="{E9347C92-BBEE-224D-BE6C-518EEC8431DA}" type="slidenum">
+              <a:rPr lang="en-GB" smtClean="0"/>
+              <a:t>22</a:t>
+            </a:fld>
+            <a:endParaRPr lang="en-GB"/>
+          </a:p>
+        </p:txBody>
+      </p:sp>
+    </p:spTree>
+    <p:extLst>
+      <p:ext uri="{BB962C8B-B14F-4D97-AF65-F5344CB8AC3E}">
+        <p14:creationId xmlns:p14="http://schemas.microsoft.com/office/powerpoint/2010/main" val="674977173"/>
+      </p:ext>
+    </p:extLst>
+  </p:cSld>
+  <p:clrMapOvr>
+    <a:masterClrMapping/>
+  </p:clrMapOvr>
+  <p:timing>
+    <p:tnLst>
+      <p:par>
+        <p:cTn id="1" dur="indefinite" restart="never" nodeType="tmRoot"/>
+      </p:par>
+    </p:tnLst>
+  </p:timing>
+</p:sld>
+</file>
+
+<file path=ppt/slides/slide24.xml><?xml version="1.0" encoding="utf-8"?>
+<p:sld xmlns:a="http://schemas.openxmlformats.org/drawingml/2006/main" xmlns:r="http://schemas.openxmlformats.org/officeDocument/2006/relationships" xmlns:p="http://schemas.openxmlformats.org/presentationml/2006/main">
+  <p:cSld>
+    <p:spTree>
+      <p:nvGrpSpPr>
+        <p:cNvPr id="1" name=""/>
+        <p:cNvGrpSpPr/>
+        <p:nvPr/>
+      </p:nvGrpSpPr>
+      <p:grpSpPr>
+        <a:xfrm>
+          <a:off x="0" y="0"/>
+          <a:ext cx="0" cy="0"/>
+          <a:chOff x="0" y="0"/>
+          <a:chExt cx="0" cy="0"/>
+        </a:xfrm>
+      </p:grpSpPr>
+      <p:sp>
+        <p:nvSpPr>
+          <p:cNvPr id="2" name="Titre 1"/>
+          <p:cNvSpPr>
+            <a:spLocks noGrp="1"/>
+          </p:cNvSpPr>
+          <p:nvPr>
+            <p:ph type="title"/>
+          </p:nvPr>
+        </p:nvSpPr>
+        <p:spPr/>
+        <p:txBody>
+          <a:bodyPr>
+            <a:normAutofit/>
+          </a:bodyPr>
+          <a:lstStyle/>
+          <a:p>
+            <a:r>
+              <a:rPr lang="en-GB" dirty="0" smtClean="0"/>
+              <a:t>The number of hanging nodes does not influence the number of iterations</a:t>
+            </a:r>
+            <a:endParaRPr lang="en-GB" dirty="0"/>
+          </a:p>
+        </p:txBody>
+      </p:sp>
+      <p:sp>
+        <p:nvSpPr>
+          <p:cNvPr id="3" name="Espace réservé du contenu 2"/>
+          <p:cNvSpPr>
+            <a:spLocks noGrp="1"/>
+          </p:cNvSpPr>
+          <p:nvPr>
+            <p:ph idx="1"/>
+          </p:nvPr>
+        </p:nvSpPr>
+        <p:spPr/>
+        <p:txBody>
+          <a:bodyPr/>
+          <a:lstStyle/>
+          <a:p>
+            <a:endParaRPr lang="en-GB" dirty="0"/>
+          </a:p>
+        </p:txBody>
+      </p:sp>
+      <p:sp>
+        <p:nvSpPr>
+          <p:cNvPr id="5" name="Espace réservé du numéro de diapositive 4"/>
+          <p:cNvSpPr>
+            <a:spLocks noGrp="1"/>
+          </p:cNvSpPr>
+          <p:nvPr>
+            <p:ph type="sldNum" sz="quarter" idx="12"/>
+          </p:nvPr>
+        </p:nvSpPr>
+        <p:spPr/>
+        <p:txBody>
+          <a:bodyPr/>
+          <a:lstStyle/>
+          <a:p>
+            <a:fld id="{E9347C92-BBEE-224D-BE6C-518EEC8431DA}" type="slidenum">
+              <a:rPr lang="en-GB" smtClean="0"/>
+              <a:t>23</a:t>
+            </a:fld>
+            <a:endParaRPr lang="en-GB"/>
+          </a:p>
+        </p:txBody>
+      </p:sp>
+    </p:spTree>
+    <p:extLst>
+      <p:ext uri="{BB962C8B-B14F-4D97-AF65-F5344CB8AC3E}">
+        <p14:creationId xmlns:p14="http://schemas.microsoft.com/office/powerpoint/2010/main" val="823661489"/>
       </p:ext>
     </p:extLst>
   </p:cSld>

--- a/thesis.pptx
+++ b/thesis.pptx
@@ -5,10 +5,10 @@
     <p:sldMasterId id="2147483780" r:id="rId1"/>
   </p:sldMasterIdLst>
   <p:notesMasterIdLst>
-    <p:notesMasterId r:id="rId26"/>
+    <p:notesMasterId r:id="rId30"/>
   </p:notesMasterIdLst>
   <p:handoutMasterIdLst>
-    <p:handoutMasterId r:id="rId27"/>
+    <p:handoutMasterId r:id="rId31"/>
   </p:handoutMasterIdLst>
   <p:sldIdLst>
     <p:sldId id="256" r:id="rId2"/>
@@ -34,7 +34,11 @@
     <p:sldId id="277" r:id="rId22"/>
     <p:sldId id="278" r:id="rId23"/>
     <p:sldId id="279" r:id="rId24"/>
-    <p:sldId id="280" r:id="rId25"/>
+    <p:sldId id="282" r:id="rId25"/>
+    <p:sldId id="280" r:id="rId26"/>
+    <p:sldId id="283" r:id="rId27"/>
+    <p:sldId id="284" r:id="rId28"/>
+    <p:sldId id="281" r:id="rId29"/>
   </p:sldIdLst>
   <p:sldSz cx="12192000" cy="6858000"/>
   <p:notesSz cx="6858000" cy="9144000"/>
@@ -230,7 +234,7 @@
           <a:p>
             <a:fld id="{5A26D769-2D5F-BF4D-A80F-4E1F4B9F3442}" type="datetimeFigureOut">
               <a:rPr lang="en-GB" smtClean="0"/>
-              <a:t>01/09/2017</a:t>
+              <a:t>03/09/2017</a:t>
             </a:fld>
             <a:endParaRPr lang="en-GB"/>
           </a:p>
@@ -400,7 +404,7 @@
           <a:p>
             <a:fld id="{F1951E44-92C1-9846-9EF4-1D5B4F67798B}" type="datetimeFigureOut">
               <a:rPr lang="en-GB" smtClean="0"/>
-              <a:t>01/09/2017</a:t>
+              <a:t>03/09/2017</a:t>
             </a:fld>
             <a:endParaRPr lang="en-GB"/>
           </a:p>
@@ -1322,7 +1326,7 @@
           <a:p>
             <a:fld id="{D1D94985-559E-6C43-85DE-38F360D9BCEB}" type="slidenum">
               <a:rPr lang="en-GB" smtClean="0"/>
-              <a:t>23</a:t>
+              <a:t>24</a:t>
             </a:fld>
             <a:endParaRPr lang="en-GB"/>
           </a:p>
@@ -2239,7 +2243,7 @@
           <a:p>
             <a:fld id="{A27B244A-FE6D-944E-AC83-8DB6F52B8BD5}" type="datetime1">
               <a:rPr lang="fr-BE" smtClean="0"/>
-              <a:t>1/09/17</a:t>
+              <a:t>3/09/17</a:t>
             </a:fld>
             <a:endParaRPr lang="en-GB"/>
           </a:p>
@@ -2442,7 +2446,7 @@
           <a:p>
             <a:fld id="{07B740B5-01EC-FA48-B596-150C03104001}" type="datetime1">
               <a:rPr lang="fr-BE" smtClean="0"/>
-              <a:t>1/09/17</a:t>
+              <a:t>3/09/17</a:t>
             </a:fld>
             <a:endParaRPr lang="en-GB"/>
           </a:p>
@@ -2693,7 +2697,7 @@
           <a:p>
             <a:fld id="{6135C55C-7FEB-1843-BD0C-118D25394895}" type="datetime1">
               <a:rPr lang="fr-BE" smtClean="0"/>
-              <a:t>1/09/17</a:t>
+              <a:t>3/09/17</a:t>
             </a:fld>
             <a:endParaRPr lang="en-GB"/>
           </a:p>
@@ -2862,7 +2866,7 @@
           <a:p>
             <a:fld id="{4E0634D8-F601-0345-AC5E-19A355F58BD8}" type="datetime1">
               <a:rPr lang="fr-BE" smtClean="0"/>
-              <a:t>1/09/17</a:t>
+              <a:t>3/09/17</a:t>
             </a:fld>
             <a:endParaRPr lang="en-GB"/>
           </a:p>
@@ -3200,7 +3204,7 @@
           <a:p>
             <a:fld id="{B5D3174E-31EF-0E42-9252-EFEBB6D4D4DB}" type="datetime1">
               <a:rPr lang="fr-BE" smtClean="0"/>
-              <a:t>1/09/17</a:t>
+              <a:t>3/09/17</a:t>
             </a:fld>
             <a:endParaRPr lang="en-GB"/>
           </a:p>
@@ -3470,7 +3474,7 @@
           <a:p>
             <a:fld id="{468C30DD-E0EB-C146-94EC-E7EB78972DFE}" type="datetime1">
               <a:rPr lang="fr-BE" smtClean="0"/>
-              <a:t>1/09/17</a:t>
+              <a:t>3/09/17</a:t>
             </a:fld>
             <a:endParaRPr lang="en-GB"/>
           </a:p>
@@ -3844,7 +3848,7 @@
           <a:p>
             <a:fld id="{3318A585-6EB7-8F4C-8153-71E3A7775E17}" type="datetime1">
               <a:rPr lang="fr-BE" smtClean="0"/>
-              <a:t>1/09/17</a:t>
+              <a:t>3/09/17</a:t>
             </a:fld>
             <a:endParaRPr lang="en-GB"/>
           </a:p>
@@ -3957,7 +3961,7 @@
           <a:p>
             <a:fld id="{2B66AD89-165C-A641-A9B1-0EF36C99E99F}" type="datetime1">
               <a:rPr lang="fr-BE" smtClean="0"/>
-              <a:t>1/09/17</a:t>
+              <a:t>3/09/17</a:t>
             </a:fld>
             <a:endParaRPr lang="en-GB"/>
           </a:p>
@@ -4123,7 +4127,7 @@
           <a:p>
             <a:fld id="{D62EFCCB-E28A-B149-A6CE-071A84905B57}" type="datetime1">
               <a:rPr lang="fr-BE" smtClean="0"/>
-              <a:t>1/09/17</a:t>
+              <a:t>3/09/17</a:t>
             </a:fld>
             <a:endParaRPr lang="en-GB"/>
           </a:p>
@@ -4472,7 +4476,7 @@
           <a:p>
             <a:fld id="{2F7EDE04-171C-5341-978C-73DB2A1D43C3}" type="datetime1">
               <a:rPr lang="fr-BE" smtClean="0"/>
-              <a:t>1/09/17</a:t>
+              <a:t>3/09/17</a:t>
             </a:fld>
             <a:endParaRPr lang="en-GB"/>
           </a:p>
@@ -4846,7 +4850,7 @@
           <a:p>
             <a:fld id="{142F3B68-8300-3B41-8651-2FFDB29C720F}" type="datetime1">
               <a:rPr lang="fr-BE" smtClean="0"/>
-              <a:t>1/09/17</a:t>
+              <a:t>3/09/17</a:t>
             </a:fld>
             <a:endParaRPr lang="en-GB"/>
           </a:p>
@@ -5128,7 +5132,7 @@
           <a:p>
             <a:fld id="{CA2B5EEC-5F23-A94A-9560-3B1B5C7AF378}" type="datetime1">
               <a:rPr lang="fr-BE" smtClean="0"/>
-              <a:t>1/09/17</a:t>
+              <a:t>3/09/17</a:t>
             </a:fld>
             <a:endParaRPr lang="en-GB"/>
           </a:p>
@@ -9056,8 +9060,8 @@
           </a:p>
         </p:txBody>
       </p:sp>
-      <mc:AlternateContent xmlns:mc="http://schemas.openxmlformats.org/markup-compatibility/2006">
-        <mc:Choice xmlns:a14="http://schemas.microsoft.com/office/drawing/2010/main" Requires="a14">
+      <mc:AlternateContent xmlns:mc="http://schemas.openxmlformats.org/markup-compatibility/2006" xmlns:a14="http://schemas.microsoft.com/office/drawing/2010/main">
+        <mc:Choice Requires="a14">
           <p:sp>
             <p:nvSpPr>
               <p:cNvPr id="6" name="Espace réservé du contenu 5"/>
@@ -9641,7 +9645,7 @@
             </p:txBody>
           </p:sp>
         </mc:Choice>
-        <mc:Fallback>
+        <mc:Fallback xmlns="">
           <p:sp>
             <p:nvSpPr>
               <p:cNvPr id="6" name="Espace réservé du contenu 5"/>
@@ -10008,38 +10012,244 @@
         </p:nvSpPr>
         <p:spPr/>
         <p:txBody>
-          <a:bodyPr>
-            <a:normAutofit/>
-          </a:bodyPr>
+          <a:bodyPr/>
           <a:lstStyle/>
           <a:p>
             <a:r>
               <a:rPr lang="en-GB" dirty="0" smtClean="0"/>
-              <a:t>The number of hanging nodes does not influence the number of iterations</a:t>
+              <a:t>AMR keeps the number of quadrants down </a:t>
             </a:r>
             <a:endParaRPr lang="en-GB" dirty="0"/>
           </a:p>
         </p:txBody>
       </p:sp>
-      <p:sp>
-        <p:nvSpPr>
-          <p:cNvPr id="3" name="Espace réservé du contenu 2"/>
-          <p:cNvSpPr>
-            <a:spLocks noGrp="1"/>
-          </p:cNvSpPr>
-          <p:nvPr>
-            <p:ph idx="1"/>
-          </p:nvPr>
-        </p:nvSpPr>
-        <p:spPr/>
-        <p:txBody>
-          <a:bodyPr/>
-          <a:lstStyle/>
-          <a:p>
-            <a:endParaRPr lang="en-GB" dirty="0"/>
-          </a:p>
-        </p:txBody>
-      </p:sp>
+      <mc:AlternateContent xmlns:mc="http://schemas.openxmlformats.org/markup-compatibility/2006">
+        <mc:Choice xmlns:a14="http://schemas.microsoft.com/office/drawing/2010/main" Requires="a14">
+          <p:sp>
+            <p:nvSpPr>
+              <p:cNvPr id="4" name="Espace réservé du contenu 3"/>
+              <p:cNvSpPr>
+                <a:spLocks noGrp="1"/>
+              </p:cNvSpPr>
+              <p:nvPr>
+                <p:ph sz="half" idx="2"/>
+              </p:nvPr>
+            </p:nvSpPr>
+            <p:spPr/>
+            <p:txBody>
+              <a:bodyPr anchor="ctr"/>
+              <a:lstStyle/>
+              <a:p>
+                <a14:m>
+                  <m:oMath xmlns:m="http://schemas.openxmlformats.org/officeDocument/2006/math">
+                    <m:d>
+                      <m:dPr>
+                        <m:begChr m:val="|"/>
+                        <m:endChr m:val="|"/>
+                        <m:ctrlPr>
+                          <a:rPr lang="en-GB" sz="2400" i="1" smtClean="0">
+                            <a:latin typeface="Cambria Math" charset="0"/>
+                          </a:rPr>
+                        </m:ctrlPr>
+                      </m:dPr>
+                      <m:e>
+                        <m:r>
+                          <a:rPr lang="nl-BE" sz="2400" b="0" i="1" smtClean="0">
+                            <a:latin typeface="Cambria Math" charset="0"/>
+                          </a:rPr>
+                          <m:t>𝑢</m:t>
+                        </m:r>
+                        <m:d>
+                          <m:dPr>
+                            <m:ctrlPr>
+                              <a:rPr lang="nl-BE" sz="2400" b="0" i="1" smtClean="0">
+                                <a:latin typeface="Cambria Math" charset="0"/>
+                              </a:rPr>
+                            </m:ctrlPr>
+                          </m:dPr>
+                          <m:e>
+                            <m:acc>
+                              <m:accPr>
+                                <m:chr m:val="̅"/>
+                                <m:ctrlPr>
+                                  <a:rPr lang="nl-BE" sz="2400" b="0" i="1" smtClean="0">
+                                    <a:latin typeface="Cambria Math" charset="0"/>
+                                  </a:rPr>
+                                </m:ctrlPr>
+                              </m:accPr>
+                              <m:e>
+                                <m:r>
+                                  <a:rPr lang="nl-BE" sz="2400" b="0" i="1" smtClean="0">
+                                    <a:latin typeface="Cambria Math" charset="0"/>
+                                  </a:rPr>
+                                  <m:t>𝑥</m:t>
+                                </m:r>
+                              </m:e>
+                            </m:acc>
+                            <m:r>
+                              <a:rPr lang="nl-BE" sz="2400" b="0" i="1" smtClean="0">
+                                <a:latin typeface="Cambria Math" charset="0"/>
+                              </a:rPr>
+                              <m:t>,</m:t>
+                            </m:r>
+                            <m:acc>
+                              <m:accPr>
+                                <m:chr m:val="̅"/>
+                                <m:ctrlPr>
+                                  <a:rPr lang="nl-BE" sz="2400" b="0" i="1" smtClean="0">
+                                    <a:latin typeface="Cambria Math" charset="0"/>
+                                  </a:rPr>
+                                </m:ctrlPr>
+                              </m:accPr>
+                              <m:e>
+                                <m:r>
+                                  <a:rPr lang="nl-BE" sz="2400" b="0" i="1" smtClean="0">
+                                    <a:latin typeface="Cambria Math" charset="0"/>
+                                  </a:rPr>
+                                  <m:t>𝑦</m:t>
+                                </m:r>
+                              </m:e>
+                            </m:acc>
+                          </m:e>
+                        </m:d>
+                        <m:r>
+                          <a:rPr lang="nl-BE" sz="2400" b="0" i="1" smtClean="0">
+                            <a:latin typeface="Cambria Math" charset="0"/>
+                          </a:rPr>
+                          <m:t>−</m:t>
+                        </m:r>
+                        <m:acc>
+                          <m:accPr>
+                            <m:chr m:val="̅"/>
+                            <m:ctrlPr>
+                              <a:rPr lang="nl-BE" sz="2400" b="0" i="1" smtClean="0">
+                                <a:latin typeface="Cambria Math" charset="0"/>
+                              </a:rPr>
+                            </m:ctrlPr>
+                          </m:accPr>
+                          <m:e>
+                            <m:r>
+                              <a:rPr lang="nl-BE" sz="2400" b="0" i="1" smtClean="0">
+                                <a:latin typeface="Cambria Math" charset="0"/>
+                              </a:rPr>
+                              <m:t>𝑢</m:t>
+                            </m:r>
+                            <m:r>
+                              <a:rPr lang="nl-BE" sz="2400" b="0" i="1" smtClean="0">
+                                <a:latin typeface="Cambria Math" charset="0"/>
+                              </a:rPr>
+                              <m:t>(</m:t>
+                            </m:r>
+                            <m:r>
+                              <a:rPr lang="nl-BE" sz="2400" b="0" i="1" smtClean="0">
+                                <a:latin typeface="Cambria Math" charset="0"/>
+                              </a:rPr>
+                              <m:t>𝑥</m:t>
+                            </m:r>
+                            <m:r>
+                              <a:rPr lang="nl-BE" sz="2400" b="0" i="1" smtClean="0">
+                                <a:latin typeface="Cambria Math" charset="0"/>
+                              </a:rPr>
+                              <m:t>,</m:t>
+                            </m:r>
+                            <m:r>
+                              <a:rPr lang="nl-BE" sz="2400" b="0" i="1" smtClean="0">
+                                <a:latin typeface="Cambria Math" charset="0"/>
+                              </a:rPr>
+                              <m:t>𝑦</m:t>
+                            </m:r>
+                            <m:r>
+                              <a:rPr lang="nl-BE" sz="2400" b="0" i="1" smtClean="0">
+                                <a:latin typeface="Cambria Math" charset="0"/>
+                              </a:rPr>
+                              <m:t>)</m:t>
+                            </m:r>
+                          </m:e>
+                        </m:acc>
+                      </m:e>
+                    </m:d>
+                    <m:r>
+                      <a:rPr lang="nl-BE" sz="2400" b="0" i="1" smtClean="0">
+                        <a:latin typeface="Cambria Math" charset="0"/>
+                      </a:rPr>
+                      <m:t>&lt;</m:t>
+                    </m:r>
+                    <m:sSub>
+                      <m:sSubPr>
+                        <m:ctrlPr>
+                          <a:rPr lang="nl-BE" sz="2400" b="0" i="1" smtClean="0">
+                            <a:latin typeface="Cambria Math" charset="0"/>
+                          </a:rPr>
+                        </m:ctrlPr>
+                      </m:sSubPr>
+                      <m:e>
+                        <m:r>
+                          <a:rPr lang="nl-BE" sz="2400" b="0" i="1" smtClean="0">
+                            <a:latin typeface="Cambria Math" charset="0"/>
+                          </a:rPr>
+                          <m:t>𝑢</m:t>
+                        </m:r>
+                      </m:e>
+                      <m:sub>
+                        <m:r>
+                          <a:rPr lang="nl-BE" sz="2400" b="0" i="1" smtClean="0">
+                            <a:latin typeface="Cambria Math" charset="0"/>
+                          </a:rPr>
+                          <m:t>𝑚𝑎𝑥</m:t>
+                        </m:r>
+                      </m:sub>
+                    </m:sSub>
+                    <m:r>
+                      <a:rPr lang="nl-BE" sz="2400" b="0" i="1" smtClean="0">
+                        <a:latin typeface="Cambria Math" charset="0"/>
+                      </a:rPr>
+                      <m:t>𝑡𝑜𝑙</m:t>
+                    </m:r>
+                  </m:oMath>
+                </a14:m>
+                <a:r>
+                  <a:rPr lang="en-GB" dirty="0" smtClean="0"/>
+                  <a:t> </a:t>
+                </a:r>
+                <a:endParaRPr lang="en-GB" dirty="0"/>
+              </a:p>
+            </p:txBody>
+          </p:sp>
+        </mc:Choice>
+        <mc:Fallback>
+          <p:sp>
+            <p:nvSpPr>
+              <p:cNvPr id="4" name="Espace réservé du contenu 3"/>
+              <p:cNvSpPr>
+                <a:spLocks noGrp="1" noRot="1" noChangeAspect="1" noMove="1" noResize="1" noEditPoints="1" noAdjustHandles="1" noChangeArrowheads="1" noChangeShapeType="1" noTextEdit="1"/>
+              </p:cNvSpPr>
+              <p:nvPr>
+                <p:ph sz="half" idx="2"/>
+              </p:nvPr>
+            </p:nvSpPr>
+            <p:spPr>
+              <a:blipFill rotWithShape="0">
+                <a:blip r:embed="rId2"/>
+                <a:stretch>
+                  <a:fillRect/>
+                </a:stretch>
+              </a:blipFill>
+            </p:spPr>
+            <p:txBody>
+              <a:bodyPr/>
+              <a:lstStyle/>
+              <a:p>
+                <a:r>
+                  <a:rPr lang="en-GB">
+                    <a:noFill/>
+                  </a:rPr>
+                  <a:t> </a:t>
+                </a:r>
+              </a:p>
+            </p:txBody>
+          </p:sp>
+        </mc:Fallback>
+      </mc:AlternateContent>
       <p:sp>
         <p:nvSpPr>
           <p:cNvPr id="5" name="Espace réservé du numéro de diapositive 4"/>
@@ -10063,10 +10273,701 @@
           </a:p>
         </p:txBody>
       </p:sp>
+      <p:pic>
+        <p:nvPicPr>
+          <p:cNvPr id="14" name="Espace réservé du contenu 13"/>
+          <p:cNvPicPr>
+            <a:picLocks noGrp="1" noChangeAspect="1"/>
+          </p:cNvPicPr>
+          <p:nvPr>
+            <p:ph sz="half" idx="1"/>
+          </p:nvPr>
+        </p:nvPicPr>
+        <p:blipFill>
+          <a:blip r:embed="rId3">
+            <a:extLst>
+              <a:ext uri="{28A0092B-C50C-407E-A947-70E740481C1C}">
+                <a14:useLocalDpi xmlns:a14="http://schemas.microsoft.com/office/drawing/2010/main" val="0"/>
+              </a:ext>
+            </a:extLst>
+          </a:blip>
+          <a:stretch>
+            <a:fillRect/>
+          </a:stretch>
+        </p:blipFill>
+        <p:spPr>
+          <a:xfrm>
+            <a:off x="1096963" y="2398461"/>
+            <a:ext cx="4938712" cy="2918329"/>
+          </a:xfrm>
+        </p:spPr>
+      </p:pic>
+    </p:spTree>
+    <p:extLst>
+      <p:ext uri="{BB962C8B-B14F-4D97-AF65-F5344CB8AC3E}">
+        <p14:creationId xmlns:p14="http://schemas.microsoft.com/office/powerpoint/2010/main" val="867428178"/>
+      </p:ext>
+    </p:extLst>
+  </p:cSld>
+  <p:clrMapOvr>
+    <a:masterClrMapping/>
+  </p:clrMapOvr>
+  <p:timing>
+    <p:tnLst>
+      <p:par>
+        <p:cTn id="1" dur="indefinite" restart="never" nodeType="tmRoot"/>
+      </p:par>
+    </p:tnLst>
+  </p:timing>
+</p:sld>
+</file>
+
+<file path=ppt/slides/slide25.xml><?xml version="1.0" encoding="utf-8"?>
+<p:sld xmlns:a="http://schemas.openxmlformats.org/drawingml/2006/main" xmlns:r="http://schemas.openxmlformats.org/officeDocument/2006/relationships" xmlns:p="http://schemas.openxmlformats.org/presentationml/2006/main">
+  <p:cSld>
+    <p:spTree>
+      <p:nvGrpSpPr>
+        <p:cNvPr id="1" name=""/>
+        <p:cNvGrpSpPr/>
+        <p:nvPr/>
+      </p:nvGrpSpPr>
+      <p:grpSpPr>
+        <a:xfrm>
+          <a:off x="0" y="0"/>
+          <a:ext cx="0" cy="0"/>
+          <a:chOff x="0" y="0"/>
+          <a:chExt cx="0" cy="0"/>
+        </a:xfrm>
+      </p:grpSpPr>
+      <p:sp>
+        <p:nvSpPr>
+          <p:cNvPr id="2" name="Titre 1"/>
+          <p:cNvSpPr>
+            <a:spLocks noGrp="1"/>
+          </p:cNvSpPr>
+          <p:nvPr>
+            <p:ph type="title"/>
+          </p:nvPr>
+        </p:nvSpPr>
+        <p:spPr/>
+        <p:txBody>
+          <a:bodyPr>
+            <a:normAutofit/>
+          </a:bodyPr>
+          <a:lstStyle/>
+          <a:p>
+            <a:r>
+              <a:rPr lang="en-GB" dirty="0" smtClean="0"/>
+              <a:t>The number of hanging nodes does not influence the number of iterations</a:t>
+            </a:r>
+            <a:endParaRPr lang="en-GB" dirty="0"/>
+          </a:p>
+        </p:txBody>
+      </p:sp>
+      <p:pic>
+        <p:nvPicPr>
+          <p:cNvPr id="4" name="Espace réservé du contenu 3"/>
+          <p:cNvPicPr>
+            <a:picLocks noGrp="1" noChangeAspect="1"/>
+          </p:cNvPicPr>
+          <p:nvPr>
+            <p:ph idx="1"/>
+          </p:nvPr>
+        </p:nvPicPr>
+        <p:blipFill>
+          <a:blip r:embed="rId3">
+            <a:extLst>
+              <a:ext uri="{28A0092B-C50C-407E-A947-70E740481C1C}">
+                <a14:useLocalDpi xmlns:a14="http://schemas.microsoft.com/office/drawing/2010/main" val="0"/>
+              </a:ext>
+            </a:extLst>
+          </a:blip>
+          <a:stretch>
+            <a:fillRect/>
+          </a:stretch>
+        </p:blipFill>
+        <p:spPr>
+          <a:xfrm>
+            <a:off x="2065368" y="1846263"/>
+            <a:ext cx="8121589" cy="4022725"/>
+          </a:xfrm>
+        </p:spPr>
+      </p:pic>
+      <p:sp>
+        <p:nvSpPr>
+          <p:cNvPr id="5" name="Espace réservé du numéro de diapositive 4"/>
+          <p:cNvSpPr>
+            <a:spLocks noGrp="1"/>
+          </p:cNvSpPr>
+          <p:nvPr>
+            <p:ph type="sldNum" sz="quarter" idx="12"/>
+          </p:nvPr>
+        </p:nvSpPr>
+        <p:spPr/>
+        <p:txBody>
+          <a:bodyPr/>
+          <a:lstStyle/>
+          <a:p>
+            <a:fld id="{E9347C92-BBEE-224D-BE6C-518EEC8431DA}" type="slidenum">
+              <a:rPr lang="en-GB" smtClean="0"/>
+              <a:t>24</a:t>
+            </a:fld>
+            <a:endParaRPr lang="en-GB"/>
+          </a:p>
+        </p:txBody>
+      </p:sp>
     </p:spTree>
     <p:extLst>
       <p:ext uri="{BB962C8B-B14F-4D97-AF65-F5344CB8AC3E}">
         <p14:creationId xmlns:p14="http://schemas.microsoft.com/office/powerpoint/2010/main" val="823661489"/>
+      </p:ext>
+    </p:extLst>
+  </p:cSld>
+  <p:clrMapOvr>
+    <a:masterClrMapping/>
+  </p:clrMapOvr>
+  <p:timing>
+    <p:tnLst>
+      <p:par>
+        <p:cTn id="1" dur="indefinite" restart="never" nodeType="tmRoot"/>
+      </p:par>
+    </p:tnLst>
+  </p:timing>
+</p:sld>
+</file>
+
+<file path=ppt/slides/slide26.xml><?xml version="1.0" encoding="utf-8"?>
+<p:sld xmlns:a="http://schemas.openxmlformats.org/drawingml/2006/main" xmlns:r="http://schemas.openxmlformats.org/officeDocument/2006/relationships" xmlns:p="http://schemas.openxmlformats.org/presentationml/2006/main">
+  <p:cSld>
+    <p:spTree>
+      <p:nvGrpSpPr>
+        <p:cNvPr id="1" name=""/>
+        <p:cNvGrpSpPr/>
+        <p:nvPr/>
+      </p:nvGrpSpPr>
+      <p:grpSpPr>
+        <a:xfrm>
+          <a:off x="0" y="0"/>
+          <a:ext cx="0" cy="0"/>
+          <a:chOff x="0" y="0"/>
+          <a:chExt cx="0" cy="0"/>
+        </a:xfrm>
+      </p:grpSpPr>
+      <p:sp>
+        <p:nvSpPr>
+          <p:cNvPr id="2" name="Titre 1"/>
+          <p:cNvSpPr>
+            <a:spLocks noGrp="1"/>
+          </p:cNvSpPr>
+          <p:nvPr>
+            <p:ph type="title"/>
+          </p:nvPr>
+        </p:nvSpPr>
+        <p:spPr/>
+        <p:txBody>
+          <a:bodyPr/>
+          <a:lstStyle/>
+          <a:p>
+            <a:r>
+              <a:rPr lang="en-GB" dirty="0" smtClean="0"/>
+              <a:t>Conclusion</a:t>
+            </a:r>
+            <a:endParaRPr lang="en-GB" dirty="0"/>
+          </a:p>
+        </p:txBody>
+      </p:sp>
+      <p:sp>
+        <p:nvSpPr>
+          <p:cNvPr id="3" name="Espace réservé du texte 2"/>
+          <p:cNvSpPr>
+            <a:spLocks noGrp="1"/>
+          </p:cNvSpPr>
+          <p:nvPr>
+            <p:ph type="body" idx="1"/>
+          </p:nvPr>
+        </p:nvSpPr>
+        <p:spPr/>
+        <p:txBody>
+          <a:bodyPr/>
+          <a:lstStyle/>
+          <a:p>
+            <a:pPr algn="ctr"/>
+            <a:r>
+              <a:rPr lang="en-GB" dirty="0" smtClean="0"/>
+              <a:t>Performances</a:t>
+            </a:r>
+            <a:endParaRPr lang="en-GB" dirty="0"/>
+          </a:p>
+        </p:txBody>
+      </p:sp>
+      <p:sp>
+        <p:nvSpPr>
+          <p:cNvPr id="4" name="Espace réservé du contenu 3"/>
+          <p:cNvSpPr>
+            <a:spLocks noGrp="1"/>
+          </p:cNvSpPr>
+          <p:nvPr>
+            <p:ph sz="half" idx="2"/>
+          </p:nvPr>
+        </p:nvSpPr>
+        <p:spPr/>
+        <p:txBody>
+          <a:bodyPr anchor="ctr"/>
+          <a:lstStyle/>
+          <a:p>
+            <a:pPr>
+              <a:buFont typeface="Arial" charset="0"/>
+              <a:buChar char="•"/>
+            </a:pPr>
+            <a:r>
+              <a:rPr lang="en-GB" dirty="0" smtClean="0"/>
+              <a:t> Coarse grid correction allows for h-independent convergence</a:t>
+            </a:r>
+          </a:p>
+          <a:p>
+            <a:pPr>
+              <a:buFont typeface="Arial" charset="0"/>
+              <a:buChar char="•"/>
+            </a:pPr>
+            <a:r>
+              <a:rPr lang="en-GB" dirty="0"/>
+              <a:t> </a:t>
+            </a:r>
+            <a:r>
+              <a:rPr lang="en-GB" dirty="0" smtClean="0"/>
+              <a:t>Increasing the degree increases the number of iterations since the overlap decreases</a:t>
+            </a:r>
+          </a:p>
+          <a:p>
+            <a:pPr>
+              <a:buFont typeface="Arial" charset="0"/>
+              <a:buChar char="•"/>
+            </a:pPr>
+            <a:r>
+              <a:rPr lang="en-GB" dirty="0"/>
+              <a:t> </a:t>
+            </a:r>
+            <a:r>
+              <a:rPr lang="en-GB" dirty="0" smtClean="0"/>
+              <a:t>The fine preconditioner is computed efficiently and works best with quadrants aligned with the axes</a:t>
+            </a:r>
+          </a:p>
+          <a:p>
+            <a:pPr>
+              <a:buFont typeface="Arial" charset="0"/>
+              <a:buChar char="•"/>
+            </a:pPr>
+            <a:r>
+              <a:rPr lang="en-GB" dirty="0"/>
+              <a:t> </a:t>
+            </a:r>
+            <a:r>
+              <a:rPr lang="en-GB" dirty="0" smtClean="0"/>
+              <a:t>The number of hanging nodes does not influence the number of iterations</a:t>
+            </a:r>
+            <a:endParaRPr lang="en-GB" dirty="0"/>
+          </a:p>
+        </p:txBody>
+      </p:sp>
+      <p:sp>
+        <p:nvSpPr>
+          <p:cNvPr id="5" name="Espace réservé du texte 4"/>
+          <p:cNvSpPr>
+            <a:spLocks noGrp="1"/>
+          </p:cNvSpPr>
+          <p:nvPr>
+            <p:ph type="body" sz="quarter" idx="3"/>
+          </p:nvPr>
+        </p:nvSpPr>
+        <p:spPr/>
+        <p:txBody>
+          <a:bodyPr/>
+          <a:lstStyle/>
+          <a:p>
+            <a:pPr algn="ctr"/>
+            <a:r>
+              <a:rPr lang="en-GB" dirty="0" smtClean="0"/>
+              <a:t>Improvements</a:t>
+            </a:r>
+            <a:endParaRPr lang="en-GB" dirty="0"/>
+          </a:p>
+        </p:txBody>
+      </p:sp>
+      <p:sp>
+        <p:nvSpPr>
+          <p:cNvPr id="6" name="Espace réservé du contenu 5"/>
+          <p:cNvSpPr>
+            <a:spLocks noGrp="1"/>
+          </p:cNvSpPr>
+          <p:nvPr>
+            <p:ph sz="quarter" idx="4"/>
+          </p:nvPr>
+        </p:nvSpPr>
+        <p:spPr/>
+        <p:txBody>
+          <a:bodyPr anchor="ctr"/>
+          <a:lstStyle/>
+          <a:p>
+            <a:pPr>
+              <a:buFont typeface="Arial" charset="0"/>
+              <a:buChar char="•"/>
+            </a:pPr>
+            <a:r>
+              <a:rPr lang="en-GB" dirty="0" smtClean="0"/>
+              <a:t> Try and keep the overlap constant to obtain a p-independent convergence</a:t>
+            </a:r>
+          </a:p>
+          <a:p>
+            <a:pPr>
+              <a:buFont typeface="Arial" charset="0"/>
+              <a:buChar char="•"/>
+            </a:pPr>
+            <a:r>
+              <a:rPr lang="en-GB" dirty="0"/>
+              <a:t> </a:t>
+            </a:r>
+            <a:r>
+              <a:rPr lang="en-GB" dirty="0" smtClean="0"/>
+              <a:t>Being able to handle other boundary conditions : Neumann, mixed or periodic</a:t>
+            </a:r>
+          </a:p>
+          <a:p>
+            <a:pPr>
+              <a:buFont typeface="Arial" charset="0"/>
+              <a:buChar char="•"/>
+            </a:pPr>
+            <a:r>
+              <a:rPr lang="en-GB" dirty="0"/>
+              <a:t> </a:t>
+            </a:r>
+            <a:r>
+              <a:rPr lang="en-GB" dirty="0" smtClean="0"/>
+              <a:t>Parallelize the code</a:t>
+            </a:r>
+          </a:p>
+          <a:p>
+            <a:pPr>
+              <a:buFont typeface="Arial" charset="0"/>
+              <a:buChar char="•"/>
+            </a:pPr>
+            <a:r>
+              <a:rPr lang="en-GB" dirty="0"/>
+              <a:t> </a:t>
+            </a:r>
+            <a:r>
+              <a:rPr lang="en-GB" dirty="0" smtClean="0"/>
+              <a:t>Apply the algorithm to 3D problems</a:t>
+            </a:r>
+            <a:endParaRPr lang="en-GB" dirty="0"/>
+          </a:p>
+        </p:txBody>
+      </p:sp>
+      <p:sp>
+        <p:nvSpPr>
+          <p:cNvPr id="7" name="Espace réservé du numéro de diapositive 6"/>
+          <p:cNvSpPr>
+            <a:spLocks noGrp="1"/>
+          </p:cNvSpPr>
+          <p:nvPr>
+            <p:ph type="sldNum" sz="quarter" idx="12"/>
+          </p:nvPr>
+        </p:nvSpPr>
+        <p:spPr/>
+        <p:txBody>
+          <a:bodyPr/>
+          <a:lstStyle/>
+          <a:p>
+            <a:fld id="{E9347C92-BBEE-224D-BE6C-518EEC8431DA}" type="slidenum">
+              <a:rPr lang="en-GB" smtClean="0"/>
+              <a:t>25</a:t>
+            </a:fld>
+            <a:endParaRPr lang="en-GB"/>
+          </a:p>
+        </p:txBody>
+      </p:sp>
+    </p:spTree>
+    <p:extLst>
+      <p:ext uri="{BB962C8B-B14F-4D97-AF65-F5344CB8AC3E}">
+        <p14:creationId xmlns:p14="http://schemas.microsoft.com/office/powerpoint/2010/main" val="1198929913"/>
+      </p:ext>
+    </p:extLst>
+  </p:cSld>
+  <p:clrMapOvr>
+    <a:masterClrMapping/>
+  </p:clrMapOvr>
+  <p:timing>
+    <p:tnLst>
+      <p:par>
+        <p:cTn id="1" dur="indefinite" restart="never" nodeType="tmRoot"/>
+      </p:par>
+    </p:tnLst>
+  </p:timing>
+</p:sld>
+</file>
+
+<file path=ppt/slides/slide27.xml><?xml version="1.0" encoding="utf-8"?>
+<p:sld xmlns:a="http://schemas.openxmlformats.org/drawingml/2006/main" xmlns:r="http://schemas.openxmlformats.org/officeDocument/2006/relationships" xmlns:p="http://schemas.openxmlformats.org/presentationml/2006/main">
+  <p:cSld>
+    <p:spTree>
+      <p:nvGrpSpPr>
+        <p:cNvPr id="1" name=""/>
+        <p:cNvGrpSpPr/>
+        <p:nvPr/>
+      </p:nvGrpSpPr>
+      <p:grpSpPr>
+        <a:xfrm>
+          <a:off x="0" y="0"/>
+          <a:ext cx="0" cy="0"/>
+          <a:chOff x="0" y="0"/>
+          <a:chExt cx="0" cy="0"/>
+        </a:xfrm>
+      </p:grpSpPr>
+      <p:sp>
+        <p:nvSpPr>
+          <p:cNvPr id="7" name="Espace réservé du numéro de diapositive 6"/>
+          <p:cNvSpPr>
+            <a:spLocks noGrp="1"/>
+          </p:cNvSpPr>
+          <p:nvPr>
+            <p:ph type="sldNum" sz="quarter" idx="12"/>
+          </p:nvPr>
+        </p:nvSpPr>
+        <p:spPr/>
+        <p:txBody>
+          <a:bodyPr/>
+          <a:lstStyle/>
+          <a:p>
+            <a:fld id="{E9347C92-BBEE-224D-BE6C-518EEC8431DA}" type="slidenum">
+              <a:rPr lang="en-GB" smtClean="0"/>
+              <a:t>26</a:t>
+            </a:fld>
+            <a:endParaRPr lang="en-GB"/>
+          </a:p>
+        </p:txBody>
+      </p:sp>
+      <p:pic>
+        <p:nvPicPr>
+          <p:cNvPr id="9" name="Image 8"/>
+          <p:cNvPicPr>
+            <a:picLocks noChangeAspect="1"/>
+          </p:cNvPicPr>
+          <p:nvPr/>
+        </p:nvPicPr>
+        <p:blipFill>
+          <a:blip r:embed="rId2">
+            <a:extLst>
+              <a:ext uri="{28A0092B-C50C-407E-A947-70E740481C1C}">
+                <a14:useLocalDpi xmlns:a14="http://schemas.microsoft.com/office/drawing/2010/main" val="0"/>
+              </a:ext>
+            </a:extLst>
+          </a:blip>
+          <a:stretch>
+            <a:fillRect/>
+          </a:stretch>
+        </p:blipFill>
+        <p:spPr>
+          <a:xfrm>
+            <a:off x="-2714625" y="0"/>
+            <a:ext cx="16851630" cy="6858000"/>
+          </a:xfrm>
+          <a:prstGeom prst="rect">
+            <a:avLst/>
+          </a:prstGeom>
+        </p:spPr>
+      </p:pic>
+    </p:spTree>
+    <p:extLst>
+      <p:ext uri="{BB962C8B-B14F-4D97-AF65-F5344CB8AC3E}">
+        <p14:creationId xmlns:p14="http://schemas.microsoft.com/office/powerpoint/2010/main" val="1332567948"/>
+      </p:ext>
+    </p:extLst>
+  </p:cSld>
+  <p:clrMapOvr>
+    <a:masterClrMapping/>
+  </p:clrMapOvr>
+  <p:timing>
+    <p:tnLst>
+      <p:par>
+        <p:cTn id="1" dur="indefinite" restart="never" nodeType="tmRoot"/>
+      </p:par>
+    </p:tnLst>
+  </p:timing>
+</p:sld>
+</file>
+
+<file path=ppt/slides/slide28.xml><?xml version="1.0" encoding="utf-8"?>
+<p:sld xmlns:a="http://schemas.openxmlformats.org/drawingml/2006/main" xmlns:r="http://schemas.openxmlformats.org/officeDocument/2006/relationships" xmlns:p="http://schemas.openxmlformats.org/presentationml/2006/main">
+  <p:cSld>
+    <p:spTree>
+      <p:nvGrpSpPr>
+        <p:cNvPr id="1" name=""/>
+        <p:cNvGrpSpPr/>
+        <p:nvPr/>
+      </p:nvGrpSpPr>
+      <p:grpSpPr>
+        <a:xfrm>
+          <a:off x="0" y="0"/>
+          <a:ext cx="0" cy="0"/>
+          <a:chOff x="0" y="0"/>
+          <a:chExt cx="0" cy="0"/>
+        </a:xfrm>
+      </p:grpSpPr>
+      <p:sp>
+        <p:nvSpPr>
+          <p:cNvPr id="2" name="Titre 1"/>
+          <p:cNvSpPr>
+            <a:spLocks noGrp="1"/>
+          </p:cNvSpPr>
+          <p:nvPr>
+            <p:ph type="title"/>
+          </p:nvPr>
+        </p:nvSpPr>
+        <p:spPr/>
+        <p:txBody>
+          <a:bodyPr/>
+          <a:lstStyle/>
+          <a:p>
+            <a:r>
+              <a:rPr lang="en-GB" dirty="0" smtClean="0"/>
+              <a:t>Appendix – Deformed meshes</a:t>
+            </a:r>
+            <a:endParaRPr lang="en-GB" dirty="0"/>
+          </a:p>
+        </p:txBody>
+      </p:sp>
+      <p:sp>
+        <p:nvSpPr>
+          <p:cNvPr id="6" name="Espace réservé du texte 5"/>
+          <p:cNvSpPr>
+            <a:spLocks noGrp="1"/>
+          </p:cNvSpPr>
+          <p:nvPr>
+            <p:ph type="body" idx="1"/>
+          </p:nvPr>
+        </p:nvSpPr>
+        <p:spPr/>
+        <p:txBody>
+          <a:bodyPr/>
+          <a:lstStyle/>
+          <a:p>
+            <a:pPr algn="ctr"/>
+            <a:r>
+              <a:rPr lang="en-GB" dirty="0" smtClean="0"/>
+              <a:t>Small deformation</a:t>
+            </a:r>
+            <a:endParaRPr lang="en-GB" dirty="0"/>
+          </a:p>
+        </p:txBody>
+      </p:sp>
+      <p:pic>
+        <p:nvPicPr>
+          <p:cNvPr id="10" name="Espace réservé du contenu 9"/>
+          <p:cNvPicPr>
+            <a:picLocks noGrp="1" noChangeAspect="1"/>
+          </p:cNvPicPr>
+          <p:nvPr>
+            <p:ph sz="half" idx="2"/>
+          </p:nvPr>
+        </p:nvPicPr>
+        <p:blipFill>
+          <a:blip r:embed="rId2">
+            <a:extLst>
+              <a:ext uri="{28A0092B-C50C-407E-A947-70E740481C1C}">
+                <a14:useLocalDpi xmlns:a14="http://schemas.microsoft.com/office/drawing/2010/main" val="0"/>
+              </a:ext>
+            </a:extLst>
+          </a:blip>
+          <a:stretch>
+            <a:fillRect/>
+          </a:stretch>
+        </p:blipFill>
+        <p:spPr>
+          <a:xfrm>
+            <a:off x="1096963" y="2812798"/>
+            <a:ext cx="4938712" cy="2918329"/>
+          </a:xfrm>
+        </p:spPr>
+      </p:pic>
+      <p:sp>
+        <p:nvSpPr>
+          <p:cNvPr id="8" name="Espace réservé du texte 7"/>
+          <p:cNvSpPr>
+            <a:spLocks noGrp="1"/>
+          </p:cNvSpPr>
+          <p:nvPr>
+            <p:ph type="body" sz="quarter" idx="3"/>
+          </p:nvPr>
+        </p:nvSpPr>
+        <p:spPr/>
+        <p:txBody>
+          <a:bodyPr/>
+          <a:lstStyle/>
+          <a:p>
+            <a:pPr algn="ctr"/>
+            <a:r>
+              <a:rPr lang="en-GB" dirty="0" smtClean="0"/>
+              <a:t>High deformation</a:t>
+            </a:r>
+            <a:endParaRPr lang="en-GB" dirty="0"/>
+          </a:p>
+        </p:txBody>
+      </p:sp>
+      <p:pic>
+        <p:nvPicPr>
+          <p:cNvPr id="11" name="Espace réservé du contenu 10"/>
+          <p:cNvPicPr>
+            <a:picLocks noGrp="1" noChangeAspect="1"/>
+          </p:cNvPicPr>
+          <p:nvPr>
+            <p:ph sz="quarter" idx="4"/>
+          </p:nvPr>
+        </p:nvPicPr>
+        <p:blipFill>
+          <a:blip r:embed="rId3">
+            <a:extLst>
+              <a:ext uri="{28A0092B-C50C-407E-A947-70E740481C1C}">
+                <a14:useLocalDpi xmlns:a14="http://schemas.microsoft.com/office/drawing/2010/main" val="0"/>
+              </a:ext>
+            </a:extLst>
+          </a:blip>
+          <a:stretch>
+            <a:fillRect/>
+          </a:stretch>
+        </p:blipFill>
+        <p:spPr>
+          <a:xfrm>
+            <a:off x="6218238" y="2813267"/>
+            <a:ext cx="4937125" cy="2917392"/>
+          </a:xfrm>
+        </p:spPr>
+      </p:pic>
+      <p:sp>
+        <p:nvSpPr>
+          <p:cNvPr id="5" name="Espace réservé du numéro de diapositive 4"/>
+          <p:cNvSpPr>
+            <a:spLocks noGrp="1"/>
+          </p:cNvSpPr>
+          <p:nvPr>
+            <p:ph type="sldNum" sz="quarter" idx="12"/>
+          </p:nvPr>
+        </p:nvSpPr>
+        <p:spPr/>
+        <p:txBody>
+          <a:bodyPr/>
+          <a:lstStyle/>
+          <a:p>
+            <a:fld id="{E9347C92-BBEE-224D-BE6C-518EEC8431DA}" type="slidenum">
+              <a:rPr lang="en-GB" smtClean="0"/>
+              <a:t>27</a:t>
+            </a:fld>
+            <a:endParaRPr lang="en-GB"/>
+          </a:p>
+        </p:txBody>
+      </p:sp>
+    </p:spTree>
+    <p:extLst>
+      <p:ext uri="{BB962C8B-B14F-4D97-AF65-F5344CB8AC3E}">
+        <p14:creationId xmlns:p14="http://schemas.microsoft.com/office/powerpoint/2010/main" val="247769887"/>
       </p:ext>
     </p:extLst>
   </p:cSld>
